--- a/doku/externalFiles/regelkreis.pptx
+++ b/doku/externalFiles/regelkreis.pptx
@@ -104,6 +104,11 @@
       </a:defRPr>
     </a:lvl9pPr>
   </p:defaultTextStyle>
+  <p:extLst>
+    <p:ext uri="{EFAFB233-063F-42B5-8137-9DF3F51BA10A}">
+      <p15:sldGuideLst xmlns:p15="http://schemas.microsoft.com/office/powerpoint/2012/main"/>
+    </p:ext>
+  </p:extLst>
 </p:presentation>
 </file>
 
@@ -254,7 +259,7 @@
           <a:p>
             <a:fld id="{7D531F7E-848A-264C-AF7A-6E4BD2FF4B92}" type="datetimeFigureOut">
               <a:rPr lang="de-DE" smtClean="0"/>
-              <a:t>19.05.22</a:t>
+              <a:t>29.06.2022</a:t>
             </a:fld>
             <a:endParaRPr lang="de-DE"/>
           </a:p>
@@ -452,7 +457,7 @@
           <a:p>
             <a:fld id="{7D531F7E-848A-264C-AF7A-6E4BD2FF4B92}" type="datetimeFigureOut">
               <a:rPr lang="de-DE" smtClean="0"/>
-              <a:t>19.05.22</a:t>
+              <a:t>29.06.2022</a:t>
             </a:fld>
             <a:endParaRPr lang="de-DE"/>
           </a:p>
@@ -660,7 +665,7 @@
           <a:p>
             <a:fld id="{7D531F7E-848A-264C-AF7A-6E4BD2FF4B92}" type="datetimeFigureOut">
               <a:rPr lang="de-DE" smtClean="0"/>
-              <a:t>19.05.22</a:t>
+              <a:t>29.06.2022</a:t>
             </a:fld>
             <a:endParaRPr lang="de-DE"/>
           </a:p>
@@ -858,7 +863,7 @@
           <a:p>
             <a:fld id="{7D531F7E-848A-264C-AF7A-6E4BD2FF4B92}" type="datetimeFigureOut">
               <a:rPr lang="de-DE" smtClean="0"/>
-              <a:t>19.05.22</a:t>
+              <a:t>29.06.2022</a:t>
             </a:fld>
             <a:endParaRPr lang="de-DE"/>
           </a:p>
@@ -1133,7 +1138,7 @@
           <a:p>
             <a:fld id="{7D531F7E-848A-264C-AF7A-6E4BD2FF4B92}" type="datetimeFigureOut">
               <a:rPr lang="de-DE" smtClean="0"/>
-              <a:t>19.05.22</a:t>
+              <a:t>29.06.2022</a:t>
             </a:fld>
             <a:endParaRPr lang="de-DE"/>
           </a:p>
@@ -1398,7 +1403,7 @@
           <a:p>
             <a:fld id="{7D531F7E-848A-264C-AF7A-6E4BD2FF4B92}" type="datetimeFigureOut">
               <a:rPr lang="de-DE" smtClean="0"/>
-              <a:t>19.05.22</a:t>
+              <a:t>29.06.2022</a:t>
             </a:fld>
             <a:endParaRPr lang="de-DE"/>
           </a:p>
@@ -1810,7 +1815,7 @@
           <a:p>
             <a:fld id="{7D531F7E-848A-264C-AF7A-6E4BD2FF4B92}" type="datetimeFigureOut">
               <a:rPr lang="de-DE" smtClean="0"/>
-              <a:t>19.05.22</a:t>
+              <a:t>29.06.2022</a:t>
             </a:fld>
             <a:endParaRPr lang="de-DE"/>
           </a:p>
@@ -1951,7 +1956,7 @@
           <a:p>
             <a:fld id="{7D531F7E-848A-264C-AF7A-6E4BD2FF4B92}" type="datetimeFigureOut">
               <a:rPr lang="de-DE" smtClean="0"/>
-              <a:t>19.05.22</a:t>
+              <a:t>29.06.2022</a:t>
             </a:fld>
             <a:endParaRPr lang="de-DE"/>
           </a:p>
@@ -2064,7 +2069,7 @@
           <a:p>
             <a:fld id="{7D531F7E-848A-264C-AF7A-6E4BD2FF4B92}" type="datetimeFigureOut">
               <a:rPr lang="de-DE" smtClean="0"/>
-              <a:t>19.05.22</a:t>
+              <a:t>29.06.2022</a:t>
             </a:fld>
             <a:endParaRPr lang="de-DE"/>
           </a:p>
@@ -2375,7 +2380,7 @@
           <a:p>
             <a:fld id="{7D531F7E-848A-264C-AF7A-6E4BD2FF4B92}" type="datetimeFigureOut">
               <a:rPr lang="de-DE" smtClean="0"/>
-              <a:t>19.05.22</a:t>
+              <a:t>29.06.2022</a:t>
             </a:fld>
             <a:endParaRPr lang="de-DE"/>
           </a:p>
@@ -2663,7 +2668,7 @@
           <a:p>
             <a:fld id="{7D531F7E-848A-264C-AF7A-6E4BD2FF4B92}" type="datetimeFigureOut">
               <a:rPr lang="de-DE" smtClean="0"/>
-              <a:t>19.05.22</a:t>
+              <a:t>29.06.2022</a:t>
             </a:fld>
             <a:endParaRPr lang="de-DE"/>
           </a:p>
@@ -2904,7 +2909,7 @@
           <a:p>
             <a:fld id="{7D531F7E-848A-264C-AF7A-6E4BD2FF4B92}" type="datetimeFigureOut">
               <a:rPr lang="de-DE" smtClean="0"/>
-              <a:t>19.05.22</a:t>
+              <a:t>29.06.2022</a:t>
             </a:fld>
             <a:endParaRPr lang="de-DE"/>
           </a:p>
@@ -3321,8 +3326,8 @@
           <a:chExt cx="0" cy="0"/>
         </a:xfrm>
       </p:grpSpPr>
-      <mc:AlternateContent xmlns:mc="http://schemas.openxmlformats.org/markup-compatibility/2006">
-        <mc:Choice xmlns:a14="http://schemas.microsoft.com/office/drawing/2010/main" Requires="a14">
+      <mc:AlternateContent xmlns:mc="http://schemas.openxmlformats.org/markup-compatibility/2006" xmlns:a14="http://schemas.microsoft.com/office/drawing/2010/main">
+        <mc:Choice Requires="a14">
           <p:sp>
             <p:nvSpPr>
               <p:cNvPr id="4" name="Rechteck 3">
@@ -3408,7 +3413,7 @@
             </p:txBody>
           </p:sp>
         </mc:Choice>
-        <mc:Fallback>
+        <mc:Fallback xmlns="">
           <p:sp>
             <p:nvSpPr>
               <p:cNvPr id="4" name="Rechteck 3">
@@ -3458,8 +3463,8 @@
           </p:sp>
         </mc:Fallback>
       </mc:AlternateContent>
-      <mc:AlternateContent xmlns:mc="http://schemas.openxmlformats.org/markup-compatibility/2006">
-        <mc:Choice xmlns:a14="http://schemas.microsoft.com/office/drawing/2010/main" Requires="a14">
+      <mc:AlternateContent xmlns:mc="http://schemas.openxmlformats.org/markup-compatibility/2006" xmlns:a14="http://schemas.microsoft.com/office/drawing/2010/main">
+        <mc:Choice Requires="a14">
           <p:sp>
             <p:nvSpPr>
               <p:cNvPr id="6" name="Rechteck 5">
@@ -3553,7 +3558,7 @@
             </p:txBody>
           </p:sp>
         </mc:Choice>
-        <mc:Fallback>
+        <mc:Fallback xmlns="">
           <p:sp>
             <p:nvSpPr>
               <p:cNvPr id="6" name="Rechteck 5">
@@ -3791,7 +3796,7 @@
       </p:pic>
       <p:pic>
         <p:nvPicPr>
-          <p:cNvPr id="1031" name="Picture 7" descr="Freihandzeichnungen&#13;&#10;Freihandzeichnungen&#13;&#10;Freihandzeichnungen&#13;&#10;Freihandzeichnungen&#13;&#10;Freihandzeichnungen&#13;&#10;Freihandzeichnungen&#13;&#10;Freihandzeichnungen&#13;&#10;Freihandzeichnungen&#13;&#10;Freihandzeichnungen&#13;&#10;Freihandzeichnungen&#13;&#10;Freihandzeichnungen&#13;&#10;Freihandzeichnungen&#13;&#10;Freihandzeichnungen&#13;&#10;Freihandzeichnungen&#13;&#10;Freihandzeichnungen&#13;&#10;Freihandzeichnungen&#13;&#10;Freihandzeichnungen&#13;&#10;Freihandzeichnungen&#13;&#10;Freihandzeichnungen&#13;&#10;Freihandzeichnungen&#13;&#10;Freihandzeichnungen&#13;&#10;Freihandzeichnungen&#13;&#10;Freihandzeichnungen&#13;&#10;Freihandzeichnungen&#13;&#10;Freihandzeichnungen&#13;&#10;Freihandzeichnungen&#13;&#10;Freihandzeichnungen&#13;&#10;Freihandzeichnungen&#13;&#10;Freihandzeichnungen&#13;&#10;Freihandzeichnungen&#13;&#10;Freihandzeichnungen&#13;&#10;Freihandzeichnungen&#13;&#10;Freihandzeichnungen&#13;&#10;Freihandzeichnungen&#13;&#10;Freihandzeichnungen&#13;&#10;Freihandzeichnungen&#13;&#10;Freihandzeichnungen&#13;&#10;Freihandzeichnungen&#13;&#10;Freihandzeichnungen&#13;&#10;Freihandzeichnungen&#13;&#10;Freihandzeichnungen&#13;&#10;Freihandzeichnungen&#13;&#10;Freihandzeichnungen&#13;&#10;Freihandzeichnungen&#13;&#10;Freihandzeichnungen&#13;&#10;Freihandzeichnungen&#13;&#10;Freihandzeichnungen&#13;&#10;Freihandzeichnungen&#13;&#10;Freihandzeichnungen&#13;&#10;Freihandzeichnungen&#13;&#10;Freihandzeichnungen&#13;&#10;Freihandzeichnungen&#13;&#10;Freihandzeichnungen&#13;&#10;Freihandzeichnungen&#13;&#10;Freihandzeichnungen&#13;&#10;Freihandzeichnungen&#13;&#10;Freihandzeichnungen&#13;&#10;Freihandzeichnungen&#13;&#10;Freihandzeichnungen&#13;&#10;Freihandzeichnungen&#13;&#10;Freihandzeichnungen&#13;&#10;Freihandzeichnungen&#13;&#10;Freihandzeichnungen&#13;&#10;Freihandzeichnungen&#13;&#10;Freihandzeichnungen&#13;&#10;Freihandzeichnungen&#13;&#10;Freihandzeichnungen&#13;&#10;Freihandzeichnungen&#13;&#10;Freihandzeichnungen&#13;&#10;Freihandzeichnungen&#13;&#10;Freihandzeichnungen&#13;&#10;Freihandzeichnungen&#13;&#10;Freihandzeichnungen&#13;&#10;Freihandzeichnungen&#13;&#10;Freihandzeichnungen&#13;&#10;Freihandzeichnungen&#13;&#10;Freihandzeichnungen&#13;&#10;Freihandzeichnungen&#13;&#10;Freihandzeichnungen&#13;&#10;Freihandzeichnungen&#13;&#10;Freihandzeichnungen&#13;&#10;Freihandzeichnungen&#13;&#10;Freihandzeichnungen&#13;&#10;Freihandzeichnungen&#13;&#10;Freihandzeichnungen&#13;&#10;Freihandzeichnungen&#13;&#10;Freihandzeichnungen&#13;&#10;Freihandzeichnungen&#13;&#10;Freihandzeichnungen&#13;&#10;Freihandzeichnungen&#13;&#10;Freihandzeichnungen&#13;&#10;Freihandzeichnungen&#13;&#10;Freihandzeichnungen&#13;&#10;Freihandzeichnungen&#13;&#10;Freihandzeichnungen&#13;&#10;Freihandzeichnungen&#13;&#10;Freihandzeichnungen&#13;&#10;Freihandzeichnungen&#13;&#10;Freihandzeichnungen&#13;&#10;Freihandzeichnungen&#13;&#10;Freihandzeichnungen&#13;&#10;Freihandzeichnungen&#13;&#10;Freihandzeichnungen&#13;&#10;Freihandzeichnungen&#13;&#10;Freihandzeichnungen&#13;&#10;Freihandzeichnungen&#13;&#10;Freihandzeichnungen&#13;&#10;Freihandzeichnungen&#13;&#10;Freihandzeichnungen&#13;&#10;Freihandzeichnungen&#13;&#10;Freihandzeichnungen&#13;&#10;Freihandzeichnungen&#13;&#10;Freihandzeichnungen&#13;&#10;Freihandzeichnungen&#13;&#10;Freihandzeichnungen&#13;&#10;Freihandzeichnungen&#13;&#10;Freihandzeichnungen&#13;&#10;Freihandzeichnungen&#13;&#10;Freihandzeichnungen&#13;&#10;Freihandzeichnungen&#13;&#10;Freihandzeichnungen&#13;&#10;Freihandzeichnungen&#13;&#10;Freihandzeichnungen&#13;&#10;Freihandzeichnungen&#13;&#10;Freihandzeichnungen&#13;&#10;Freihandzeichnungen&#13;&#10;Freihandzeichnungen&#13;&#10;Freihandzeichnungen&#13;&#10;Freihandzeichnungen&#13;&#10;Freihandzeichnungen&#13;&#10;Freihandzeichnungen&#13;&#10;Freihandzeichnungen&#13;&#10;Freihandzeichnungen&#13;&#10;Freihandzeichnungen&#13;&#10;Freihandzeichnungen&#13;&#10;Freihandzeichnungen&#13;&#10;Freihandzeichnungen&#13;&#10;Freihandzeichnungen&#13;&#10;Freihandzeichnungen&#13;&#10;Freihandzeichnungen&#13;&#10;Freihandzeichnungen&#13;&#10;Freihandzeichnungen&#13;&#10;Freihandzeichnungen&#13;&#10;Freihandzeichnungen&#13;&#10;Freihandzeichnungen&#13;&#10;Freihandzeichnungen&#13;&#10;Freihandzeichnungen&#13;&#10;Freihandzeichnungen&#13;&#10;Freihandzeichnungen&#13;&#10;Freihandzeichnungen&#13;&#10;Freihandzeichnungen&#13;&#10;Freihandzeichnungen&#13;&#10;Freihandzeichnungen&#13;&#10;Freihandzeichnungen&#13;&#10;Freihandzeichnungen&#13;&#10;Freihandzeichnungen&#13;&#10;Freihandzeichnungen&#13;&#10;Freihandzeichnungen&#13;&#10;Freihandzeichnungen&#13;&#10;Freihandzeichnungen&#13;&#10;Freihandzeichnungen&#13;&#10;Freihandzeichnungen&#13;&#10;Freihandzeichnungen&#13;&#10;Freihandzeichnungen&#13;&#10;Freihandzeichnungen&#13;&#10;Freihandzeichnungen&#13;&#10;Freihandzeichnungen&#13;&#10;Freihandzeichnungen&#13;&#10;Freihandzeichnungen&#13;&#10;Freihandzeichnungen&#13;&#10;Freihandzeichnungen&#13;&#10;Freihandzeichnungen&#13;&#10;Freihandzeichnungen&#13;&#10;Freihandzeichnungen&#13;&#10;Freihandzeichnungen&#13;&#10;Freihandzeichnungen&#13;&#10;Freihandzeichnungen&#13;&#10;Freihandzeichnungen&#13;&#10;Freihandzeichnungen&#13;&#10;Freihandzeichnungen&#13;&#10;Freihandzeichnungen&#13;&#10;Freihandzeichnungen&#13;&#10;Freihandzeichnungen&#13;&#10;Freihandzeichnungen&#13;&#10;Freihandzeichnungen&#13;&#10;Freihandzeichnungen&#13;&#10;Freihandzeichnungen&#13;&#10;Freihandzeichnungen&#13;&#10;Freihandzeichnungen&#13;&#10;Freihandzeichnungen&#13;&#10;Freihandzeichnungen&#13;&#10;Freihandzeichnungen&#13;&#10;Freihandzeichnungen&#13;&#10;Freihandzeichnungen&#13;&#10;Freihandzeichnungen&#13;&#10;Freihandzeichnungen&#13;&#10;Freihandzeichnungen&#13;&#10;Freihandzeichnungen&#13;&#10;Freihandzeichnungen&#13;&#10;Freihandzeichnungen&#13;&#10;Freihandzeichnungen&#13;&#10;Freihandzeichnungen&#13;&#10;Freihandzeichnungen&#13;&#10;Freihandzeichnungen&#13;&#10;Freihandzeichnungen&#13;&#10;Freihandzeichnungen&#13;&#10;Freihandzeichnungen&#13;&#10;Freihandzeichnungen&#13;&#10;Freihandzeichnungen&#13;&#10;Freihandzeichnungen&#13;&#10;Freihandzeichnungen&#13;&#10;Freihandzeichnungen&#13;&#10;Freihandzeichnungen&#13;&#10;Freihandzeichnungen&#13;&#10;Freihandzeichnungen&#13;&#10;Freihandzeichnungen&#13;&#10;Freihandzeichnungen&#13;&#10;Freihandzeichnungen&#13;&#10;Freihandzeichnungen&#13;&#10;Freihandzeichnungen&#13;&#10;Freihandzeichnungen&#13;&#10;Freihandzeichnungen&#13;&#10;Freihandzeichnungen&#13;&#10;Freihandzeichnungen&#13;&#10;Freihandzeichnungen&#13;&#10;Freihandzeichnungen&#13;&#10;Freihandzeichnungen&#13;&#10;Freihandzeichnungen&#13;&#10;Freihandzeichnungen&#13;&#10;Freihandzeichnungen&#13;&#10;Freihandzeichnungen&#13;&#10;Freihandzeichnungen&#13;&#10;Freihandzeichnungen&#13;&#10;Freihandzeichnungen&#13;&#10;Freihandzeichnungen&#13;&#10;Freihandzeichnungen&#13;&#10;Freihandzeichnungen&#13;&#10;Freihandzeichnungen&#13;&#10;Freihandzeichnungen&#13;&#10;Freihandzeichnungen&#13;&#10;Freihandzeichnungen&#13;&#10;Freihandzeichnungen&#13;&#10;Freihandzeichnungen&#13;&#10;Freihandzeichnungen&#13;&#10;Freihandzeichnungen&#13;&#10;Freihandzeichnungen&#13;&#10;Freihandzeichnungen&#13;&#10;Freihandzeichnungen&#13;&#10;Freihandzeichnungen&#13;&#10;Freihandzeichnungen&#13;&#10;Freihandzeichnungen&#13;&#10;Freihandzeichnungen&#13;&#10;Freihandzeichnungen&#13;&#10;Freihandzeichnungen&#13;&#10;Freihandzeichnungen&#13;&#10;Freihandzeichnungen&#13;&#10;Freihandzeichnungen&#13;&#10;Freihandzeichnungen&#13;&#10;Freihandzeichnungen&#13;&#10;Freihandzeichnungen&#13;&#10;Freihandzeichnungen&#13;&#10;Freihandzeichnungen&#13;&#10;Freihandzeichnungen&#13;&#10;Freihandzeichnungen&#13;&#10;Freihandzeichnungen&#13;&#10;Freihandzeichnungen&#13;&#10;Freihandzeichnungen&#13;&#10;Freihandzeichnungen&#13;&#10;Freihandzeichnungen&#13;&#10;Freihandzeichnungen&#13;&#10;Freihandzeichnungen&#13;&#10;Freihandzeichnungen&#13;&#10;Freihandzeichnungen&#13;&#10;Freihandzeichnungen&#13;&#10;Freihandzeichnungen&#13;&#10;Freihandzeichnungen&#13;&#10;Freihandzeichnungen&#13;&#10;Freihandzeichnungen&#13;&#10;Freihandzeichnungen&#13;&#10;Freihandzeichnungen&#13;&#10;Freihandzeichnungen&#13;&#10;Freihandzeichnungen&#13;&#10;Freihandzeichnungen&#13;&#10;Freihandzeichnungen&#13;&#10;Freihandzeichnungen&#13;&#10;Freihandzeichnungen&#13;&#10;Freihandzeichnungen&#13;&#10;Freihandzeichnungen&#13;&#10;Freihandzeichnungen&#13;&#10;Freihandzeichnungen&#13;&#10;Freihandzeichnungen&#13;&#10;Freihandzeichnungen&#13;&#10;Freihandzeichnungen&#13;&#10;Freihandzeichnungen&#13;&#10;Freihandzeichnungen&#13;&#10;Freihandzeichnungen&#13;&#10;Freihandzeichnungen&#13;&#10;Freihandzeichnungen&#13;&#10;Freihandzeichnungen&#13;&#10;Freihandzeichnungen&#13;&#10;Freihandzeichnungen&#13;&#10;Freihandzeichnungen&#13;&#10;Freihandzeichnungen&#13;&#10;Freihandzeichnungen&#13;&#10;Freihandzeichnungen&#13;&#10;Freihandzeichnungen&#13;&#10;Freihandzeichnungen&#13;&#10;Freihandzeichnungen&#13;&#10;Freihandzeichnungen&#13;&#10;Freihandzeichnungen&#13;&#10;Freihandzeichnungen&#13;&#10;Freihandzeichnungen&#13;&#10;Freihandzeichnungen&#13;&#10;Freihandzeichnungen&#13;&#10;Freihandzeichnungen&#13;&#10;Freihandzeichnungen&#13;&#10;Freihandzeichnungen&#13;&#10;Freihandzeichnungen&#13;&#10;Freihandzeichnungen&#13;&#10;Freihandzeichnungen&#13;&#10;Freihandzeichnungen&#13;&#10;Freihandzeichnungen&#13;&#10;Freihandzeichnungen&#13;&#10;Freihandzeichnungen&#13;&#10;Freihandzeichnungen&#13;&#10;Freihandzeichnungen&#13;&#10;Freihandzeichnungen&#13;&#10;Freihandzeichnungen&#13;&#10;Freihandzeichnungen&#13;&#10;Freihandzeichnungen&#13;&#10;Freihandzeichnungen&#13;&#10;Freihandzeichnungen&#13;&#10;Freihandzeichnungen&#13;&#10;Freihandzeichnungen&#13;&#10;Freihandzeichnungen&#13;&#10;Freihandzeichnungen&#13;&#10;Freihandzeichnungen&#13;&#10;Freihandzeichnungen&#13;&#10;Freihandzeichnungen&#13;&#10;Freihandzeichnungen&#13;&#10;Freihandzeichnungen&#13;&#10;Freihandzeichnungen&#13;&#10;Freihandzeichnungen&#13;&#10;Freihandzeichnungen&#13;&#10;Freihandzeichnungen&#13;&#10;Freihandzeichnungen&#13;&#10;Freihandzeichnungen&#13;&#10;Freihandzeichnungen&#13;&#10;Freihandzeichnungen&#13;&#10;Freihandzeichnungen&#13;&#10;Freihandzeichnungen&#13;&#10;Freihandzeichnungen&#13;&#10;Freihandzeichnungen&#13;&#10;Freihandzeichnungen&#13;&#10;Freihandzeichnungen&#13;&#10;Freihandzeichnungen&#13;&#10;Freihandzeichnungen&#13;&#10;Freihandzeichnungen&#13;&#10;Freihandzeichnungen&#13;&#10;Freihandzeichnungen&#13;&#10;Freihandzeichnungen&#13;&#10;Freihandzeichnungen&#13;&#10;Freihandzeichnungen&#13;&#10;Freihandzeichnungen&#13;&#10;Freihandzeichnungen&#13;&#10;Freihandzeichnungen&#13;&#10;Freihandzeichnungen&#13;&#10;Freihandzeichnungen&#13;&#10;Freihandzeichnungen&#13;&#10;Freihandzeichnungen&#13;&#10;Freihandzeichnungen&#13;&#10;Freihandzeichnungen&#13;&#10;Freihandzeichnungen&#13;&#10;Freihandzeichnungen&#13;&#10;Freihandzeichnungen&#13;&#10;Freihandzeichnungen&#13;&#10;Freihandzeichnungen&#13;&#10;Freihandzeichnungen&#13;&#10;Freihandzeichnungen&#13;&#10;Freihandzeichnungen&#13;&#10;Freihandzeichnungen&#13;&#10;Freihandzeichnungen&#13;&#10;Freihandzeichnungen&#13;&#10;Freihandzeichnungen&#13;&#10;Freihandzeichnungen&#13;&#10;Freihandzeichnungen&#13;&#10;Freihandzeichnungen&#13;&#10;Freihandzeichnungen&#13;&#10;Freihandzeichnungen&#13;&#10;Freihandzeichnungen&#13;&#10;Freihandzeichnungen&#13;&#10;Freihandzeichnungen&#13;&#10;Freihandzeichnungen&#13;&#10;Freihandzeichnungen&#13;&#10;Freihandzeichnungen&#13;&#10;Freihandzeichnungen&#13;&#10;Freihandzeichnungen&#13;&#10;Freihandzeichnungen&#13;&#10;Freihandzeichnungen&#13;&#10;Freihandzeichnungen&#13;&#10;Freihandzeichnungen&#13;&#10;Freihandzeichnungen&#13;&#10;Freihandzeichnungen&#13;&#10;Freihandzeichnungen&#13;&#10;Freihandzeichnungen&#13;&#10;Freihandzeichnungen&#13;&#10;Freihandzeichnungen&#13;&#10;Freihandzeichnungen&#13;&#10;Freihandzeichnungen&#13;&#10;Freihandzeichnungen&#13;&#10;Freihandzeichnungen&#13;&#10;Freihandzeichnungen&#13;&#10;Freihandzeichnungen&#13;&#10;Freihandzeichnungen&#13;&#10;Freihandzeichnungen&#13;&#10;Freihandzeichnungen&#13;&#10;Freihandzeichnungen&#13;&#10;Freihandzeichnungen&#13;&#10;Freihandzeichnungen&#13;&#10;Freihandzeichnungen&#13;&#10;Freihandzeichnungen&#13;&#10;Freihandzeichnungen&#13;&#10;Freihandzeichnungen&#13;&#10;Freihandzeichnungen&#13;&#10;Freihandzeichnungen&#13;&#10;Freihandzeichnungen&#13;&#10;Freihandzeichnungen&#13;&#10;Freihandzeichnungen&#13;&#10;Freihandzeichnungen&#13;&#10;Freihandzeichnungen&#13;&#10;Freihandzeichnungen&#13;&#10;Freihandzeichnungen&#13;&#10;Freihandzeichnungen&#13;&#10;Freihandzeichnungen&#13;&#10;Freihandzeichnungen&#13;&#10;Freihandzeichnungen&#13;&#10;Freihandzeichnungen&#13;&#10;Freihandzeichnungen&#13;&#10;Freihandzeichnungen&#13;&#10;Freihandzeichnungen&#13;&#10;Freihandzeichnungen&#13;&#10;Freihandzeichnungen&#13;&#10;Freihandzeichnungen&#13;&#10;Freihandzeichnungen&#13;&#10;Freihandzeichnungen&#13;&#10;Freihandzeichnungen&#13;&#10;Freihandzeichnungen&#13;&#10;Freihandzeichnungen&#13;&#10;Freihandzeichnungen&#13;&#10;Freihandzeichnungen&#13;&#10;Freihandzeichnungen&#13;&#10;Freihandzeichnungen&#13;&#10;Freihandzeichnungen&#13;&#10;Freihandzeichnungen&#13;&#10;Freihandzeichnungen&#13;&#10;Freihandzeichnungen&#13;&#10;Freihandzeichnungen&#13;&#10;Freihandzeichnungen&#13;&#10;Freihandzeichnungen&#13;&#10;Freihandzeichnungen&#13;&#10;Freihandzeichnungen&#13;&#10;Freihandzeichnungen&#13;&#10;Freihandzeichnungen&#13;&#10;Freihandzeichnungen&#13;&#10;Freihandzeichnungen&#13;&#10;Freihandzeichnungen&#13;&#10;Freihandzeichnungen&#13;&#10;Freihandzeichnungen&#13;&#10;Freihandzeichnungen&#13;&#10;Freihandzeichnungen&#13;&#10;Freihandzeichnungen&#13;&#10;Freihandzeichnungen&#13;&#10;Freihandzeichnungen&#13;&#10;Freihandzeichnungen&#13;&#10;Freihandzeichnungen&#13;&#10;Freihandzeichnungen&#13;&#10;Freihandzeichnungen&#13;&#10;Freihandzeichnungen&#13;&#10;Freihandzeichnungen&#13;&#10;Freihandzeichnungen&#13;&#10;Freihandzeichnungen&#13;&#10;Freihandzeichnungen&#13;&#10;Freihandzeichnungen&#13;&#10;Freihandzeichnungen&#13;&#10;Freihandzeichnungen&#13;&#10;Freihandzeichnungen&#13;&#10;Freihandzeichnungen&#13;&#10;Freihandzeichnungen&#13;&#10;Freihandzeichnungen&#13;&#10;Freihandzeichnungen&#13;&#10;Freihandzeichnungen&#13;&#10;Freihandzeichnungen&#13;&#10;Freihandzeichnungen&#13;&#10;Freihandzeichnungen&#13;&#10;Freihandzeichnungen&#13;&#10;Freihandzeichnungen&#13;&#10;Freihandzeichnungen&#13;&#10;Freihandzeichnungen&#13;&#10;Freihandzeichnungen&#13;&#10;Freihandzeichnungen&#13;&#10;Freihandzeichnungen&#13;&#10;Freihandzeichnungen&#13;&#10;Freihandzeichnungen&#13;&#10;Freihandzeichnungen&#13;&#10;Freihandzeichnungen&#13;&#10;Freihandzeichnungen&#13;&#10;Freihandzeichnungen&#13;&#10;Freihandzeichnungen&#13;&#10;Freihandzeichnungen&#13;&#10;Freihandzeichnungen&#13;&#10;Freihandzeichnungen&#13;&#10;Freihandzeichnungen&#13;&#10;Freihandzeichnungen&#13;&#10;Freihandzeichnungen&#13;&#10;Freihandzeichnungen&#13;&#10;Freihandzeichnungen&#13;&#10;Freihandzeichnungen&#13;&#10;Freihandzeichnungen&#13;&#10;Freihandzeichnungen&#13;&#10;Freihandzeichnungen&#13;&#10;Freihandzeichnungen&#13;&#10;Freihandzeichnungen&#13;&#10;Freihandzeichnungen&#13;&#10;Freihandzeichnungen&#13;&#10;Freihandzeichnungen&#13;&#10;Freihandzeichnungen&#13;&#10;Freihandzeichnungen&#13;&#10;Freihandzeichnungen&#13;&#10;Freihandzeichnungen&#13;&#10;Freihandzeichnungen&#13;&#10;Freihandzeichnungen&#13;&#10;Freihandzeichnungen&#13;&#10;Freihandzeichnungen&#13;&#10;Freihandzeichnungen&#13;&#10;Freihandzeichnungen&#13;&#10;Freihandzeichnungen&#13;&#10;Freihandzeichnungen&#13;&#10;Freihandzeichnungen&#13;&#10;Freihandzeichnungen&#13;&#10;Freihandzeichnungen&#13;&#10;Freihandzeichnungen&#13;&#10;Freihandzeichnungen&#13;&#10;Freihandzeichnungen&#13;&#10;Freihandzeichnungen&#13;&#10;Freihandzeichnungen&#13;&#10;Freihandzeichnungen&#13;&#10;Freihandzeichnungen&#13;&#10;Freihandzeichnungen&#13;&#10;Freihandzeichnungen&#13;&#10;Freihandzeichnungen&#13;&#10;Freihandzeichnungen&#13;&#10;Freihandzeichnungen&#13;&#10;Freihandzeichnungen&#13;&#10;Freihandzeichnungen&#13;&#10;Freihandzeichnungen&#13;&#10;Freihandzeichnungen&#13;&#10;Freihandzeichnungen&#13;&#10;Freihandzeichnungen&#13;&#10;Freihandzeichnungen&#13;&#10;Freihandzeichnungen&#13;&#10;Freihandzeichnungen&#13;&#10;Freihandzeichnungen&#13;&#10;Freihandzeichnungen&#13;&#10;Freihandzeichnungen&#13;&#10;Freihandzeichnungen&#13;&#10;Freihandzeichnungen&#13;&#10;Freihandzeichnungen&#13;&#10;Freihandzeichnungen&#13;&#10;Freihandzeichnungen&#13;&#10;Freihandzeichnungen&#13;&#10;Freihandzeichnungen&#13;&#10;Freihandzeichnungen&#13;&#10;Freihandzeichnungen&#13;&#10;Freihandzeichnungen&#13;&#10;Freihandzeichnungen&#13;&#10;Freihandzeichnungen&#13;&#10;Freihandzeichnungen&#13;&#10;Freihandzeichnungen&#13;&#10;Freihandzeichnungen&#13;&#10;Freihandzeichnungen&#13;&#10;Freihandzeichnungen&#13;&#10;Freihandzeichnungen&#13;&#10;Freihandzeichnungen&#13;&#10;Freihandzeichnungen&#13;&#10;Freihandzeichnungen&#13;&#10;Freihandzeichnungen&#13;&#10;Freihandzeichnungen&#13;&#10;Freihandzeichnungen&#13;&#10;Freihandzeichnungen&#13;&#10;Freihandzeichnungen&#13;&#10;Freihandzeichnungen&#13;&#10;Freihandzeichnungen&#13;&#10;Freihandzeichnungen&#13;&#10;Freihandzeichnungen&#13;&#10;Freihandzeichnungen&#13;&#10;Freihandzeichnungen&#13;&#10;Freihandzeichnungen&#13;&#10;Freihandzeichnungen&#13;&#10;Freihandzeichnungen&#13;&#10;Freihandzeichnungen&#13;&#10;Freihandzeichnungen&#13;&#10;Freihandzeichnungen&#13;&#10;Freihandzeichnungen&#13;&#10;Freihandzeichnungen&#13;&#10;Freihandzeichnungen&#13;&#10;Freihandzeichnungen&#13;&#10;Freihandzeichnungen&#13;&#10;Freihandzeichnungen&#13;&#10;Freihandzeichnungen&#13;&#10;Freihandzeichnungen&#13;&#10;Freihandzeichnungen&#13;&#10;Freihandzeichnungen&#13;&#10;Freihandzeichnungen&#13;&#10;Freihandzeichnungen&#13;&#10;Freihandzeichnungen&#13;&#10;Freihandzeichnungen&#13;&#10;Freihandzeichnungen&#13;&#10;Freihandzeichnungen&#13;&#10;Freihandzeichnungen&#13;&#10;Freihandzeichnungen&#13;&#10;Freihandzeichnungen&#13;&#10;Freihandzeichnungen&#13;&#10;Freihandzeichnungen&#13;&#10;Freihandzeichnungen&#13;&#10;Freihandzeichnungen&#13;&#10;Freihandzeichnungen&#13;&#10;Freihandzeichnungen&#13;&#10;Freihandzeichnungen&#13;&#10;Freihandzeichnungen&#13;&#10;Freihandzeichnungen&#13;&#10;Freihandzeichnungen&#13;&#10;Freihandzeichnungen&#13;&#10;Freihandzeichnungen&#13;&#10;Freihandzeichnungen&#13;&#10;Freihandzeichnungen&#13;&#10;Freihandzeichnungen&#13;&#10;Freihandzeichnungen&#13;&#10;Freihandzeichnungen&#13;&#10;Freihandzeichnungen&#13;&#10;Freihandzeichnungen&#13;&#10;Freihandzeichnungen&#13;&#10;Freihandzeichnungen&#13;&#10;Freihandzeichnungen&#13;&#10;Freihandzeichnungen&#13;&#10;Freihandzeichnungen&#13;&#10;Freihandzeichnungen&#13;&#10;Freihandzeichnungen&#13;&#10;Freihandzeichnungen&#13;&#10;Freihandzeichnungen&#13;&#10;Freihandzeichnungen&#13;&#10;Freihandzeichnungen&#13;&#10;Freihandzeichnungen&#13;&#10;Freihandzeichnungen&#13;&#10;Freihandzeichnungen&#13;&#10;Freihandzeichnungen&#13;&#10;Freihandzeichnungen&#13;&#10;Freihandzeichnungen&#13;&#10;Freihandzeichnungen&#13;&#10;Freihandzeichnungen&#13;&#10;Freihandzeichnungen&#13;&#10;Freihandzeichnungen&#13;&#10;Freihandzeichnungen&#13;&#10;Freihandzeichnungen&#13;&#10;Freihandzeichnungen&#13;&#10;Freihandzeichnungen&#13;&#10;Freihandzeichnungen&#13;&#10;Freihandzeichnungen&#13;&#10;Freihandzeichnungen&#13;&#10;Freihandzeichnungen&#13;&#10;Freihandzeichnungen&#13;&#10;Freihandzeichnungen&#13;&#10;Freihandzeichnungen&#13;&#10;Freihandzeichnungen&#13;&#10;Freihandzeichnungen&#13;&#10;Freihandzeichnungen&#13;&#10;Freihandzeichnungen&#13;&#10;Freihandzeichnungen&#13;&#10;Freihandzeichnungen&#13;&#10;Freihandzeichnungen&#13;&#10;Freihandzeichnungen&#13;&#10;Freihandzeichnungen&#13;&#10;Freihandzeichnungen&#13;&#10;Freihandzeichnungen&#13;&#10;Freihandzeichnungen&#13;&#10;Freihandzeichnungen&#13;&#10;Freihandzeichnungen&#13;&#10;Freihandzeichnungen&#13;&#10;Freihandzeichnungen&#13;&#10;Freihandzeichnungen&#13;&#10;Freihandzeichnungen&#13;&#10;Freihandzeichnungen&#13;&#10;Freihandzeichnungen&#13;&#10;Freihandzeichnungen&#13;&#10;Freihandzeichnungen&#13;&#10;Freihandzeichnungen&#13;&#10;Freihandzeichnungen&#13;&#10;Freihandzeichnungen&#13;&#10;Freihandzeichnungen&#13;&#10;Freihandzeichnungen&#13;&#10;Freihandzeichnungen&#13;&#10;Freihandzeichnungen&#13;&#10;Freihandzeichnungen&#13;&#10;Freihandzeichnungen&#13;&#10;Freihandzeichnungen&#13;&#10;Freihandzeichnungen&#13;&#10;Freihandzeichnungen&#13;&#10;Freihandzeichnungen&#13;&#10;Freihandzeichnungen&#13;&#10;Freihandzeichnungen&#13;&#10;Freihandzeichnungen&#13;&#10;Freihandzeichnungen&#13;&#10;Freihandzeichnungen&#13;&#10;Freihandzeichnungen&#13;&#10;Freihandzeichnungen&#13;&#10;Freihandzeichnungen&#13;&#10;Freihandzeichnungen&#13;&#10;Freihandzeichnungen&#13;&#10;Freihandzeichnungen&#13;&#10;Freihandzeichnungen&#13;&#10;Freihandzeichnungen&#13;&#10;Freihandzeichnungen&#13;&#10;Freihandzeichnungen&#13;&#10;Freihandzeichnungen&#13;&#10;Freihandzeichnungen&#13;&#10;Freihandzeichnungen&#13;&#10;Freihandzeichnungen&#13;&#10;Freihandzeichnungen&#13;&#10;Freihandzeichnungen&#13;&#10;Freihandzeichnungen&#13;&#10;Freihandzeichnungen&#13;&#10;Freihandzeichnungen&#13;&#10;Freihandzeichnungen&#13;&#10;Freihandzeichnungen&#13;&#10;Freihandzeichnungen&#13;&#10;Freihandzeichnungen&#13;&#10;Freihandzeichnungen&#13;&#10;Freihandzeichnungen&#13;&#10;Freihandzeichnungen&#13;&#10;Freihandzeichnungen&#13;&#10;Freihandzeichnungen&#13;&#10;Freihandzeichnungen&#13;&#10;Freihandzeichnungen&#13;&#10;Freihandzeichnungen&#13;&#10;Freihandzeichnungen&#13;&#10;Freihandzeichnungen&#13;&#10;Freihandzeichnungen&#13;&#10;Freihandzeichnungen&#13;&#10;Freihandzeichnungen&#13;&#10;Freihandzeichnungen&#13;&#10;Freihandzeichnungen&#13;&#10;Freihandzeichnungen&#13;&#10;Freihandzeichnungen&#13;&#10;Freihandzeichnungen&#13;&#10;Freihandzeichnungen&#13;&#10;Freihandzeichnungen&#13;&#10;Freihandzeichnungen&#13;&#10;Freihandzeichnungen&#13;&#10;Freihandzeichnungen&#13;&#10;Freihandzeichnungen&#13;&#10;Freihandzeichnungen&#13;&#10;Freihandzeichnungen&#13;&#10;Freihandzeichnungen&#13;&#10;Freihandzeichnungen&#13;&#10;Freihandzeichnungen&#13;&#10;Freihandzeichnungen&#13;&#10;Freihandzeichnungen&#13;&#10;Freihandzeichnungen&#13;&#10;Freihandzeichnungen&#13;&#10;Freihandzeichnungen&#13;&#10;Freihandzeichnungen&#13;&#10;Freihandzeichnungen&#13;&#10;Freihandzeichnungen&#13;&#10;Freihandzeichnungen&#13;&#10;Freihandzeichnungen&#13;&#10;Freihandzeichnungen&#13;&#10;Freihandzeichnungen&#13;&#10;Freihandzeichnungen&#13;&#10;Freihandzeichnungen&#13;&#10;Freihandzeichnungen&#13;&#10;Freihandzeichnungen&#13;&#10;Freihandzeichnungen&#13;&#10;Freihandzeichnungen&#13;&#10;Freihandzeichnungen&#13;&#10;Freihandzeichnungen&#13;&#10;Freihandzeichnungen&#13;&#10;Freihandzeichnungen&#13;&#10;Freihandzeichnungen&#13;&#10;Freihandzeichnungen&#13;&#10;Freihandzeichnungen&#13;&#10;Freihandzeichnungen&#13;&#10;Freihandzeichnungen&#13;&#10;Freihandzeichnungen&#13;&#10;Freihandzeichnungen&#13;&#10;Freihandzeichnungen&#13;&#10;Freihandzeichnungen&#13;&#10;Freihandzeichnungen&#13;&#10;Freihandzeichnungen&#13;&#10;Freihandzeichnungen&#13;&#10;Freihandzeichnungen&#13;&#10;Freihandzeichnungen&#13;&#10;Freihandzeichnungen&#13;&#10;Freihandzeichnungen&#13;&#10;Freihandzeichnungen&#13;&#10;Freihandzeichnungen&#13;&#10;Freihandzeichnungen&#13;&#10;Freihandzeichnungen&#13;&#10;Freihandzeichnungen&#13;&#10;Freihandzeichnungen&#13;&#10;Freihandzeichnungen&#13;&#10;Freihandzeichnungen&#13;&#10;Freihandzeichnungen&#13;&#10;Freihandzeichnungen&#13;&#10;Freihandzeichnungen&#13;&#10;Freihandzeichnungen&#13;&#10;Freihandzeichnungen&#13;&#10;Freihandzeichnungen&#13;&#10;Freihandzeichnungen&#13;&#10;Freihandzeichnungen&#13;&#10;Freihandzeichnungen&#13;&#10;Freihandzeichnungen&#13;&#10;Freihandzeichnungen&#13;&#10;Freihandzeichnungen&#13;&#10;Freihandzeichnungen&#13;&#10;Freihandzeichnungen&#13;&#10;Freihandzeichnungen&#13;&#10;Freihandzeichnungen&#13;&#10;Freihandzeichnungen&#13;&#10;Freihandzeichnungen&#13;&#10;Freihandzeichnungen&#13;&#10;Freihandzeichnungen&#13;&#10;Freihandzeichnungen&#13;&#10;Freihandzeichnungen&#13;&#10;Freihandzeichnungen&#13;&#10;Freihandzeichnungen&#13;&#10;Freihandzeichnungen&#13;&#10;Freihandzeichnungen&#13;&#10;Freihandzeichnungen&#13;&#10;Freihandzeichnungen&#13;&#10;Freihandzeichnungen&#13;&#10;Freihandzeichnungen&#13;&#10;Freihandzeichnungen&#13;&#10;Freihandzeichnungen&#13;&#10;Freihandzeichnungen&#13;&#10;Freihandzeichnungen&#13;&#10;Freihandzeichnungen&#13;&#10;Freihandzeichnungen&#13;&#10;Freihandzeichnungen&#13;&#10;Freihandzeichnungen&#13;&#10;Freihandzeichnungen&#13;&#10;Freihandzeichnungen&#13;&#10;Freihandzeichnungen&#13;&#10;Freihandzeichnungen&#13;&#10;Freihandzeichnungen&#13;&#10;Freihandzeichnungen&#13;&#10;Freihandzeichnungen&#13;&#10;Freihandzeichnungen&#13;&#10;Freihandzeichnungen&#13;&#10;Freihandzeichnungen&#13;&#10;Freihandzeichnungen&#13;&#10;Freihandzeichnungen&#13;&#10;Freihandzeichnungen&#13;&#10;Freihandzeichnungen&#13;&#10;Freihandzeichnungen&#13;&#10;Freihandzeichnungen&#13;&#10;Freihandzeichnungen&#13;&#10;Freihandzeichnungen&#13;&#10;Freihandzeichnungen&#13;&#10;Freihandzeichnungen&#13;&#10;Freihandzeichnungen&#13;&#10;Freihandzeichnungen&#13;&#10;Freihandzeichnungen&#13;&#10;Freihandzeichnungen&#13;&#10;Freihandzeichnungen&#13;&#10;Freihandzeichnungen&#13;&#10;Freihandzeichnungen&#13;&#10;Freihandzeichnungen&#13;&#10;Freihandzeichnungen&#13;&#10;Freihandzeichnungen&#13;&#10;Freihandzeichnungen&#13;&#10;Freihandzeichnungen&#13;&#10;Freihandzeichnungen&#13;&#10;Freihandzeichnungen&#13;&#10;Freihandzeichnungen&#13;&#10;Freihandzeichnungen&#13;&#10;Freihandzeichnungen&#13;&#10;Freihandzeichnungen&#13;&#10;Freihandzeichnungen&#13;&#10;Freihandzeichnungen&#13;&#10;Freihandzeichnungen&#13;&#10;Freihandzeichnungen&#13;&#10;Freihandzeichnungen&#13;&#10;Freihandzeichnungen&#13;&#10;Freihandzeichnungen&#13;&#10;Freihandzeichnungen&#13;&#10;Freihandzeichnungen&#13;&#10;Freihandzeichnungen&#13;&#10;Freihandzeichnungen&#13;&#10;Freihandzeichnungen&#13;&#10;Freihandzeichnungen&#13;&#10;Freihandzeichnungen&#13;&#10;Freihandzeichnungen&#13;&#10;Freihandzeichnungen&#13;&#10;Freihandzeichnungen&#13;&#10;Freihandzeichnungen&#13;&#10;Freihandzeichnungen&#13;&#10;Freihandzeichnungen&#13;&#10;Freihandzeichnungen&#13;&#10;Freihandzeichnungen&#13;&#10;Freihandzeichnungen&#13;&#10;Freihandzeichnungen&#13;&#10;Freihandzeichnungen&#13;&#10;Freihandzeichnungen&#13;&#10;Freihandzeichnungen&#13;&#10;Freihandzeichnungen&#13;&#10;Freihandzeichnungen&#13;&#10;Freihandzeichnungen&#13;&#10;Freihandzeichnungen&#13;&#10;Freihandzeichnungen&#13;&#10;Freihandzeichnungen&#13;&#10;Freihandzeichnungen&#13;&#10;Freihandzeichnungen&#13;&#10;">
+          <p:cNvPr id="1031" name="Picture 7" descr="Freihandzeichnungen&#10;Freihandzeichnungen&#10;Freihandzeichnungen&#10;Freihandzeichnungen&#10;Freihandzeichnungen&#10;Freihandzeichnungen&#10;Freihandzeichnungen&#10;Freihandzeichnungen&#10;Freihandzeichnungen&#10;Freihandzeichnungen&#10;Freihandzeichnungen&#10;Freihandzeichnungen&#10;Freihandzeichnungen&#10;Freihandzeichnungen&#10;Freihandzeichnungen&#10;Freihandzeichnungen&#10;Freihandzeichnungen&#10;Freihandzeichnungen&#10;Freihandzeichnungen&#10;Freihandzeichnungen&#10;Freihandzeichnungen&#10;Freihandzeichnungen&#10;Freihandzeichnungen&#10;Freihandzeichnungen&#10;Freihandzeichnungen&#10;Freihandzeichnungen&#10;Freihandzeichnungen&#10;Freihandzeichnungen&#10;Freihandzeichnungen&#10;Freihandzeichnungen&#10;Freihandzeichnungen&#10;Freihandzeichnungen&#10;Freihandzeichnungen&#10;Freihandzeichnungen&#10;Freihandzeichnungen&#10;Freihandzeichnungen&#10;Freihandzeichnungen&#10;Freihandzeichnungen&#10;Freihandzeichnungen&#10;Freihandzeichnungen&#10;Freihandzeichnungen&#10;Freihandzeichnungen&#10;Freihandzeichnungen&#10;Freihandzeichnungen&#10;Freihandzeichnungen&#10;Freihandzeichnungen&#10;Freihandzeichnungen&#10;Freihandzeichnungen&#10;Freihandzeichnungen&#10;Freihandzeichnungen&#10;Freihandzeichnungen&#10;Freihandzeichnungen&#10;Freihandzeichnungen&#10;Freihandzeichnungen&#10;Freihandzeichnungen&#10;Freihandzeichnungen&#10;Freihandzeichnungen&#10;Freihandzeichnungen&#10;Freihandzeichnungen&#10;Freihandzeichnungen&#10;Freihandzeichnungen&#10;Freihandzeichnungen&#10;Freihandzeichnungen&#10;Freihandzeichnungen&#10;Freihandzeichnungen&#10;Freihandzeichnungen&#10;Freihandzeichnungen&#10;Freihandzeichnungen&#10;Freihandzeichnungen&#10;Freihandzeichnungen&#10;Freihandzeichnungen&#10;Freihandzeichnungen&#10;Freihandzeichnungen&#10;Freihandzeichnungen&#10;Freihandzeichnungen&#10;Freihandzeichnungen&#10;Freihandzeichnungen&#10;Freihandzeichnungen&#10;Freihandzeichnungen&#10;Freihandzeichnungen&#10;Freihandzeichnungen&#10;Freihandzeichnungen&#10;Freihandzeichnungen&#10;Freihandzeichnungen&#10;Freihandzeichnungen&#10;Freihandzeichnungen&#10;Freihandzeichnungen&#10;Freihandzeichnungen&#10;Freihandzeichnungen&#10;Freihandzeichnungen&#10;Freihandzeichnungen&#10;Freihandzeichnungen&#10;Freihandzeichnungen&#10;Freihandzeichnungen&#10;Freihandzeichnungen&#10;Freihandzeichnungen&#10;Freihandzeichnungen&#10;Freihandzeichnungen&#10;Freihandzeichnungen&#10;Freihandzeichnungen&#10;Freihandzeichnungen&#10;Freihandzeichnungen&#10;Freihandzeichnungen&#10;Freihandzeichnungen&#10;Freihandzeichnungen&#10;Freihandzeichnungen&#10;Freihandzeichnungen&#10;Freihandzeichnungen&#10;Freihandzeichnungen&#10;Freihandzeichnungen&#10;Freihandzeichnungen&#10;Freihandzeichnungen&#10;Freihandzeichnungen&#10;Freihandzeichnungen&#10;Freihandzeichnungen&#10;Freihandzeichnungen&#10;Freihandzeichnungen&#10;Freihandzeichnungen&#10;Freihandzeichnungen&#10;Freihandzeichnungen&#10;Freihandzeichnungen&#10;Freihandzeichnungen&#10;Freihandzeichnungen&#10;Freihandzeichnungen&#10;Freihandzeichnungen&#10;Freihandzeichnungen&#10;Freihandzeichnungen&#10;Freihandzeichnungen&#10;Freihandzeichnungen&#10;Freihandzeichnungen&#10;Freihandzeichnungen&#10;Freihandzeichnungen&#10;Freihandzeichnungen&#10;Freihandzeichnungen&#10;Freihandzeichnungen&#10;Freihandzeichnungen&#10;Freihandzeichnungen&#10;Freihandzeichnungen&#10;Freihandzeichnungen&#10;Freihandzeichnungen&#10;Freihandzeichnungen&#10;Freihandzeichnungen&#10;Freihandzeichnungen&#10;Freihandzeichnungen&#10;Freihandzeichnungen&#10;Freihandzeichnungen&#10;Freihandzeichnungen&#10;Freihandzeichnungen&#10;Freihandzeichnungen&#10;Freihandzeichnungen&#10;Freihandzeichnungen&#10;Freihandzeichnungen&#10;Freihandzeichnungen&#10;Freihandzeichnungen&#10;Freihandzeichnungen&#10;Freihandzeichnungen&#10;Freihandzeichnungen&#10;Freihandzeichnungen&#10;Freihandzeichnungen&#10;Freihandzeichnungen&#10;Freihandzeichnungen&#10;Freihandzeichnungen&#10;Freihandzeichnungen&#10;Freihandzeichnungen&#10;Freihandzeichnungen&#10;Freihandzeichnungen&#10;Freihandzeichnungen&#10;Freihandzeichnungen&#10;Freihandzeichnungen&#10;Freihandzeichnungen&#10;Freihandzeichnungen&#10;Freihandzeichnungen&#10;Freihandzeichnungen&#10;Freihandzeichnungen&#10;Freihandzeichnungen&#10;Freihandzeichnungen&#10;Freihandzeichnungen&#10;Freihandzeichnungen&#10;Freihandzeichnungen&#10;Freihandzeichnungen&#10;Freihandzeichnungen&#10;Freihandzeichnungen&#10;Freihandzeichnungen&#10;Freihandzeichnungen&#10;Freihandzeichnungen&#10;Freihandzeichnungen&#10;Freihandzeichnungen&#10;Freihandzeichnungen&#10;Freihandzeichnungen&#10;Freihandzeichnungen&#10;Freihandzeichnungen&#10;Freihandzeichnungen&#10;Freihandzeichnungen&#10;Freihandzeichnungen&#10;Freihandzeichnungen&#10;Freihandzeichnungen&#10;Freihandzeichnungen&#10;Freihandzeichnungen&#10;Freihandzeichnungen&#10;Freihandzeichnungen&#10;Freihandzeichnungen&#10;Freihandzeichnungen&#10;Freihandzeichnungen&#10;Freihandzeichnungen&#10;Freihandzeichnungen&#10;Freihandzeichnungen&#10;Freihandzeichnungen&#10;Freihandzeichnungen&#10;Freihandzeichnungen&#10;Freihandzeichnungen&#10;Freihandzeichnungen&#10;Freihandzeichnungen&#10;Freihandzeichnungen&#10;Freihandzeichnungen&#10;Freihandzeichnungen&#10;Freihandzeichnungen&#10;Freihandzeichnungen&#10;Freihandzeichnungen&#10;Freihandzeichnungen&#10;Freihandzeichnungen&#10;Freihandzeichnungen&#10;Freihandzeichnungen&#10;Freihandzeichnungen&#10;Freihandzeichnungen&#10;Freihandzeichnungen&#10;Freihandzeichnungen&#10;Freihandzeichnungen&#10;Freihandzeichnungen&#10;Freihandzeichnungen&#10;Freihandzeichnungen&#10;Freihandzeichnungen&#10;Freihandzeichnungen&#10;Freihandzeichnungen&#10;Freihandzeichnungen&#10;Freihandzeichnungen&#10;Freihandzeichnungen&#10;Freihandzeichnungen&#10;Freihandzeichnungen&#10;Freihandzeichnungen&#10;Freihandzeichnungen&#10;Freihandzeichnungen&#10;Freihandzeichnungen&#10;Freihandzeichnungen&#10;Freihandzeichnungen&#10;Freihandzeichnungen&#10;Freihandzeichnungen&#10;Freihandzeichnungen&#10;Freihandzeichnungen&#10;Freihandzeichnungen&#10;Freihandzeichnungen&#10;Freihandzeichnungen&#10;Freihandzeichnungen&#10;Freihandzeichnungen&#10;Freihandzeichnungen&#10;Freihandzeichnungen&#10;Freihandzeichnungen&#10;Freihandzeichnungen&#10;Freihandzeichnungen&#10;Freihandzeichnungen&#10;Freihandzeichnungen&#10;Freihandzeichnungen&#10;Freihandzeichnungen&#10;Freihandzeichnungen&#10;Freihandzeichnungen&#10;Freihandzeichnungen&#10;Freihandzeichnungen&#10;Freihandzeichnungen&#10;Freihandzeichnungen&#10;Freihandzeichnungen&#10;Freihandzeichnungen&#10;Freihandzeichnungen&#10;Freihandzeichnungen&#10;Freihandzeichnungen&#10;Freihandzeichnungen&#10;Freihandzeichnungen&#10;Freihandzeichnungen&#10;Freihandzeichnungen&#10;Freihandzeichnungen&#10;Freihandzeichnungen&#10;Freihandzeichnungen&#10;Freihandzeichnungen&#10;Freihandzeichnungen&#10;Freihandzeichnungen&#10;Freihandzeichnungen&#10;Freihandzeichnungen&#10;Freihandzeichnungen&#10;Freihandzeichnungen&#10;Freihandzeichnungen&#10;Freihandzeichnungen&#10;Freihandzeichnungen&#10;Freihandzeichnungen&#10;Freihandzeichnungen&#10;Freihandzeichnungen&#10;Freihandzeichnungen&#10;Freihandzeichnungen&#10;Freihandzeichnungen&#10;Freihandzeichnungen&#10;Freihandzeichnungen&#10;Freihandzeichnungen&#10;Freihandzeichnungen&#10;Freihandzeichnungen&#10;Freihandzeichnungen&#10;Freihandzeichnungen&#10;Freihandzeichnungen&#10;Freihandzeichnungen&#10;Freihandzeichnungen&#10;Freihandzeichnungen&#10;Freihandzeichnungen&#10;Freihandzeichnungen&#10;Freihandzeichnungen&#10;Freihandzeichnungen&#10;Freihandzeichnungen&#10;Freihandzeichnungen&#10;Freihandzeichnungen&#10;Freihandzeichnungen&#10;Freihandzeichnungen&#10;Freihandzeichnungen&#10;Freihandzeichnungen&#10;Freihandzeichnungen&#10;Freihandzeichnungen&#10;Freihandzeichnungen&#10;Freihandzeichnungen&#10;Freihandzeichnungen&#10;Freihandzeichnungen&#10;Freihandzeichnungen&#10;Freihandzeichnungen&#10;Freihandzeichnungen&#10;Freihandzeichnungen&#10;Freihandzeichnungen&#10;Freihandzeichnungen&#10;Freihandzeichnungen&#10;Freihandzeichnungen&#10;Freihandzeichnungen&#10;Freihandzeichnungen&#10;Freihandzeichnungen&#10;Freihandzeichnungen&#10;Freihandzeichnungen&#10;Freihandzeichnungen&#10;Freihandzeichnungen&#10;Freihandzeichnungen&#10;Freihandzeichnungen&#10;Freihandzeichnungen&#10;Freihandzeichnungen&#10;Freihandzeichnungen&#10;Freihandzeichnungen&#10;Freihandzeichnungen&#10;Freihandzeichnungen&#10;Freihandzeichnungen&#10;Freihandzeichnungen&#10;Freihandzeichnungen&#10;Freihandzeichnungen&#10;Freihandzeichnungen&#10;Freihandzeichnungen&#10;Freihandzeichnungen&#10;Freihandzeichnungen&#10;Freihandzeichnungen&#10;Freihandzeichnungen&#10;Freihandzeichnungen&#10;Freihandzeichnungen&#10;Freihandzeichnungen&#10;Freihandzeichnungen&#10;Freihandzeichnungen&#10;Freihandzeichnungen&#10;Freihandzeichnungen&#10;Freihandzeichnungen&#10;Freihandzeichnungen&#10;Freihandzeichnungen&#10;Freihandzeichnungen&#10;Freihandzeichnungen&#10;Freihandzeichnungen&#10;Freihandzeichnungen&#10;Freihandzeichnungen&#10;Freihandzeichnungen&#10;Freihandzeichnungen&#10;Freihandzeichnungen&#10;Freihandzeichnungen&#10;Freihandzeichnungen&#10;Freihandzeichnungen&#10;Freihandzeichnungen&#10;Freihandzeichnungen&#10;Freihandzeichnungen&#10;Freihandzeichnungen&#10;Freihandzeichnungen&#10;Freihandzeichnungen&#10;Freihandzeichnungen&#10;Freihandzeichnungen&#10;Freihandzeichnungen&#10;Freihandzeichnungen&#10;Freihandzeichnungen&#10;Freihandzeichnungen&#10;Freihandzeichnungen&#10;Freihandzeichnungen&#10;Freihandzeichnungen&#10;Freihandzeichnungen&#10;Freihandzeichnungen&#10;Freihandzeichnungen&#10;Freihandzeichnungen&#10;Freihandzeichnungen&#10;Freihandzeichnungen&#10;Freihandzeichnungen&#10;Freihandzeichnungen&#10;Freihandzeichnungen&#10;Freihandzeichnungen&#10;Freihandzeichnungen&#10;Freihandzeichnungen&#10;Freihandzeichnungen&#10;Freihandzeichnungen&#10;Freihandzeichnungen&#10;Freihandzeichnungen&#10;Freihandzeichnungen&#10;Freihandzeichnungen&#10;Freihandzeichnungen&#10;Freihandzeichnungen&#10;Freihandzeichnungen&#10;Freihandzeichnungen&#10;Freihandzeichnungen&#10;Freihandzeichnungen&#10;Freihandzeichnungen&#10;Freihandzeichnungen&#10;Freihandzeichnungen&#10;Freihandzeichnungen&#10;Freihandzeichnungen&#10;Freihandzeichnungen&#10;Freihandzeichnungen&#10;Freihandzeichnungen&#10;Freihandzeichnungen&#10;Freihandzeichnungen&#10;Freihandzeichnungen&#10;Freihandzeichnungen&#10;Freihandzeichnungen&#10;Freihandzeichnungen&#10;Freihandzeichnungen&#10;Freihandzeichnungen&#10;Freihandzeichnungen&#10;Freihandzeichnungen&#10;Freihandzeichnungen&#10;Freihandzeichnungen&#10;Freihandzeichnungen&#10;Freihandzeichnungen&#10;Freihandzeichnungen&#10;Freihandzeichnungen&#10;Freihandzeichnungen&#10;Freihandzeichnungen&#10;Freihandzeichnungen&#10;Freihandzeichnungen&#10;Freihandzeichnungen&#10;Freihandzeichnungen&#10;Freihandzeichnungen&#10;Freihandzeichnungen&#10;Freihandzeichnungen&#10;Freihandzeichnungen&#10;Freihandzeichnungen&#10;Freihandzeichnungen&#10;Freihandzeichnungen&#10;Freihandzeichnungen&#10;Freihandzeichnungen&#10;Freihandzeichnungen&#10;Freihandzeichnungen&#10;Freihandzeichnungen&#10;Freihandzeichnungen&#10;Freihandzeichnungen&#10;Freihandzeichnungen&#10;Freihandzeichnungen&#10;Freihandzeichnungen&#10;Freihandzeichnungen&#10;Freihandzeichnungen&#10;Freihandzeichnungen&#10;Freihandzeichnungen&#10;Freihandzeichnungen&#10;Freihandzeichnungen&#10;Freihandzeichnungen&#10;Freihandzeichnungen&#10;Freihandzeichnungen&#10;Freihandzeichnungen&#10;Freihandzeichnungen&#10;Freihandzeichnungen&#10;Freihandzeichnungen&#10;Freihandzeichnungen&#10;Freihandzeichnungen&#10;Freihandzeichnungen&#10;Freihandzeichnungen&#10;Freihandzeichnungen&#10;Freihandzeichnungen&#10;Freihandzeichnungen&#10;Freihandzeichnungen&#10;Freihandzeichnungen&#10;Freihandzeichnungen&#10;Freihandzeichnungen&#10;Freihandzeichnungen&#10;Freihandzeichnungen&#10;Freihandzeichnungen&#10;Freihandzeichnungen&#10;Freihandzeichnungen&#10;Freihandzeichnungen&#10;Freihandzeichnungen&#10;Freihandzeichnungen&#10;Freihandzeichnungen&#10;Freihandzeichnungen&#10;Freihandzeichnungen&#10;Freihandzeichnungen&#10;Freihandzeichnungen&#10;Freihandzeichnungen&#10;Freihandzeichnungen&#10;Freihandzeichnungen&#10;Freihandzeichnungen&#10;Freihandzeichnungen&#10;Freihandzeichnungen&#10;Freihandzeichnungen&#10;Freihandzeichnungen&#10;Freihandzeichnungen&#10;Freihandzeichnungen&#10;Freihandzeichnungen&#10;Freihandzeichnungen&#10;Freihandzeichnungen&#10;Freihandzeichnungen&#10;Freihandzeichnungen&#10;Freihandzeichnungen&#10;Freihandzeichnungen&#10;Freihandzeichnungen&#10;Freihandzeichnungen&#10;Freihandzeichnungen&#10;Freihandzeichnungen&#10;Freihandzeichnungen&#10;Freihandzeichnungen&#10;Freihandzeichnungen&#10;Freihandzeichnungen&#10;Freihandzeichnungen&#10;Freihandzeichnungen&#10;Freihandzeichnungen&#10;Freihandzeichnungen&#10;Freihandzeichnungen&#10;Freihandzeichnungen&#10;Freihandzeichnungen&#10;Freihandzeichnungen&#10;Freihandzeichnungen&#10;Freihandzeichnungen&#10;Freihandzeichnungen&#10;Freihandzeichnungen&#10;Freihandzeichnungen&#10;Freihandzeichnungen&#10;Freihandzeichnungen&#10;Freihandzeichnungen&#10;Freihandzeichnungen&#10;Freihandzeichnungen&#10;Freihandzeichnungen&#10;Freihandzeichnungen&#10;Freihandzeichnungen&#10;Freihandzeichnungen&#10;Freihandzeichnungen&#10;Freihandzeichnungen&#10;Freihandzeichnungen&#10;Freihandzeichnungen&#10;Freihandzeichnungen&#10;Freihandzeichnungen&#10;Freihandzeichnungen&#10;Freihandzeichnungen&#10;Freihandzeichnungen&#10;Freihandzeichnungen&#10;Freihandzeichnungen&#10;Freihandzeichnungen&#10;Freihandzeichnungen&#10;Freihandzeichnungen&#10;Freihandzeichnungen&#10;Freihandzeichnungen&#10;Freihandzeichnungen&#10;Freihandzeichnungen&#10;Freihandzeichnungen&#10;Freihandzeichnungen&#10;Freihandzeichnungen&#10;Freihandzeichnungen&#10;Freihandzeichnungen&#10;Freihandzeichnungen&#10;Freihandzeichnungen&#10;Freihandzeichnungen&#10;Freihandzeichnungen&#10;Freihandzeichnungen&#10;Freihandzeichnungen&#10;Freihandzeichnungen&#10;Freihandzeichnungen&#10;Freihandzeichnungen&#10;Freihandzeichnungen&#10;Freihandzeichnungen&#10;Freihandzeichnungen&#10;Freihandzeichnungen&#10;Freihandzeichnungen&#10;Freihandzeichnungen&#10;Freihandzeichnungen&#10;Freihandzeichnungen&#10;Freihandzeichnungen&#10;Freihandzeichnungen&#10;Freihandzeichnungen&#10;Freihandzeichnungen&#10;Freihandzeichnungen&#10;Freihandzeichnungen&#10;Freihandzeichnungen&#10;Freihandzeichnungen&#10;Freihandzeichnungen&#10;Freihandzeichnungen&#10;Freihandzeichnungen&#10;Freihandzeichnungen&#10;Freihandzeichnungen&#10;Freihandzeichnungen&#10;Freihandzeichnungen&#10;Freihandzeichnungen&#10;Freihandzeichnungen&#10;Freihandzeichnungen&#10;Freihandzeichnungen&#10;Freihandzeichnungen&#10;Freihandzeichnungen&#10;Freihandzeichnungen&#10;Freihandzeichnungen&#10;Freihandzeichnungen&#10;Freihandzeichnungen&#10;Freihandzeichnungen&#10;Freihandzeichnungen&#10;Freihandzeichnungen&#10;Freihandzeichnungen&#10;Freihandzeichnungen&#10;Freihandzeichnungen&#10;Freihandzeichnungen&#10;Freihandzeichnungen&#10;Freihandzeichnungen&#10;Freihandzeichnungen&#10;Freihandzeichnungen&#10;Freihandzeichnungen&#10;Freihandzeichnungen&#10;Freihandzeichnungen&#10;Freihandzeichnungen&#10;Freihandzeichnungen&#10;Freihandzeichnungen&#10;Freihandzeichnungen&#10;Freihandzeichnungen&#10;Freihandzeichnungen&#10;Freihandzeichnungen&#10;Freihandzeichnungen&#10;Freihandzeichnungen&#10;Freihandzeichnungen&#10;Freihandzeichnungen&#10;Freihandzeichnungen&#10;Freihandzeichnungen&#10;Freihandzeichnungen&#10;Freihandzeichnungen&#10;Freihandzeichnungen&#10;Freihandzeichnungen&#10;Freihandzeichnungen&#10;Freihandzeichnungen&#10;Freihandzeichnungen&#10;Freihandzeichnungen&#10;Freihandzeichnungen&#10;Freihandzeichnungen&#10;Freihandzeichnungen&#10;Freihandzeichnungen&#10;Freihandzeichnungen&#10;Freihandzeichnungen&#10;Freihandzeichnungen&#10;Freihandzeichnungen&#10;Freihandzeichnungen&#10;Freihandzeichnungen&#10;Freihandzeichnungen&#10;Freihandzeichnungen&#10;Freihandzeichnungen&#10;Freihandzeichnungen&#10;Freihandzeichnungen&#10;Freihandzeichnungen&#10;Freihandzeichnungen&#10;Freihandzeichnungen&#10;Freihandzeichnungen&#10;Freihandzeichnungen&#10;Freihandzeichnungen&#10;Freihandzeichnungen&#10;Freihandzeichnungen&#10;Freihandzeichnungen&#10;Freihandzeichnungen&#10;Freihandzeichnungen&#10;Freihandzeichnungen&#10;Freihandzeichnungen&#10;Freihandzeichnungen&#10;Freihandzeichnungen&#10;Freihandzeichnungen&#10;Freihandzeichnungen&#10;Freihandzeichnungen&#10;Freihandzeichnungen&#10;Freihandzeichnungen&#10;Freihandzeichnungen&#10;Freihandzeichnungen&#10;Freihandzeichnungen&#10;Freihandzeichnungen&#10;Freihandzeichnungen&#10;Freihandzeichnungen&#10;Freihandzeichnungen&#10;Freihandzeichnungen&#10;Freihandzeichnungen&#10;Freihandzeichnungen&#10;Freihandzeichnungen&#10;Freihandzeichnungen&#10;Freihandzeichnungen&#10;Freihandzeichnungen&#10;Freihandzeichnungen&#10;Freihandzeichnungen&#10;Freihandzeichnungen&#10;Freihandzeichnungen&#10;Freihandzeichnungen&#10;Freihandzeichnungen&#10;Freihandzeichnungen&#10;Freihandzeichnungen&#10;Freihandzeichnungen&#10;Freihandzeichnungen&#10;Freihandzeichnungen&#10;Freihandzeichnungen&#10;Freihandzeichnungen&#10;Freihandzeichnungen&#10;Freihandzeichnungen&#10;Freihandzeichnungen&#10;Freihandzeichnungen&#10;Freihandzeichnungen&#10;Freihandzeichnungen&#10;Freihandzeichnungen&#10;Freihandzeichnungen&#10;Freihandzeichnungen&#10;Freihandzeichnungen&#10;Freihandzeichnungen&#10;Freihandzeichnungen&#10;Freihandzeichnungen&#10;Freihandzeichnungen&#10;Freihandzeichnungen&#10;Freihandzeichnungen&#10;Freihandzeichnungen&#10;Freihandzeichnungen&#10;Freihandzeichnungen&#10;Freihandzeichnungen&#10;Freihandzeichnungen&#10;Freihandzeichnungen&#10;Freihandzeichnungen&#10;Freihandzeichnungen&#10;Freihandzeichnungen&#10;Freihandzeichnungen&#10;Freihandzeichnungen&#10;Freihandzeichnungen&#10;Freihandzeichnungen&#10;Freihandzeichnungen&#10;Freihandzeichnungen&#10;Freihandzeichnungen&#10;Freihandzeichnungen&#10;Freihandzeichnungen&#10;Freihandzeichnungen&#10;Freihandzeichnungen&#10;Freihandzeichnungen&#10;Freihandzeichnungen&#10;Freihandzeichnungen&#10;Freihandzeichnungen&#10;Freihandzeichnungen&#10;Freihandzeichnungen&#10;Freihandzeichnungen&#10;Freihandzeichnungen&#10;Freihandzeichnungen&#10;Freihandzeichnungen&#10;Freihandzeichnungen&#10;Freihandzeichnungen&#10;Freihandzeichnungen&#10;Freihandzeichnungen&#10;Freihandzeichnungen&#10;Freihandzeichnungen&#10;Freihandzeichnungen&#10;Freihandzeichnungen&#10;Freihandzeichnungen&#10;Freihandzeichnungen&#10;Freihandzeichnungen&#10;Freihandzeichnungen&#10;Freihandzeichnungen&#10;Freihandzeichnungen&#10;Freihandzeichnungen&#10;Freihandzeichnungen&#10;Freihandzeichnungen&#10;Freihandzeichnungen&#10;Freihandzeichnungen&#10;Freihandzeichnungen&#10;Freihandzeichnungen&#10;Freihandzeichnungen&#10;Freihandzeichnungen&#10;Freihandzeichnungen&#10;Freihandzeichnungen&#10;Freihandzeichnungen&#10;Freihandzeichnungen&#10;Freihandzeichnungen&#10;Freihandzeichnungen&#10;Freihandzeichnungen&#10;Freihandzeichnungen&#10;Freihandzeichnungen&#10;Freihandzeichnungen&#10;Freihandzeichnungen&#10;Freihandzeichnungen&#10;Freihandzeichnungen&#10;Freihandzeichnungen&#10;Freihandzeichnungen&#10;Freihandzeichnungen&#10;Freihandzeichnungen&#10;Freihandzeichnungen&#10;Freihandzeichnungen&#10;Freihandzeichnungen&#10;Freihandzeichnungen&#10;Freihandzeichnungen&#10;Freihandzeichnungen&#10;Freihandzeichnungen&#10;Freihandzeichnungen&#10;Freihandzeichnungen&#10;Freihandzeichnungen&#10;Freihandzeichnungen&#10;Freihandzeichnungen&#10;Freihandzeichnungen&#10;Freihandzeichnungen&#10;Freihandzeichnungen&#10;Freihandzeichnungen&#10;Freihandzeichnungen&#10;Freihandzeichnungen&#10;Freihandzeichnungen&#10;Freihandzeichnungen&#10;Freihandzeichnungen&#10;Freihandzeichnungen&#10;Freihandzeichnungen&#10;Freihandzeichnungen&#10;Freihandzeichnungen&#10;Freihandzeichnungen&#10;Freihandzeichnungen&#10;Freihandzeichnungen&#10;Freihandzeichnungen&#10;Freihandzeichnungen&#10;Freihandzeichnungen&#10;Freihandzeichnungen&#10;Freihandzeichnungen&#10;Freihandzeichnungen&#10;Freihandzeichnungen&#10;Freihandzeichnungen&#10;Freihandzeichnungen&#10;Freihandzeichnungen&#10;Freihandzeichnungen&#10;Freihandzeichnungen&#10;Freihandzeichnungen&#10;Freihandzeichnungen&#10;Freihandzeichnungen&#10;Freihandzeichnungen&#10;Freihandzeichnungen&#10;Freihandzeichnungen&#10;Freihandzeichnungen&#10;Freihandzeichnungen&#10;Freihandzeichnungen&#10;Freihandzeichnungen&#10;Freihandzeichnungen&#10;Freihandzeichnungen&#10;Freihandzeichnungen&#10;Freihandzeichnungen&#10;Freihandzeichnungen&#10;Freihandzeichnungen&#10;Freihandzeichnungen&#10;Freihandzeichnungen&#10;Freihandzeichnungen&#10;Freihandzeichnungen&#10;Freihandzeichnungen&#10;Freihandzeichnungen&#10;Freihandzeichnungen&#10;Freihandzeichnungen&#10;Freihandzeichnungen&#10;Freihandzeichnungen&#10;Freihandzeichnungen&#10;Freihandzeichnungen&#10;Freihandzeichnungen&#10;Freihandzeichnungen&#10;Freihandzeichnungen&#10;Freihandzeichnungen&#10;Freihandzeichnungen&#10;Freihandzeichnungen&#10;Freihandzeichnungen&#10;Freihandzeichnungen&#10;Freihandzeichnungen&#10;Freihandzeichnungen&#10;Freihandzeichnungen&#10;Freihandzeichnungen&#10;Freihandzeichnungen&#10;Freihandzeichnungen&#10;Freihandzeichnungen&#10;Freihandzeichnungen&#10;Freihandzeichnungen&#10;Freihandzeichnungen&#10;Freihandzeichnungen&#10;Freihandzeichnungen&#10;Freihandzeichnungen&#10;Freihandzeichnungen&#10;Freihandzeichnungen&#10;Freihandzeichnungen&#10;Freihandzeichnungen&#10;Freihandzeichnungen&#10;Freihandzeichnungen&#10;Freihandzeichnungen&#10;Freihandzeichnungen&#10;Freihandzeichnungen&#10;Freihandzeichnungen&#10;Freihandzeichnungen&#10;Freihandzeichnungen&#10;Freihandzeichnungen&#10;Freihandzeichnungen&#10;Freihandzeichnungen&#10;Freihandzeichnungen&#10;Freihandzeichnungen&#10;Freihandzeichnungen&#10;Freihandzeichnungen&#10;Freihandzeichnungen&#10;Freihandzeichnungen&#10;Freihandzeichnungen&#10;Freihandzeichnungen&#10;Freihandzeichnungen&#10;Freihandzeichnungen&#10;Freihandzeichnungen&#10;Freihandzeichnungen&#10;Freihandzeichnungen&#10;Freihandzeichnungen&#10;Freihandzeichnungen&#10;Freihandzeichnungen&#10;Freihandzeichnungen&#10;Freihandzeichnungen&#10;Freihandzeichnungen&#10;Freihandzeichnungen&#10;Freihandzeichnungen&#10;">
             <a:extLst>
               <a:ext uri="{FF2B5EF4-FFF2-40B4-BE49-F238E27FC236}">
                 <a16:creationId xmlns:a16="http://schemas.microsoft.com/office/drawing/2014/main" id="{E5DE37EB-A942-D9CE-87CC-B67548F82152}"/>
@@ -3838,7 +3843,7 @@
       </p:pic>
       <p:pic>
         <p:nvPicPr>
-          <p:cNvPr id="1032" name="Picture 8" descr="Freihandzeichnungen&#13;&#10;Freihandzeichnungen&#13;&#10;Freihandzeichnungen&#13;&#10;Freihandzeichnungen&#13;&#10;Freihandzeichnungen&#13;&#10;Freihandzeichnungen&#13;&#10;Freihandzeichnungen&#13;&#10;Freihandzeichnungen&#13;&#10;Freihandzeichnungen&#13;&#10;Freihandzeichnungen&#13;&#10;Freihandzeichnungen&#13;&#10;Freihandzeichnungen&#13;&#10;Freihandzeichnungen&#13;&#10;Freihandzeichnungen&#13;&#10;Freihandzeichnungen&#13;&#10;Freihandzeichnungen&#13;&#10;Freihandzeichnungen&#13;&#10;Freihandzeichnungen&#13;&#10;Freihandzeichnungen&#13;&#10;Freihandzeichnungen&#13;&#10;Freihandzeichnungen&#13;&#10;Freihandzeichnungen&#13;&#10;Freihandzeichnungen&#13;&#10;Freihandzeichnungen&#13;&#10;Freihandzeichnungen&#13;&#10;Freihandzeichnungen&#13;&#10;Freihandzeichnungen&#13;&#10;Freihandzeichnungen&#13;&#10;Freihandzeichnungen&#13;&#10;Freihandzeichnungen&#13;&#10;Freihandzeichnungen&#13;&#10;Freihandzeichnungen&#13;&#10;Freihandzeichnungen&#13;&#10;Freihandzeichnungen&#13;&#10;Freihandzeichnungen&#13;&#10;Freihandzeichnungen&#13;&#10;Freihandzeichnungen&#13;&#10;Freihandzeichnungen&#13;&#10;Freihandzeichnungen&#13;&#10;Freihandzeichnungen&#13;&#10;Freihandzeichnungen&#13;&#10;Freihandzeichnungen&#13;&#10;Freihandzeichnungen&#13;&#10;Freihandzeichnungen&#13;&#10;Freihandzeichnungen&#13;&#10;Freihandzeichnungen&#13;&#10;Freihandzeichnungen&#13;&#10;Freihandzeichnungen&#13;&#10;Freihandzeichnungen&#13;&#10;Freihandzeichnungen&#13;&#10;Freihandzeichnungen&#13;&#10;Freihandzeichnungen&#13;&#10;Freihandzeichnungen&#13;&#10;Freihandzeichnungen&#13;&#10;Freihandzeichnungen&#13;&#10;Freihandzeichnungen&#13;&#10;Freihandzeichnungen&#13;&#10;Freihandzeichnungen&#13;&#10;Freihandzeichnungen&#13;&#10;Freihandzeichnungen&#13;&#10;Freihandzeichnungen&#13;&#10;Freihandzeichnungen&#13;&#10;Freihandzeichnungen&#13;&#10;Freihandzeichnungen&#13;&#10;Freihandzeichnungen&#13;&#10;Freihandzeichnungen&#13;&#10;Freihandzeichnungen&#13;&#10;Freihandzeichnungen&#13;&#10;Freihandzeichnungen&#13;&#10;Freihandzeichnungen&#13;&#10;Freihandzeichnungen&#13;&#10;Freihandzeichnungen&#13;&#10;Freihandzeichnungen&#13;&#10;Freihandzeichnungen&#13;&#10;Freihandzeichnungen&#13;&#10;Freihandzeichnungen&#13;&#10;Freihandzeichnungen&#13;&#10;Freihandzeichnungen&#13;&#10;Freihandzeichnungen&#13;&#10;Freihandzeichnungen&#13;&#10;Freihandzeichnungen&#13;&#10;Freihandzeichnungen&#13;&#10;Freihandzeichnungen&#13;&#10;Freihandzeichnungen&#13;&#10;Freihandzeichnungen&#13;&#10;Freihandzeichnungen&#13;&#10;Freihandzeichnungen&#13;&#10;Freihandzeichnungen&#13;&#10;Freihandzeichnungen&#13;&#10;Freihandzeichnungen&#13;&#10;Freihandzeichnungen&#13;&#10;Freihandzeichnungen&#13;&#10;Freihandzeichnungen&#13;&#10;Freihandzeichnungen&#13;&#10;Freihandzeichnungen&#13;&#10;Freihandzeichnungen&#13;&#10;Freihandzeichnungen&#13;&#10;Freihandzeichnungen&#13;&#10;Freihandzeichnungen&#13;&#10;Freihandzeichnungen&#13;&#10;Freihandzeichnungen&#13;&#10;Freihandzeichnungen&#13;&#10;Freihandzeichnungen&#13;&#10;Freihandzeichnungen&#13;&#10;Freihandzeichnungen&#13;&#10;Freihandzeichnungen&#13;&#10;Freihandzeichnungen&#13;&#10;Freihandzeichnungen&#13;&#10;Freihandzeichnungen&#13;&#10;Freihandzeichnungen&#13;&#10;Freihandzeichnungen&#13;&#10;Freihandzeichnungen&#13;&#10;Freihandzeichnungen&#13;&#10;Freihandzeichnungen&#13;&#10;Freihandzeichnungen&#13;&#10;Freihandzeichnungen&#13;&#10;Freihandzeichnungen&#13;&#10;Freihandzeichnungen&#13;&#10;Freihandzeichnungen&#13;&#10;Freihandzeichnungen&#13;&#10;Freihandzeichnungen&#13;&#10;Freihandzeichnungen&#13;&#10;Freihandzeichnungen&#13;&#10;Freihandzeichnungen&#13;&#10;Freihandzeichnungen&#13;&#10;Freihandzeichnungen&#13;&#10;Freihandzeichnungen&#13;&#10;Freihandzeichnungen&#13;&#10;Freihandzeichnungen&#13;&#10;Freihandzeichnungen&#13;&#10;Freihandzeichnungen&#13;&#10;Freihandzeichnungen&#13;&#10;Freihandzeichnungen&#13;&#10;Freihandzeichnungen&#13;&#10;Freihandzeichnungen&#13;&#10;Freihandzeichnungen&#13;&#10;Freihandzeichnungen&#13;&#10;Freihandzeichnungen&#13;&#10;Freihandzeichnungen&#13;&#10;Freihandzeichnungen&#13;&#10;Freihandzeichnungen&#13;&#10;Freihandzeichnungen&#13;&#10;Freihandzeichnungen&#13;&#10;Freihandzeichnungen&#13;&#10;Freihandzeichnungen&#13;&#10;Freihandzeichnungen&#13;&#10;Freihandzeichnungen&#13;&#10;Freihandzeichnungen&#13;&#10;Freihandzeichnungen&#13;&#10;Freihandzeichnungen&#13;&#10;Freihandzeichnungen&#13;&#10;Freihandzeichnungen&#13;&#10;Freihandzeichnungen&#13;&#10;Freihandzeichnungen&#13;&#10;Freihandzeichnungen&#13;&#10;Freihandzeichnungen&#13;&#10;Freihandzeichnungen&#13;&#10;Freihandzeichnungen&#13;&#10;Freihandzeichnungen&#13;&#10;Freihandzeichnungen&#13;&#10;Freihandzeichnungen&#13;&#10;Freihandzeichnungen&#13;&#10;Freihandzeichnungen&#13;&#10;Freihandzeichnungen&#13;&#10;Freihandzeichnungen&#13;&#10;Freihandzeichnungen&#13;&#10;Freihandzeichnungen&#13;&#10;Freihandzeichnungen&#13;&#10;Freihandzeichnungen&#13;&#10;Freihandzeichnungen&#13;&#10;Freihandzeichnungen&#13;&#10;Freihandzeichnungen&#13;&#10;Freihandzeichnungen&#13;&#10;Freihandzeichnungen&#13;&#10;Freihandzeichnungen&#13;&#10;Freihandzeichnungen&#13;&#10;Freihandzeichnungen&#13;&#10;Freihandzeichnungen&#13;&#10;Freihandzeichnungen&#13;&#10;Freihandzeichnungen&#13;&#10;Freihandzeichnungen&#13;&#10;Freihandzeichnungen&#13;&#10;Freihandzeichnungen&#13;&#10;Freihandzeichnungen&#13;&#10;Freihandzeichnungen&#13;&#10;Freihandzeichnungen&#13;&#10;Freihandzeichnungen&#13;&#10;Freihandzeichnungen&#13;&#10;Freihandzeichnungen&#13;&#10;Freihandzeichnungen&#13;&#10;Freihandzeichnungen&#13;&#10;Freihandzeichnungen&#13;&#10;Freihandzeichnungen&#13;&#10;Freihandzeichnungen&#13;&#10;Freihandzeichnungen&#13;&#10;Freihandzeichnungen&#13;&#10;Freihandzeichnungen&#13;&#10;Freihandzeichnungen&#13;&#10;Freihandzeichnungen&#13;&#10;Freihandzeichnungen&#13;&#10;Freihandzeichnungen&#13;&#10;Freihandzeichnungen&#13;&#10;Freihandzeichnungen&#13;&#10;Freihandzeichnungen&#13;&#10;Freihandzeichnungen&#13;&#10;Freihandzeichnungen&#13;&#10;Freihandzeichnungen&#13;&#10;Freihandzeichnungen&#13;&#10;Freihandzeichnungen&#13;&#10;Freihandzeichnungen&#13;&#10;Freihandzeichnungen&#13;&#10;Freihandzeichnungen&#13;&#10;Freihandzeichnungen&#13;&#10;Freihandzeichnungen&#13;&#10;Freihandzeichnungen&#13;&#10;Freihandzeichnungen&#13;&#10;Freihandzeichnungen&#13;&#10;Freihandzeichnungen&#13;&#10;Freihandzeichnungen&#13;&#10;Freihandzeichnungen&#13;&#10;Freihandzeichnungen&#13;&#10;Freihandzeichnungen&#13;&#10;Freihandzeichnungen&#13;&#10;Freihandzeichnungen&#13;&#10;Freihandzeichnungen&#13;&#10;Freihandzeichnungen&#13;&#10;Freihandzeichnungen&#13;&#10;Freihandzeichnungen&#13;&#10;Freihandzeichnungen&#13;&#10;Freihandzeichnungen&#13;&#10;Freihandzeichnungen&#13;&#10;Freihandzeichnungen&#13;&#10;Freihandzeichnungen&#13;&#10;Freihandzeichnungen&#13;&#10;Freihandzeichnungen&#13;&#10;Freihandzeichnungen&#13;&#10;Freihandzeichnungen&#13;&#10;Freihandzeichnungen&#13;&#10;Freihandzeichnungen&#13;&#10;Freihandzeichnungen&#13;&#10;Freihandzeichnungen&#13;&#10;Freihandzeichnungen&#13;&#10;Freihandzeichnungen&#13;&#10;Freihandzeichnungen&#13;&#10;Freihandzeichnungen&#13;&#10;Freihandzeichnungen&#13;&#10;Freihandzeichnungen&#13;&#10;Freihandzeichnungen&#13;&#10;Freihandzeichnungen&#13;&#10;Freihandzeichnungen&#13;&#10;Freihandzeichnungen&#13;&#10;Freihandzeichnungen&#13;&#10;Freihandzeichnungen&#13;&#10;Freihandzeichnungen&#13;&#10;Freihandzeichnungen&#13;&#10;Freihandzeichnungen&#13;&#10;Freihandzeichnungen&#13;&#10;Freihandzeichnungen&#13;&#10;Freihandzeichnungen&#13;&#10;Freihandzeichnungen&#13;&#10;Freihandzeichnungen&#13;&#10;Freihandzeichnungen&#13;&#10;Freihandzeichnungen&#13;&#10;Freihandzeichnungen&#13;&#10;Freihandzeichnungen&#13;&#10;Freihandzeichnungen&#13;&#10;Freihandzeichnungen&#13;&#10;Freihandzeichnungen&#13;&#10;Freihandzeichnungen&#13;&#10;Freihandzeichnungen&#13;&#10;Freihandzeichnungen&#13;&#10;Freihandzeichnungen&#13;&#10;Freihandzeichnungen&#13;&#10;Freihandzeichnungen&#13;&#10;Freihandzeichnungen&#13;&#10;Freihandzeichnungen&#13;&#10;Freihandzeichnungen&#13;&#10;Freihandzeichnungen&#13;&#10;Freihandzeichnungen&#13;&#10;Freihandzeichnungen&#13;&#10;Freihandzeichnungen&#13;&#10;Freihandzeichnungen&#13;&#10;Freihandzeichnungen&#13;&#10;Freihandzeichnungen&#13;&#10;Freihandzeichnungen&#13;&#10;Freihandzeichnungen&#13;&#10;Freihandzeichnungen&#13;&#10;Freihandzeichnungen&#13;&#10;Freihandzeichnungen&#13;&#10;Freihandzeichnungen&#13;&#10;Freihandzeichnungen&#13;&#10;Freihandzeichnungen&#13;&#10;Freihandzeichnungen&#13;&#10;Freihandzeichnungen&#13;&#10;Freihandzeichnungen&#13;&#10;Freihandzeichnungen&#13;&#10;Freihandzeichnungen&#13;&#10;Freihandzeichnungen&#13;&#10;Freihandzeichnungen&#13;&#10;Freihandzeichnungen&#13;&#10;Freihandzeichnungen&#13;&#10;Freihandzeichnungen&#13;&#10;Freihandzeichnungen&#13;&#10;Freihandzeichnungen&#13;&#10;Freihandzeichnungen&#13;&#10;Freihandzeichnungen&#13;&#10;Freihandzeichnungen&#13;&#10;Freihandzeichnungen&#13;&#10;Freihandzeichnungen&#13;&#10;Freihandzeichnungen&#13;&#10;Freihandzeichnungen&#13;&#10;Freihandzeichnungen&#13;&#10;Freihandzeichnungen&#13;&#10;Freihandzeichnungen&#13;&#10;Freihandzeichnungen&#13;&#10;Freihandzeichnungen&#13;&#10;Freihandzeichnungen&#13;&#10;Freihandzeichnungen&#13;&#10;Freihandzeichnungen&#13;&#10;Freihandzeichnungen&#13;&#10;Freihandzeichnungen&#13;&#10;Freihandzeichnungen&#13;&#10;Freihandzeichnungen&#13;&#10;Freihandzeichnungen&#13;&#10;Freihandzeichnungen&#13;&#10;Freihandzeichnungen&#13;&#10;Freihandzeichnungen&#13;&#10;Freihandzeichnungen&#13;&#10;Freihandzeichnungen&#13;&#10;Freihandzeichnungen&#13;&#10;Freihandzeichnungen&#13;&#10;Freihandzeichnungen&#13;&#10;Freihandzeichnungen&#13;&#10;Freihandzeichnungen&#13;&#10;Freihandzeichnungen&#13;&#10;Freihandzeichnungen&#13;&#10;Freihandzeichnungen&#13;&#10;Freihandzeichnungen&#13;&#10;Freihandzeichnungen&#13;&#10;Freihandzeichnungen&#13;&#10;Freihandzeichnungen&#13;&#10;Freihandzeichnungen&#13;&#10;Freihandzeichnungen&#13;&#10;Freihandzeichnungen&#13;&#10;Freihandzeichnungen&#13;&#10;Freihandzeichnungen&#13;&#10;Freihandzeichnungen&#13;&#10;Freihandzeichnungen&#13;&#10;Freihandzeichnungen&#13;&#10;Freihandzeichnungen&#13;&#10;Freihandzeichnungen&#13;&#10;Freihandzeichnungen&#13;&#10;Freihandzeichnungen&#13;&#10;Freihandzeichnungen&#13;&#10;Freihandzeichnungen&#13;&#10;Freihandzeichnungen&#13;&#10;Freihandzeichnungen&#13;&#10;Freihandzeichnungen&#13;&#10;Freihandzeichnungen&#13;&#10;Freihandzeichnungen&#13;&#10;Freihandzeichnungen&#13;&#10;Freihandzeichnungen&#13;&#10;Freihandzeichnungen&#13;&#10;Freihandzeichnungen&#13;&#10;Freihandzeichnungen&#13;&#10;Freihandzeichnungen&#13;&#10;Freihandzeichnungen&#13;&#10;Freihandzeichnungen&#13;&#10;Freihandzeichnungen&#13;&#10;Freihandzeichnungen&#13;&#10;Freihandzeichnungen&#13;&#10;Freihandzeichnungen&#13;&#10;Freihandzeichnungen&#13;&#10;Freihandzeichnungen&#13;&#10;Freihandzeichnungen&#13;&#10;Freihandzeichnungen&#13;&#10;Freihandzeichnungen&#13;&#10;Freihandzeichnungen&#13;&#10;Freihandzeichnungen&#13;&#10;Freihandzeichnungen&#13;&#10;Freihandzeichnungen&#13;&#10;Freihandzeichnungen&#13;&#10;Freihandzeichnungen&#13;&#10;Freihandzeichnungen&#13;&#10;Freihandzeichnungen&#13;&#10;Freihandzeichnungen&#13;&#10;Freihandzeichnungen&#13;&#10;Freihandzeichnungen&#13;&#10;Freihandzeichnungen&#13;&#10;Freihandzeichnungen&#13;&#10;Freihandzeichnungen&#13;&#10;Freihandzeichnungen&#13;&#10;Freihandzeichnungen&#13;&#10;Freihandzeichnungen&#13;&#10;Freihandzeichnungen&#13;&#10;Freihandzeichnungen&#13;&#10;Freihandzeichnungen&#13;&#10;Freihandzeichnungen&#13;&#10;Freihandzeichnungen&#13;&#10;Freihandzeichnungen&#13;&#10;Freihandzeichnungen&#13;&#10;Freihandzeichnungen&#13;&#10;Freihandzeichnungen&#13;&#10;Freihandzeichnungen&#13;&#10;Freihandzeichnungen&#13;&#10;Freihandzeichnungen&#13;&#10;Freihandzeichnungen&#13;&#10;Freihandzeichnungen&#13;&#10;Freihandzeichnungen&#13;&#10;Freihandzeichnungen&#13;&#10;Freihandzeichnungen&#13;&#10;Freihandzeichnungen&#13;&#10;Freihandzeichnungen&#13;&#10;Freihandzeichnungen&#13;&#10;Freihandzeichnungen&#13;&#10;Freihandzeichnungen&#13;&#10;Freihandzeichnungen&#13;&#10;Freihandzeichnungen&#13;&#10;Freihandzeichnungen&#13;&#10;Freihandzeichnungen&#13;&#10;Freihandzeichnungen&#13;&#10;Freihandzeichnungen&#13;&#10;Freihandzeichnungen&#13;&#10;Freihandzeichnungen&#13;&#10;Freihandzeichnungen&#13;&#10;Freihandzeichnungen&#13;&#10;Freihandzeichnungen&#13;&#10;Freihandzeichnungen&#13;&#10;Freihandzeichnungen&#13;&#10;Freihandzeichnungen&#13;&#10;Freihandzeichnungen&#13;&#10;Freihandzeichnungen&#13;&#10;Freihandzeichnungen&#13;&#10;Freihandzeichnungen&#13;&#10;Freihandzeichnungen&#13;&#10;Freihandzeichnungen&#13;&#10;Freihandzeichnungen&#13;&#10;Freihandzeichnungen&#13;&#10;Freihandzeichnungen&#13;&#10;Freihandzeichnungen&#13;&#10;Freihandzeichnungen&#13;&#10;Freihandzeichnungen&#13;&#10;Freihandzeichnungen&#13;&#10;Freihandzeichnungen&#13;&#10;Freihandzeichnungen&#13;&#10;Freihandzeichnungen&#13;&#10;Freihandzeichnungen&#13;&#10;Freihandzeichnungen&#13;&#10;Freihandzeichnungen&#13;&#10;Freihandzeichnungen&#13;&#10;Freihandzeichnungen&#13;&#10;Freihandzeichnungen&#13;&#10;Freihandzeichnungen&#13;&#10;Freihandzeichnungen&#13;&#10;Freihandzeichnungen&#13;&#10;Freihandzeichnungen&#13;&#10;Freihandzeichnungen&#13;&#10;Freihandzeichnungen&#13;&#10;Freihandzeichnungen&#13;&#10;Freihandzeichnungen&#13;&#10;Freihandzeichnungen&#13;&#10;Freihandzeichnungen&#13;&#10;Freihandzeichnungen&#13;&#10;Freihandzeichnungen&#13;&#10;Freihandzeichnungen&#13;&#10;Freihandzeichnungen&#13;&#10;Freihandzeichnungen&#13;&#10;Freihandzeichnungen&#13;&#10;Freihandzeichnungen&#13;&#10;Freihandzeichnungen&#13;&#10;Freihandzeichnungen&#13;&#10;Freihandzeichnungen&#13;&#10;Freihandzeichnungen&#13;&#10;Freihandzeichnungen&#13;&#10;Freihandzeichnungen&#13;&#10;Freihandzeichnungen&#13;&#10;Freihandzeichnungen&#13;&#10;Freihandzeichnungen&#13;&#10;Freihandzeichnungen&#13;&#10;Freihandzeichnungen&#13;&#10;Freihandzeichnungen&#13;&#10;Freihandzeichnungen&#13;&#10;Freihandzeichnungen&#13;&#10;Freihandzeichnungen&#13;&#10;Freihandzeichnungen&#13;&#10;Freihandzeichnungen&#13;&#10;Freihandzeichnungen&#13;&#10;Freihandzeichnungen&#13;&#10;Freihandzeichnungen&#13;&#10;Freihandzeichnungen&#13;&#10;Freihandzeichnungen&#13;&#10;Freihandzeichnungen&#13;&#10;Freihandzeichnungen&#13;&#10;Freihandzeichnungen&#13;&#10;Freihandzeichnungen&#13;&#10;Freihandzeichnungen&#13;&#10;Freihandzeichnungen&#13;&#10;Freihandzeichnungen&#13;&#10;Freihandzeichnungen&#13;&#10;Freihandzeichnungen&#13;&#10;Freihandzeichnungen&#13;&#10;Freihandzeichnungen&#13;&#10;Freihandzeichnungen&#13;&#10;Freihandzeichnungen&#13;&#10;Freihandzeichnungen&#13;&#10;Freihandzeichnungen&#13;&#10;Freihandzeichnungen&#13;&#10;Freihandzeichnungen&#13;&#10;Freihandzeichnungen&#13;&#10;Freihandzeichnungen&#13;&#10;Freihandzeichnungen&#13;&#10;Freihandzeichnungen&#13;&#10;Freihandzeichnungen&#13;&#10;Freihandzeichnungen&#13;&#10;Freihandzeichnungen&#13;&#10;Freihandzeichnungen&#13;&#10;Freihandzeichnungen&#13;&#10;Freihandzeichnungen&#13;&#10;Freihandzeichnungen&#13;&#10;Freihandzeichnungen&#13;&#10;Freihandzeichnungen&#13;&#10;Freihandzeichnungen&#13;&#10;Freihandzeichnungen&#13;&#10;Freihandzeichnungen&#13;&#10;Freihandzeichnungen&#13;&#10;Freihandzeichnungen&#13;&#10;Freihandzeichnungen&#13;&#10;Freihandzeichnungen&#13;&#10;Freihandzeichnungen&#13;&#10;Freihandzeichnungen&#13;&#10;Freihandzeichnungen&#13;&#10;Freihandzeichnungen&#13;&#10;Freihandzeichnungen&#13;&#10;Freihandzeichnungen&#13;&#10;Freihandzeichnungen&#13;&#10;Freihandzeichnungen&#13;&#10;Freihandzeichnungen&#13;&#10;Freihandzeichnungen&#13;&#10;Freihandzeichnungen&#13;&#10;Freihandzeichnungen&#13;&#10;Freihandzeichnungen&#13;&#10;Freihandzeichnungen&#13;&#10;Freihandzeichnungen&#13;&#10;Freihandzeichnungen&#13;&#10;Freihandzeichnungen&#13;&#10;Freihandzeichnungen&#13;&#10;Freihandzeichnungen&#13;&#10;Freihandzeichnungen&#13;&#10;Freihandzeichnungen&#13;&#10;Freihandzeichnungen&#13;&#10;Freihandzeichnungen&#13;&#10;Freihandzeichnungen&#13;&#10;Freihandzeichnungen&#13;&#10;Freihandzeichnungen&#13;&#10;Freihandzeichnungen&#13;&#10;Freihandzeichnungen&#13;&#10;Freihandzeichnungen&#13;&#10;Freihandzeichnungen&#13;&#10;Freihandzeichnungen&#13;&#10;Freihandzeichnungen&#13;&#10;Freihandzeichnungen&#13;&#10;Freihandzeichnungen&#13;&#10;Freihandzeichnungen&#13;&#10;Freihandzeichnungen&#13;&#10;Freihandzeichnungen&#13;&#10;Freihandzeichnungen&#13;&#10;Freihandzeichnungen&#13;&#10;Freihandzeichnungen&#13;&#10;Freihandzeichnungen&#13;&#10;Freihandzeichnungen&#13;&#10;Freihandzeichnungen&#13;&#10;Freihandzeichnungen&#13;&#10;Freihandzeichnungen&#13;&#10;Freihandzeichnungen&#13;&#10;Freihandzeichnungen&#13;&#10;Freihandzeichnungen&#13;&#10;Freihandzeichnungen&#13;&#10;Freihandzeichnungen&#13;&#10;Freihandzeichnungen&#13;&#10;Freihandzeichnungen&#13;&#10;Freihandzeichnungen&#13;&#10;Freihandzeichnungen&#13;&#10;Freihandzeichnungen&#13;&#10;Freihandzeichnungen&#13;&#10;Freihandzeichnungen&#13;&#10;Freihandzeichnungen&#13;&#10;Freihandzeichnungen&#13;&#10;Freihandzeichnungen&#13;&#10;Freihandzeichnungen&#13;&#10;Freihandzeichnungen&#13;&#10;Freihandzeichnungen&#13;&#10;Freihandzeichnungen&#13;&#10;Freihandzeichnungen&#13;&#10;Freihandzeichnungen&#13;&#10;Freihandzeichnungen&#13;&#10;Freihandzeichnungen&#13;&#10;Freihandzeichnungen&#13;&#10;Freihandzeichnungen&#13;&#10;Freihandzeichnungen&#13;&#10;Freihandzeichnungen&#13;&#10;Freihandzeichnungen&#13;&#10;Freihandzeichnungen&#13;&#10;Freihandzeichnungen&#13;&#10;Freihandzeichnungen&#13;&#10;Freihandzeichnungen&#13;&#10;Freihandzeichnungen&#13;&#10;Freihandzeichnungen&#13;&#10;Freihandzeichnungen&#13;&#10;Freihandzeichnungen&#13;&#10;Freihandzeichnungen&#13;&#10;Freihandzeichnungen&#13;&#10;Freihandzeichnungen&#13;&#10;Freihandzeichnungen&#13;&#10;Freihandzeichnungen&#13;&#10;Freihandzeichnungen&#13;&#10;Freihandzeichnungen&#13;&#10;Freihandzeichnungen&#13;&#10;Freihandzeichnungen&#13;&#10;Freihandzeichnungen&#13;&#10;Freihandzeichnungen&#13;&#10;Freihandzeichnungen&#13;&#10;Freihandzeichnungen&#13;&#10;Freihandzeichnungen&#13;&#10;Freihandzeichnungen&#13;&#10;Freihandzeichnungen&#13;&#10;Freihandzeichnungen&#13;&#10;Freihandzeichnungen&#13;&#10;Freihandzeichnungen&#13;&#10;Freihandzeichnungen&#13;&#10;Freihandzeichnungen&#13;&#10;Freihandzeichnungen&#13;&#10;Freihandzeichnungen&#13;&#10;Freihandzeichnungen&#13;&#10;Freihandzeichnungen&#13;&#10;Freihandzeichnungen&#13;&#10;Freihandzeichnungen&#13;&#10;Freihandzeichnungen&#13;&#10;Freihandzeichnungen&#13;&#10;Freihandzeichnungen&#13;&#10;Freihandzeichnungen&#13;&#10;Freihandzeichnungen&#13;&#10;Freihandzeichnungen&#13;&#10;Freihandzeichnungen&#13;&#10;Freihandzeichnungen&#13;&#10;Freihandzeichnungen&#13;&#10;Freihandzeichnungen&#13;&#10;Freihandzeichnungen&#13;&#10;Freihandzeichnungen&#13;&#10;Freihandzeichnungen&#13;&#10;Freihandzeichnungen&#13;&#10;Freihandzeichnungen&#13;&#10;Freihandzeichnungen&#13;&#10;Freihandzeichnungen&#13;&#10;Freihandzeichnungen&#13;&#10;Freihandzeichnungen&#13;&#10;Freihandzeichnungen&#13;&#10;Freihandzeichnungen&#13;&#10;Freihandzeichnungen&#13;&#10;Freihandzeichnungen&#13;&#10;Freihandzeichnungen&#13;&#10;Freihandzeichnungen&#13;&#10;Freihandzeichnungen&#13;&#10;Freihandzeichnungen&#13;&#10;Freihandzeichnungen&#13;&#10;Freihandzeichnungen&#13;&#10;Freihandzeichnungen&#13;&#10;Freihandzeichnungen&#13;&#10;Freihandzeichnungen&#13;&#10;Freihandzeichnungen&#13;&#10;Freihandzeichnungen&#13;&#10;Freihandzeichnungen&#13;&#10;Freihandzeichnungen&#13;&#10;Freihandzeichnungen&#13;&#10;Freihandzeichnungen&#13;&#10;Freihandzeichnungen&#13;&#10;Freihandzeichnungen&#13;&#10;Freihandzeichnungen&#13;&#10;Freihandzeichnungen&#13;&#10;Freihandzeichnungen&#13;&#10;Freihandzeichnungen&#13;&#10;Freihandzeichnungen&#13;&#10;Freihandzeichnungen&#13;&#10;Freihandzeichnungen&#13;&#10;Freihandzeichnungen&#13;&#10;Freihandzeichnungen&#13;&#10;Freihandzeichnungen&#13;&#10;">
+          <p:cNvPr id="1032" name="Picture 8" descr="Freihandzeichnungen&#10;Freihandzeichnungen&#10;Freihandzeichnungen&#10;Freihandzeichnungen&#10;Freihandzeichnungen&#10;Freihandzeichnungen&#10;Freihandzeichnungen&#10;Freihandzeichnungen&#10;Freihandzeichnungen&#10;Freihandzeichnungen&#10;Freihandzeichnungen&#10;Freihandzeichnungen&#10;Freihandzeichnungen&#10;Freihandzeichnungen&#10;Freihandzeichnungen&#10;Freihandzeichnungen&#10;Freihandzeichnungen&#10;Freihandzeichnungen&#10;Freihandzeichnungen&#10;Freihandzeichnungen&#10;Freihandzeichnungen&#10;Freihandzeichnungen&#10;Freihandzeichnungen&#10;Freihandzeichnungen&#10;Freihandzeichnungen&#10;Freihandzeichnungen&#10;Freihandzeichnungen&#10;Freihandzeichnungen&#10;Freihandzeichnungen&#10;Freihandzeichnungen&#10;Freihandzeichnungen&#10;Freihandzeichnungen&#10;Freihandzeichnungen&#10;Freihandzeichnungen&#10;Freihandzeichnungen&#10;Freihandzeichnungen&#10;Freihandzeichnungen&#10;Freihandzeichnungen&#10;Freihandzeichnungen&#10;Freihandzeichnungen&#10;Freihandzeichnungen&#10;Freihandzeichnungen&#10;Freihandzeichnungen&#10;Freihandzeichnungen&#10;Freihandzeichnungen&#10;Freihandzeichnungen&#10;Freihandzeichnungen&#10;Freihandzeichnungen&#10;Freihandzeichnungen&#10;Freihandzeichnungen&#10;Freihandzeichnungen&#10;Freihandzeichnungen&#10;Freihandzeichnungen&#10;Freihandzeichnungen&#10;Freihandzeichnungen&#10;Freihandzeichnungen&#10;Freihandzeichnungen&#10;Freihandzeichnungen&#10;Freihandzeichnungen&#10;Freihandzeichnungen&#10;Freihandzeichnungen&#10;Freihandzeichnungen&#10;Freihandzeichnungen&#10;Freihandzeichnungen&#10;Freihandzeichnungen&#10;Freihandzeichnungen&#10;Freihandzeichnungen&#10;Freihandzeichnungen&#10;Freihandzeichnungen&#10;Freihandzeichnungen&#10;Freihandzeichnungen&#10;Freihandzeichnungen&#10;Freihandzeichnungen&#10;Freihandzeichnungen&#10;Freihandzeichnungen&#10;Freihandzeichnungen&#10;Freihandzeichnungen&#10;Freihandzeichnungen&#10;Freihandzeichnungen&#10;Freihandzeichnungen&#10;Freihandzeichnungen&#10;Freihandzeichnungen&#10;Freihandzeichnungen&#10;Freihandzeichnungen&#10;Freihandzeichnungen&#10;Freihandzeichnungen&#10;Freihandzeichnungen&#10;Freihandzeichnungen&#10;Freihandzeichnungen&#10;Freihandzeichnungen&#10;Freihandzeichnungen&#10;Freihandzeichnungen&#10;Freihandzeichnungen&#10;Freihandzeichnungen&#10;Freihandzeichnungen&#10;Freihandzeichnungen&#10;Freihandzeichnungen&#10;Freihandzeichnungen&#10;Freihandzeichnungen&#10;Freihandzeichnungen&#10;Freihandzeichnungen&#10;Freihandzeichnungen&#10;Freihandzeichnungen&#10;Freihandzeichnungen&#10;Freihandzeichnungen&#10;Freihandzeichnungen&#10;Freihandzeichnungen&#10;Freihandzeichnungen&#10;Freihandzeichnungen&#10;Freihandzeichnungen&#10;Freihandzeichnungen&#10;Freihandzeichnungen&#10;Freihandzeichnungen&#10;Freihandzeichnungen&#10;Freihandzeichnungen&#10;Freihandzeichnungen&#10;Freihandzeichnungen&#10;Freihandzeichnungen&#10;Freihandzeichnungen&#10;Freihandzeichnungen&#10;Freihandzeichnungen&#10;Freihandzeichnungen&#10;Freihandzeichnungen&#10;Freihandzeichnungen&#10;Freihandzeichnungen&#10;Freihandzeichnungen&#10;Freihandzeichnungen&#10;Freihandzeichnungen&#10;Freihandzeichnungen&#10;Freihandzeichnungen&#10;Freihandzeichnungen&#10;Freihandzeichnungen&#10;Freihandzeichnungen&#10;Freihandzeichnungen&#10;Freihandzeichnungen&#10;Freihandzeichnungen&#10;Freihandzeichnungen&#10;Freihandzeichnungen&#10;Freihandzeichnungen&#10;Freihandzeichnungen&#10;Freihandzeichnungen&#10;Freihandzeichnungen&#10;Freihandzeichnungen&#10;Freihandzeichnungen&#10;Freihandzeichnungen&#10;Freihandzeichnungen&#10;Freihandzeichnungen&#10;Freihandzeichnungen&#10;Freihandzeichnungen&#10;Freihandzeichnungen&#10;Freihandzeichnungen&#10;Freihandzeichnungen&#10;Freihandzeichnungen&#10;Freihandzeichnungen&#10;Freihandzeichnungen&#10;Freihandzeichnungen&#10;Freihandzeichnungen&#10;Freihandzeichnungen&#10;Freihandzeichnungen&#10;Freihandzeichnungen&#10;Freihandzeichnungen&#10;Freihandzeichnungen&#10;Freihandzeichnungen&#10;Freihandzeichnungen&#10;Freihandzeichnungen&#10;Freihandzeichnungen&#10;Freihandzeichnungen&#10;Freihandzeichnungen&#10;Freihandzeichnungen&#10;Freihandzeichnungen&#10;Freihandzeichnungen&#10;Freihandzeichnungen&#10;Freihandzeichnungen&#10;Freihandzeichnungen&#10;Freihandzeichnungen&#10;Freihandzeichnungen&#10;Freihandzeichnungen&#10;Freihandzeichnungen&#10;Freihandzeichnungen&#10;Freihandzeichnungen&#10;Freihandzeichnungen&#10;Freihandzeichnungen&#10;Freihandzeichnungen&#10;Freihandzeichnungen&#10;Freihandzeichnungen&#10;Freihandzeichnungen&#10;Freihandzeichnungen&#10;Freihandzeichnungen&#10;Freihandzeichnungen&#10;Freihandzeichnungen&#10;Freihandzeichnungen&#10;Freihandzeichnungen&#10;Freihandzeichnungen&#10;Freihandzeichnungen&#10;Freihandzeichnungen&#10;Freihandzeichnungen&#10;Freihandzeichnungen&#10;Freihandzeichnungen&#10;Freihandzeichnungen&#10;Freihandzeichnungen&#10;Freihandzeichnungen&#10;Freihandzeichnungen&#10;Freihandzeichnungen&#10;Freihandzeichnungen&#10;Freihandzeichnungen&#10;Freihandzeichnungen&#10;Freihandzeichnungen&#10;Freihandzeichnungen&#10;Freihandzeichnungen&#10;Freihandzeichnungen&#10;Freihandzeichnungen&#10;Freihandzeichnungen&#10;Freihandzeichnungen&#10;Freihandzeichnungen&#10;Freihandzeichnungen&#10;Freihandzeichnungen&#10;Freihandzeichnungen&#10;Freihandzeichnungen&#10;Freihandzeichnungen&#10;Freihandzeichnungen&#10;Freihandzeichnungen&#10;Freihandzeichnungen&#10;Freihandzeichnungen&#10;Freihandzeichnungen&#10;Freihandzeichnungen&#10;Freihandzeichnungen&#10;Freihandzeichnungen&#10;Freihandzeichnungen&#10;Freihandzeichnungen&#10;Freihandzeichnungen&#10;Freihandzeichnungen&#10;Freihandzeichnungen&#10;Freihandzeichnungen&#10;Freihandzeichnungen&#10;Freihandzeichnungen&#10;Freihandzeichnungen&#10;Freihandzeichnungen&#10;Freihandzeichnungen&#10;Freihandzeichnungen&#10;Freihandzeichnungen&#10;Freihandzeichnungen&#10;Freihandzeichnungen&#10;Freihandzeichnungen&#10;Freihandzeichnungen&#10;Freihandzeichnungen&#10;Freihandzeichnungen&#10;Freihandzeichnungen&#10;Freihandzeichnungen&#10;Freihandzeichnungen&#10;Freihandzeichnungen&#10;Freihandzeichnungen&#10;Freihandzeichnungen&#10;Freihandzeichnungen&#10;Freihandzeichnungen&#10;Freihandzeichnungen&#10;Freihandzeichnungen&#10;Freihandzeichnungen&#10;Freihandzeichnungen&#10;Freihandzeichnungen&#10;Freihandzeichnungen&#10;Freihandzeichnungen&#10;Freihandzeichnungen&#10;Freihandzeichnungen&#10;Freihandzeichnungen&#10;Freihandzeichnungen&#10;Freihandzeichnungen&#10;Freihandzeichnungen&#10;Freihandzeichnungen&#10;Freihandzeichnungen&#10;Freihandzeichnungen&#10;Freihandzeichnungen&#10;Freihandzeichnungen&#10;Freihandzeichnungen&#10;Freihandzeichnungen&#10;Freihandzeichnungen&#10;Freihandzeichnungen&#10;Freihandzeichnungen&#10;Freihandzeichnungen&#10;Freihandzeichnungen&#10;Freihandzeichnungen&#10;Freihandzeichnungen&#10;Freihandzeichnungen&#10;Freihandzeichnungen&#10;Freihandzeichnungen&#10;Freihandzeichnungen&#10;Freihandzeichnungen&#10;Freihandzeichnungen&#10;Freihandzeichnungen&#10;Freihandzeichnungen&#10;Freihandzeichnungen&#10;Freihandzeichnungen&#10;Freihandzeichnungen&#10;Freihandzeichnungen&#10;Freihandzeichnungen&#10;Freihandzeichnungen&#10;Freihandzeichnungen&#10;Freihandzeichnungen&#10;Freihandzeichnungen&#10;Freihandzeichnungen&#10;Freihandzeichnungen&#10;Freihandzeichnungen&#10;Freihandzeichnungen&#10;Freihandzeichnungen&#10;Freihandzeichnungen&#10;Freihandzeichnungen&#10;Freihandzeichnungen&#10;Freihandzeichnungen&#10;Freihandzeichnungen&#10;Freihandzeichnungen&#10;Freihandzeichnungen&#10;Freihandzeichnungen&#10;Freihandzeichnungen&#10;Freihandzeichnungen&#10;Freihandzeichnungen&#10;Freihandzeichnungen&#10;Freihandzeichnungen&#10;Freihandzeichnungen&#10;Freihandzeichnungen&#10;Freihandzeichnungen&#10;Freihandzeichnungen&#10;Freihandzeichnungen&#10;Freihandzeichnungen&#10;Freihandzeichnungen&#10;Freihandzeichnungen&#10;Freihandzeichnungen&#10;Freihandzeichnungen&#10;Freihandzeichnungen&#10;Freihandzeichnungen&#10;Freihandzeichnungen&#10;Freihandzeichnungen&#10;Freihandzeichnungen&#10;Freihandzeichnungen&#10;Freihandzeichnungen&#10;Freihandzeichnungen&#10;Freihandzeichnungen&#10;Freihandzeichnungen&#10;Freihandzeichnungen&#10;Freihandzeichnungen&#10;Freihandzeichnungen&#10;Freihandzeichnungen&#10;Freihandzeichnungen&#10;Freihandzeichnungen&#10;Freihandzeichnungen&#10;Freihandzeichnungen&#10;Freihandzeichnungen&#10;Freihandzeichnungen&#10;Freihandzeichnungen&#10;Freihandzeichnungen&#10;Freihandzeichnungen&#10;Freihandzeichnungen&#10;Freihandzeichnungen&#10;Freihandzeichnungen&#10;Freihandzeichnungen&#10;Freihandzeichnungen&#10;Freihandzeichnungen&#10;Freihandzeichnungen&#10;Freihandzeichnungen&#10;Freihandzeichnungen&#10;Freihandzeichnungen&#10;Freihandzeichnungen&#10;Freihandzeichnungen&#10;Freihandzeichnungen&#10;Freihandzeichnungen&#10;Freihandzeichnungen&#10;Freihandzeichnungen&#10;Freihandzeichnungen&#10;Freihandzeichnungen&#10;Freihandzeichnungen&#10;Freihandzeichnungen&#10;Freihandzeichnungen&#10;Freihandzeichnungen&#10;Freihandzeichnungen&#10;Freihandzeichnungen&#10;Freihandzeichnungen&#10;Freihandzeichnungen&#10;Freihandzeichnungen&#10;Freihandzeichnungen&#10;Freihandzeichnungen&#10;Freihandzeichnungen&#10;Freihandzeichnungen&#10;Freihandzeichnungen&#10;Freihandzeichnungen&#10;Freihandzeichnungen&#10;Freihandzeichnungen&#10;Freihandzeichnungen&#10;Freihandzeichnungen&#10;Freihandzeichnungen&#10;Freihandzeichnungen&#10;Freihandzeichnungen&#10;Freihandzeichnungen&#10;Freihandzeichnungen&#10;Freihandzeichnungen&#10;Freihandzeichnungen&#10;Freihandzeichnungen&#10;Freihandzeichnungen&#10;Freihandzeichnungen&#10;Freihandzeichnungen&#10;Freihandzeichnungen&#10;Freihandzeichnungen&#10;Freihandzeichnungen&#10;Freihandzeichnungen&#10;Freihandzeichnungen&#10;Freihandzeichnungen&#10;Freihandzeichnungen&#10;Freihandzeichnungen&#10;Freihandzeichnungen&#10;Freihandzeichnungen&#10;Freihandzeichnungen&#10;Freihandzeichnungen&#10;Freihandzeichnungen&#10;Freihandzeichnungen&#10;Freihandzeichnungen&#10;Freihandzeichnungen&#10;Freihandzeichnungen&#10;Freihandzeichnungen&#10;Freihandzeichnungen&#10;Freihandzeichnungen&#10;Freihandzeichnungen&#10;Freihandzeichnungen&#10;Freihandzeichnungen&#10;Freihandzeichnungen&#10;Freihandzeichnungen&#10;Freihandzeichnungen&#10;Freihandzeichnungen&#10;Freihandzeichnungen&#10;Freihandzeichnungen&#10;Freihandzeichnungen&#10;Freihandzeichnungen&#10;Freihandzeichnungen&#10;Freihandzeichnungen&#10;Freihandzeichnungen&#10;Freihandzeichnungen&#10;Freihandzeichnungen&#10;Freihandzeichnungen&#10;Freihandzeichnungen&#10;Freihandzeichnungen&#10;Freihandzeichnungen&#10;Freihandzeichnungen&#10;Freihandzeichnungen&#10;Freihandzeichnungen&#10;Freihandzeichnungen&#10;Freihandzeichnungen&#10;Freihandzeichnungen&#10;Freihandzeichnungen&#10;Freihandzeichnungen&#10;Freihandzeichnungen&#10;Freihandzeichnungen&#10;Freihandzeichnungen&#10;Freihandzeichnungen&#10;Freihandzeichnungen&#10;Freihandzeichnungen&#10;Freihandzeichnungen&#10;Freihandzeichnungen&#10;Freihandzeichnungen&#10;Freihandzeichnungen&#10;Freihandzeichnungen&#10;Freihandzeichnungen&#10;Freihandzeichnungen&#10;Freihandzeichnungen&#10;Freihandzeichnungen&#10;Freihandzeichnungen&#10;Freihandzeichnungen&#10;Freihandzeichnungen&#10;Freihandzeichnungen&#10;Freihandzeichnungen&#10;Freihandzeichnungen&#10;Freihandzeichnungen&#10;Freihandzeichnungen&#10;Freihandzeichnungen&#10;Freihandzeichnungen&#10;Freihandzeichnungen&#10;Freihandzeichnungen&#10;Freihandzeichnungen&#10;Freihandzeichnungen&#10;Freihandzeichnungen&#10;Freihandzeichnungen&#10;Freihandzeichnungen&#10;Freihandzeichnungen&#10;Freihandzeichnungen&#10;Freihandzeichnungen&#10;Freihandzeichnungen&#10;Freihandzeichnungen&#10;Freihandzeichnungen&#10;Freihandzeichnungen&#10;Freihandzeichnungen&#10;Freihandzeichnungen&#10;Freihandzeichnungen&#10;Freihandzeichnungen&#10;Freihandzeichnungen&#10;Freihandzeichnungen&#10;Freihandzeichnungen&#10;Freihandzeichnungen&#10;Freihandzeichnungen&#10;Freihandzeichnungen&#10;Freihandzeichnungen&#10;Freihandzeichnungen&#10;Freihandzeichnungen&#10;Freihandzeichnungen&#10;Freihandzeichnungen&#10;Freihandzeichnungen&#10;Freihandzeichnungen&#10;Freihandzeichnungen&#10;Freihandzeichnungen&#10;Freihandzeichnungen&#10;Freihandzeichnungen&#10;Freihandzeichnungen&#10;Freihandzeichnungen&#10;Freihandzeichnungen&#10;Freihandzeichnungen&#10;Freihandzeichnungen&#10;Freihandzeichnungen&#10;Freihandzeichnungen&#10;Freihandzeichnungen&#10;Freihandzeichnungen&#10;Freihandzeichnungen&#10;Freihandzeichnungen&#10;Freihandzeichnungen&#10;Freihandzeichnungen&#10;Freihandzeichnungen&#10;Freihandzeichnungen&#10;Freihandzeichnungen&#10;Freihandzeichnungen&#10;Freihandzeichnungen&#10;Freihandzeichnungen&#10;Freihandzeichnungen&#10;Freihandzeichnungen&#10;Freihandzeichnungen&#10;Freihandzeichnungen&#10;Freihandzeichnungen&#10;Freihandzeichnungen&#10;Freihandzeichnungen&#10;Freihandzeichnungen&#10;Freihandzeichnungen&#10;Freihandzeichnungen&#10;Freihandzeichnungen&#10;Freihandzeichnungen&#10;Freihandzeichnungen&#10;Freihandzeichnungen&#10;Freihandzeichnungen&#10;Freihandzeichnungen&#10;Freihandzeichnungen&#10;Freihandzeichnungen&#10;Freihandzeichnungen&#10;Freihandzeichnungen&#10;Freihandzeichnungen&#10;Freihandzeichnungen&#10;Freihandzeichnungen&#10;Freihandzeichnungen&#10;Freihandzeichnungen&#10;Freihandzeichnungen&#10;Freihandzeichnungen&#10;Freihandzeichnungen&#10;Freihandzeichnungen&#10;Freihandzeichnungen&#10;Freihandzeichnungen&#10;Freihandzeichnungen&#10;Freihandzeichnungen&#10;Freihandzeichnungen&#10;Freihandzeichnungen&#10;Freihandzeichnungen&#10;Freihandzeichnungen&#10;Freihandzeichnungen&#10;Freihandzeichnungen&#10;Freihandzeichnungen&#10;Freihandzeichnungen&#10;Freihandzeichnungen&#10;Freihandzeichnungen&#10;Freihandzeichnungen&#10;Freihandzeichnungen&#10;Freihandzeichnungen&#10;Freihandzeichnungen&#10;Freihandzeichnungen&#10;Freihandzeichnungen&#10;Freihandzeichnungen&#10;Freihandzeichnungen&#10;Freihandzeichnungen&#10;Freihandzeichnungen&#10;Freihandzeichnungen&#10;Freihandzeichnungen&#10;Freihandzeichnungen&#10;Freihandzeichnungen&#10;Freihandzeichnungen&#10;Freihandzeichnungen&#10;Freihandzeichnungen&#10;Freihandzeichnungen&#10;Freihandzeichnungen&#10;Freihandzeichnungen&#10;Freihandzeichnungen&#10;Freihandzeichnungen&#10;Freihandzeichnungen&#10;Freihandzeichnungen&#10;Freihandzeichnungen&#10;Freihandzeichnungen&#10;Freihandzeichnungen&#10;Freihandzeichnungen&#10;Freihandzeichnungen&#10;Freihandzeichnungen&#10;Freihandzeichnungen&#10;Freihandzeichnungen&#10;Freihandzeichnungen&#10;Freihandzeichnungen&#10;Freihandzeichnungen&#10;Freihandzeichnungen&#10;Freihandzeichnungen&#10;Freihandzeichnungen&#10;Freihandzeichnungen&#10;Freihandzeichnungen&#10;Freihandzeichnungen&#10;Freihandzeichnungen&#10;Freihandzeichnungen&#10;Freihandzeichnungen&#10;Freihandzeichnungen&#10;Freihandzeichnungen&#10;Freihandzeichnungen&#10;Freihandzeichnungen&#10;Freihandzeichnungen&#10;Freihandzeichnungen&#10;Freihandzeichnungen&#10;Freihandzeichnungen&#10;Freihandzeichnungen&#10;Freihandzeichnungen&#10;Freihandzeichnungen&#10;Freihandzeichnungen&#10;Freihandzeichnungen&#10;Freihandzeichnungen&#10;Freihandzeichnungen&#10;Freihandzeichnungen&#10;Freihandzeichnungen&#10;Freihandzeichnungen&#10;Freihandzeichnungen&#10;Freihandzeichnungen&#10;Freihandzeichnungen&#10;Freihandzeichnungen&#10;Freihandzeichnungen&#10;Freihandzeichnungen&#10;Freihandzeichnungen&#10;Freihandzeichnungen&#10;Freihandzeichnungen&#10;Freihandzeichnungen&#10;Freihandzeichnungen&#10;Freihandzeichnungen&#10;Freihandzeichnungen&#10;Freihandzeichnungen&#10;Freihandzeichnungen&#10;Freihandzeichnungen&#10;Freihandzeichnungen&#10;Freihandzeichnungen&#10;Freihandzeichnungen&#10;Freihandzeichnungen&#10;Freihandzeichnungen&#10;Freihandzeichnungen&#10;Freihandzeichnungen&#10;Freihandzeichnungen&#10;Freihandzeichnungen&#10;Freihandzeichnungen&#10;Freihandzeichnungen&#10;Freihandzeichnungen&#10;Freihandzeichnungen&#10;Freihandzeichnungen&#10;Freihandzeichnungen&#10;Freihandzeichnungen&#10;Freihandzeichnungen&#10;Freihandzeichnungen&#10;Freihandzeichnungen&#10;Freihandzeichnungen&#10;Freihandzeichnungen&#10;Freihandzeichnungen&#10;Freihandzeichnungen&#10;Freihandzeichnungen&#10;Freihandzeichnungen&#10;Freihandzeichnungen&#10;Freihandzeichnungen&#10;Freihandzeichnungen&#10;Freihandzeichnungen&#10;Freihandzeichnungen&#10;Freihandzeichnungen&#10;Freihandzeichnungen&#10;Freihandzeichnungen&#10;Freihandzeichnungen&#10;Freihandzeichnungen&#10;Freihandzeichnungen&#10;Freihandzeichnungen&#10;Freihandzeichnungen&#10;Freihandzeichnungen&#10;Freihandzeichnungen&#10;Freihandzeichnungen&#10;">
             <a:extLst>
               <a:ext uri="{FF2B5EF4-FFF2-40B4-BE49-F238E27FC236}">
                 <a16:creationId xmlns:a16="http://schemas.microsoft.com/office/drawing/2014/main" id="{09BD91C5-99E4-4986-117F-FC4C219DCD3E}"/>
@@ -3885,7 +3890,7 @@
       </p:pic>
       <p:pic>
         <p:nvPicPr>
-          <p:cNvPr id="1033" name="Picture 9" descr="Freihandzeichnungen&#13;&#10;Freihandzeichnungen&#13;&#10;Freihandzeichnungen&#13;&#10;Freihandzeichnungen&#13;&#10;Freihandzeichnungen&#13;&#10;Freihandzeichnungen&#13;&#10;Freihandzeichnungen&#13;&#10;Freihandzeichnungen&#13;&#10;Freihandzeichnungen&#13;&#10;Freihandzeichnungen&#13;&#10;Freihandzeichnungen&#13;&#10;Freihandzeichnungen&#13;&#10;Freihandzeichnungen&#13;&#10;Freihandzeichnungen&#13;&#10;Freihandzeichnungen&#13;&#10;Freihandzeichnungen&#13;&#10;Freihandzeichnungen&#13;&#10;Freihandzeichnungen&#13;&#10;Freihandzeichnungen&#13;&#10;Freihandzeichnungen&#13;&#10;Freihandzeichnungen&#13;&#10;Freihandzeichnungen&#13;&#10;Freihandzeichnungen&#13;&#10;Freihandzeichnungen&#13;&#10;Freihandzeichnungen&#13;&#10;Freihandzeichnungen&#13;&#10;Freihandzeichnungen&#13;&#10;Freihandzeichnungen&#13;&#10;Freihandzeichnungen&#13;&#10;Freihandzeichnungen&#13;&#10;Freihandzeichnungen&#13;&#10;Freihandzeichnungen&#13;&#10;Freihandzeichnungen&#13;&#10;Freihandzeichnungen&#13;&#10;Freihandzeichnungen&#13;&#10;Freihandzeichnungen&#13;&#10;Freihandzeichnungen&#13;&#10;Freihandzeichnungen&#13;&#10;Freihandzeichnungen&#13;&#10;Freihandzeichnungen&#13;&#10;Freihandzeichnungen&#13;&#10;Freihandzeichnungen&#13;&#10;Freihandzeichnungen&#13;&#10;Freihandzeichnungen&#13;&#10;Freihandzeichnungen&#13;&#10;Freihandzeichnungen&#13;&#10;Freihandzeichnungen&#13;&#10;Freihandzeichnungen&#13;&#10;Freihandzeichnungen&#13;&#10;Freihandzeichnungen&#13;&#10;Freihandzeichnungen&#13;&#10;Freihandzeichnungen&#13;&#10;Freihandzeichnungen&#13;&#10;Freihandzeichnungen&#13;&#10;Freihandzeichnungen&#13;&#10;Freihandzeichnungen&#13;&#10;Freihandzeichnungen&#13;&#10;Freihandzeichnungen&#13;&#10;Freihandzeichnungen&#13;&#10;Freihandzeichnungen&#13;&#10;Freihandzeichnungen&#13;&#10;Freihandzeichnungen&#13;&#10;Freihandzeichnungen&#13;&#10;Freihandzeichnungen&#13;&#10;Freihandzeichnungen&#13;&#10;Freihandzeichnungen&#13;&#10;Freihandzeichnungen&#13;&#10;Freihandzeichnungen&#13;&#10;Freihandzeichnungen&#13;&#10;Freihandzeichnungen&#13;&#10;Freihandzeichnungen&#13;&#10;Freihandzeichnungen&#13;&#10;Freihandzeichnungen&#13;&#10;Freihandzeichnungen&#13;&#10;Freihandzeichnungen&#13;&#10;Freihandzeichnungen&#13;&#10;Freihandzeichnungen&#13;&#10;Freihandzeichnungen&#13;&#10;Freihandzeichnungen&#13;&#10;Freihandzeichnungen&#13;&#10;Freihandzeichnungen&#13;&#10;Freihandzeichnungen&#13;&#10;Freihandzeichnungen&#13;&#10;Freihandzeichnungen&#13;&#10;Freihandzeichnungen&#13;&#10;Freihandzeichnungen&#13;&#10;Freihandzeichnungen&#13;&#10;Freihandzeichnungen&#13;&#10;Freihandzeichnungen&#13;&#10;Freihandzeichnungen&#13;&#10;Freihandzeichnungen&#13;&#10;Freihandzeichnungen&#13;&#10;Freihandzeichnungen&#13;&#10;Freihandzeichnungen&#13;&#10;Freihandzeichnungen&#13;&#10;Freihandzeichnungen&#13;&#10;Freihandzeichnungen&#13;&#10;Freihandzeichnungen&#13;&#10;Freihandzeichnungen&#13;&#10;Freihandzeichnungen&#13;&#10;Freihandzeichnungen&#13;&#10;Freihandzeichnungen&#13;&#10;Freihandzeichnungen&#13;&#10;Freihandzeichnungen&#13;&#10;Freihandzeichnungen&#13;&#10;Freihandzeichnungen&#13;&#10;Freihandzeichnungen&#13;&#10;Freihandzeichnungen&#13;&#10;Freihandzeichnungen&#13;&#10;Freihandzeichnungen&#13;&#10;Freihandzeichnungen&#13;&#10;Freihandzeichnungen&#13;&#10;Freihandzeichnungen&#13;&#10;Freihandzeichnungen&#13;&#10;Freihandzeichnungen&#13;&#10;Freihandzeichnungen&#13;&#10;Freihandzeichnungen&#13;&#10;Freihandzeichnungen&#13;&#10;Freihandzeichnungen&#13;&#10;Freihandzeichnungen&#13;&#10;Freihandzeichnungen&#13;&#10;Freihandzeichnungen&#13;&#10;Freihandzeichnungen&#13;&#10;Freihandzeichnungen&#13;&#10;Freihandzeichnungen&#13;&#10;Freihandzeichnungen&#13;&#10;Freihandzeichnungen&#13;&#10;Freihandzeichnungen&#13;&#10;Freihandzeichnungen&#13;&#10;Freihandzeichnungen&#13;&#10;Freihandzeichnungen&#13;&#10;Freihandzeichnungen&#13;&#10;Freihandzeichnungen&#13;&#10;Freihandzeichnungen&#13;&#10;Freihandzeichnungen&#13;&#10;Freihandzeichnungen&#13;&#10;Freihandzeichnungen&#13;&#10;Freihandzeichnungen&#13;&#10;Freihandzeichnungen&#13;&#10;Freihandzeichnungen&#13;&#10;Freihandzeichnungen&#13;&#10;Freihandzeichnungen&#13;&#10;Freihandzeichnungen&#13;&#10;Freihandzeichnungen&#13;&#10;Freihandzeichnungen&#13;&#10;Freihandzeichnungen&#13;&#10;Freihandzeichnungen&#13;&#10;Freihandzeichnungen&#13;&#10;Freihandzeichnungen&#13;&#10;Freihandzeichnungen&#13;&#10;Freihandzeichnungen&#13;&#10;Freihandzeichnungen&#13;&#10;Freihandzeichnungen&#13;&#10;Freihandzeichnungen&#13;&#10;Freihandzeichnungen&#13;&#10;Freihandzeichnungen&#13;&#10;Freihandzeichnungen&#13;&#10;Freihandzeichnungen&#13;&#10;Freihandzeichnungen&#13;&#10;Freihandzeichnungen&#13;&#10;Freihandzeichnungen&#13;&#10;Freihandzeichnungen&#13;&#10;Freihandzeichnungen&#13;&#10;Freihandzeichnungen&#13;&#10;Freihandzeichnungen&#13;&#10;Freihandzeichnungen&#13;&#10;Freihandzeichnungen&#13;&#10;Freihandzeichnungen&#13;&#10;Freihandzeichnungen&#13;&#10;Freihandzeichnungen&#13;&#10;Freihandzeichnungen&#13;&#10;Freihandzeichnungen&#13;&#10;Freihandzeichnungen&#13;&#10;Freihandzeichnungen&#13;&#10;Freihandzeichnungen&#13;&#10;Freihandzeichnungen&#13;&#10;Freihandzeichnungen&#13;&#10;Freihandzeichnungen&#13;&#10;Freihandzeichnungen&#13;&#10;Freihandzeichnungen&#13;&#10;Freihandzeichnungen&#13;&#10;Freihandzeichnungen&#13;&#10;Freihandzeichnungen&#13;&#10;Freihandzeichnungen&#13;&#10;Freihandzeichnungen&#13;&#10;Freihandzeichnungen&#13;&#10;Freihandzeichnungen&#13;&#10;Freihandzeichnungen&#13;&#10;Freihandzeichnungen&#13;&#10;Freihandzeichnungen&#13;&#10;Freihandzeichnungen&#13;&#10;Freihandzeichnungen&#13;&#10;Freihandzeichnungen&#13;&#10;Freihandzeichnungen&#13;&#10;Freihandzeichnungen&#13;&#10;Freihandzeichnungen&#13;&#10;Freihandzeichnungen&#13;&#10;Freihandzeichnungen&#13;&#10;Freihandzeichnungen&#13;&#10;Freihandzeichnungen&#13;&#10;Freihandzeichnungen&#13;&#10;Freihandzeichnungen&#13;&#10;Freihandzeichnungen&#13;&#10;Freihandzeichnungen&#13;&#10;Freihandzeichnungen&#13;&#10;Freihandzeichnungen&#13;&#10;Freihandzeichnungen&#13;&#10;Freihandzeichnungen&#13;&#10;Freihandzeichnungen&#13;&#10;Freihandzeichnungen&#13;&#10;Freihandzeichnungen&#13;&#10;Freihandzeichnungen&#13;&#10;Freihandzeichnungen&#13;&#10;Freihandzeichnungen&#13;&#10;Freihandzeichnungen&#13;&#10;Freihandzeichnungen&#13;&#10;Freihandzeichnungen&#13;&#10;Freihandzeichnungen&#13;&#10;Freihandzeichnungen&#13;&#10;Freihandzeichnungen&#13;&#10;Freihandzeichnungen&#13;&#10;Freihandzeichnungen&#13;&#10;Freihandzeichnungen&#13;&#10;Freihandzeichnungen&#13;&#10;Freihandzeichnungen&#13;&#10;Freihandzeichnungen&#13;&#10;Freihandzeichnungen&#13;&#10;Freihandzeichnungen&#13;&#10;Freihandzeichnungen&#13;&#10;Freihandzeichnungen&#13;&#10;Freihandzeichnungen&#13;&#10;Freihandzeichnungen&#13;&#10;Freihandzeichnungen&#13;&#10;Freihandzeichnungen&#13;&#10;Freihandzeichnungen&#13;&#10;Freihandzeichnungen&#13;&#10;Freihandzeichnungen&#13;&#10;Freihandzeichnungen&#13;&#10;Freihandzeichnungen&#13;&#10;Freihandzeichnungen&#13;&#10;Freihandzeichnungen&#13;&#10;Freihandzeichnungen&#13;&#10;Freihandzeichnungen&#13;&#10;Freihandzeichnungen&#13;&#10;Freihandzeichnungen&#13;&#10;Freihandzeichnungen&#13;&#10;Freihandzeichnungen&#13;&#10;Freihandzeichnungen&#13;&#10;Freihandzeichnungen&#13;&#10;Freihandzeichnungen&#13;&#10;Freihandzeichnungen&#13;&#10;Freihandzeichnungen&#13;&#10;Freihandzeichnungen&#13;&#10;Freihandzeichnungen&#13;&#10;Freihandzeichnungen&#13;&#10;Freihandzeichnungen&#13;&#10;Freihandzeichnungen&#13;&#10;Freihandzeichnungen&#13;&#10;Freihandzeichnungen&#13;&#10;Freihandzeichnungen&#13;&#10;Freihandzeichnungen&#13;&#10;Freihandzeichnungen&#13;&#10;Freihandzeichnungen&#13;&#10;Freihandzeichnungen&#13;&#10;Freihandzeichnungen&#13;&#10;Freihandzeichnungen&#13;&#10;Freihandzeichnungen&#13;&#10;Freihandzeichnungen&#13;&#10;Freihandzeichnungen&#13;&#10;Freihandzeichnungen&#13;&#10;Freihandzeichnungen&#13;&#10;Freihandzeichnungen&#13;&#10;Freihandzeichnungen&#13;&#10;Freihandzeichnungen&#13;&#10;Freihandzeichnungen&#13;&#10;Freihandzeichnungen&#13;&#10;Freihandzeichnungen&#13;&#10;Freihandzeichnungen&#13;&#10;Freihandzeichnungen&#13;&#10;Freihandzeichnungen&#13;&#10;Freihandzeichnungen&#13;&#10;Freihandzeichnungen&#13;&#10;Freihandzeichnungen&#13;&#10;Freihandzeichnungen&#13;&#10;Freihandzeichnungen&#13;&#10;Freihandzeichnungen&#13;&#10;Freihandzeichnungen&#13;&#10;Freihandzeichnungen&#13;&#10;Freihandzeichnungen&#13;&#10;Freihandzeichnungen&#13;&#10;Freihandzeichnungen&#13;&#10;Freihandzeichnungen&#13;&#10;Freihandzeichnungen&#13;&#10;Freihandzeichnungen&#13;&#10;Freihandzeichnungen&#13;&#10;Freihandzeichnungen&#13;&#10;Freihandzeichnungen&#13;&#10;Freihandzeichnungen&#13;&#10;Freihandzeichnungen&#13;&#10;Freihandzeichnungen&#13;&#10;Freihandzeichnungen&#13;&#10;Freihandzeichnungen&#13;&#10;Freihandzeichnungen&#13;&#10;Freihandzeichnungen&#13;&#10;Freihandzeichnungen&#13;&#10;Freihandzeichnungen&#13;&#10;Freihandzeichnungen&#13;&#10;Freihandzeichnungen&#13;&#10;Freihandzeichnungen&#13;&#10;Freihandzeichnungen&#13;&#10;Freihandzeichnungen&#13;&#10;Freihandzeichnungen&#13;&#10;Freihandzeichnungen&#13;&#10;Freihandzeichnungen&#13;&#10;Freihandzeichnungen&#13;&#10;Freihandzeichnungen&#13;&#10;Freihandzeichnungen&#13;&#10;Freihandzeichnungen&#13;&#10;Freihandzeichnungen&#13;&#10;Freihandzeichnungen&#13;&#10;Freihandzeichnungen&#13;&#10;Freihandzeichnungen&#13;&#10;Freihandzeichnungen&#13;&#10;Freihandzeichnungen&#13;&#10;Freihandzeichnungen&#13;&#10;Freihandzeichnungen&#13;&#10;Freihandzeichnungen&#13;&#10;Freihandzeichnungen&#13;&#10;Freihandzeichnungen&#13;&#10;Freihandzeichnungen&#13;&#10;Freihandzeichnungen&#13;&#10;Freihandzeichnungen&#13;&#10;Freihandzeichnungen&#13;&#10;Freihandzeichnungen&#13;&#10;Freihandzeichnungen&#13;&#10;Freihandzeichnungen&#13;&#10;Freihandzeichnungen&#13;&#10;Freihandzeichnungen&#13;&#10;Freihandzeichnungen&#13;&#10;Freihandzeichnungen&#13;&#10;Freihandzeichnungen&#13;&#10;Freihandzeichnungen&#13;&#10;Freihandzeichnungen&#13;&#10;Freihandzeichnungen&#13;&#10;Freihandzeichnungen&#13;&#10;Freihandzeichnungen&#13;&#10;Freihandzeichnungen&#13;&#10;Freihandzeichnungen&#13;&#10;Freihandzeichnungen&#13;&#10;Freihandzeichnungen&#13;&#10;Freihandzeichnungen&#13;&#10;Freihandzeichnungen&#13;&#10;Freihandzeichnungen&#13;&#10;Freihandzeichnungen&#13;&#10;Freihandzeichnungen&#13;&#10;Freihandzeichnungen&#13;&#10;Freihandzeichnungen&#13;&#10;Freihandzeichnungen&#13;&#10;Freihandzeichnungen&#13;&#10;Freihandzeichnungen&#13;&#10;Freihandzeichnungen&#13;&#10;Freihandzeichnungen&#13;&#10;Freihandzeichnungen&#13;&#10;Freihandzeichnungen&#13;&#10;Freihandzeichnungen&#13;&#10;Freihandzeichnungen&#13;&#10;Freihandzeichnungen&#13;&#10;Freihandzeichnungen&#13;&#10;Freihandzeichnungen&#13;&#10;Freihandzeichnungen&#13;&#10;Freihandzeichnungen&#13;&#10;Freihandzeichnungen&#13;&#10;Freihandzeichnungen&#13;&#10;Freihandzeichnungen&#13;&#10;Freihandzeichnungen&#13;&#10;Freihandzeichnungen&#13;&#10;Freihandzeichnungen&#13;&#10;Freihandzeichnungen&#13;&#10;Freihandzeichnungen&#13;&#10;Freihandzeichnungen&#13;&#10;Freihandzeichnungen&#13;&#10;Freihandzeichnungen&#13;&#10;Freihandzeichnungen&#13;&#10;Freihandzeichnungen&#13;&#10;Freihandzeichnungen&#13;&#10;Freihandzeichnungen&#13;&#10;Freihandzeichnungen&#13;&#10;Freihandzeichnungen&#13;&#10;Freihandzeichnungen&#13;&#10;Freihandzeichnungen&#13;&#10;Freihandzeichnungen&#13;&#10;Freihandzeichnungen&#13;&#10;Freihandzeichnungen&#13;&#10;Freihandzeichnungen&#13;&#10;Freihandzeichnungen&#13;&#10;Freihandzeichnungen&#13;&#10;Freihandzeichnungen&#13;&#10;Freihandzeichnungen&#13;&#10;Freihandzeichnungen&#13;&#10;Freihandzeichnungen&#13;&#10;Freihandzeichnungen&#13;&#10;Freihandzeichnungen&#13;&#10;Freihandzeichnungen&#13;&#10;Freihandzeichnungen&#13;&#10;Freihandzeichnungen&#13;&#10;Freihandzeichnungen&#13;&#10;Freihandzeichnungen&#13;&#10;Freihandzeichnungen&#13;&#10;Freihandzeichnungen&#13;&#10;Freihandzeichnungen&#13;&#10;Freihandzeichnungen&#13;&#10;Freihandzeichnungen&#13;&#10;Freihandzeichnungen&#13;&#10;Freihandzeichnungen&#13;&#10;Freihandzeichnungen&#13;&#10;Freihandzeichnungen&#13;&#10;Freihandzeichnungen&#13;&#10;Freihandzeichnungen&#13;&#10;Freihandzeichnungen&#13;&#10;Freihandzeichnungen&#13;&#10;Freihandzeichnungen&#13;&#10;Freihandzeichnungen&#13;&#10;Freihandzeichnungen&#13;&#10;Freihandzeichnungen&#13;&#10;Freihandzeichnungen&#13;&#10;Freihandzeichnungen&#13;&#10;Freihandzeichnungen&#13;&#10;Freihandzeichnungen&#13;&#10;Freihandzeichnungen&#13;&#10;Freihandzeichnungen&#13;&#10;Freihandzeichnungen&#13;&#10;Freihandzeichnungen&#13;&#10;Freihandzeichnungen&#13;&#10;Freihandzeichnungen&#13;&#10;Freihandzeichnungen&#13;&#10;Freihandzeichnungen&#13;&#10;Freihandzeichnungen&#13;&#10;Freihandzeichnungen&#13;&#10;Freihandzeichnungen&#13;&#10;Freihandzeichnungen&#13;&#10;Freihandzeichnungen&#13;&#10;Freihandzeichnungen&#13;&#10;Freihandzeichnungen&#13;&#10;Freihandzeichnungen&#13;&#10;Freihandzeichnungen&#13;&#10;Freihandzeichnungen&#13;&#10;Freihandzeichnungen&#13;&#10;Freihandzeichnungen&#13;&#10;Freihandzeichnungen&#13;&#10;Freihandzeichnungen&#13;&#10;Freihandzeichnungen&#13;&#10;Freihandzeichnungen&#13;&#10;Freihandzeichnungen&#13;&#10;Freihandzeichnungen&#13;&#10;Freihandzeichnungen&#13;&#10;Freihandzeichnungen&#13;&#10;Freihandzeichnungen&#13;&#10;Freihandzeichnungen&#13;&#10;Freihandzeichnungen&#13;&#10;Freihandzeichnungen&#13;&#10;Freihandzeichnungen&#13;&#10;Freihandzeichnungen&#13;&#10;Freihandzeichnungen&#13;&#10;Freihandzeichnungen&#13;&#10;Freihandzeichnungen&#13;&#10;Freihandzeichnungen&#13;&#10;Freihandzeichnungen&#13;&#10;Freihandzeichnungen&#13;&#10;Freihandzeichnungen&#13;&#10;Freihandzeichnungen&#13;&#10;Freihandzeichnungen&#13;&#10;Freihandzeichnungen&#13;&#10;Freihandzeichnungen&#13;&#10;Freihandzeichnungen&#13;&#10;Freihandzeichnungen&#13;&#10;Freihandzeichnungen&#13;&#10;Freihandzeichnungen&#13;&#10;Freihandzeichnungen&#13;&#10;Freihandzeichnungen&#13;&#10;Freihandzeichnungen&#13;&#10;Freihandzeichnungen&#13;&#10;Freihandzeichnungen&#13;&#10;Freihandzeichnungen&#13;&#10;Freihandzeichnungen&#13;&#10;Freihandzeichnungen&#13;&#10;Freihandzeichnungen&#13;&#10;Freihandzeichnungen&#13;&#10;Freihandzeichnungen&#13;&#10;Freihandzeichnungen&#13;&#10;Freihandzeichnungen&#13;&#10;Freihandzeichnungen&#13;&#10;Freihandzeichnungen&#13;&#10;Freihandzeichnungen&#13;&#10;Freihandzeichnungen&#13;&#10;Freihandzeichnungen&#13;&#10;Freihandzeichnungen&#13;&#10;Freihandzeichnungen&#13;&#10;Freihandzeichnungen&#13;&#10;Freihandzeichnungen&#13;&#10;Freihandzeichnungen&#13;&#10;Freihandzeichnungen&#13;&#10;Freihandzeichnungen&#13;&#10;Freihandzeichnungen&#13;&#10;Freihandzeichnungen&#13;&#10;Freihandzeichnungen&#13;&#10;Freihandzeichnungen&#13;&#10;Freihandzeichnungen&#13;&#10;Freihandzeichnungen&#13;&#10;Freihandzeichnungen&#13;&#10;Freihandzeichnungen&#13;&#10;Freihandzeichnungen&#13;&#10;Freihandzeichnungen&#13;&#10;Freihandzeichnungen&#13;&#10;Freihandzeichnungen&#13;&#10;Freihandzeichnungen&#13;&#10;Freihandzeichnungen&#13;&#10;Freihandzeichnungen&#13;&#10;Freihandzeichnungen&#13;&#10;Freihandzeichnungen&#13;&#10;Freihandzeichnungen&#13;&#10;Freihandzeichnungen&#13;&#10;Freihandzeichnungen&#13;&#10;Freihandzeichnungen&#13;&#10;Freihandzeichnungen&#13;&#10;Freihandzeichnungen&#13;&#10;Freihandzeichnungen&#13;&#10;Freihandzeichnungen&#13;&#10;Freihandzeichnungen&#13;&#10;Freihandzeichnungen&#13;&#10;Freihandzeichnungen&#13;&#10;Freihandzeichnungen&#13;&#10;Freihandzeichnungen&#13;&#10;Freihandzeichnungen&#13;&#10;Freihandzeichnungen&#13;&#10;Freihandzeichnungen&#13;&#10;Freihandzeichnungen&#13;&#10;Freihandzeichnungen&#13;&#10;Freihandzeichnungen&#13;&#10;Freihandzeichnungen&#13;&#10;Freihandzeichnungen&#13;&#10;Freihandzeichnungen&#13;&#10;Freihandzeichnungen&#13;&#10;Freihandzeichnungen&#13;&#10;Freihandzeichnungen&#13;&#10;Freihandzeichnungen&#13;&#10;Freihandzeichnungen&#13;&#10;Freihandzeichnungen&#13;&#10;Freihandzeichnungen&#13;&#10;Freihandzeichnungen&#13;&#10;Freihandzeichnungen&#13;&#10;Freihandzeichnungen&#13;&#10;Freihandzeichnungen&#13;&#10;Freihandzeichnungen&#13;&#10;Freihandzeichnungen&#13;&#10;Freihandzeichnungen&#13;&#10;Freihandzeichnungen&#13;&#10;Freihandzeichnungen&#13;&#10;Freihandzeichnungen&#13;&#10;Freihandzeichnungen&#13;&#10;Freihandzeichnungen&#13;&#10;Freihandzeichnungen&#13;&#10;Freihandzeichnungen&#13;&#10;Freihandzeichnungen&#13;&#10;">
+          <p:cNvPr id="1033" name="Picture 9" descr="Freihandzeichnungen&#10;Freihandzeichnungen&#10;Freihandzeichnungen&#10;Freihandzeichnungen&#10;Freihandzeichnungen&#10;Freihandzeichnungen&#10;Freihandzeichnungen&#10;Freihandzeichnungen&#10;Freihandzeichnungen&#10;Freihandzeichnungen&#10;Freihandzeichnungen&#10;Freihandzeichnungen&#10;Freihandzeichnungen&#10;Freihandzeichnungen&#10;Freihandzeichnungen&#10;Freihandzeichnungen&#10;Freihandzeichnungen&#10;Freihandzeichnungen&#10;Freihandzeichnungen&#10;Freihandzeichnungen&#10;Freihandzeichnungen&#10;Freihandzeichnungen&#10;Freihandzeichnungen&#10;Freihandzeichnungen&#10;Freihandzeichnungen&#10;Freihandzeichnungen&#10;Freihandzeichnungen&#10;Freihandzeichnungen&#10;Freihandzeichnungen&#10;Freihandzeichnungen&#10;Freihandzeichnungen&#10;Freihandzeichnungen&#10;Freihandzeichnungen&#10;Freihandzeichnungen&#10;Freihandzeichnungen&#10;Freihandzeichnungen&#10;Freihandzeichnungen&#10;Freihandzeichnungen&#10;Freihandzeichnungen&#10;Freihandzeichnungen&#10;Freihandzeichnungen&#10;Freihandzeichnungen&#10;Freihandzeichnungen&#10;Freihandzeichnungen&#10;Freihandzeichnungen&#10;Freihandzeichnungen&#10;Freihandzeichnungen&#10;Freihandzeichnungen&#10;Freihandzeichnungen&#10;Freihandzeichnungen&#10;Freihandzeichnungen&#10;Freihandzeichnungen&#10;Freihandzeichnungen&#10;Freihandzeichnungen&#10;Freihandzeichnungen&#10;Freihandzeichnungen&#10;Freihandzeichnungen&#10;Freihandzeichnungen&#10;Freihandzeichnungen&#10;Freihandzeichnungen&#10;Freihandzeichnungen&#10;Freihandzeichnungen&#10;Freihandzeichnungen&#10;Freihandzeichnungen&#10;Freihandzeichnungen&#10;Freihandzeichnungen&#10;Freihandzeichnungen&#10;Freihandzeichnungen&#10;Freihandzeichnungen&#10;Freihandzeichnungen&#10;Freihandzeichnungen&#10;Freihandzeichnungen&#10;Freihandzeichnungen&#10;Freihandzeichnungen&#10;Freihandzeichnungen&#10;Freihandzeichnungen&#10;Freihandzeichnungen&#10;Freihandzeichnungen&#10;Freihandzeichnungen&#10;Freihandzeichnungen&#10;Freihandzeichnungen&#10;Freihandzeichnungen&#10;Freihandzeichnungen&#10;Freihandzeichnungen&#10;Freihandzeichnungen&#10;Freihandzeichnungen&#10;Freihandzeichnungen&#10;Freihandzeichnungen&#10;Freihandzeichnungen&#10;Freihandzeichnungen&#10;Freihandzeichnungen&#10;Freihandzeichnungen&#10;Freihandzeichnungen&#10;Freihandzeichnungen&#10;Freihandzeichnungen&#10;Freihandzeichnungen&#10;Freihandzeichnungen&#10;Freihandzeichnungen&#10;Freihandzeichnungen&#10;Freihandzeichnungen&#10;Freihandzeichnungen&#10;Freihandzeichnungen&#10;Freihandzeichnungen&#10;Freihandzeichnungen&#10;Freihandzeichnungen&#10;Freihandzeichnungen&#10;Freihandzeichnungen&#10;Freihandzeichnungen&#10;Freihandzeichnungen&#10;Freihandzeichnungen&#10;Freihandzeichnungen&#10;Freihandzeichnungen&#10;Freihandzeichnungen&#10;Freihandzeichnungen&#10;Freihandzeichnungen&#10;Freihandzeichnungen&#10;Freihandzeichnungen&#10;Freihandzeichnungen&#10;Freihandzeichnungen&#10;Freihandzeichnungen&#10;Freihandzeichnungen&#10;Freihandzeichnungen&#10;Freihandzeichnungen&#10;Freihandzeichnungen&#10;Freihandzeichnungen&#10;Freihandzeichnungen&#10;Freihandzeichnungen&#10;Freihandzeichnungen&#10;Freihandzeichnungen&#10;Freihandzeichnungen&#10;Freihandzeichnungen&#10;Freihandzeichnungen&#10;Freihandzeichnungen&#10;Freihandzeichnungen&#10;Freihandzeichnungen&#10;Freihandzeichnungen&#10;Freihandzeichnungen&#10;Freihandzeichnungen&#10;Freihandzeichnungen&#10;Freihandzeichnungen&#10;Freihandzeichnungen&#10;Freihandzeichnungen&#10;Freihandzeichnungen&#10;Freihandzeichnungen&#10;Freihandzeichnungen&#10;Freihandzeichnungen&#10;Freihandzeichnungen&#10;Freihandzeichnungen&#10;Freihandzeichnungen&#10;Freihandzeichnungen&#10;Freihandzeichnungen&#10;Freihandzeichnungen&#10;Freihandzeichnungen&#10;Freihandzeichnungen&#10;Freihandzeichnungen&#10;Freihandzeichnungen&#10;Freihandzeichnungen&#10;Freihandzeichnungen&#10;Freihandzeichnungen&#10;Freihandzeichnungen&#10;Freihandzeichnungen&#10;Freihandzeichnungen&#10;Freihandzeichnungen&#10;Freihandzeichnungen&#10;Freihandzeichnungen&#10;Freihandzeichnungen&#10;Freihandzeichnungen&#10;Freihandzeichnungen&#10;Freihandzeichnungen&#10;Freihandzeichnungen&#10;Freihandzeichnungen&#10;Freihandzeichnungen&#10;Freihandzeichnungen&#10;Freihandzeichnungen&#10;Freihandzeichnungen&#10;Freihandzeichnungen&#10;Freihandzeichnungen&#10;Freihandzeichnungen&#10;Freihandzeichnungen&#10;Freihandzeichnungen&#10;Freihandzeichnungen&#10;Freihandzeichnungen&#10;Freihandzeichnungen&#10;Freihandzeichnungen&#10;Freihandzeichnungen&#10;Freihandzeichnungen&#10;Freihandzeichnungen&#10;Freihandzeichnungen&#10;Freihandzeichnungen&#10;Freihandzeichnungen&#10;Freihandzeichnungen&#10;Freihandzeichnungen&#10;Freihandzeichnungen&#10;Freihandzeichnungen&#10;Freihandzeichnungen&#10;Freihandzeichnungen&#10;Freihandzeichnungen&#10;Freihandzeichnungen&#10;Freihandzeichnungen&#10;Freihandzeichnungen&#10;Freihandzeichnungen&#10;Freihandzeichnungen&#10;Freihandzeichnungen&#10;Freihandzeichnungen&#10;Freihandzeichnungen&#10;Freihandzeichnungen&#10;Freihandzeichnungen&#10;Freihandzeichnungen&#10;Freihandzeichnungen&#10;Freihandzeichnungen&#10;Freihandzeichnungen&#10;Freihandzeichnungen&#10;Freihandzeichnungen&#10;Freihandzeichnungen&#10;Freihandzeichnungen&#10;Freihandzeichnungen&#10;Freihandzeichnungen&#10;Freihandzeichnungen&#10;Freihandzeichnungen&#10;Freihandzeichnungen&#10;Freihandzeichnungen&#10;Freihandzeichnungen&#10;Freihandzeichnungen&#10;Freihandzeichnungen&#10;Freihandzeichnungen&#10;Freihandzeichnungen&#10;Freihandzeichnungen&#10;Freihandzeichnungen&#10;Freihandzeichnungen&#10;Freihandzeichnungen&#10;Freihandzeichnungen&#10;Freihandzeichnungen&#10;Freihandzeichnungen&#10;Freihandzeichnungen&#10;Freihandzeichnungen&#10;Freihandzeichnungen&#10;Freihandzeichnungen&#10;Freihandzeichnungen&#10;Freihandzeichnungen&#10;Freihandzeichnungen&#10;Freihandzeichnungen&#10;Freihandzeichnungen&#10;Freihandzeichnungen&#10;Freihandzeichnungen&#10;Freihandzeichnungen&#10;Freihandzeichnungen&#10;Freihandzeichnungen&#10;Freihandzeichnungen&#10;Freihandzeichnungen&#10;Freihandzeichnungen&#10;Freihandzeichnungen&#10;Freihandzeichnungen&#10;Freihandzeichnungen&#10;Freihandzeichnungen&#10;Freihandzeichnungen&#10;Freihandzeichnungen&#10;Freihandzeichnungen&#10;Freihandzeichnungen&#10;Freihandzeichnungen&#10;Freihandzeichnungen&#10;Freihandzeichnungen&#10;Freihandzeichnungen&#10;Freihandzeichnungen&#10;Freihandzeichnungen&#10;Freihandzeichnungen&#10;Freihandzeichnungen&#10;Freihandzeichnungen&#10;Freihandzeichnungen&#10;Freihandzeichnungen&#10;Freihandzeichnungen&#10;Freihandzeichnungen&#10;Freihandzeichnungen&#10;Freihandzeichnungen&#10;Freihandzeichnungen&#10;Freihandzeichnungen&#10;Freihandzeichnungen&#10;Freihandzeichnungen&#10;Freihandzeichnungen&#10;Freihandzeichnungen&#10;Freihandzeichnungen&#10;Freihandzeichnungen&#10;Freihandzeichnungen&#10;Freihandzeichnungen&#10;Freihandzeichnungen&#10;Freihandzeichnungen&#10;Freihandzeichnungen&#10;Freihandzeichnungen&#10;Freihandzeichnungen&#10;Freihandzeichnungen&#10;Freihandzeichnungen&#10;Freihandzeichnungen&#10;Freihandzeichnungen&#10;Freihandzeichnungen&#10;Freihandzeichnungen&#10;Freihandzeichnungen&#10;Freihandzeichnungen&#10;Freihandzeichnungen&#10;Freihandzeichnungen&#10;Freihandzeichnungen&#10;Freihandzeichnungen&#10;Freihandzeichnungen&#10;Freihandzeichnungen&#10;Freihandzeichnungen&#10;Freihandzeichnungen&#10;Freihandzeichnungen&#10;Freihandzeichnungen&#10;Freihandzeichnungen&#10;Freihandzeichnungen&#10;Freihandzeichnungen&#10;Freihandzeichnungen&#10;Freihandzeichnungen&#10;Freihandzeichnungen&#10;Freihandzeichnungen&#10;Freihandzeichnungen&#10;Freihandzeichnungen&#10;Freihandzeichnungen&#10;Freihandzeichnungen&#10;Freihandzeichnungen&#10;Freihandzeichnungen&#10;Freihandzeichnungen&#10;Freihandzeichnungen&#10;Freihandzeichnungen&#10;Freihandzeichnungen&#10;Freihandzeichnungen&#10;Freihandzeichnungen&#10;Freihandzeichnungen&#10;Freihandzeichnungen&#10;Freihandzeichnungen&#10;Freihandzeichnungen&#10;Freihandzeichnungen&#10;Freihandzeichnungen&#10;Freihandzeichnungen&#10;Freihandzeichnungen&#10;Freihandzeichnungen&#10;Freihandzeichnungen&#10;Freihandzeichnungen&#10;Freihandzeichnungen&#10;Freihandzeichnungen&#10;Freihandzeichnungen&#10;Freihandzeichnungen&#10;Freihandzeichnungen&#10;Freihandzeichnungen&#10;Freihandzeichnungen&#10;Freihandzeichnungen&#10;Freihandzeichnungen&#10;Freihandzeichnungen&#10;Freihandzeichnungen&#10;Freihandzeichnungen&#10;Freihandzeichnungen&#10;Freihandzeichnungen&#10;Freihandzeichnungen&#10;Freihandzeichnungen&#10;Freihandzeichnungen&#10;Freihandzeichnungen&#10;Freihandzeichnungen&#10;Freihandzeichnungen&#10;Freihandzeichnungen&#10;Freihandzeichnungen&#10;Freihandzeichnungen&#10;Freihandzeichnungen&#10;Freihandzeichnungen&#10;Freihandzeichnungen&#10;Freihandzeichnungen&#10;Freihandzeichnungen&#10;Freihandzeichnungen&#10;Freihandzeichnungen&#10;Freihandzeichnungen&#10;Freihandzeichnungen&#10;Freihandzeichnungen&#10;Freihandzeichnungen&#10;Freihandzeichnungen&#10;Freihandzeichnungen&#10;Freihandzeichnungen&#10;Freihandzeichnungen&#10;Freihandzeichnungen&#10;Freihandzeichnungen&#10;Freihandzeichnungen&#10;Freihandzeichnungen&#10;Freihandzeichnungen&#10;Freihandzeichnungen&#10;Freihandzeichnungen&#10;Freihandzeichnungen&#10;Freihandzeichnungen&#10;Freihandzeichnungen&#10;Freihandzeichnungen&#10;Freihandzeichnungen&#10;Freihandzeichnungen&#10;Freihandzeichnungen&#10;Freihandzeichnungen&#10;Freihandzeichnungen&#10;Freihandzeichnungen&#10;Freihandzeichnungen&#10;Freihandzeichnungen&#10;Freihandzeichnungen&#10;Freihandzeichnungen&#10;Freihandzeichnungen&#10;Freihandzeichnungen&#10;Freihandzeichnungen&#10;Freihandzeichnungen&#10;Freihandzeichnungen&#10;Freihandzeichnungen&#10;Freihandzeichnungen&#10;Freihandzeichnungen&#10;Freihandzeichnungen&#10;Freihandzeichnungen&#10;Freihandzeichnungen&#10;Freihandzeichnungen&#10;Freihandzeichnungen&#10;Freihandzeichnungen&#10;Freihandzeichnungen&#10;Freihandzeichnungen&#10;Freihandzeichnungen&#10;Freihandzeichnungen&#10;Freihandzeichnungen&#10;Freihandzeichnungen&#10;Freihandzeichnungen&#10;Freihandzeichnungen&#10;Freihandzeichnungen&#10;Freihandzeichnungen&#10;Freihandzeichnungen&#10;Freihandzeichnungen&#10;Freihandzeichnungen&#10;Freihandzeichnungen&#10;Freihandzeichnungen&#10;Freihandzeichnungen&#10;Freihandzeichnungen&#10;Freihandzeichnungen&#10;Freihandzeichnungen&#10;Freihandzeichnungen&#10;Freihandzeichnungen&#10;Freihandzeichnungen&#10;Freihandzeichnungen&#10;Freihandzeichnungen&#10;Freihandzeichnungen&#10;Freihandzeichnungen&#10;Freihandzeichnungen&#10;Freihandzeichnungen&#10;Freihandzeichnungen&#10;Freihandzeichnungen&#10;Freihandzeichnungen&#10;Freihandzeichnungen&#10;Freihandzeichnungen&#10;Freihandzeichnungen&#10;Freihandzeichnungen&#10;Freihandzeichnungen&#10;Freihandzeichnungen&#10;Freihandzeichnungen&#10;Freihandzeichnungen&#10;Freihandzeichnungen&#10;Freihandzeichnungen&#10;Freihandzeichnungen&#10;Freihandzeichnungen&#10;Freihandzeichnungen&#10;Freihandzeichnungen&#10;Freihandzeichnungen&#10;Freihandzeichnungen&#10;Freihandzeichnungen&#10;Freihandzeichnungen&#10;Freihandzeichnungen&#10;Freihandzeichnungen&#10;Freihandzeichnungen&#10;Freihandzeichnungen&#10;Freihandzeichnungen&#10;Freihandzeichnungen&#10;Freihandzeichnungen&#10;Freihandzeichnungen&#10;Freihandzeichnungen&#10;Freihandzeichnungen&#10;Freihandzeichnungen&#10;Freihandzeichnungen&#10;Freihandzeichnungen&#10;Freihandzeichnungen&#10;Freihandzeichnungen&#10;Freihandzeichnungen&#10;Freihandzeichnungen&#10;Freihandzeichnungen&#10;Freihandzeichnungen&#10;Freihandzeichnungen&#10;Freihandzeichnungen&#10;Freihandzeichnungen&#10;Freihandzeichnungen&#10;Freihandzeichnungen&#10;Freihandzeichnungen&#10;Freihandzeichnungen&#10;Freihandzeichnungen&#10;Freihandzeichnungen&#10;Freihandzeichnungen&#10;Freihandzeichnungen&#10;Freihandzeichnungen&#10;Freihandzeichnungen&#10;Freihandzeichnungen&#10;Freihandzeichnungen&#10;Freihandzeichnungen&#10;Freihandzeichnungen&#10;Freihandzeichnungen&#10;Freihandzeichnungen&#10;Freihandzeichnungen&#10;Freihandzeichnungen&#10;Freihandzeichnungen&#10;Freihandzeichnungen&#10;Freihandzeichnungen&#10;Freihandzeichnungen&#10;Freihandzeichnungen&#10;Freihandzeichnungen&#10;Freihandzeichnungen&#10;Freihandzeichnungen&#10;Freihandzeichnungen&#10;Freihandzeichnungen&#10;Freihandzeichnungen&#10;Freihandzeichnungen&#10;Freihandzeichnungen&#10;Freihandzeichnungen&#10;Freihandzeichnungen&#10;Freihandzeichnungen&#10;Freihandzeichnungen&#10;Freihandzeichnungen&#10;Freihandzeichnungen&#10;Freihandzeichnungen&#10;Freihandzeichnungen&#10;Freihandzeichnungen&#10;Freihandzeichnungen&#10;Freihandzeichnungen&#10;Freihandzeichnungen&#10;Freihandzeichnungen&#10;Freihandzeichnungen&#10;Freihandzeichnungen&#10;Freihandzeichnungen&#10;Freihandzeichnungen&#10;Freihandzeichnungen&#10;Freihandzeichnungen&#10;Freihandzeichnungen&#10;Freihandzeichnungen&#10;Freihandzeichnungen&#10;Freihandzeichnungen&#10;Freihandzeichnungen&#10;Freihandzeichnungen&#10;Freihandzeichnungen&#10;Freihandzeichnungen&#10;Freihandzeichnungen&#10;Freihandzeichnungen&#10;Freihandzeichnungen&#10;Freihandzeichnungen&#10;Freihandzeichnungen&#10;Freihandzeichnungen&#10;Freihandzeichnungen&#10;Freihandzeichnungen&#10;Freihandzeichnungen&#10;Freihandzeichnungen&#10;Freihandzeichnungen&#10;Freihandzeichnungen&#10;Freihandzeichnungen&#10;Freihandzeichnungen&#10;Freihandzeichnungen&#10;Freihandzeichnungen&#10;Freihandzeichnungen&#10;Freihandzeichnungen&#10;Freihandzeichnungen&#10;Freihandzeichnungen&#10;Freihandzeichnungen&#10;Freihandzeichnungen&#10;Freihandzeichnungen&#10;Freihandzeichnungen&#10;Freihandzeichnungen&#10;">
             <a:extLst>
               <a:ext uri="{FF2B5EF4-FFF2-40B4-BE49-F238E27FC236}">
                 <a16:creationId xmlns:a16="http://schemas.microsoft.com/office/drawing/2014/main" id="{3450C3DC-B4D1-51AD-E34F-21224D0925D5}"/>
@@ -3932,7 +3937,7 @@
       </p:pic>
       <p:pic>
         <p:nvPicPr>
-          <p:cNvPr id="1034" name="Picture 10" descr="Freihandzeichnungen&#13;&#10;Freihandzeichnungen&#13;&#10;Freihandzeichnungen&#13;&#10;Freihandzeichnungen&#13;&#10;Freihandzeichnungen&#13;&#10;Freihandzeichnungen&#13;&#10;Freihandzeichnungen&#13;&#10;Freihandzeichnungen&#13;&#10;Freihandzeichnungen&#13;&#10;Freihandzeichnungen&#13;&#10;Freihandzeichnungen&#13;&#10;Freihandzeichnungen&#13;&#10;Freihandzeichnungen&#13;&#10;Freihandzeichnungen&#13;&#10;Freihandzeichnungen&#13;&#10;Freihandzeichnungen&#13;&#10;Freihandzeichnungen&#13;&#10;Freihandzeichnungen&#13;&#10;Freihandzeichnungen&#13;&#10;Freihandzeichnungen&#13;&#10;Freihandzeichnungen&#13;&#10;Freihandzeichnungen&#13;&#10;Freihandzeichnungen&#13;&#10;Freihandzeichnungen&#13;&#10;Freihandzeichnungen&#13;&#10;Freihandzeichnungen&#13;&#10;Freihandzeichnungen&#13;&#10;Freihandzeichnungen&#13;&#10;Freihandzeichnungen&#13;&#10;Freihandzeichnungen&#13;&#10;Freihandzeichnungen&#13;&#10;Freihandzeichnungen&#13;&#10;Freihandzeichnungen&#13;&#10;Freihandzeichnungen&#13;&#10;Freihandzeichnungen&#13;&#10;Freihandzeichnungen&#13;&#10;Freihandzeichnungen&#13;&#10;Freihandzeichnungen&#13;&#10;Freihandzeichnungen&#13;&#10;Freihandzeichnungen&#13;&#10;Freihandzeichnungen&#13;&#10;Freihandzeichnungen&#13;&#10;Freihandzeichnungen&#13;&#10;Freihandzeichnungen&#13;&#10;Freihandzeichnungen&#13;&#10;Freihandzeichnungen&#13;&#10;Freihandzeichnungen&#13;&#10;Freihandzeichnungen&#13;&#10;Freihandzeichnungen&#13;&#10;Freihandzeichnungen&#13;&#10;Freihandzeichnungen&#13;&#10;Freihandzeichnungen&#13;&#10;Freihandzeichnungen&#13;&#10;Freihandzeichnungen&#13;&#10;Freihandzeichnungen&#13;&#10;Freihandzeichnungen&#13;&#10;Freihandzeichnungen&#13;&#10;Freihandzeichnungen&#13;&#10;Freihandzeichnungen&#13;&#10;Freihandzeichnungen&#13;&#10;Freihandzeichnungen&#13;&#10;Freihandzeichnungen&#13;&#10;Freihandzeichnungen&#13;&#10;Freihandzeichnungen&#13;&#10;Freihandzeichnungen&#13;&#10;Freihandzeichnungen&#13;&#10;Freihandzeichnungen&#13;&#10;Freihandzeichnungen&#13;&#10;Freihandzeichnungen&#13;&#10;Freihandzeichnungen&#13;&#10;Freihandzeichnungen&#13;&#10;Freihandzeichnungen&#13;&#10;Freihandzeichnungen&#13;&#10;Freihandzeichnungen&#13;&#10;Freihandzeichnungen&#13;&#10;Freihandzeichnungen&#13;&#10;Freihandzeichnungen&#13;&#10;Freihandzeichnungen&#13;&#10;Freihandzeichnungen&#13;&#10;Freihandzeichnungen&#13;&#10;Freihandzeichnungen&#13;&#10;Freihandzeichnungen&#13;&#10;Freihandzeichnungen&#13;&#10;Freihandzeichnungen&#13;&#10;Freihandzeichnungen&#13;&#10;Freihandzeichnungen&#13;&#10;Freihandzeichnungen&#13;&#10;Freihandzeichnungen&#13;&#10;Freihandzeichnungen&#13;&#10;Freihandzeichnungen&#13;&#10;Freihandzeichnungen&#13;&#10;Freihandzeichnungen&#13;&#10;Freihandzeichnungen&#13;&#10;Freihandzeichnungen&#13;&#10;">
+          <p:cNvPr id="1034" name="Picture 10" descr="Freihandzeichnungen&#10;Freihandzeichnungen&#10;Freihandzeichnungen&#10;Freihandzeichnungen&#10;Freihandzeichnungen&#10;Freihandzeichnungen&#10;Freihandzeichnungen&#10;Freihandzeichnungen&#10;Freihandzeichnungen&#10;Freihandzeichnungen&#10;Freihandzeichnungen&#10;Freihandzeichnungen&#10;Freihandzeichnungen&#10;Freihandzeichnungen&#10;Freihandzeichnungen&#10;Freihandzeichnungen&#10;Freihandzeichnungen&#10;Freihandzeichnungen&#10;Freihandzeichnungen&#10;Freihandzeichnungen&#10;Freihandzeichnungen&#10;Freihandzeichnungen&#10;Freihandzeichnungen&#10;Freihandzeichnungen&#10;Freihandzeichnungen&#10;Freihandzeichnungen&#10;Freihandzeichnungen&#10;Freihandzeichnungen&#10;Freihandzeichnungen&#10;Freihandzeichnungen&#10;Freihandzeichnungen&#10;Freihandzeichnungen&#10;Freihandzeichnungen&#10;Freihandzeichnungen&#10;Freihandzeichnungen&#10;Freihandzeichnungen&#10;Freihandzeichnungen&#10;Freihandzeichnungen&#10;Freihandzeichnungen&#10;Freihandzeichnungen&#10;Freihandzeichnungen&#10;Freihandzeichnungen&#10;Freihandzeichnungen&#10;Freihandzeichnungen&#10;Freihandzeichnungen&#10;Freihandzeichnungen&#10;Freihandzeichnungen&#10;Freihandzeichnungen&#10;Freihandzeichnungen&#10;Freihandzeichnungen&#10;Freihandzeichnungen&#10;Freihandzeichnungen&#10;Freihandzeichnungen&#10;Freihandzeichnungen&#10;Freihandzeichnungen&#10;Freihandzeichnungen&#10;Freihandzeichnungen&#10;Freihandzeichnungen&#10;Freihandzeichnungen&#10;Freihandzeichnungen&#10;Freihandzeichnungen&#10;Freihandzeichnungen&#10;Freihandzeichnungen&#10;Freihandzeichnungen&#10;Freihandzeichnungen&#10;Freihandzeichnungen&#10;Freihandzeichnungen&#10;Freihandzeichnungen&#10;Freihandzeichnungen&#10;Freihandzeichnungen&#10;Freihandzeichnungen&#10;Freihandzeichnungen&#10;Freihandzeichnungen&#10;Freihandzeichnungen&#10;Freihandzeichnungen&#10;Freihandzeichnungen&#10;Freihandzeichnungen&#10;Freihandzeichnungen&#10;Freihandzeichnungen&#10;Freihandzeichnungen&#10;Freihandzeichnungen&#10;Freihandzeichnungen&#10;Freihandzeichnungen&#10;Freihandzeichnungen&#10;Freihandzeichnungen&#10;Freihandzeichnungen&#10;Freihandzeichnungen&#10;Freihandzeichnungen&#10;Freihandzeichnungen&#10;Freihandzeichnungen&#10;Freihandzeichnungen&#10;Freihandzeichnungen&#10;Freihandzeichnungen&#10;Freihandzeichnungen&#10;">
             <a:extLst>
               <a:ext uri="{FF2B5EF4-FFF2-40B4-BE49-F238E27FC236}">
                 <a16:creationId xmlns:a16="http://schemas.microsoft.com/office/drawing/2014/main" id="{A6FCDDF6-4041-C733-778F-632396A144DF}"/>
@@ -3977,8 +3982,8 @@
           </a:extLst>
         </p:spPr>
       </p:pic>
-      <mc:AlternateContent xmlns:mc="http://schemas.openxmlformats.org/markup-compatibility/2006">
-        <mc:Choice xmlns:a14="http://schemas.microsoft.com/office/drawing/2010/main" Requires="a14">
+      <mc:AlternateContent xmlns:mc="http://schemas.openxmlformats.org/markup-compatibility/2006" xmlns:a14="http://schemas.microsoft.com/office/drawing/2010/main">
+        <mc:Choice Requires="a14">
           <p:sp>
             <p:nvSpPr>
               <p:cNvPr id="33" name="Rechteck 32">
@@ -4072,7 +4077,7 @@
             </p:txBody>
           </p:sp>
         </mc:Choice>
-        <mc:Fallback>
+        <mc:Fallback xmlns="">
           <p:sp>
             <p:nvSpPr>
               <p:cNvPr id="33" name="Rechteck 32">
@@ -4373,8 +4378,8 @@
           </a:fontRef>
         </p:style>
       </p:cxnSp>
-      <mc:AlternateContent xmlns:mc="http://schemas.openxmlformats.org/markup-compatibility/2006">
-        <mc:Choice xmlns:a14="http://schemas.microsoft.com/office/drawing/2010/main" Requires="a14">
+      <mc:AlternateContent xmlns:mc="http://schemas.openxmlformats.org/markup-compatibility/2006" xmlns:a14="http://schemas.microsoft.com/office/drawing/2010/main">
+        <mc:Choice Requires="a14">
           <p:sp>
             <p:nvSpPr>
               <p:cNvPr id="25" name="Textfeld 24">
@@ -4403,6 +4408,7 @@
               </a:bodyPr>
               <a:lstStyle/>
               <a:p>
+                <a:pPr/>
                 <a14:m>
                   <m:oMathPara xmlns:m="http://schemas.openxmlformats.org/officeDocument/2006/math">
                     <m:oMathParaPr>
@@ -4461,7 +4467,7 @@
             </p:txBody>
           </p:sp>
         </mc:Choice>
-        <mc:Fallback>
+        <mc:Fallback xmlns="">
           <p:sp>
             <p:nvSpPr>
               <p:cNvPr id="25" name="Textfeld 24">

--- a/doku/externalFiles/regelkreis.pptx
+++ b/doku/externalFiles/regelkreis.pptx
@@ -6,6 +6,7 @@
   </p:sldMasterIdLst>
   <p:sldIdLst>
     <p:sldId id="256" r:id="rId2"/>
+    <p:sldId id="257" r:id="rId3"/>
   </p:sldIdLst>
   <p:sldSz cx="12192000" cy="6858000"/>
   <p:notesSz cx="6858000" cy="9144000"/>
@@ -4525,6 +4526,875 @@
 </p:sld>
 </file>
 
+<file path=ppt/slides/slide2.xml><?xml version="1.0" encoding="utf-8"?>
+<p:sld xmlns:a="http://schemas.openxmlformats.org/drawingml/2006/main" xmlns:r="http://schemas.openxmlformats.org/officeDocument/2006/relationships" xmlns:p="http://schemas.openxmlformats.org/presentationml/2006/main">
+  <p:cSld>
+    <p:spTree>
+      <p:nvGrpSpPr>
+        <p:cNvPr id="1" name=""/>
+        <p:cNvGrpSpPr/>
+        <p:nvPr/>
+      </p:nvGrpSpPr>
+      <p:grpSpPr>
+        <a:xfrm>
+          <a:off x="0" y="0"/>
+          <a:ext cx="0" cy="0"/>
+          <a:chOff x="0" y="0"/>
+          <a:chExt cx="0" cy="0"/>
+        </a:xfrm>
+      </p:grpSpPr>
+      <p:sp>
+        <p:nvSpPr>
+          <p:cNvPr id="2" name="Titel 1">
+            <a:extLst>
+              <a:ext uri="{FF2B5EF4-FFF2-40B4-BE49-F238E27FC236}">
+                <a16:creationId xmlns:a16="http://schemas.microsoft.com/office/drawing/2014/main" id="{018E1B5A-EBF9-B992-6687-F15E2C5A955B}"/>
+              </a:ext>
+            </a:extLst>
+          </p:cNvPr>
+          <p:cNvSpPr>
+            <a:spLocks noGrp="1"/>
+          </p:cNvSpPr>
+          <p:nvPr>
+            <p:ph type="title"/>
+          </p:nvPr>
+        </p:nvSpPr>
+        <p:spPr/>
+        <p:txBody>
+          <a:bodyPr/>
+          <a:lstStyle/>
+          <a:p>
+            <a:r>
+              <a:rPr lang="de-DE" dirty="0"/>
+              <a:t>Des was mir verwende</a:t>
+            </a:r>
+          </a:p>
+        </p:txBody>
+      </p:sp>
+      <mc:AlternateContent xmlns:mc="http://schemas.openxmlformats.org/markup-compatibility/2006">
+        <mc:Choice xmlns:a14="http://schemas.microsoft.com/office/drawing/2010/main" Requires="a14">
+          <p:sp>
+            <p:nvSpPr>
+              <p:cNvPr id="4" name="Rechteck 3">
+                <a:extLst>
+                  <a:ext uri="{FF2B5EF4-FFF2-40B4-BE49-F238E27FC236}">
+                    <a16:creationId xmlns:a16="http://schemas.microsoft.com/office/drawing/2014/main" id="{988EE525-6CA6-371C-243A-E8CB6D768D9F}"/>
+                  </a:ext>
+                </a:extLst>
+              </p:cNvPr>
+              <p:cNvSpPr/>
+              <p:nvPr/>
+            </p:nvSpPr>
+            <p:spPr>
+              <a:xfrm>
+                <a:off x="4801915" y="2511829"/>
+                <a:ext cx="895273" cy="605790"/>
+              </a:xfrm>
+              <a:prstGeom prst="rect">
+                <a:avLst/>
+              </a:prstGeom>
+              <a:noFill/>
+              <a:ln>
+                <a:solidFill>
+                  <a:schemeClr val="tx1"/>
+                </a:solidFill>
+              </a:ln>
+            </p:spPr>
+            <p:style>
+              <a:lnRef idx="2">
+                <a:schemeClr val="accent6"/>
+              </a:lnRef>
+              <a:fillRef idx="1">
+                <a:schemeClr val="lt1"/>
+              </a:fillRef>
+              <a:effectRef idx="0">
+                <a:schemeClr val="accent6"/>
+              </a:effectRef>
+              <a:fontRef idx="minor">
+                <a:schemeClr val="dk1"/>
+              </a:fontRef>
+            </p:style>
+            <p:txBody>
+              <a:bodyPr rtlCol="0" anchor="ctr"/>
+              <a:lstStyle/>
+              <a:p>
+                <a:pPr algn="ctr"/>
+                <a14:m>
+                  <m:oMathPara xmlns:m="http://schemas.openxmlformats.org/officeDocument/2006/math">
+                    <m:oMathParaPr>
+                      <m:jc m:val="centerGroup"/>
+                    </m:oMathParaPr>
+                    <m:oMath xmlns:m="http://schemas.openxmlformats.org/officeDocument/2006/math">
+                      <m:sSub>
+                        <m:sSubPr>
+                          <m:ctrlPr>
+                            <a:rPr lang="de-DE" sz="2400" b="1" i="1" smtClean="0">
+                              <a:latin typeface="Cambria Math" panose="02040503050406030204" pitchFamily="18" charset="0"/>
+                            </a:rPr>
+                          </m:ctrlPr>
+                        </m:sSubPr>
+                        <m:e>
+                          <m:r>
+                            <a:rPr lang="de-DE" sz="2400" b="1" i="1" smtClean="0">
+                              <a:latin typeface="Cambria Math" panose="02040503050406030204" pitchFamily="18" charset="0"/>
+                            </a:rPr>
+                            <m:t>𝑮</m:t>
+                          </m:r>
+                        </m:e>
+                        <m:sub>
+                          <m:r>
+                            <a:rPr lang="de-DE" sz="2400" b="1" i="1" smtClean="0">
+                              <a:latin typeface="Cambria Math" panose="02040503050406030204" pitchFamily="18" charset="0"/>
+                            </a:rPr>
+                            <m:t>𝑹</m:t>
+                          </m:r>
+                        </m:sub>
+                      </m:sSub>
+                    </m:oMath>
+                  </m:oMathPara>
+                </a14:m>
+                <a:endParaRPr lang="de-DE" sz="2400" b="1" dirty="0"/>
+              </a:p>
+            </p:txBody>
+          </p:sp>
+        </mc:Choice>
+        <mc:Fallback>
+          <p:sp>
+            <p:nvSpPr>
+              <p:cNvPr id="4" name="Rechteck 3">
+                <a:extLst>
+                  <a:ext uri="{FF2B5EF4-FFF2-40B4-BE49-F238E27FC236}">
+                    <a16:creationId xmlns:a16="http://schemas.microsoft.com/office/drawing/2014/main" id="{988EE525-6CA6-371C-243A-E8CB6D768D9F}"/>
+                  </a:ext>
+                </a:extLst>
+              </p:cNvPr>
+              <p:cNvSpPr>
+                <a:spLocks noRot="1" noChangeAspect="1" noMove="1" noResize="1" noEditPoints="1" noAdjustHandles="1" noChangeArrowheads="1" noChangeShapeType="1" noTextEdit="1"/>
+              </p:cNvSpPr>
+              <p:nvPr/>
+            </p:nvSpPr>
+            <p:spPr>
+              <a:xfrm>
+                <a:off x="4801915" y="2511829"/>
+                <a:ext cx="895273" cy="605790"/>
+              </a:xfrm>
+              <a:prstGeom prst="rect">
+                <a:avLst/>
+              </a:prstGeom>
+              <a:blipFill>
+                <a:blip r:embed="rId2"/>
+                <a:stretch>
+                  <a:fillRect/>
+                </a:stretch>
+              </a:blipFill>
+              <a:ln>
+                <a:solidFill>
+                  <a:schemeClr val="tx1"/>
+                </a:solidFill>
+              </a:ln>
+            </p:spPr>
+            <p:txBody>
+              <a:bodyPr/>
+              <a:lstStyle/>
+              <a:p>
+                <a:r>
+                  <a:rPr lang="de-DE">
+                    <a:noFill/>
+                  </a:rPr>
+                  <a:t> </a:t>
+                </a:r>
+              </a:p>
+            </p:txBody>
+          </p:sp>
+        </mc:Fallback>
+      </mc:AlternateContent>
+      <mc:AlternateContent xmlns:mc="http://schemas.openxmlformats.org/markup-compatibility/2006">
+        <mc:Choice xmlns:a14="http://schemas.microsoft.com/office/drawing/2010/main" Requires="a14">
+          <p:sp>
+            <p:nvSpPr>
+              <p:cNvPr id="5" name="Rechteck 4">
+                <a:extLst>
+                  <a:ext uri="{FF2B5EF4-FFF2-40B4-BE49-F238E27FC236}">
+                    <a16:creationId xmlns:a16="http://schemas.microsoft.com/office/drawing/2014/main" id="{C3B67B69-3ACA-6C7F-7B38-69A5A39C54FB}"/>
+                  </a:ext>
+                </a:extLst>
+              </p:cNvPr>
+              <p:cNvSpPr/>
+              <p:nvPr/>
+            </p:nvSpPr>
+            <p:spPr>
+              <a:xfrm>
+                <a:off x="6661817" y="2511829"/>
+                <a:ext cx="895273" cy="605790"/>
+              </a:xfrm>
+              <a:prstGeom prst="rect">
+                <a:avLst/>
+              </a:prstGeom>
+              <a:noFill/>
+              <a:ln>
+                <a:solidFill>
+                  <a:schemeClr val="tx1"/>
+                </a:solidFill>
+              </a:ln>
+            </p:spPr>
+            <p:style>
+              <a:lnRef idx="2">
+                <a:schemeClr val="accent6"/>
+              </a:lnRef>
+              <a:fillRef idx="1">
+                <a:schemeClr val="lt1"/>
+              </a:fillRef>
+              <a:effectRef idx="0">
+                <a:schemeClr val="accent6"/>
+              </a:effectRef>
+              <a:fontRef idx="minor">
+                <a:schemeClr val="dk1"/>
+              </a:fontRef>
+            </p:style>
+            <p:txBody>
+              <a:bodyPr rtlCol="0" anchor="ctr"/>
+              <a:lstStyle/>
+              <a:p>
+                <a:pPr algn="ctr"/>
+                <a14:m>
+                  <m:oMathPara xmlns:m="http://schemas.openxmlformats.org/officeDocument/2006/math">
+                    <m:oMathParaPr>
+                      <m:jc m:val="centerGroup"/>
+                    </m:oMathParaPr>
+                    <m:oMath xmlns:m="http://schemas.openxmlformats.org/officeDocument/2006/math">
+                      <m:sSub>
+                        <m:sSubPr>
+                          <m:ctrlPr>
+                            <a:rPr lang="x-none" sz="2400" b="1" i="1" smtClean="0">
+                              <a:latin typeface="Cambria Math" panose="02040503050406030204" pitchFamily="18" charset="0"/>
+                            </a:rPr>
+                          </m:ctrlPr>
+                        </m:sSubPr>
+                        <m:e>
+                          <m:r>
+                            <a:rPr lang="x-none" sz="2400" b="1" i="1" smtClean="0">
+                              <a:latin typeface="Cambria Math" panose="02040503050406030204" pitchFamily="18" charset="0"/>
+                            </a:rPr>
+                            <m:t>𝑮</m:t>
+                          </m:r>
+                        </m:e>
+                        <m:sub>
+                          <m:r>
+                            <a:rPr lang="de-DE" sz="2400" b="1" i="1" smtClean="0">
+                              <a:latin typeface="Cambria Math" panose="02040503050406030204" pitchFamily="18" charset="0"/>
+                            </a:rPr>
+                            <m:t>𝑺</m:t>
+                          </m:r>
+                        </m:sub>
+                      </m:sSub>
+                    </m:oMath>
+                  </m:oMathPara>
+                </a14:m>
+                <a:endParaRPr lang="x-none" sz="2400" b="1" i="1" dirty="0">
+                  <a:latin typeface="Cambria Math" panose="02040503050406030204" pitchFamily="18" charset="0"/>
+                </a:endParaRPr>
+              </a:p>
+            </p:txBody>
+          </p:sp>
+        </mc:Choice>
+        <mc:Fallback>
+          <p:sp>
+            <p:nvSpPr>
+              <p:cNvPr id="5" name="Rechteck 4">
+                <a:extLst>
+                  <a:ext uri="{FF2B5EF4-FFF2-40B4-BE49-F238E27FC236}">
+                    <a16:creationId xmlns:a16="http://schemas.microsoft.com/office/drawing/2014/main" id="{C3B67B69-3ACA-6C7F-7B38-69A5A39C54FB}"/>
+                  </a:ext>
+                </a:extLst>
+              </p:cNvPr>
+              <p:cNvSpPr>
+                <a:spLocks noRot="1" noChangeAspect="1" noMove="1" noResize="1" noEditPoints="1" noAdjustHandles="1" noChangeArrowheads="1" noChangeShapeType="1" noTextEdit="1"/>
+              </p:cNvSpPr>
+              <p:nvPr/>
+            </p:nvSpPr>
+            <p:spPr>
+              <a:xfrm>
+                <a:off x="6661817" y="2511829"/>
+                <a:ext cx="895273" cy="605790"/>
+              </a:xfrm>
+              <a:prstGeom prst="rect">
+                <a:avLst/>
+              </a:prstGeom>
+              <a:blipFill>
+                <a:blip r:embed="rId3"/>
+                <a:stretch>
+                  <a:fillRect/>
+                </a:stretch>
+              </a:blipFill>
+              <a:ln>
+                <a:solidFill>
+                  <a:schemeClr val="tx1"/>
+                </a:solidFill>
+              </a:ln>
+            </p:spPr>
+            <p:txBody>
+              <a:bodyPr/>
+              <a:lstStyle/>
+              <a:p>
+                <a:r>
+                  <a:rPr lang="de-DE">
+                    <a:noFill/>
+                  </a:rPr>
+                  <a:t> </a:t>
+                </a:r>
+              </a:p>
+            </p:txBody>
+          </p:sp>
+        </mc:Fallback>
+      </mc:AlternateContent>
+      <p:cxnSp>
+        <p:nvCxnSpPr>
+          <p:cNvPr id="6" name="Gerade Verbindung mit Pfeil 5">
+            <a:extLst>
+              <a:ext uri="{FF2B5EF4-FFF2-40B4-BE49-F238E27FC236}">
+                <a16:creationId xmlns:a16="http://schemas.microsoft.com/office/drawing/2014/main" id="{AD42835F-7F5B-FCFB-C1F8-B995CA7DE3F9}"/>
+              </a:ext>
+            </a:extLst>
+          </p:cNvPr>
+          <p:cNvCxnSpPr>
+            <a:stCxn id="4" idx="3"/>
+            <a:endCxn id="5" idx="1"/>
+          </p:cNvCxnSpPr>
+          <p:nvPr/>
+        </p:nvCxnSpPr>
+        <p:spPr>
+          <a:xfrm>
+            <a:off x="5697188" y="2814724"/>
+            <a:ext cx="964629" cy="0"/>
+          </a:xfrm>
+          <a:prstGeom prst="straightConnector1">
+            <a:avLst/>
+          </a:prstGeom>
+          <a:ln w="28575">
+            <a:solidFill>
+              <a:schemeClr val="tx1"/>
+            </a:solidFill>
+            <a:tailEnd type="triangle"/>
+          </a:ln>
+        </p:spPr>
+        <p:style>
+          <a:lnRef idx="1">
+            <a:schemeClr val="accent1"/>
+          </a:lnRef>
+          <a:fillRef idx="0">
+            <a:schemeClr val="accent1"/>
+          </a:fillRef>
+          <a:effectRef idx="0">
+            <a:schemeClr val="accent1"/>
+          </a:effectRef>
+          <a:fontRef idx="minor">
+            <a:schemeClr val="tx1"/>
+          </a:fontRef>
+        </p:style>
+      </p:cxnSp>
+      <p:cxnSp>
+        <p:nvCxnSpPr>
+          <p:cNvPr id="8" name="Gerade Verbindung mit Pfeil 7">
+            <a:extLst>
+              <a:ext uri="{FF2B5EF4-FFF2-40B4-BE49-F238E27FC236}">
+                <a16:creationId xmlns:a16="http://schemas.microsoft.com/office/drawing/2014/main" id="{EA522C16-211E-52D1-F3F0-10AEAE1B07F2}"/>
+              </a:ext>
+            </a:extLst>
+          </p:cNvPr>
+          <p:cNvCxnSpPr>
+            <a:cxnSpLocks/>
+            <a:stCxn id="5" idx="3"/>
+          </p:cNvCxnSpPr>
+          <p:nvPr/>
+        </p:nvCxnSpPr>
+        <p:spPr>
+          <a:xfrm>
+            <a:off x="7557090" y="2814724"/>
+            <a:ext cx="1054347" cy="0"/>
+          </a:xfrm>
+          <a:prstGeom prst="straightConnector1">
+            <a:avLst/>
+          </a:prstGeom>
+          <a:ln w="28575">
+            <a:solidFill>
+              <a:schemeClr val="tx1"/>
+            </a:solidFill>
+            <a:tailEnd type="triangle"/>
+          </a:ln>
+        </p:spPr>
+        <p:style>
+          <a:lnRef idx="1">
+            <a:schemeClr val="accent1"/>
+          </a:lnRef>
+          <a:fillRef idx="0">
+            <a:schemeClr val="accent1"/>
+          </a:fillRef>
+          <a:effectRef idx="0">
+            <a:schemeClr val="accent1"/>
+          </a:effectRef>
+          <a:fontRef idx="minor">
+            <a:schemeClr val="tx1"/>
+          </a:fontRef>
+        </p:style>
+      </p:cxnSp>
+      <p:sp>
+        <p:nvSpPr>
+          <p:cNvPr id="18" name="Oval 17">
+            <a:extLst>
+              <a:ext uri="{FF2B5EF4-FFF2-40B4-BE49-F238E27FC236}">
+                <a16:creationId xmlns:a16="http://schemas.microsoft.com/office/drawing/2014/main" id="{715C2498-C755-A889-A0E4-89BB5C5A4056}"/>
+              </a:ext>
+            </a:extLst>
+          </p:cNvPr>
+          <p:cNvSpPr/>
+          <p:nvPr/>
+        </p:nvSpPr>
+        <p:spPr>
+          <a:xfrm>
+            <a:off x="3293424" y="2580059"/>
+            <a:ext cx="543862" cy="520093"/>
+          </a:xfrm>
+          <a:prstGeom prst="ellipse">
+            <a:avLst/>
+          </a:prstGeom>
+          <a:noFill/>
+          <a:ln>
+            <a:solidFill>
+              <a:schemeClr val="tx1"/>
+            </a:solidFill>
+          </a:ln>
+        </p:spPr>
+        <p:style>
+          <a:lnRef idx="2">
+            <a:schemeClr val="accent6"/>
+          </a:lnRef>
+          <a:fillRef idx="1">
+            <a:schemeClr val="lt1"/>
+          </a:fillRef>
+          <a:effectRef idx="0">
+            <a:schemeClr val="accent6"/>
+          </a:effectRef>
+          <a:fontRef idx="minor">
+            <a:schemeClr val="dk1"/>
+          </a:fontRef>
+        </p:style>
+        <p:txBody>
+          <a:bodyPr rtlCol="0" anchor="ctr"/>
+          <a:lstStyle/>
+          <a:p>
+            <a:pPr algn="ctr"/>
+            <a:endParaRPr lang="de-DE" sz="2400" b="1" i="1" dirty="0">
+              <a:solidFill>
+                <a:schemeClr val="dk1"/>
+              </a:solidFill>
+              <a:latin typeface="Cambria Math" panose="02040503050406030204" pitchFamily="18" charset="0"/>
+            </a:endParaRPr>
+          </a:p>
+        </p:txBody>
+      </p:sp>
+      <p:cxnSp>
+        <p:nvCxnSpPr>
+          <p:cNvPr id="19" name="Gerade Verbindung mit Pfeil 18">
+            <a:extLst>
+              <a:ext uri="{FF2B5EF4-FFF2-40B4-BE49-F238E27FC236}">
+                <a16:creationId xmlns:a16="http://schemas.microsoft.com/office/drawing/2014/main" id="{4EC037E7-4CF0-4945-DAA6-638191D82731}"/>
+              </a:ext>
+            </a:extLst>
+          </p:cNvPr>
+          <p:cNvCxnSpPr/>
+          <p:nvPr/>
+        </p:nvCxnSpPr>
+        <p:spPr>
+          <a:xfrm>
+            <a:off x="3837286" y="2827632"/>
+            <a:ext cx="964629" cy="0"/>
+          </a:xfrm>
+          <a:prstGeom prst="straightConnector1">
+            <a:avLst/>
+          </a:prstGeom>
+          <a:ln w="28575">
+            <a:solidFill>
+              <a:schemeClr val="tx1"/>
+            </a:solidFill>
+            <a:tailEnd type="triangle"/>
+          </a:ln>
+        </p:spPr>
+        <p:style>
+          <a:lnRef idx="1">
+            <a:schemeClr val="accent1"/>
+          </a:lnRef>
+          <a:fillRef idx="0">
+            <a:schemeClr val="accent1"/>
+          </a:fillRef>
+          <a:effectRef idx="0">
+            <a:schemeClr val="accent1"/>
+          </a:effectRef>
+          <a:fontRef idx="minor">
+            <a:schemeClr val="tx1"/>
+          </a:fontRef>
+        </p:style>
+      </p:cxnSp>
+      <p:cxnSp>
+        <p:nvCxnSpPr>
+          <p:cNvPr id="20" name="Gerade Verbindung mit Pfeil 19">
+            <a:extLst>
+              <a:ext uri="{FF2B5EF4-FFF2-40B4-BE49-F238E27FC236}">
+                <a16:creationId xmlns:a16="http://schemas.microsoft.com/office/drawing/2014/main" id="{9463DA66-ED9C-D0E2-3C9C-653791444DC7}"/>
+              </a:ext>
+            </a:extLst>
+          </p:cNvPr>
+          <p:cNvCxnSpPr/>
+          <p:nvPr/>
+        </p:nvCxnSpPr>
+        <p:spPr>
+          <a:xfrm>
+            <a:off x="2328795" y="2821194"/>
+            <a:ext cx="964629" cy="0"/>
+          </a:xfrm>
+          <a:prstGeom prst="straightConnector1">
+            <a:avLst/>
+          </a:prstGeom>
+          <a:ln w="28575">
+            <a:solidFill>
+              <a:schemeClr val="tx1"/>
+            </a:solidFill>
+            <a:tailEnd type="triangle"/>
+          </a:ln>
+        </p:spPr>
+        <p:style>
+          <a:lnRef idx="1">
+            <a:schemeClr val="accent1"/>
+          </a:lnRef>
+          <a:fillRef idx="0">
+            <a:schemeClr val="accent1"/>
+          </a:fillRef>
+          <a:effectRef idx="0">
+            <a:schemeClr val="accent1"/>
+          </a:effectRef>
+          <a:fontRef idx="minor">
+            <a:schemeClr val="tx1"/>
+          </a:fontRef>
+        </p:style>
+      </p:cxnSp>
+      <p:cxnSp>
+        <p:nvCxnSpPr>
+          <p:cNvPr id="28" name="Gerade Verbindung mit Pfeil 27">
+            <a:extLst>
+              <a:ext uri="{FF2B5EF4-FFF2-40B4-BE49-F238E27FC236}">
+                <a16:creationId xmlns:a16="http://schemas.microsoft.com/office/drawing/2014/main" id="{2044E76D-B08F-ED64-8A45-5F29CE69B5AA}"/>
+              </a:ext>
+            </a:extLst>
+          </p:cNvPr>
+          <p:cNvCxnSpPr>
+            <a:cxnSpLocks/>
+          </p:cNvCxnSpPr>
+          <p:nvPr/>
+        </p:nvCxnSpPr>
+        <p:spPr>
+          <a:xfrm flipV="1">
+            <a:off x="3565355" y="3100152"/>
+            <a:ext cx="0" cy="695519"/>
+          </a:xfrm>
+          <a:prstGeom prst="straightConnector1">
+            <a:avLst/>
+          </a:prstGeom>
+          <a:ln w="28575">
+            <a:solidFill>
+              <a:schemeClr val="tx1"/>
+            </a:solidFill>
+            <a:tailEnd type="triangle"/>
+          </a:ln>
+        </p:spPr>
+        <p:style>
+          <a:lnRef idx="1">
+            <a:schemeClr val="accent1"/>
+          </a:lnRef>
+          <a:fillRef idx="0">
+            <a:schemeClr val="accent1"/>
+          </a:fillRef>
+          <a:effectRef idx="0">
+            <a:schemeClr val="accent1"/>
+          </a:effectRef>
+          <a:fontRef idx="minor">
+            <a:schemeClr val="tx1"/>
+          </a:fontRef>
+        </p:style>
+      </p:cxnSp>
+      <p:cxnSp>
+        <p:nvCxnSpPr>
+          <p:cNvPr id="32" name="Gerader Verbinder 31">
+            <a:extLst>
+              <a:ext uri="{FF2B5EF4-FFF2-40B4-BE49-F238E27FC236}">
+                <a16:creationId xmlns:a16="http://schemas.microsoft.com/office/drawing/2014/main" id="{6268D6B3-2F44-7B8F-8275-7DD055B6947C}"/>
+              </a:ext>
+            </a:extLst>
+          </p:cNvPr>
+          <p:cNvCxnSpPr>
+            <a:cxnSpLocks/>
+          </p:cNvCxnSpPr>
+          <p:nvPr/>
+        </p:nvCxnSpPr>
+        <p:spPr>
+          <a:xfrm>
+            <a:off x="3565355" y="3795671"/>
+            <a:ext cx="4483375" cy="0"/>
+          </a:xfrm>
+          <a:prstGeom prst="line">
+            <a:avLst/>
+          </a:prstGeom>
+          <a:ln w="28575">
+            <a:solidFill>
+              <a:schemeClr val="tx1"/>
+            </a:solidFill>
+          </a:ln>
+        </p:spPr>
+        <p:style>
+          <a:lnRef idx="1">
+            <a:schemeClr val="accent1"/>
+          </a:lnRef>
+          <a:fillRef idx="0">
+            <a:schemeClr val="accent1"/>
+          </a:fillRef>
+          <a:effectRef idx="0">
+            <a:schemeClr val="accent1"/>
+          </a:effectRef>
+          <a:fontRef idx="minor">
+            <a:schemeClr val="tx1"/>
+          </a:fontRef>
+        </p:style>
+      </p:cxnSp>
+      <p:cxnSp>
+        <p:nvCxnSpPr>
+          <p:cNvPr id="35" name="Gerader Verbinder 34">
+            <a:extLst>
+              <a:ext uri="{FF2B5EF4-FFF2-40B4-BE49-F238E27FC236}">
+                <a16:creationId xmlns:a16="http://schemas.microsoft.com/office/drawing/2014/main" id="{6E273A3C-B140-1BC3-09CC-E9F3EE2BF857}"/>
+              </a:ext>
+            </a:extLst>
+          </p:cNvPr>
+          <p:cNvCxnSpPr>
+            <a:cxnSpLocks/>
+          </p:cNvCxnSpPr>
+          <p:nvPr/>
+        </p:nvCxnSpPr>
+        <p:spPr>
+          <a:xfrm flipV="1">
+            <a:off x="8048730" y="2801238"/>
+            <a:ext cx="0" cy="994433"/>
+          </a:xfrm>
+          <a:prstGeom prst="line">
+            <a:avLst/>
+          </a:prstGeom>
+          <a:ln w="28575">
+            <a:solidFill>
+              <a:schemeClr val="tx1"/>
+            </a:solidFill>
+          </a:ln>
+        </p:spPr>
+        <p:style>
+          <a:lnRef idx="1">
+            <a:schemeClr val="accent1"/>
+          </a:lnRef>
+          <a:fillRef idx="0">
+            <a:schemeClr val="accent1"/>
+          </a:fillRef>
+          <a:effectRef idx="0">
+            <a:schemeClr val="accent1"/>
+          </a:effectRef>
+          <a:fontRef idx="minor">
+            <a:schemeClr val="tx1"/>
+          </a:fontRef>
+        </p:style>
+      </p:cxnSp>
+      <p:sp>
+        <p:nvSpPr>
+          <p:cNvPr id="40" name="Textfeld 39">
+            <a:extLst>
+              <a:ext uri="{FF2B5EF4-FFF2-40B4-BE49-F238E27FC236}">
+                <a16:creationId xmlns:a16="http://schemas.microsoft.com/office/drawing/2014/main" id="{4BB64E64-C43E-07AF-83F4-606779EE43F3}"/>
+              </a:ext>
+            </a:extLst>
+          </p:cNvPr>
+          <p:cNvSpPr txBox="1"/>
+          <p:nvPr/>
+        </p:nvSpPr>
+        <p:spPr>
+          <a:xfrm>
+            <a:off x="3718128" y="2800999"/>
+            <a:ext cx="325730" cy="646331"/>
+          </a:xfrm>
+          <a:prstGeom prst="rect">
+            <a:avLst/>
+          </a:prstGeom>
+          <a:noFill/>
+        </p:spPr>
+        <p:txBody>
+          <a:bodyPr wrap="none" rtlCol="0">
+            <a:spAutoFit/>
+          </a:bodyPr>
+          <a:lstStyle/>
+          <a:p>
+            <a:r>
+              <a:rPr lang="de-DE" sz="3600" dirty="0"/>
+              <a:t>-</a:t>
+            </a:r>
+            <a:endParaRPr lang="de-DE" dirty="0"/>
+          </a:p>
+        </p:txBody>
+      </p:sp>
+      <p:sp>
+        <p:nvSpPr>
+          <p:cNvPr id="43" name="Textfeld 42">
+            <a:extLst>
+              <a:ext uri="{FF2B5EF4-FFF2-40B4-BE49-F238E27FC236}">
+                <a16:creationId xmlns:a16="http://schemas.microsoft.com/office/drawing/2014/main" id="{C384FBDD-096F-BB90-76B4-DD5ECF053758}"/>
+              </a:ext>
+            </a:extLst>
+          </p:cNvPr>
+          <p:cNvSpPr txBox="1"/>
+          <p:nvPr/>
+        </p:nvSpPr>
+        <p:spPr>
+          <a:xfrm>
+            <a:off x="2767125" y="2477638"/>
+            <a:ext cx="349776" cy="369332"/>
+          </a:xfrm>
+          <a:prstGeom prst="rect">
+            <a:avLst/>
+          </a:prstGeom>
+          <a:noFill/>
+        </p:spPr>
+        <p:txBody>
+          <a:bodyPr wrap="none" rtlCol="0">
+            <a:spAutoFit/>
+          </a:bodyPr>
+          <a:lstStyle/>
+          <a:p>
+            <a:r>
+              <a:rPr lang="de-DE" dirty="0"/>
+              <a:t>w</a:t>
+            </a:r>
+          </a:p>
+        </p:txBody>
+      </p:sp>
+      <p:sp>
+        <p:nvSpPr>
+          <p:cNvPr id="44" name="Textfeld 43">
+            <a:extLst>
+              <a:ext uri="{FF2B5EF4-FFF2-40B4-BE49-F238E27FC236}">
+                <a16:creationId xmlns:a16="http://schemas.microsoft.com/office/drawing/2014/main" id="{298006BD-8E88-B7C5-852E-C28DC9AB0E6C}"/>
+              </a:ext>
+            </a:extLst>
+          </p:cNvPr>
+          <p:cNvSpPr txBox="1"/>
+          <p:nvPr/>
+        </p:nvSpPr>
+        <p:spPr>
+          <a:xfrm>
+            <a:off x="8196125" y="2445392"/>
+            <a:ext cx="284052" cy="369332"/>
+          </a:xfrm>
+          <a:prstGeom prst="rect">
+            <a:avLst/>
+          </a:prstGeom>
+          <a:noFill/>
+        </p:spPr>
+        <p:txBody>
+          <a:bodyPr wrap="none" rtlCol="0">
+            <a:spAutoFit/>
+          </a:bodyPr>
+          <a:lstStyle/>
+          <a:p>
+            <a:r>
+              <a:rPr lang="de-DE" dirty="0"/>
+              <a:t>x</a:t>
+            </a:r>
+          </a:p>
+        </p:txBody>
+      </p:sp>
+      <p:sp>
+        <p:nvSpPr>
+          <p:cNvPr id="45" name="Textfeld 44">
+            <a:extLst>
+              <a:ext uri="{FF2B5EF4-FFF2-40B4-BE49-F238E27FC236}">
+                <a16:creationId xmlns:a16="http://schemas.microsoft.com/office/drawing/2014/main" id="{85A98155-F460-DC72-F6A2-379D25929DB4}"/>
+              </a:ext>
+            </a:extLst>
+          </p:cNvPr>
+          <p:cNvSpPr txBox="1"/>
+          <p:nvPr/>
+        </p:nvSpPr>
+        <p:spPr>
+          <a:xfrm>
+            <a:off x="5740895" y="2453864"/>
+            <a:ext cx="288862" cy="369332"/>
+          </a:xfrm>
+          <a:prstGeom prst="rect">
+            <a:avLst/>
+          </a:prstGeom>
+          <a:noFill/>
+        </p:spPr>
+        <p:txBody>
+          <a:bodyPr wrap="none" rtlCol="0">
+            <a:spAutoFit/>
+          </a:bodyPr>
+          <a:lstStyle/>
+          <a:p>
+            <a:r>
+              <a:rPr lang="de-DE" dirty="0"/>
+              <a:t>y</a:t>
+            </a:r>
+          </a:p>
+        </p:txBody>
+      </p:sp>
+      <p:sp>
+        <p:nvSpPr>
+          <p:cNvPr id="46" name="Textfeld 45">
+            <a:extLst>
+              <a:ext uri="{FF2B5EF4-FFF2-40B4-BE49-F238E27FC236}">
+                <a16:creationId xmlns:a16="http://schemas.microsoft.com/office/drawing/2014/main" id="{850A4462-C9F7-1265-0365-C2F06F37EA28}"/>
+              </a:ext>
+            </a:extLst>
+          </p:cNvPr>
+          <p:cNvSpPr txBox="1"/>
+          <p:nvPr/>
+        </p:nvSpPr>
+        <p:spPr>
+          <a:xfrm>
+            <a:off x="3834639" y="2464825"/>
+            <a:ext cx="300082" cy="369332"/>
+          </a:xfrm>
+          <a:prstGeom prst="rect">
+            <a:avLst/>
+          </a:prstGeom>
+          <a:noFill/>
+        </p:spPr>
+        <p:txBody>
+          <a:bodyPr wrap="none" rtlCol="0">
+            <a:spAutoFit/>
+          </a:bodyPr>
+          <a:lstStyle/>
+          <a:p>
+            <a:r>
+              <a:rPr lang="de-DE" dirty="0"/>
+              <a:t>e</a:t>
+            </a:r>
+          </a:p>
+        </p:txBody>
+      </p:sp>
+    </p:spTree>
+    <p:extLst>
+      <p:ext uri="{BB962C8B-B14F-4D97-AF65-F5344CB8AC3E}">
+        <p14:creationId xmlns:p14="http://schemas.microsoft.com/office/powerpoint/2010/main" val="787252994"/>
+      </p:ext>
+    </p:extLst>
+  </p:cSld>
+  <p:clrMapOvr>
+    <a:masterClrMapping/>
+  </p:clrMapOvr>
+</p:sld>
+</file>
+
 <file path=ppt/theme/theme1.xml><?xml version="1.0" encoding="utf-8"?>
 <a:theme xmlns:a="http://schemas.openxmlformats.org/drawingml/2006/main" name="Office">
   <a:themeElements>

--- a/doku/externalFiles/regelkreis.pptx
+++ b/doku/externalFiles/regelkreis.pptx
@@ -2,18 +2,18 @@
 <file path=ppt/presentation.xml><?xml version="1.0" encoding="utf-8"?>
 <p:presentation xmlns:a="http://schemas.openxmlformats.org/drawingml/2006/main" xmlns:r="http://schemas.openxmlformats.org/officeDocument/2006/relationships" xmlns:p="http://schemas.openxmlformats.org/presentationml/2006/main" saveSubsetFonts="1" autoCompressPictures="0">
   <p:sldMasterIdLst>
-    <p:sldMasterId id="2147483648" r:id="rId1"/>
+    <p:sldMasterId id="2147483660" r:id="rId1"/>
   </p:sldMasterIdLst>
   <p:sldIdLst>
     <p:sldId id="256" r:id="rId2"/>
   </p:sldIdLst>
-  <p:sldSz cx="12192000" cy="6858000"/>
+  <p:sldSz cx="35999738" cy="6858000"/>
   <p:notesSz cx="6858000" cy="9144000"/>
   <p:defaultTextStyle>
     <a:defPPr>
-      <a:defRPr lang="de-DE"/>
+      <a:defRPr lang="en-US"/>
     </a:defPPr>
-    <a:lvl1pPr marL="0" algn="l" defTabSz="914400" rtl="0" eaLnBrk="1" latinLnBrk="0" hangingPunct="1">
+    <a:lvl1pPr marL="0" algn="l" defTabSz="457200" rtl="0" eaLnBrk="1" latinLnBrk="0" hangingPunct="1">
       <a:defRPr sz="1800" kern="1200">
         <a:solidFill>
           <a:schemeClr val="tx1"/>
@@ -23,7 +23,7 @@
         <a:cs typeface="+mn-cs"/>
       </a:defRPr>
     </a:lvl1pPr>
-    <a:lvl2pPr marL="457200" algn="l" defTabSz="914400" rtl="0" eaLnBrk="1" latinLnBrk="0" hangingPunct="1">
+    <a:lvl2pPr marL="457200" algn="l" defTabSz="457200" rtl="0" eaLnBrk="1" latinLnBrk="0" hangingPunct="1">
       <a:defRPr sz="1800" kern="1200">
         <a:solidFill>
           <a:schemeClr val="tx1"/>
@@ -33,7 +33,7 @@
         <a:cs typeface="+mn-cs"/>
       </a:defRPr>
     </a:lvl2pPr>
-    <a:lvl3pPr marL="914400" algn="l" defTabSz="914400" rtl="0" eaLnBrk="1" latinLnBrk="0" hangingPunct="1">
+    <a:lvl3pPr marL="914400" algn="l" defTabSz="457200" rtl="0" eaLnBrk="1" latinLnBrk="0" hangingPunct="1">
       <a:defRPr sz="1800" kern="1200">
         <a:solidFill>
           <a:schemeClr val="tx1"/>
@@ -43,7 +43,7 @@
         <a:cs typeface="+mn-cs"/>
       </a:defRPr>
     </a:lvl3pPr>
-    <a:lvl4pPr marL="1371600" algn="l" defTabSz="914400" rtl="0" eaLnBrk="1" latinLnBrk="0" hangingPunct="1">
+    <a:lvl4pPr marL="1371600" algn="l" defTabSz="457200" rtl="0" eaLnBrk="1" latinLnBrk="0" hangingPunct="1">
       <a:defRPr sz="1800" kern="1200">
         <a:solidFill>
           <a:schemeClr val="tx1"/>
@@ -53,7 +53,7 @@
         <a:cs typeface="+mn-cs"/>
       </a:defRPr>
     </a:lvl4pPr>
-    <a:lvl5pPr marL="1828800" algn="l" defTabSz="914400" rtl="0" eaLnBrk="1" latinLnBrk="0" hangingPunct="1">
+    <a:lvl5pPr marL="1828800" algn="l" defTabSz="457200" rtl="0" eaLnBrk="1" latinLnBrk="0" hangingPunct="1">
       <a:defRPr sz="1800" kern="1200">
         <a:solidFill>
           <a:schemeClr val="tx1"/>
@@ -63,7 +63,7 @@
         <a:cs typeface="+mn-cs"/>
       </a:defRPr>
     </a:lvl5pPr>
-    <a:lvl6pPr marL="2286000" algn="l" defTabSz="914400" rtl="0" eaLnBrk="1" latinLnBrk="0" hangingPunct="1">
+    <a:lvl6pPr marL="2286000" algn="l" defTabSz="457200" rtl="0" eaLnBrk="1" latinLnBrk="0" hangingPunct="1">
       <a:defRPr sz="1800" kern="1200">
         <a:solidFill>
           <a:schemeClr val="tx1"/>
@@ -73,7 +73,7 @@
         <a:cs typeface="+mn-cs"/>
       </a:defRPr>
     </a:lvl6pPr>
-    <a:lvl7pPr marL="2743200" algn="l" defTabSz="914400" rtl="0" eaLnBrk="1" latinLnBrk="0" hangingPunct="1">
+    <a:lvl7pPr marL="2743200" algn="l" defTabSz="457200" rtl="0" eaLnBrk="1" latinLnBrk="0" hangingPunct="1">
       <a:defRPr sz="1800" kern="1200">
         <a:solidFill>
           <a:schemeClr val="tx1"/>
@@ -83,7 +83,7 @@
         <a:cs typeface="+mn-cs"/>
       </a:defRPr>
     </a:lvl7pPr>
-    <a:lvl8pPr marL="3200400" algn="l" defTabSz="914400" rtl="0" eaLnBrk="1" latinLnBrk="0" hangingPunct="1">
+    <a:lvl8pPr marL="3200400" algn="l" defTabSz="457200" rtl="0" eaLnBrk="1" latinLnBrk="0" hangingPunct="1">
       <a:defRPr sz="1800" kern="1200">
         <a:solidFill>
           <a:schemeClr val="tx1"/>
@@ -93,7 +93,7 @@
         <a:cs typeface="+mn-cs"/>
       </a:defRPr>
     </a:lvl8pPr>
-    <a:lvl9pPr marL="3657600" algn="l" defTabSz="914400" rtl="0" eaLnBrk="1" latinLnBrk="0" hangingPunct="1">
+    <a:lvl9pPr marL="3657600" algn="l" defTabSz="457200" rtl="0" eaLnBrk="1" latinLnBrk="0" hangingPunct="1">
       <a:defRPr sz="1800" kern="1200">
         <a:solidFill>
           <a:schemeClr val="tx1"/>
@@ -104,6 +104,11 @@
       </a:defRPr>
     </a:lvl9pPr>
   </p:defaultTextStyle>
+  <p:extLst>
+    <p:ext uri="{EFAFB233-063F-42B5-8137-9DF3F51BA10A}">
+      <p15:sldGuideLst xmlns:p15="http://schemas.microsoft.com/office/powerpoint/2012/main"/>
+    </p:ext>
+  </p:extLst>
 </p:presentation>
 </file>
 
@@ -126,13 +131,7 @@
       </p:grpSpPr>
       <p:sp>
         <p:nvSpPr>
-          <p:cNvPr id="2" name="Titel 1">
-            <a:extLst>
-              <a:ext uri="{FF2B5EF4-FFF2-40B4-BE49-F238E27FC236}">
-                <a16:creationId xmlns:a16="http://schemas.microsoft.com/office/drawing/2014/main" id="{06037E31-9F18-E054-67E0-5043934E29ED}"/>
-              </a:ext>
-            </a:extLst>
-          </p:cNvPr>
+          <p:cNvPr id="2" name="Title 1"/>
           <p:cNvSpPr>
             <a:spLocks noGrp="1"/>
           </p:cNvSpPr>
@@ -142,8 +141,8 @@
         </p:nvSpPr>
         <p:spPr>
           <a:xfrm>
-            <a:off x="1524000" y="1122363"/>
-            <a:ext cx="9144000" cy="2387600"/>
+            <a:off x="4499967" y="1122363"/>
+            <a:ext cx="26999804" cy="2387600"/>
           </a:xfrm>
         </p:spPr>
         <p:txBody>
@@ -158,18 +157,13 @@
               <a:rPr lang="de-DE"/>
               <a:t>Mastertitelformat bearbeiten</a:t>
             </a:r>
-          </a:p>
-        </p:txBody>
-      </p:sp>
-      <p:sp>
-        <p:nvSpPr>
-          <p:cNvPr id="3" name="Untertitel 2">
-            <a:extLst>
-              <a:ext uri="{FF2B5EF4-FFF2-40B4-BE49-F238E27FC236}">
-                <a16:creationId xmlns:a16="http://schemas.microsoft.com/office/drawing/2014/main" id="{81ADBE28-50C0-AC5E-0394-6447A02945AD}"/>
-              </a:ext>
-            </a:extLst>
-          </p:cNvPr>
+            <a:endParaRPr lang="en-US" dirty="0"/>
+          </a:p>
+        </p:txBody>
+      </p:sp>
+      <p:sp>
+        <p:nvSpPr>
+          <p:cNvPr id="3" name="Subtitle 2"/>
           <p:cNvSpPr>
             <a:spLocks noGrp="1"/>
           </p:cNvSpPr>
@@ -179,8 +173,8 @@
         </p:nvSpPr>
         <p:spPr>
           <a:xfrm>
-            <a:off x="1524000" y="3602038"/>
-            <a:ext cx="9144000" cy="1655762"/>
+            <a:off x="4499967" y="3602038"/>
+            <a:ext cx="26999804" cy="1655762"/>
           </a:xfrm>
         </p:spPr>
         <p:txBody>
@@ -228,18 +222,13 @@
               <a:rPr lang="de-DE"/>
               <a:t>Master-Untertitelformat bearbeiten</a:t>
             </a:r>
-          </a:p>
-        </p:txBody>
-      </p:sp>
-      <p:sp>
-        <p:nvSpPr>
-          <p:cNvPr id="4" name="Datumsplatzhalter 3">
-            <a:extLst>
-              <a:ext uri="{FF2B5EF4-FFF2-40B4-BE49-F238E27FC236}">
-                <a16:creationId xmlns:a16="http://schemas.microsoft.com/office/drawing/2014/main" id="{7C80A248-BD4D-D938-37DB-AD10265CDE80}"/>
-              </a:ext>
-            </a:extLst>
-          </p:cNvPr>
+            <a:endParaRPr lang="en-US" dirty="0"/>
+          </a:p>
+        </p:txBody>
+      </p:sp>
+      <p:sp>
+        <p:nvSpPr>
+          <p:cNvPr id="4" name="Date Placeholder 3"/>
           <p:cNvSpPr>
             <a:spLocks noGrp="1"/>
           </p:cNvSpPr>
@@ -254,7 +243,7 @@
           <a:p>
             <a:fld id="{7D531F7E-848A-264C-AF7A-6E4BD2FF4B92}" type="datetimeFigureOut">
               <a:rPr lang="de-DE" smtClean="0"/>
-              <a:t>19.05.22</a:t>
+              <a:t>29.06.22</a:t>
             </a:fld>
             <a:endParaRPr lang="de-DE"/>
           </a:p>
@@ -262,13 +251,7 @@
       </p:sp>
       <p:sp>
         <p:nvSpPr>
-          <p:cNvPr id="5" name="Fußzeilenplatzhalter 4">
-            <a:extLst>
-              <a:ext uri="{FF2B5EF4-FFF2-40B4-BE49-F238E27FC236}">
-                <a16:creationId xmlns:a16="http://schemas.microsoft.com/office/drawing/2014/main" id="{129A515F-D356-4BC7-4937-2A322FA7A9B1}"/>
-              </a:ext>
-            </a:extLst>
-          </p:cNvPr>
+          <p:cNvPr id="5" name="Footer Placeholder 4"/>
           <p:cNvSpPr>
             <a:spLocks noGrp="1"/>
           </p:cNvSpPr>
@@ -287,13 +270,7 @@
       </p:sp>
       <p:sp>
         <p:nvSpPr>
-          <p:cNvPr id="6" name="Foliennummernplatzhalter 5">
-            <a:extLst>
-              <a:ext uri="{FF2B5EF4-FFF2-40B4-BE49-F238E27FC236}">
-                <a16:creationId xmlns:a16="http://schemas.microsoft.com/office/drawing/2014/main" id="{CAAE6D50-9673-100D-024F-3EB3933C5BBB}"/>
-              </a:ext>
-            </a:extLst>
-          </p:cNvPr>
+          <p:cNvPr id="6" name="Slide Number Placeholder 5"/>
           <p:cNvSpPr>
             <a:spLocks noGrp="1"/>
           </p:cNvSpPr>
@@ -317,7 +294,7 @@
     </p:spTree>
     <p:extLst>
       <p:ext uri="{BB962C8B-B14F-4D97-AF65-F5344CB8AC3E}">
-        <p14:creationId xmlns:p14="http://schemas.microsoft.com/office/powerpoint/2010/main" val="701039258"/>
+        <p14:creationId xmlns:p14="http://schemas.microsoft.com/office/powerpoint/2010/main" val="3826498159"/>
       </p:ext>
     </p:extLst>
   </p:cSld>
@@ -346,13 +323,7 @@
       </p:grpSpPr>
       <p:sp>
         <p:nvSpPr>
-          <p:cNvPr id="2" name="Titel 1">
-            <a:extLst>
-              <a:ext uri="{FF2B5EF4-FFF2-40B4-BE49-F238E27FC236}">
-                <a16:creationId xmlns:a16="http://schemas.microsoft.com/office/drawing/2014/main" id="{1B38171D-A1EC-B86B-BC8E-12FDAF4D0A9F}"/>
-              </a:ext>
-            </a:extLst>
-          </p:cNvPr>
+          <p:cNvPr id="2" name="Title 1"/>
           <p:cNvSpPr>
             <a:spLocks noGrp="1"/>
           </p:cNvSpPr>
@@ -369,18 +340,13 @@
               <a:rPr lang="de-DE"/>
               <a:t>Mastertitelformat bearbeiten</a:t>
             </a:r>
-          </a:p>
-        </p:txBody>
-      </p:sp>
-      <p:sp>
-        <p:nvSpPr>
-          <p:cNvPr id="3" name="Vertikaler Textplatzhalter 2">
-            <a:extLst>
-              <a:ext uri="{FF2B5EF4-FFF2-40B4-BE49-F238E27FC236}">
-                <a16:creationId xmlns:a16="http://schemas.microsoft.com/office/drawing/2014/main" id="{C67F0C28-6B52-6803-6D71-DC8C4694476C}"/>
-              </a:ext>
-            </a:extLst>
-          </p:cNvPr>
+            <a:endParaRPr lang="en-US" dirty="0"/>
+          </a:p>
+        </p:txBody>
+      </p:sp>
+      <p:sp>
+        <p:nvSpPr>
+          <p:cNvPr id="3" name="Vertical Text Placeholder 2"/>
           <p:cNvSpPr>
             <a:spLocks noGrp="1"/>
           </p:cNvSpPr>
@@ -426,18 +392,13 @@
               <a:rPr lang="de-DE"/>
               <a:t>Fünfte Ebene</a:t>
             </a:r>
-          </a:p>
-        </p:txBody>
-      </p:sp>
-      <p:sp>
-        <p:nvSpPr>
-          <p:cNvPr id="4" name="Datumsplatzhalter 3">
-            <a:extLst>
-              <a:ext uri="{FF2B5EF4-FFF2-40B4-BE49-F238E27FC236}">
-                <a16:creationId xmlns:a16="http://schemas.microsoft.com/office/drawing/2014/main" id="{1B738607-F150-0375-12A4-0F5EB8361437}"/>
-              </a:ext>
-            </a:extLst>
-          </p:cNvPr>
+            <a:endParaRPr lang="en-US" dirty="0"/>
+          </a:p>
+        </p:txBody>
+      </p:sp>
+      <p:sp>
+        <p:nvSpPr>
+          <p:cNvPr id="4" name="Date Placeholder 3"/>
           <p:cNvSpPr>
             <a:spLocks noGrp="1"/>
           </p:cNvSpPr>
@@ -452,7 +413,7 @@
           <a:p>
             <a:fld id="{7D531F7E-848A-264C-AF7A-6E4BD2FF4B92}" type="datetimeFigureOut">
               <a:rPr lang="de-DE" smtClean="0"/>
-              <a:t>19.05.22</a:t>
+              <a:t>29.06.22</a:t>
             </a:fld>
             <a:endParaRPr lang="de-DE"/>
           </a:p>
@@ -460,13 +421,7 @@
       </p:sp>
       <p:sp>
         <p:nvSpPr>
-          <p:cNvPr id="5" name="Fußzeilenplatzhalter 4">
-            <a:extLst>
-              <a:ext uri="{FF2B5EF4-FFF2-40B4-BE49-F238E27FC236}">
-                <a16:creationId xmlns:a16="http://schemas.microsoft.com/office/drawing/2014/main" id="{4CB1149E-B34C-C260-72A4-198BEC542A98}"/>
-              </a:ext>
-            </a:extLst>
-          </p:cNvPr>
+          <p:cNvPr id="5" name="Footer Placeholder 4"/>
           <p:cNvSpPr>
             <a:spLocks noGrp="1"/>
           </p:cNvSpPr>
@@ -485,13 +440,7 @@
       </p:sp>
       <p:sp>
         <p:nvSpPr>
-          <p:cNvPr id="6" name="Foliennummernplatzhalter 5">
-            <a:extLst>
-              <a:ext uri="{FF2B5EF4-FFF2-40B4-BE49-F238E27FC236}">
-                <a16:creationId xmlns:a16="http://schemas.microsoft.com/office/drawing/2014/main" id="{8F6AFB48-37F5-B669-E73B-6FC0E5629BEF}"/>
-              </a:ext>
-            </a:extLst>
-          </p:cNvPr>
+          <p:cNvPr id="6" name="Slide Number Placeholder 5"/>
           <p:cNvSpPr>
             <a:spLocks noGrp="1"/>
           </p:cNvSpPr>
@@ -515,7 +464,7 @@
     </p:spTree>
     <p:extLst>
       <p:ext uri="{BB962C8B-B14F-4D97-AF65-F5344CB8AC3E}">
-        <p14:creationId xmlns:p14="http://schemas.microsoft.com/office/powerpoint/2010/main" val="3095128901"/>
+        <p14:creationId xmlns:p14="http://schemas.microsoft.com/office/powerpoint/2010/main" val="1971480238"/>
       </p:ext>
     </p:extLst>
   </p:cSld>
@@ -544,13 +493,7 @@
       </p:grpSpPr>
       <p:sp>
         <p:nvSpPr>
-          <p:cNvPr id="2" name="Vertikaler Titel 1">
-            <a:extLst>
-              <a:ext uri="{FF2B5EF4-FFF2-40B4-BE49-F238E27FC236}">
-                <a16:creationId xmlns:a16="http://schemas.microsoft.com/office/drawing/2014/main" id="{2729653A-40C7-5177-8170-95012D78E941}"/>
-              </a:ext>
-            </a:extLst>
-          </p:cNvPr>
+          <p:cNvPr id="2" name="Vertical Title 1"/>
           <p:cNvSpPr>
             <a:spLocks noGrp="1"/>
           </p:cNvSpPr>
@@ -560,8 +503,8 @@
         </p:nvSpPr>
         <p:spPr>
           <a:xfrm>
-            <a:off x="8724900" y="365125"/>
-            <a:ext cx="2628900" cy="5811838"/>
+            <a:off x="25762312" y="365125"/>
+            <a:ext cx="7762444" cy="5811838"/>
           </a:xfrm>
         </p:spPr>
         <p:txBody>
@@ -572,18 +515,13 @@
               <a:rPr lang="de-DE"/>
               <a:t>Mastertitelformat bearbeiten</a:t>
             </a:r>
-          </a:p>
-        </p:txBody>
-      </p:sp>
-      <p:sp>
-        <p:nvSpPr>
-          <p:cNvPr id="3" name="Vertikaler Textplatzhalter 2">
-            <a:extLst>
-              <a:ext uri="{FF2B5EF4-FFF2-40B4-BE49-F238E27FC236}">
-                <a16:creationId xmlns:a16="http://schemas.microsoft.com/office/drawing/2014/main" id="{67FB73B5-AF27-5BB3-B9DD-F954F459F914}"/>
-              </a:ext>
-            </a:extLst>
-          </p:cNvPr>
+            <a:endParaRPr lang="en-US" dirty="0"/>
+          </a:p>
+        </p:txBody>
+      </p:sp>
+      <p:sp>
+        <p:nvSpPr>
+          <p:cNvPr id="3" name="Vertical Text Placeholder 2"/>
           <p:cNvSpPr>
             <a:spLocks noGrp="1"/>
           </p:cNvSpPr>
@@ -593,8 +531,8 @@
         </p:nvSpPr>
         <p:spPr>
           <a:xfrm>
-            <a:off x="838200" y="365125"/>
-            <a:ext cx="7734300" cy="5811838"/>
+            <a:off x="2474982" y="365125"/>
+            <a:ext cx="22837334" cy="5811838"/>
           </a:xfrm>
         </p:spPr>
         <p:txBody>
@@ -634,18 +572,13 @@
               <a:rPr lang="de-DE"/>
               <a:t>Fünfte Ebene</a:t>
             </a:r>
-          </a:p>
-        </p:txBody>
-      </p:sp>
-      <p:sp>
-        <p:nvSpPr>
-          <p:cNvPr id="4" name="Datumsplatzhalter 3">
-            <a:extLst>
-              <a:ext uri="{FF2B5EF4-FFF2-40B4-BE49-F238E27FC236}">
-                <a16:creationId xmlns:a16="http://schemas.microsoft.com/office/drawing/2014/main" id="{843F7FA2-96A6-0BBB-E9A3-FBBD5D228C33}"/>
-              </a:ext>
-            </a:extLst>
-          </p:cNvPr>
+            <a:endParaRPr lang="en-US" dirty="0"/>
+          </a:p>
+        </p:txBody>
+      </p:sp>
+      <p:sp>
+        <p:nvSpPr>
+          <p:cNvPr id="4" name="Date Placeholder 3"/>
           <p:cNvSpPr>
             <a:spLocks noGrp="1"/>
           </p:cNvSpPr>
@@ -660,7 +593,7 @@
           <a:p>
             <a:fld id="{7D531F7E-848A-264C-AF7A-6E4BD2FF4B92}" type="datetimeFigureOut">
               <a:rPr lang="de-DE" smtClean="0"/>
-              <a:t>19.05.22</a:t>
+              <a:t>29.06.22</a:t>
             </a:fld>
             <a:endParaRPr lang="de-DE"/>
           </a:p>
@@ -668,13 +601,7 @@
       </p:sp>
       <p:sp>
         <p:nvSpPr>
-          <p:cNvPr id="5" name="Fußzeilenplatzhalter 4">
-            <a:extLst>
-              <a:ext uri="{FF2B5EF4-FFF2-40B4-BE49-F238E27FC236}">
-                <a16:creationId xmlns:a16="http://schemas.microsoft.com/office/drawing/2014/main" id="{8D6914C2-6903-CFA0-C1CF-254A299B9906}"/>
-              </a:ext>
-            </a:extLst>
-          </p:cNvPr>
+          <p:cNvPr id="5" name="Footer Placeholder 4"/>
           <p:cNvSpPr>
             <a:spLocks noGrp="1"/>
           </p:cNvSpPr>
@@ -693,13 +620,7 @@
       </p:sp>
       <p:sp>
         <p:nvSpPr>
-          <p:cNvPr id="6" name="Foliennummernplatzhalter 5">
-            <a:extLst>
-              <a:ext uri="{FF2B5EF4-FFF2-40B4-BE49-F238E27FC236}">
-                <a16:creationId xmlns:a16="http://schemas.microsoft.com/office/drawing/2014/main" id="{06184EA1-B948-EE1F-6CE7-F97AE16F8F7D}"/>
-              </a:ext>
-            </a:extLst>
-          </p:cNvPr>
+          <p:cNvPr id="6" name="Slide Number Placeholder 5"/>
           <p:cNvSpPr>
             <a:spLocks noGrp="1"/>
           </p:cNvSpPr>
@@ -723,7 +644,7 @@
     </p:spTree>
     <p:extLst>
       <p:ext uri="{BB962C8B-B14F-4D97-AF65-F5344CB8AC3E}">
-        <p14:creationId xmlns:p14="http://schemas.microsoft.com/office/powerpoint/2010/main" val="3546155150"/>
+        <p14:creationId xmlns:p14="http://schemas.microsoft.com/office/powerpoint/2010/main" val="2981904936"/>
       </p:ext>
     </p:extLst>
   </p:cSld>
@@ -752,13 +673,7 @@
       </p:grpSpPr>
       <p:sp>
         <p:nvSpPr>
-          <p:cNvPr id="2" name="Titel 1">
-            <a:extLst>
-              <a:ext uri="{FF2B5EF4-FFF2-40B4-BE49-F238E27FC236}">
-                <a16:creationId xmlns:a16="http://schemas.microsoft.com/office/drawing/2014/main" id="{88775D56-80DD-7AB4-FD80-EA79E67FA108}"/>
-              </a:ext>
-            </a:extLst>
-          </p:cNvPr>
+          <p:cNvPr id="2" name="Title 1"/>
           <p:cNvSpPr>
             <a:spLocks noGrp="1"/>
           </p:cNvSpPr>
@@ -775,18 +690,13 @@
               <a:rPr lang="de-DE"/>
               <a:t>Mastertitelformat bearbeiten</a:t>
             </a:r>
-          </a:p>
-        </p:txBody>
-      </p:sp>
-      <p:sp>
-        <p:nvSpPr>
-          <p:cNvPr id="3" name="Inhaltsplatzhalter 2">
-            <a:extLst>
-              <a:ext uri="{FF2B5EF4-FFF2-40B4-BE49-F238E27FC236}">
-                <a16:creationId xmlns:a16="http://schemas.microsoft.com/office/drawing/2014/main" id="{8BDD655F-8EE7-814A-5255-094A28609848}"/>
-              </a:ext>
-            </a:extLst>
-          </p:cNvPr>
+            <a:endParaRPr lang="en-US" dirty="0"/>
+          </a:p>
+        </p:txBody>
+      </p:sp>
+      <p:sp>
+        <p:nvSpPr>
+          <p:cNvPr id="3" name="Content Placeholder 2"/>
           <p:cNvSpPr>
             <a:spLocks noGrp="1"/>
           </p:cNvSpPr>
@@ -832,18 +742,13 @@
               <a:rPr lang="de-DE"/>
               <a:t>Fünfte Ebene</a:t>
             </a:r>
-          </a:p>
-        </p:txBody>
-      </p:sp>
-      <p:sp>
-        <p:nvSpPr>
-          <p:cNvPr id="4" name="Datumsplatzhalter 3">
-            <a:extLst>
-              <a:ext uri="{FF2B5EF4-FFF2-40B4-BE49-F238E27FC236}">
-                <a16:creationId xmlns:a16="http://schemas.microsoft.com/office/drawing/2014/main" id="{223F6FCD-A454-D86C-AB61-1D729C0FA058}"/>
-              </a:ext>
-            </a:extLst>
-          </p:cNvPr>
+            <a:endParaRPr lang="en-US" dirty="0"/>
+          </a:p>
+        </p:txBody>
+      </p:sp>
+      <p:sp>
+        <p:nvSpPr>
+          <p:cNvPr id="4" name="Date Placeholder 3"/>
           <p:cNvSpPr>
             <a:spLocks noGrp="1"/>
           </p:cNvSpPr>
@@ -858,7 +763,7 @@
           <a:p>
             <a:fld id="{7D531F7E-848A-264C-AF7A-6E4BD2FF4B92}" type="datetimeFigureOut">
               <a:rPr lang="de-DE" smtClean="0"/>
-              <a:t>19.05.22</a:t>
+              <a:t>29.06.22</a:t>
             </a:fld>
             <a:endParaRPr lang="de-DE"/>
           </a:p>
@@ -866,13 +771,7 @@
       </p:sp>
       <p:sp>
         <p:nvSpPr>
-          <p:cNvPr id="5" name="Fußzeilenplatzhalter 4">
-            <a:extLst>
-              <a:ext uri="{FF2B5EF4-FFF2-40B4-BE49-F238E27FC236}">
-                <a16:creationId xmlns:a16="http://schemas.microsoft.com/office/drawing/2014/main" id="{D26ED68B-7841-6B28-399E-F78270D4A0F7}"/>
-              </a:ext>
-            </a:extLst>
-          </p:cNvPr>
+          <p:cNvPr id="5" name="Footer Placeholder 4"/>
           <p:cNvSpPr>
             <a:spLocks noGrp="1"/>
           </p:cNvSpPr>
@@ -891,13 +790,7 @@
       </p:sp>
       <p:sp>
         <p:nvSpPr>
-          <p:cNvPr id="6" name="Foliennummernplatzhalter 5">
-            <a:extLst>
-              <a:ext uri="{FF2B5EF4-FFF2-40B4-BE49-F238E27FC236}">
-                <a16:creationId xmlns:a16="http://schemas.microsoft.com/office/drawing/2014/main" id="{79B8C2BE-E9A0-6506-4560-76559E2ADC9F}"/>
-              </a:ext>
-            </a:extLst>
-          </p:cNvPr>
+          <p:cNvPr id="6" name="Slide Number Placeholder 5"/>
           <p:cNvSpPr>
             <a:spLocks noGrp="1"/>
           </p:cNvSpPr>
@@ -921,7 +814,7 @@
     </p:spTree>
     <p:extLst>
       <p:ext uri="{BB962C8B-B14F-4D97-AF65-F5344CB8AC3E}">
-        <p14:creationId xmlns:p14="http://schemas.microsoft.com/office/powerpoint/2010/main" val="3385427295"/>
+        <p14:creationId xmlns:p14="http://schemas.microsoft.com/office/powerpoint/2010/main" val="2049126801"/>
       </p:ext>
     </p:extLst>
   </p:cSld>
@@ -950,13 +843,7 @@
       </p:grpSpPr>
       <p:sp>
         <p:nvSpPr>
-          <p:cNvPr id="2" name="Titel 1">
-            <a:extLst>
-              <a:ext uri="{FF2B5EF4-FFF2-40B4-BE49-F238E27FC236}">
-                <a16:creationId xmlns:a16="http://schemas.microsoft.com/office/drawing/2014/main" id="{74E7436E-43C0-19F4-B5A1-9A725A8EB052}"/>
-              </a:ext>
-            </a:extLst>
-          </p:cNvPr>
+          <p:cNvPr id="2" name="Title 1"/>
           <p:cNvSpPr>
             <a:spLocks noGrp="1"/>
           </p:cNvSpPr>
@@ -966,8 +853,8 @@
         </p:nvSpPr>
         <p:spPr>
           <a:xfrm>
-            <a:off x="831850" y="1709738"/>
-            <a:ext cx="10515600" cy="2852737"/>
+            <a:off x="2456232" y="1709739"/>
+            <a:ext cx="31049774" cy="2852737"/>
           </a:xfrm>
         </p:spPr>
         <p:txBody>
@@ -982,18 +869,13 @@
               <a:rPr lang="de-DE"/>
               <a:t>Mastertitelformat bearbeiten</a:t>
             </a:r>
-          </a:p>
-        </p:txBody>
-      </p:sp>
-      <p:sp>
-        <p:nvSpPr>
-          <p:cNvPr id="3" name="Textplatzhalter 2">
-            <a:extLst>
-              <a:ext uri="{FF2B5EF4-FFF2-40B4-BE49-F238E27FC236}">
-                <a16:creationId xmlns:a16="http://schemas.microsoft.com/office/drawing/2014/main" id="{D303A1C7-E02E-1BEB-7AF5-A8E4A21098E2}"/>
-              </a:ext>
-            </a:extLst>
-          </p:cNvPr>
+            <a:endParaRPr lang="en-US" dirty="0"/>
+          </a:p>
+        </p:txBody>
+      </p:sp>
+      <p:sp>
+        <p:nvSpPr>
+          <p:cNvPr id="3" name="Text Placeholder 2"/>
           <p:cNvSpPr>
             <a:spLocks noGrp="1"/>
           </p:cNvSpPr>
@@ -1003,8 +885,8 @@
         </p:nvSpPr>
         <p:spPr>
           <a:xfrm>
-            <a:off x="831850" y="4589463"/>
-            <a:ext cx="10515600" cy="1500187"/>
+            <a:off x="2456232" y="4589464"/>
+            <a:ext cx="31049774" cy="1500187"/>
           </a:xfrm>
         </p:spPr>
         <p:txBody>
@@ -1112,13 +994,7 @@
       </p:sp>
       <p:sp>
         <p:nvSpPr>
-          <p:cNvPr id="4" name="Datumsplatzhalter 3">
-            <a:extLst>
-              <a:ext uri="{FF2B5EF4-FFF2-40B4-BE49-F238E27FC236}">
-                <a16:creationId xmlns:a16="http://schemas.microsoft.com/office/drawing/2014/main" id="{FF35A031-62F4-F1C5-BBBE-14C99B2BDE77}"/>
-              </a:ext>
-            </a:extLst>
-          </p:cNvPr>
+          <p:cNvPr id="4" name="Date Placeholder 3"/>
           <p:cNvSpPr>
             <a:spLocks noGrp="1"/>
           </p:cNvSpPr>
@@ -1133,7 +1009,7 @@
           <a:p>
             <a:fld id="{7D531F7E-848A-264C-AF7A-6E4BD2FF4B92}" type="datetimeFigureOut">
               <a:rPr lang="de-DE" smtClean="0"/>
-              <a:t>19.05.22</a:t>
+              <a:t>29.06.22</a:t>
             </a:fld>
             <a:endParaRPr lang="de-DE"/>
           </a:p>
@@ -1141,13 +1017,7 @@
       </p:sp>
       <p:sp>
         <p:nvSpPr>
-          <p:cNvPr id="5" name="Fußzeilenplatzhalter 4">
-            <a:extLst>
-              <a:ext uri="{FF2B5EF4-FFF2-40B4-BE49-F238E27FC236}">
-                <a16:creationId xmlns:a16="http://schemas.microsoft.com/office/drawing/2014/main" id="{A6C32E3A-35F6-944A-4A42-78B53919E763}"/>
-              </a:ext>
-            </a:extLst>
-          </p:cNvPr>
+          <p:cNvPr id="5" name="Footer Placeholder 4"/>
           <p:cNvSpPr>
             <a:spLocks noGrp="1"/>
           </p:cNvSpPr>
@@ -1166,13 +1036,7 @@
       </p:sp>
       <p:sp>
         <p:nvSpPr>
-          <p:cNvPr id="6" name="Foliennummernplatzhalter 5">
-            <a:extLst>
-              <a:ext uri="{FF2B5EF4-FFF2-40B4-BE49-F238E27FC236}">
-                <a16:creationId xmlns:a16="http://schemas.microsoft.com/office/drawing/2014/main" id="{C0071BA6-8DBE-48E3-953E-3F5CF2266297}"/>
-              </a:ext>
-            </a:extLst>
-          </p:cNvPr>
+          <p:cNvPr id="6" name="Slide Number Placeholder 5"/>
           <p:cNvSpPr>
             <a:spLocks noGrp="1"/>
           </p:cNvSpPr>
@@ -1196,7 +1060,7 @@
     </p:spTree>
     <p:extLst>
       <p:ext uri="{BB962C8B-B14F-4D97-AF65-F5344CB8AC3E}">
-        <p14:creationId xmlns:p14="http://schemas.microsoft.com/office/powerpoint/2010/main" val="1268118265"/>
+        <p14:creationId xmlns:p14="http://schemas.microsoft.com/office/powerpoint/2010/main" val="1460793424"/>
       </p:ext>
     </p:extLst>
   </p:cSld>
@@ -1225,13 +1089,7 @@
       </p:grpSpPr>
       <p:sp>
         <p:nvSpPr>
-          <p:cNvPr id="2" name="Titel 1">
-            <a:extLst>
-              <a:ext uri="{FF2B5EF4-FFF2-40B4-BE49-F238E27FC236}">
-                <a16:creationId xmlns:a16="http://schemas.microsoft.com/office/drawing/2014/main" id="{03545E1D-6393-C421-13D8-A50416F56D10}"/>
-              </a:ext>
-            </a:extLst>
-          </p:cNvPr>
+          <p:cNvPr id="2" name="Title 1"/>
           <p:cNvSpPr>
             <a:spLocks noGrp="1"/>
           </p:cNvSpPr>
@@ -1248,18 +1106,13 @@
               <a:rPr lang="de-DE"/>
               <a:t>Mastertitelformat bearbeiten</a:t>
             </a:r>
-          </a:p>
-        </p:txBody>
-      </p:sp>
-      <p:sp>
-        <p:nvSpPr>
-          <p:cNvPr id="3" name="Inhaltsplatzhalter 2">
-            <a:extLst>
-              <a:ext uri="{FF2B5EF4-FFF2-40B4-BE49-F238E27FC236}">
-                <a16:creationId xmlns:a16="http://schemas.microsoft.com/office/drawing/2014/main" id="{237E9F5A-80C9-CF8D-B44A-5C13DEB06B1F}"/>
-              </a:ext>
-            </a:extLst>
-          </p:cNvPr>
+            <a:endParaRPr lang="en-US" dirty="0"/>
+          </a:p>
+        </p:txBody>
+      </p:sp>
+      <p:sp>
+        <p:nvSpPr>
+          <p:cNvPr id="3" name="Content Placeholder 2"/>
           <p:cNvSpPr>
             <a:spLocks noGrp="1"/>
           </p:cNvSpPr>
@@ -1269,8 +1122,8 @@
         </p:nvSpPr>
         <p:spPr>
           <a:xfrm>
-            <a:off x="838200" y="1825625"/>
-            <a:ext cx="5181600" cy="4351338"/>
+            <a:off x="2474982" y="1825625"/>
+            <a:ext cx="15299889" cy="4351338"/>
           </a:xfrm>
         </p:spPr>
         <p:txBody>
@@ -1310,18 +1163,13 @@
               <a:rPr lang="de-DE"/>
               <a:t>Fünfte Ebene</a:t>
             </a:r>
-          </a:p>
-        </p:txBody>
-      </p:sp>
-      <p:sp>
-        <p:nvSpPr>
-          <p:cNvPr id="4" name="Inhaltsplatzhalter 3">
-            <a:extLst>
-              <a:ext uri="{FF2B5EF4-FFF2-40B4-BE49-F238E27FC236}">
-                <a16:creationId xmlns:a16="http://schemas.microsoft.com/office/drawing/2014/main" id="{2B8017DE-DE31-8BAA-2937-0AAD6E5449A2}"/>
-              </a:ext>
-            </a:extLst>
-          </p:cNvPr>
+            <a:endParaRPr lang="en-US" dirty="0"/>
+          </a:p>
+        </p:txBody>
+      </p:sp>
+      <p:sp>
+        <p:nvSpPr>
+          <p:cNvPr id="4" name="Content Placeholder 3"/>
           <p:cNvSpPr>
             <a:spLocks noGrp="1"/>
           </p:cNvSpPr>
@@ -1331,8 +1179,8 @@
         </p:nvSpPr>
         <p:spPr>
           <a:xfrm>
-            <a:off x="6172200" y="1825625"/>
-            <a:ext cx="5181600" cy="4351338"/>
+            <a:off x="18224867" y="1825625"/>
+            <a:ext cx="15299889" cy="4351338"/>
           </a:xfrm>
         </p:spPr>
         <p:txBody>
@@ -1372,18 +1220,13 @@
               <a:rPr lang="de-DE"/>
               <a:t>Fünfte Ebene</a:t>
             </a:r>
-          </a:p>
-        </p:txBody>
-      </p:sp>
-      <p:sp>
-        <p:nvSpPr>
-          <p:cNvPr id="5" name="Datumsplatzhalter 4">
-            <a:extLst>
-              <a:ext uri="{FF2B5EF4-FFF2-40B4-BE49-F238E27FC236}">
-                <a16:creationId xmlns:a16="http://schemas.microsoft.com/office/drawing/2014/main" id="{A22B65FD-3964-87C7-5C29-BFFC14A0CC85}"/>
-              </a:ext>
-            </a:extLst>
-          </p:cNvPr>
+            <a:endParaRPr lang="en-US" dirty="0"/>
+          </a:p>
+        </p:txBody>
+      </p:sp>
+      <p:sp>
+        <p:nvSpPr>
+          <p:cNvPr id="5" name="Date Placeholder 4"/>
           <p:cNvSpPr>
             <a:spLocks noGrp="1"/>
           </p:cNvSpPr>
@@ -1398,7 +1241,7 @@
           <a:p>
             <a:fld id="{7D531F7E-848A-264C-AF7A-6E4BD2FF4B92}" type="datetimeFigureOut">
               <a:rPr lang="de-DE" smtClean="0"/>
-              <a:t>19.05.22</a:t>
+              <a:t>29.06.22</a:t>
             </a:fld>
             <a:endParaRPr lang="de-DE"/>
           </a:p>
@@ -1406,13 +1249,7 @@
       </p:sp>
       <p:sp>
         <p:nvSpPr>
-          <p:cNvPr id="6" name="Fußzeilenplatzhalter 5">
-            <a:extLst>
-              <a:ext uri="{FF2B5EF4-FFF2-40B4-BE49-F238E27FC236}">
-                <a16:creationId xmlns:a16="http://schemas.microsoft.com/office/drawing/2014/main" id="{8C5AF6E6-CAF5-2497-975A-444A52A4CB89}"/>
-              </a:ext>
-            </a:extLst>
-          </p:cNvPr>
+          <p:cNvPr id="6" name="Footer Placeholder 5"/>
           <p:cNvSpPr>
             <a:spLocks noGrp="1"/>
           </p:cNvSpPr>
@@ -1431,13 +1268,7 @@
       </p:sp>
       <p:sp>
         <p:nvSpPr>
-          <p:cNvPr id="7" name="Foliennummernplatzhalter 6">
-            <a:extLst>
-              <a:ext uri="{FF2B5EF4-FFF2-40B4-BE49-F238E27FC236}">
-                <a16:creationId xmlns:a16="http://schemas.microsoft.com/office/drawing/2014/main" id="{BF6ACE26-B40C-5911-074E-574116E4B2E4}"/>
-              </a:ext>
-            </a:extLst>
-          </p:cNvPr>
+          <p:cNvPr id="7" name="Slide Number Placeholder 6"/>
           <p:cNvSpPr>
             <a:spLocks noGrp="1"/>
           </p:cNvSpPr>
@@ -1461,7 +1292,7 @@
     </p:spTree>
     <p:extLst>
       <p:ext uri="{BB962C8B-B14F-4D97-AF65-F5344CB8AC3E}">
-        <p14:creationId xmlns:p14="http://schemas.microsoft.com/office/powerpoint/2010/main" val="2397559166"/>
+        <p14:creationId xmlns:p14="http://schemas.microsoft.com/office/powerpoint/2010/main" val="1536810368"/>
       </p:ext>
     </p:extLst>
   </p:cSld>
@@ -1490,13 +1321,7 @@
       </p:grpSpPr>
       <p:sp>
         <p:nvSpPr>
-          <p:cNvPr id="2" name="Titel 1">
-            <a:extLst>
-              <a:ext uri="{FF2B5EF4-FFF2-40B4-BE49-F238E27FC236}">
-                <a16:creationId xmlns:a16="http://schemas.microsoft.com/office/drawing/2014/main" id="{11EF77F6-0675-1B75-21A0-AB4193B04D08}"/>
-              </a:ext>
-            </a:extLst>
-          </p:cNvPr>
+          <p:cNvPr id="2" name="Title 1"/>
           <p:cNvSpPr>
             <a:spLocks noGrp="1"/>
           </p:cNvSpPr>
@@ -1506,8 +1331,8 @@
         </p:nvSpPr>
         <p:spPr>
           <a:xfrm>
-            <a:off x="839788" y="365125"/>
-            <a:ext cx="10515600" cy="1325563"/>
+            <a:off x="2479671" y="365126"/>
+            <a:ext cx="31049774" cy="1325563"/>
           </a:xfrm>
         </p:spPr>
         <p:txBody>
@@ -1518,18 +1343,13 @@
               <a:rPr lang="de-DE"/>
               <a:t>Mastertitelformat bearbeiten</a:t>
             </a:r>
-          </a:p>
-        </p:txBody>
-      </p:sp>
-      <p:sp>
-        <p:nvSpPr>
-          <p:cNvPr id="3" name="Textplatzhalter 2">
-            <a:extLst>
-              <a:ext uri="{FF2B5EF4-FFF2-40B4-BE49-F238E27FC236}">
-                <a16:creationId xmlns:a16="http://schemas.microsoft.com/office/drawing/2014/main" id="{44BD1233-ADD1-553A-B5F6-9C961F0573D2}"/>
-              </a:ext>
-            </a:extLst>
-          </p:cNvPr>
+            <a:endParaRPr lang="en-US" dirty="0"/>
+          </a:p>
+        </p:txBody>
+      </p:sp>
+      <p:sp>
+        <p:nvSpPr>
+          <p:cNvPr id="3" name="Text Placeholder 2"/>
           <p:cNvSpPr>
             <a:spLocks noGrp="1"/>
           </p:cNvSpPr>
@@ -1539,8 +1359,8 @@
         </p:nvSpPr>
         <p:spPr>
           <a:xfrm>
-            <a:off x="839788" y="1681163"/>
-            <a:ext cx="5157787" cy="823912"/>
+            <a:off x="2479672" y="1681163"/>
+            <a:ext cx="15229575" cy="823912"/>
           </a:xfrm>
         </p:spPr>
         <p:txBody>
@@ -1594,13 +1414,7 @@
       </p:sp>
       <p:sp>
         <p:nvSpPr>
-          <p:cNvPr id="4" name="Inhaltsplatzhalter 3">
-            <a:extLst>
-              <a:ext uri="{FF2B5EF4-FFF2-40B4-BE49-F238E27FC236}">
-                <a16:creationId xmlns:a16="http://schemas.microsoft.com/office/drawing/2014/main" id="{9D57D7BB-6CBE-EA69-80B9-058D50605AFB}"/>
-              </a:ext>
-            </a:extLst>
-          </p:cNvPr>
+          <p:cNvPr id="4" name="Content Placeholder 3"/>
           <p:cNvSpPr>
             <a:spLocks noGrp="1"/>
           </p:cNvSpPr>
@@ -1610,8 +1424,8 @@
         </p:nvSpPr>
         <p:spPr>
           <a:xfrm>
-            <a:off x="839788" y="2505075"/>
-            <a:ext cx="5157787" cy="3684588"/>
+            <a:off x="2479672" y="2505075"/>
+            <a:ext cx="15229575" cy="3684588"/>
           </a:xfrm>
         </p:spPr>
         <p:txBody>
@@ -1651,18 +1465,13 @@
               <a:rPr lang="de-DE"/>
               <a:t>Fünfte Ebene</a:t>
             </a:r>
-          </a:p>
-        </p:txBody>
-      </p:sp>
-      <p:sp>
-        <p:nvSpPr>
-          <p:cNvPr id="5" name="Textplatzhalter 4">
-            <a:extLst>
-              <a:ext uri="{FF2B5EF4-FFF2-40B4-BE49-F238E27FC236}">
-                <a16:creationId xmlns:a16="http://schemas.microsoft.com/office/drawing/2014/main" id="{D2071CED-3FC1-3D9A-B72B-D92F14E65F2C}"/>
-              </a:ext>
-            </a:extLst>
-          </p:cNvPr>
+            <a:endParaRPr lang="en-US" dirty="0"/>
+          </a:p>
+        </p:txBody>
+      </p:sp>
+      <p:sp>
+        <p:nvSpPr>
+          <p:cNvPr id="5" name="Text Placeholder 4"/>
           <p:cNvSpPr>
             <a:spLocks noGrp="1"/>
           </p:cNvSpPr>
@@ -1672,8 +1481,8 @@
         </p:nvSpPr>
         <p:spPr>
           <a:xfrm>
-            <a:off x="6172200" y="1681163"/>
-            <a:ext cx="5183188" cy="823912"/>
+            <a:off x="18224867" y="1681163"/>
+            <a:ext cx="15304578" cy="823912"/>
           </a:xfrm>
         </p:spPr>
         <p:txBody>
@@ -1727,13 +1536,7 @@
       </p:sp>
       <p:sp>
         <p:nvSpPr>
-          <p:cNvPr id="6" name="Inhaltsplatzhalter 5">
-            <a:extLst>
-              <a:ext uri="{FF2B5EF4-FFF2-40B4-BE49-F238E27FC236}">
-                <a16:creationId xmlns:a16="http://schemas.microsoft.com/office/drawing/2014/main" id="{92B3B0FD-381B-7E63-78D6-65E05E5F89C7}"/>
-              </a:ext>
-            </a:extLst>
-          </p:cNvPr>
+          <p:cNvPr id="6" name="Content Placeholder 5"/>
           <p:cNvSpPr>
             <a:spLocks noGrp="1"/>
           </p:cNvSpPr>
@@ -1743,8 +1546,8 @@
         </p:nvSpPr>
         <p:spPr>
           <a:xfrm>
-            <a:off x="6172200" y="2505075"/>
-            <a:ext cx="5183188" cy="3684588"/>
+            <a:off x="18224867" y="2505075"/>
+            <a:ext cx="15304578" cy="3684588"/>
           </a:xfrm>
         </p:spPr>
         <p:txBody>
@@ -1784,18 +1587,13 @@
               <a:rPr lang="de-DE"/>
               <a:t>Fünfte Ebene</a:t>
             </a:r>
-          </a:p>
-        </p:txBody>
-      </p:sp>
-      <p:sp>
-        <p:nvSpPr>
-          <p:cNvPr id="7" name="Datumsplatzhalter 6">
-            <a:extLst>
-              <a:ext uri="{FF2B5EF4-FFF2-40B4-BE49-F238E27FC236}">
-                <a16:creationId xmlns:a16="http://schemas.microsoft.com/office/drawing/2014/main" id="{78229156-E79E-040B-0AFB-D79EA64AAB55}"/>
-              </a:ext>
-            </a:extLst>
-          </p:cNvPr>
+            <a:endParaRPr lang="en-US" dirty="0"/>
+          </a:p>
+        </p:txBody>
+      </p:sp>
+      <p:sp>
+        <p:nvSpPr>
+          <p:cNvPr id="7" name="Date Placeholder 6"/>
           <p:cNvSpPr>
             <a:spLocks noGrp="1"/>
           </p:cNvSpPr>
@@ -1810,7 +1608,7 @@
           <a:p>
             <a:fld id="{7D531F7E-848A-264C-AF7A-6E4BD2FF4B92}" type="datetimeFigureOut">
               <a:rPr lang="de-DE" smtClean="0"/>
-              <a:t>19.05.22</a:t>
+              <a:t>29.06.22</a:t>
             </a:fld>
             <a:endParaRPr lang="de-DE"/>
           </a:p>
@@ -1818,13 +1616,7 @@
       </p:sp>
       <p:sp>
         <p:nvSpPr>
-          <p:cNvPr id="8" name="Fußzeilenplatzhalter 7">
-            <a:extLst>
-              <a:ext uri="{FF2B5EF4-FFF2-40B4-BE49-F238E27FC236}">
-                <a16:creationId xmlns:a16="http://schemas.microsoft.com/office/drawing/2014/main" id="{41BB4246-A4FF-CCF8-072F-714C29675FBD}"/>
-              </a:ext>
-            </a:extLst>
-          </p:cNvPr>
+          <p:cNvPr id="8" name="Footer Placeholder 7"/>
           <p:cNvSpPr>
             <a:spLocks noGrp="1"/>
           </p:cNvSpPr>
@@ -1843,13 +1635,7 @@
       </p:sp>
       <p:sp>
         <p:nvSpPr>
-          <p:cNvPr id="9" name="Foliennummernplatzhalter 8">
-            <a:extLst>
-              <a:ext uri="{FF2B5EF4-FFF2-40B4-BE49-F238E27FC236}">
-                <a16:creationId xmlns:a16="http://schemas.microsoft.com/office/drawing/2014/main" id="{1A06DB51-A35B-4F60-7416-9E7460D59E50}"/>
-              </a:ext>
-            </a:extLst>
-          </p:cNvPr>
+          <p:cNvPr id="9" name="Slide Number Placeholder 8"/>
           <p:cNvSpPr>
             <a:spLocks noGrp="1"/>
           </p:cNvSpPr>
@@ -1873,7 +1659,7 @@
     </p:spTree>
     <p:extLst>
       <p:ext uri="{BB962C8B-B14F-4D97-AF65-F5344CB8AC3E}">
-        <p14:creationId xmlns:p14="http://schemas.microsoft.com/office/powerpoint/2010/main" val="1845078517"/>
+        <p14:creationId xmlns:p14="http://schemas.microsoft.com/office/powerpoint/2010/main" val="1239947944"/>
       </p:ext>
     </p:extLst>
   </p:cSld>
@@ -1902,13 +1688,7 @@
       </p:grpSpPr>
       <p:sp>
         <p:nvSpPr>
-          <p:cNvPr id="2" name="Titel 1">
-            <a:extLst>
-              <a:ext uri="{FF2B5EF4-FFF2-40B4-BE49-F238E27FC236}">
-                <a16:creationId xmlns:a16="http://schemas.microsoft.com/office/drawing/2014/main" id="{E7F23544-9364-F1C7-E75F-A6800C5B2B87}"/>
-              </a:ext>
-            </a:extLst>
-          </p:cNvPr>
+          <p:cNvPr id="2" name="Title 1"/>
           <p:cNvSpPr>
             <a:spLocks noGrp="1"/>
           </p:cNvSpPr>
@@ -1925,18 +1705,13 @@
               <a:rPr lang="de-DE"/>
               <a:t>Mastertitelformat bearbeiten</a:t>
             </a:r>
-          </a:p>
-        </p:txBody>
-      </p:sp>
-      <p:sp>
-        <p:nvSpPr>
-          <p:cNvPr id="3" name="Datumsplatzhalter 2">
-            <a:extLst>
-              <a:ext uri="{FF2B5EF4-FFF2-40B4-BE49-F238E27FC236}">
-                <a16:creationId xmlns:a16="http://schemas.microsoft.com/office/drawing/2014/main" id="{31AAC431-5D60-D094-D042-B8B81090C9B4}"/>
-              </a:ext>
-            </a:extLst>
-          </p:cNvPr>
+            <a:endParaRPr lang="en-US" dirty="0"/>
+          </a:p>
+        </p:txBody>
+      </p:sp>
+      <p:sp>
+        <p:nvSpPr>
+          <p:cNvPr id="3" name="Date Placeholder 2"/>
           <p:cNvSpPr>
             <a:spLocks noGrp="1"/>
           </p:cNvSpPr>
@@ -1951,7 +1726,7 @@
           <a:p>
             <a:fld id="{7D531F7E-848A-264C-AF7A-6E4BD2FF4B92}" type="datetimeFigureOut">
               <a:rPr lang="de-DE" smtClean="0"/>
-              <a:t>19.05.22</a:t>
+              <a:t>29.06.22</a:t>
             </a:fld>
             <a:endParaRPr lang="de-DE"/>
           </a:p>
@@ -1959,13 +1734,7 @@
       </p:sp>
       <p:sp>
         <p:nvSpPr>
-          <p:cNvPr id="4" name="Fußzeilenplatzhalter 3">
-            <a:extLst>
-              <a:ext uri="{FF2B5EF4-FFF2-40B4-BE49-F238E27FC236}">
-                <a16:creationId xmlns:a16="http://schemas.microsoft.com/office/drawing/2014/main" id="{9647F7CD-2BE2-BE1D-AD47-22FD387E1F5A}"/>
-              </a:ext>
-            </a:extLst>
-          </p:cNvPr>
+          <p:cNvPr id="4" name="Footer Placeholder 3"/>
           <p:cNvSpPr>
             <a:spLocks noGrp="1"/>
           </p:cNvSpPr>
@@ -1984,13 +1753,7 @@
       </p:sp>
       <p:sp>
         <p:nvSpPr>
-          <p:cNvPr id="5" name="Foliennummernplatzhalter 4">
-            <a:extLst>
-              <a:ext uri="{FF2B5EF4-FFF2-40B4-BE49-F238E27FC236}">
-                <a16:creationId xmlns:a16="http://schemas.microsoft.com/office/drawing/2014/main" id="{07C1371C-3E9C-4341-1DF8-BABE7E16BB7A}"/>
-              </a:ext>
-            </a:extLst>
-          </p:cNvPr>
+          <p:cNvPr id="5" name="Slide Number Placeholder 4"/>
           <p:cNvSpPr>
             <a:spLocks noGrp="1"/>
           </p:cNvSpPr>
@@ -2014,7 +1777,7 @@
     </p:spTree>
     <p:extLst>
       <p:ext uri="{BB962C8B-B14F-4D97-AF65-F5344CB8AC3E}">
-        <p14:creationId xmlns:p14="http://schemas.microsoft.com/office/powerpoint/2010/main" val="151536903"/>
+        <p14:creationId xmlns:p14="http://schemas.microsoft.com/office/powerpoint/2010/main" val="3536270766"/>
       </p:ext>
     </p:extLst>
   </p:cSld>
@@ -2043,13 +1806,7 @@
       </p:grpSpPr>
       <p:sp>
         <p:nvSpPr>
-          <p:cNvPr id="2" name="Datumsplatzhalter 1">
-            <a:extLst>
-              <a:ext uri="{FF2B5EF4-FFF2-40B4-BE49-F238E27FC236}">
-                <a16:creationId xmlns:a16="http://schemas.microsoft.com/office/drawing/2014/main" id="{C87A1CEC-11F4-DDB9-ABFC-6DCD14BA0FE7}"/>
-              </a:ext>
-            </a:extLst>
-          </p:cNvPr>
+          <p:cNvPr id="2" name="Date Placeholder 1"/>
           <p:cNvSpPr>
             <a:spLocks noGrp="1"/>
           </p:cNvSpPr>
@@ -2064,7 +1821,7 @@
           <a:p>
             <a:fld id="{7D531F7E-848A-264C-AF7A-6E4BD2FF4B92}" type="datetimeFigureOut">
               <a:rPr lang="de-DE" smtClean="0"/>
-              <a:t>19.05.22</a:t>
+              <a:t>29.06.22</a:t>
             </a:fld>
             <a:endParaRPr lang="de-DE"/>
           </a:p>
@@ -2072,13 +1829,7 @@
       </p:sp>
       <p:sp>
         <p:nvSpPr>
-          <p:cNvPr id="3" name="Fußzeilenplatzhalter 2">
-            <a:extLst>
-              <a:ext uri="{FF2B5EF4-FFF2-40B4-BE49-F238E27FC236}">
-                <a16:creationId xmlns:a16="http://schemas.microsoft.com/office/drawing/2014/main" id="{02958E10-EDDD-2AF3-374B-7C7C4587C9CB}"/>
-              </a:ext>
-            </a:extLst>
-          </p:cNvPr>
+          <p:cNvPr id="3" name="Footer Placeholder 2"/>
           <p:cNvSpPr>
             <a:spLocks noGrp="1"/>
           </p:cNvSpPr>
@@ -2097,13 +1848,7 @@
       </p:sp>
       <p:sp>
         <p:nvSpPr>
-          <p:cNvPr id="4" name="Foliennummernplatzhalter 3">
-            <a:extLst>
-              <a:ext uri="{FF2B5EF4-FFF2-40B4-BE49-F238E27FC236}">
-                <a16:creationId xmlns:a16="http://schemas.microsoft.com/office/drawing/2014/main" id="{EAED5806-48CE-0CD3-5AC0-68238245EB00}"/>
-              </a:ext>
-            </a:extLst>
-          </p:cNvPr>
+          <p:cNvPr id="4" name="Slide Number Placeholder 3"/>
           <p:cNvSpPr>
             <a:spLocks noGrp="1"/>
           </p:cNvSpPr>
@@ -2127,7 +1872,7 @@
     </p:spTree>
     <p:extLst>
       <p:ext uri="{BB962C8B-B14F-4D97-AF65-F5344CB8AC3E}">
-        <p14:creationId xmlns:p14="http://schemas.microsoft.com/office/powerpoint/2010/main" val="2188673839"/>
+        <p14:creationId xmlns:p14="http://schemas.microsoft.com/office/powerpoint/2010/main" val="1067237598"/>
       </p:ext>
     </p:extLst>
   </p:cSld>
@@ -2156,13 +1901,7 @@
       </p:grpSpPr>
       <p:sp>
         <p:nvSpPr>
-          <p:cNvPr id="2" name="Titel 1">
-            <a:extLst>
-              <a:ext uri="{FF2B5EF4-FFF2-40B4-BE49-F238E27FC236}">
-                <a16:creationId xmlns:a16="http://schemas.microsoft.com/office/drawing/2014/main" id="{B3154B4E-36A4-A525-3E64-D3CB8447B80A}"/>
-              </a:ext>
-            </a:extLst>
-          </p:cNvPr>
+          <p:cNvPr id="2" name="Title 1"/>
           <p:cNvSpPr>
             <a:spLocks noGrp="1"/>
           </p:cNvSpPr>
@@ -2172,8 +1911,8 @@
         </p:nvSpPr>
         <p:spPr>
           <a:xfrm>
-            <a:off x="839788" y="457200"/>
-            <a:ext cx="3932237" cy="1600200"/>
+            <a:off x="2479672" y="457200"/>
+            <a:ext cx="11610852" cy="1600200"/>
           </a:xfrm>
         </p:spPr>
         <p:txBody>
@@ -2188,18 +1927,13 @@
               <a:rPr lang="de-DE"/>
               <a:t>Mastertitelformat bearbeiten</a:t>
             </a:r>
-          </a:p>
-        </p:txBody>
-      </p:sp>
-      <p:sp>
-        <p:nvSpPr>
-          <p:cNvPr id="3" name="Inhaltsplatzhalter 2">
-            <a:extLst>
-              <a:ext uri="{FF2B5EF4-FFF2-40B4-BE49-F238E27FC236}">
-                <a16:creationId xmlns:a16="http://schemas.microsoft.com/office/drawing/2014/main" id="{A0821318-669B-BE2A-6EFF-1FB19A21BB0E}"/>
-              </a:ext>
-            </a:extLst>
-          </p:cNvPr>
+            <a:endParaRPr lang="en-US" dirty="0"/>
+          </a:p>
+        </p:txBody>
+      </p:sp>
+      <p:sp>
+        <p:nvSpPr>
+          <p:cNvPr id="3" name="Content Placeholder 2"/>
           <p:cNvSpPr>
             <a:spLocks noGrp="1"/>
           </p:cNvSpPr>
@@ -2209,8 +1943,8 @@
         </p:nvSpPr>
         <p:spPr>
           <a:xfrm>
-            <a:off x="5183188" y="987425"/>
-            <a:ext cx="6172200" cy="4873625"/>
+            <a:off x="15304578" y="987426"/>
+            <a:ext cx="18224867" cy="4873625"/>
           </a:xfrm>
         </p:spPr>
         <p:txBody>
@@ -2278,18 +2012,13 @@
               <a:rPr lang="de-DE"/>
               <a:t>Fünfte Ebene</a:t>
             </a:r>
-          </a:p>
-        </p:txBody>
-      </p:sp>
-      <p:sp>
-        <p:nvSpPr>
-          <p:cNvPr id="4" name="Textplatzhalter 3">
-            <a:extLst>
-              <a:ext uri="{FF2B5EF4-FFF2-40B4-BE49-F238E27FC236}">
-                <a16:creationId xmlns:a16="http://schemas.microsoft.com/office/drawing/2014/main" id="{EF4A265A-D3C6-F6A7-208F-E9EE9B023E6F}"/>
-              </a:ext>
-            </a:extLst>
-          </p:cNvPr>
+            <a:endParaRPr lang="en-US" dirty="0"/>
+          </a:p>
+        </p:txBody>
+      </p:sp>
+      <p:sp>
+        <p:nvSpPr>
+          <p:cNvPr id="4" name="Text Placeholder 3"/>
           <p:cNvSpPr>
             <a:spLocks noGrp="1"/>
           </p:cNvSpPr>
@@ -2299,8 +2028,8 @@
         </p:nvSpPr>
         <p:spPr>
           <a:xfrm>
-            <a:off x="839788" y="2057400"/>
-            <a:ext cx="3932237" cy="3811588"/>
+            <a:off x="2479672" y="2057400"/>
+            <a:ext cx="11610852" cy="3811588"/>
           </a:xfrm>
         </p:spPr>
         <p:txBody>
@@ -2354,13 +2083,7 @@
       </p:sp>
       <p:sp>
         <p:nvSpPr>
-          <p:cNvPr id="5" name="Datumsplatzhalter 4">
-            <a:extLst>
-              <a:ext uri="{FF2B5EF4-FFF2-40B4-BE49-F238E27FC236}">
-                <a16:creationId xmlns:a16="http://schemas.microsoft.com/office/drawing/2014/main" id="{61B3A8A6-78FE-7DDA-047A-DDB00A698E32}"/>
-              </a:ext>
-            </a:extLst>
-          </p:cNvPr>
+          <p:cNvPr id="5" name="Date Placeholder 4"/>
           <p:cNvSpPr>
             <a:spLocks noGrp="1"/>
           </p:cNvSpPr>
@@ -2375,7 +2098,7 @@
           <a:p>
             <a:fld id="{7D531F7E-848A-264C-AF7A-6E4BD2FF4B92}" type="datetimeFigureOut">
               <a:rPr lang="de-DE" smtClean="0"/>
-              <a:t>19.05.22</a:t>
+              <a:t>29.06.22</a:t>
             </a:fld>
             <a:endParaRPr lang="de-DE"/>
           </a:p>
@@ -2383,13 +2106,7 @@
       </p:sp>
       <p:sp>
         <p:nvSpPr>
-          <p:cNvPr id="6" name="Fußzeilenplatzhalter 5">
-            <a:extLst>
-              <a:ext uri="{FF2B5EF4-FFF2-40B4-BE49-F238E27FC236}">
-                <a16:creationId xmlns:a16="http://schemas.microsoft.com/office/drawing/2014/main" id="{13C1A2D5-0F06-D144-77EA-404793C95184}"/>
-              </a:ext>
-            </a:extLst>
-          </p:cNvPr>
+          <p:cNvPr id="6" name="Footer Placeholder 5"/>
           <p:cNvSpPr>
             <a:spLocks noGrp="1"/>
           </p:cNvSpPr>
@@ -2408,13 +2125,7 @@
       </p:sp>
       <p:sp>
         <p:nvSpPr>
-          <p:cNvPr id="7" name="Foliennummernplatzhalter 6">
-            <a:extLst>
-              <a:ext uri="{FF2B5EF4-FFF2-40B4-BE49-F238E27FC236}">
-                <a16:creationId xmlns:a16="http://schemas.microsoft.com/office/drawing/2014/main" id="{8DADCDE6-88EC-6782-92D6-61105C631BEF}"/>
-              </a:ext>
-            </a:extLst>
-          </p:cNvPr>
+          <p:cNvPr id="7" name="Slide Number Placeholder 6"/>
           <p:cNvSpPr>
             <a:spLocks noGrp="1"/>
           </p:cNvSpPr>
@@ -2438,7 +2149,7 @@
     </p:spTree>
     <p:extLst>
       <p:ext uri="{BB962C8B-B14F-4D97-AF65-F5344CB8AC3E}">
-        <p14:creationId xmlns:p14="http://schemas.microsoft.com/office/powerpoint/2010/main" val="3548719258"/>
+        <p14:creationId xmlns:p14="http://schemas.microsoft.com/office/powerpoint/2010/main" val="2186017980"/>
       </p:ext>
     </p:extLst>
   </p:cSld>
@@ -2467,13 +2178,7 @@
       </p:grpSpPr>
       <p:sp>
         <p:nvSpPr>
-          <p:cNvPr id="2" name="Titel 1">
-            <a:extLst>
-              <a:ext uri="{FF2B5EF4-FFF2-40B4-BE49-F238E27FC236}">
-                <a16:creationId xmlns:a16="http://schemas.microsoft.com/office/drawing/2014/main" id="{BA90D6DE-46EA-0CA0-9BC1-C7BF0299CC8B}"/>
-              </a:ext>
-            </a:extLst>
-          </p:cNvPr>
+          <p:cNvPr id="2" name="Title 1"/>
           <p:cNvSpPr>
             <a:spLocks noGrp="1"/>
           </p:cNvSpPr>
@@ -2483,8 +2188,8 @@
         </p:nvSpPr>
         <p:spPr>
           <a:xfrm>
-            <a:off x="839788" y="457200"/>
-            <a:ext cx="3932237" cy="1600200"/>
+            <a:off x="2479672" y="457200"/>
+            <a:ext cx="11610852" cy="1600200"/>
           </a:xfrm>
         </p:spPr>
         <p:txBody>
@@ -2499,20 +2204,15 @@
               <a:rPr lang="de-DE"/>
               <a:t>Mastertitelformat bearbeiten</a:t>
             </a:r>
-          </a:p>
-        </p:txBody>
-      </p:sp>
-      <p:sp>
-        <p:nvSpPr>
-          <p:cNvPr id="3" name="Bildplatzhalter 2">
-            <a:extLst>
-              <a:ext uri="{FF2B5EF4-FFF2-40B4-BE49-F238E27FC236}">
-                <a16:creationId xmlns:a16="http://schemas.microsoft.com/office/drawing/2014/main" id="{EB1CC38B-CCB2-B057-3BAB-679DAF67E690}"/>
-              </a:ext>
-            </a:extLst>
-          </p:cNvPr>
+            <a:endParaRPr lang="en-US" dirty="0"/>
+          </a:p>
+        </p:txBody>
+      </p:sp>
+      <p:sp>
+        <p:nvSpPr>
+          <p:cNvPr id="3" name="Picture Placeholder 2"/>
           <p:cNvSpPr>
-            <a:spLocks noGrp="1"/>
+            <a:spLocks noGrp="1" noChangeAspect="1"/>
           </p:cNvSpPr>
           <p:nvPr>
             <p:ph type="pic" idx="1"/>
@@ -2520,12 +2220,12 @@
         </p:nvSpPr>
         <p:spPr>
           <a:xfrm>
-            <a:off x="5183188" y="987425"/>
-            <a:ext cx="6172200" cy="4873625"/>
+            <a:off x="15304578" y="987426"/>
+            <a:ext cx="18224867" cy="4873625"/>
           </a:xfrm>
         </p:spPr>
         <p:txBody>
-          <a:bodyPr/>
+          <a:bodyPr anchor="t"/>
           <a:lstStyle>
             <a:lvl1pPr marL="0" indent="0">
               <a:buNone/>
@@ -2565,19 +2265,17 @@
             </a:lvl9pPr>
           </a:lstStyle>
           <a:p>
-            <a:endParaRPr lang="de-DE"/>
-          </a:p>
-        </p:txBody>
-      </p:sp>
-      <p:sp>
-        <p:nvSpPr>
-          <p:cNvPr id="4" name="Textplatzhalter 3">
-            <a:extLst>
-              <a:ext uri="{FF2B5EF4-FFF2-40B4-BE49-F238E27FC236}">
-                <a16:creationId xmlns:a16="http://schemas.microsoft.com/office/drawing/2014/main" id="{4F7AA4BB-6907-CD97-C5B6-C4604B94120F}"/>
-              </a:ext>
-            </a:extLst>
-          </p:cNvPr>
+            <a:r>
+              <a:rPr lang="de-DE"/>
+              <a:t>Bild durch Klicken auf Symbol hinzufügen</a:t>
+            </a:r>
+            <a:endParaRPr lang="en-US" dirty="0"/>
+          </a:p>
+        </p:txBody>
+      </p:sp>
+      <p:sp>
+        <p:nvSpPr>
+          <p:cNvPr id="4" name="Text Placeholder 3"/>
           <p:cNvSpPr>
             <a:spLocks noGrp="1"/>
           </p:cNvSpPr>
@@ -2587,8 +2285,8 @@
         </p:nvSpPr>
         <p:spPr>
           <a:xfrm>
-            <a:off x="839788" y="2057400"/>
-            <a:ext cx="3932237" cy="3811588"/>
+            <a:off x="2479672" y="2057400"/>
+            <a:ext cx="11610852" cy="3811588"/>
           </a:xfrm>
         </p:spPr>
         <p:txBody>
@@ -2642,13 +2340,7 @@
       </p:sp>
       <p:sp>
         <p:nvSpPr>
-          <p:cNvPr id="5" name="Datumsplatzhalter 4">
-            <a:extLst>
-              <a:ext uri="{FF2B5EF4-FFF2-40B4-BE49-F238E27FC236}">
-                <a16:creationId xmlns:a16="http://schemas.microsoft.com/office/drawing/2014/main" id="{6AD9F5DA-A386-50B4-21EF-AACED403D664}"/>
-              </a:ext>
-            </a:extLst>
-          </p:cNvPr>
+          <p:cNvPr id="5" name="Date Placeholder 4"/>
           <p:cNvSpPr>
             <a:spLocks noGrp="1"/>
           </p:cNvSpPr>
@@ -2663,7 +2355,7 @@
           <a:p>
             <a:fld id="{7D531F7E-848A-264C-AF7A-6E4BD2FF4B92}" type="datetimeFigureOut">
               <a:rPr lang="de-DE" smtClean="0"/>
-              <a:t>19.05.22</a:t>
+              <a:t>29.06.22</a:t>
             </a:fld>
             <a:endParaRPr lang="de-DE"/>
           </a:p>
@@ -2671,13 +2363,7 @@
       </p:sp>
       <p:sp>
         <p:nvSpPr>
-          <p:cNvPr id="6" name="Fußzeilenplatzhalter 5">
-            <a:extLst>
-              <a:ext uri="{FF2B5EF4-FFF2-40B4-BE49-F238E27FC236}">
-                <a16:creationId xmlns:a16="http://schemas.microsoft.com/office/drawing/2014/main" id="{1B75A1BA-A29B-972D-7FB5-5F23B9099D5E}"/>
-              </a:ext>
-            </a:extLst>
-          </p:cNvPr>
+          <p:cNvPr id="6" name="Footer Placeholder 5"/>
           <p:cNvSpPr>
             <a:spLocks noGrp="1"/>
           </p:cNvSpPr>
@@ -2696,13 +2382,7 @@
       </p:sp>
       <p:sp>
         <p:nvSpPr>
-          <p:cNvPr id="7" name="Foliennummernplatzhalter 6">
-            <a:extLst>
-              <a:ext uri="{FF2B5EF4-FFF2-40B4-BE49-F238E27FC236}">
-                <a16:creationId xmlns:a16="http://schemas.microsoft.com/office/drawing/2014/main" id="{1F485192-6D76-782D-93F5-B724447BD095}"/>
-              </a:ext>
-            </a:extLst>
-          </p:cNvPr>
+          <p:cNvPr id="7" name="Slide Number Placeholder 6"/>
           <p:cNvSpPr>
             <a:spLocks noGrp="1"/>
           </p:cNvSpPr>
@@ -2726,7 +2406,7 @@
     </p:spTree>
     <p:extLst>
       <p:ext uri="{BB962C8B-B14F-4D97-AF65-F5344CB8AC3E}">
-        <p14:creationId xmlns:p14="http://schemas.microsoft.com/office/powerpoint/2010/main" val="335698547"/>
+        <p14:creationId xmlns:p14="http://schemas.microsoft.com/office/powerpoint/2010/main" val="2913367164"/>
       </p:ext>
     </p:extLst>
   </p:cSld>
@@ -2760,13 +2440,7 @@
       </p:grpSpPr>
       <p:sp>
         <p:nvSpPr>
-          <p:cNvPr id="2" name="Titelplatzhalter 1">
-            <a:extLst>
-              <a:ext uri="{FF2B5EF4-FFF2-40B4-BE49-F238E27FC236}">
-                <a16:creationId xmlns:a16="http://schemas.microsoft.com/office/drawing/2014/main" id="{9CB4A249-D034-5B53-A3C3-A11AEDB066A6}"/>
-              </a:ext>
-            </a:extLst>
-          </p:cNvPr>
+          <p:cNvPr id="2" name="Title Placeholder 1"/>
           <p:cNvSpPr>
             <a:spLocks noGrp="1"/>
           </p:cNvSpPr>
@@ -2776,8 +2450,8 @@
         </p:nvSpPr>
         <p:spPr>
           <a:xfrm>
-            <a:off x="838200" y="365125"/>
-            <a:ext cx="10515600" cy="1325563"/>
+            <a:off x="2474982" y="365126"/>
+            <a:ext cx="31049774" cy="1325563"/>
           </a:xfrm>
           <a:prstGeom prst="rect">
             <a:avLst/>
@@ -2793,18 +2467,13 @@
               <a:rPr lang="de-DE"/>
               <a:t>Mastertitelformat bearbeiten</a:t>
             </a:r>
-          </a:p>
-        </p:txBody>
-      </p:sp>
-      <p:sp>
-        <p:nvSpPr>
-          <p:cNvPr id="3" name="Textplatzhalter 2">
-            <a:extLst>
-              <a:ext uri="{FF2B5EF4-FFF2-40B4-BE49-F238E27FC236}">
-                <a16:creationId xmlns:a16="http://schemas.microsoft.com/office/drawing/2014/main" id="{ADD6B4DE-6BC8-85B6-EEA9-C95B64187F5D}"/>
-              </a:ext>
-            </a:extLst>
-          </p:cNvPr>
+            <a:endParaRPr lang="en-US" dirty="0"/>
+          </a:p>
+        </p:txBody>
+      </p:sp>
+      <p:sp>
+        <p:nvSpPr>
+          <p:cNvPr id="3" name="Text Placeholder 2"/>
           <p:cNvSpPr>
             <a:spLocks noGrp="1"/>
           </p:cNvSpPr>
@@ -2814,8 +2483,8 @@
         </p:nvSpPr>
         <p:spPr>
           <a:xfrm>
-            <a:off x="838200" y="1825625"/>
-            <a:ext cx="10515600" cy="4351338"/>
+            <a:off x="2474982" y="1825625"/>
+            <a:ext cx="31049774" cy="4351338"/>
           </a:xfrm>
           <a:prstGeom prst="rect">
             <a:avLst/>
@@ -2860,18 +2529,13 @@
               <a:rPr lang="de-DE"/>
               <a:t>Fünfte Ebene</a:t>
             </a:r>
-          </a:p>
-        </p:txBody>
-      </p:sp>
-      <p:sp>
-        <p:nvSpPr>
-          <p:cNvPr id="4" name="Datumsplatzhalter 3">
-            <a:extLst>
-              <a:ext uri="{FF2B5EF4-FFF2-40B4-BE49-F238E27FC236}">
-                <a16:creationId xmlns:a16="http://schemas.microsoft.com/office/drawing/2014/main" id="{411CBCDD-4159-58F0-F9ED-FB156580FBE5}"/>
-              </a:ext>
-            </a:extLst>
-          </p:cNvPr>
+            <a:endParaRPr lang="en-US" dirty="0"/>
+          </a:p>
+        </p:txBody>
+      </p:sp>
+      <p:sp>
+        <p:nvSpPr>
+          <p:cNvPr id="4" name="Date Placeholder 3"/>
           <p:cNvSpPr>
             <a:spLocks noGrp="1"/>
           </p:cNvSpPr>
@@ -2881,8 +2545,8 @@
         </p:nvSpPr>
         <p:spPr>
           <a:xfrm>
-            <a:off x="838200" y="6356350"/>
-            <a:ext cx="2743200" cy="365125"/>
+            <a:off x="2474982" y="6356351"/>
+            <a:ext cx="8099941" cy="365125"/>
           </a:xfrm>
           <a:prstGeom prst="rect">
             <a:avLst/>
@@ -2904,7 +2568,7 @@
           <a:p>
             <a:fld id="{7D531F7E-848A-264C-AF7A-6E4BD2FF4B92}" type="datetimeFigureOut">
               <a:rPr lang="de-DE" smtClean="0"/>
-              <a:t>19.05.22</a:t>
+              <a:t>29.06.22</a:t>
             </a:fld>
             <a:endParaRPr lang="de-DE"/>
           </a:p>
@@ -2912,13 +2576,7 @@
       </p:sp>
       <p:sp>
         <p:nvSpPr>
-          <p:cNvPr id="5" name="Fußzeilenplatzhalter 4">
-            <a:extLst>
-              <a:ext uri="{FF2B5EF4-FFF2-40B4-BE49-F238E27FC236}">
-                <a16:creationId xmlns:a16="http://schemas.microsoft.com/office/drawing/2014/main" id="{70E1B0E5-B8C5-D265-0F80-449DF2A7E48D}"/>
-              </a:ext>
-            </a:extLst>
-          </p:cNvPr>
+          <p:cNvPr id="5" name="Footer Placeholder 4"/>
           <p:cNvSpPr>
             <a:spLocks noGrp="1"/>
           </p:cNvSpPr>
@@ -2928,8 +2586,8 @@
         </p:nvSpPr>
         <p:spPr>
           <a:xfrm>
-            <a:off x="4038600" y="6356350"/>
-            <a:ext cx="4114800" cy="365125"/>
+            <a:off x="11924913" y="6356351"/>
+            <a:ext cx="12149912" cy="365125"/>
           </a:xfrm>
           <a:prstGeom prst="rect">
             <a:avLst/>
@@ -2955,13 +2613,7 @@
       </p:sp>
       <p:sp>
         <p:nvSpPr>
-          <p:cNvPr id="6" name="Foliennummernplatzhalter 5">
-            <a:extLst>
-              <a:ext uri="{FF2B5EF4-FFF2-40B4-BE49-F238E27FC236}">
-                <a16:creationId xmlns:a16="http://schemas.microsoft.com/office/drawing/2014/main" id="{09367308-4422-942E-CE0F-CCED2B4CA1B6}"/>
-              </a:ext>
-            </a:extLst>
-          </p:cNvPr>
+          <p:cNvPr id="6" name="Slide Number Placeholder 5"/>
           <p:cNvSpPr>
             <a:spLocks noGrp="1"/>
           </p:cNvSpPr>
@@ -2971,8 +2623,8 @@
         </p:nvSpPr>
         <p:spPr>
           <a:xfrm>
-            <a:off x="8610600" y="6356350"/>
-            <a:ext cx="2743200" cy="365125"/>
+            <a:off x="25424815" y="6356351"/>
+            <a:ext cx="8099941" cy="365125"/>
           </a:xfrm>
           <a:prstGeom prst="rect">
             <a:avLst/>
@@ -3003,23 +2655,23 @@
     </p:spTree>
     <p:extLst>
       <p:ext uri="{BB962C8B-B14F-4D97-AF65-F5344CB8AC3E}">
-        <p14:creationId xmlns:p14="http://schemas.microsoft.com/office/powerpoint/2010/main" val="2595773742"/>
+        <p14:creationId xmlns:p14="http://schemas.microsoft.com/office/powerpoint/2010/main" val="2300173505"/>
       </p:ext>
     </p:extLst>
   </p:cSld>
   <p:clrMap bg1="lt1" tx1="dk1" bg2="lt2" tx2="dk2" accent1="accent1" accent2="accent2" accent3="accent3" accent4="accent4" accent5="accent5" accent6="accent6" hlink="hlink" folHlink="folHlink"/>
   <p:sldLayoutIdLst>
-    <p:sldLayoutId id="2147483649" r:id="rId1"/>
-    <p:sldLayoutId id="2147483650" r:id="rId2"/>
-    <p:sldLayoutId id="2147483651" r:id="rId3"/>
-    <p:sldLayoutId id="2147483652" r:id="rId4"/>
-    <p:sldLayoutId id="2147483653" r:id="rId5"/>
-    <p:sldLayoutId id="2147483654" r:id="rId6"/>
-    <p:sldLayoutId id="2147483655" r:id="rId7"/>
-    <p:sldLayoutId id="2147483656" r:id="rId8"/>
-    <p:sldLayoutId id="2147483657" r:id="rId9"/>
-    <p:sldLayoutId id="2147483658" r:id="rId10"/>
-    <p:sldLayoutId id="2147483659" r:id="rId11"/>
+    <p:sldLayoutId id="2147483661" r:id="rId1"/>
+    <p:sldLayoutId id="2147483662" r:id="rId2"/>
+    <p:sldLayoutId id="2147483663" r:id="rId3"/>
+    <p:sldLayoutId id="2147483664" r:id="rId4"/>
+    <p:sldLayoutId id="2147483665" r:id="rId5"/>
+    <p:sldLayoutId id="2147483666" r:id="rId6"/>
+    <p:sldLayoutId id="2147483667" r:id="rId7"/>
+    <p:sldLayoutId id="2147483668" r:id="rId8"/>
+    <p:sldLayoutId id="2147483669" r:id="rId9"/>
+    <p:sldLayoutId id="2147483670" r:id="rId10"/>
+    <p:sldLayoutId id="2147483671" r:id="rId11"/>
   </p:sldLayoutIdLst>
   <p:txStyles>
     <p:titleStyle>
@@ -3207,7 +2859,7 @@
     </p:bodyStyle>
     <p:otherStyle>
       <a:defPPr>
-        <a:defRPr lang="de-DE"/>
+        <a:defRPr lang="en-US"/>
       </a:defPPr>
       <a:lvl1pPr marL="0" algn="l" defTabSz="914400" rtl="0" eaLnBrk="1" latinLnBrk="0" hangingPunct="1">
         <a:defRPr sz="1800" kern="1200">
@@ -3337,7 +2989,7 @@
             </p:nvSpPr>
             <p:spPr>
               <a:xfrm>
-                <a:off x="1484034" y="1316082"/>
+                <a:off x="3526949" y="2241742"/>
                 <a:ext cx="895273" cy="605790"/>
               </a:xfrm>
               <a:prstGeom prst="rect">
@@ -3378,14 +3030,14 @@
                       <m:sSub>
                         <m:sSubPr>
                           <m:ctrlPr>
-                            <a:rPr lang="de-DE" sz="2400" b="1" i="1" smtClean="0">
+                            <a:rPr lang="de-DE" sz="2400" b="1" i="1">
                               <a:latin typeface="Cambria Math" panose="02040503050406030204" pitchFamily="18" charset="0"/>
                             </a:rPr>
                           </m:ctrlPr>
                         </m:sSubPr>
                         <m:e>
                           <m:r>
-                            <a:rPr lang="de-DE" sz="2400" b="1" i="1" smtClean="0">
+                            <a:rPr lang="de-DE" sz="2400" b="1" i="1">
                               <a:latin typeface="Cambria Math" panose="02040503050406030204" pitchFamily="18" charset="0"/>
                             </a:rPr>
                             <m:t>𝑮</m:t>
@@ -3393,7 +3045,7 @@
                         </m:e>
                         <m:sub>
                           <m:r>
-                            <a:rPr lang="de-DE" sz="2400" b="1" i="1" smtClean="0">
+                            <a:rPr lang="de-DE" sz="2400" b="1" i="1">
                               <a:latin typeface="Cambria Math" panose="02040503050406030204" pitchFamily="18" charset="0"/>
                             </a:rPr>
                             <m:t>𝑹𝒙</m:t>
@@ -3425,7 +3077,7 @@
             </p:nvSpPr>
             <p:spPr>
               <a:xfrm>
-                <a:off x="1484034" y="1316082"/>
+                <a:off x="3526949" y="2241742"/>
                 <a:ext cx="895273" cy="605790"/>
               </a:xfrm>
               <a:prstGeom prst="rect">
@@ -3474,7 +3126,7 @@
             </p:nvSpPr>
             <p:spPr>
               <a:xfrm>
-                <a:off x="3343936" y="1316082"/>
+                <a:off x="5386851" y="2241742"/>
                 <a:ext cx="895273" cy="605790"/>
               </a:xfrm>
               <a:prstGeom prst="rect">
@@ -3515,14 +3167,14 @@
                       <m:sSub>
                         <m:sSubPr>
                           <m:ctrlPr>
-                            <a:rPr lang="x-none" sz="2400" b="1" i="1" smtClean="0">
+                            <a:rPr lang="x-none" sz="2400" b="1" i="1">
                               <a:latin typeface="Cambria Math" panose="02040503050406030204" pitchFamily="18" charset="0"/>
                             </a:rPr>
                           </m:ctrlPr>
                         </m:sSubPr>
                         <m:e>
                           <m:r>
-                            <a:rPr lang="x-none" sz="2400" b="1" i="1" smtClean="0">
+                            <a:rPr lang="x-none" sz="2400" b="1" i="1">
                               <a:latin typeface="Cambria Math" panose="02040503050406030204" pitchFamily="18" charset="0"/>
                             </a:rPr>
                             <m:t>𝑮</m:t>
@@ -3530,13 +3182,13 @@
                         </m:e>
                         <m:sub>
                           <m:r>
-                            <a:rPr lang="x-none" sz="2400" b="1" i="1" smtClean="0">
+                            <a:rPr lang="x-none" sz="2400" b="1" i="1">
                               <a:latin typeface="Cambria Math" panose="02040503050406030204" pitchFamily="18" charset="0"/>
                             </a:rPr>
                             <m:t>𝒓</m:t>
                           </m:r>
                           <m:r>
-                            <a:rPr lang="x-none" sz="2400" b="1" i="1" smtClean="0">
+                            <a:rPr lang="x-none" sz="2400" b="1" i="1">
                               <a:latin typeface="Cambria Math" panose="02040503050406030204" pitchFamily="18" charset="0"/>
                             </a:rPr>
                             <m:t>𝝓</m:t>
@@ -3570,7 +3222,7 @@
             </p:nvSpPr>
             <p:spPr>
               <a:xfrm>
-                <a:off x="3343936" y="1316082"/>
+                <a:off x="5386851" y="2241742"/>
                 <a:ext cx="895273" cy="605790"/>
               </a:xfrm>
               <a:prstGeom prst="rect">
@@ -3579,7 +3231,7 @@
               <a:blipFill>
                 <a:blip r:embed="rId3"/>
                 <a:stretch>
-                  <a:fillRect b="-2041"/>
+                  <a:fillRect/>
                 </a:stretch>
               </a:blipFill>
               <a:ln>
@@ -3620,7 +3272,7 @@
         </p:nvCxnSpPr>
         <p:spPr>
           <a:xfrm>
-            <a:off x="2379307" y="1618977"/>
+            <a:off x="4422222" y="2544637"/>
             <a:ext cx="964629" cy="0"/>
           </a:xfrm>
           <a:prstGeom prst="straightConnector1">
@@ -3648,335 +3300,6 @@
           </a:fontRef>
         </p:style>
       </p:cxnSp>
-      <p:pic>
-        <p:nvPicPr>
-          <p:cNvPr id="1026" name="Picture 2">
-            <a:extLst>
-              <a:ext uri="{FF2B5EF4-FFF2-40B4-BE49-F238E27FC236}">
-                <a16:creationId xmlns:a16="http://schemas.microsoft.com/office/drawing/2014/main" id="{971671A0-5EE5-A721-07F5-50C7B8E073C4}"/>
-              </a:ext>
-            </a:extLst>
-          </p:cNvPr>
-          <p:cNvPicPr>
-            <a:picLocks noChangeAspect="1" noChangeArrowheads="1"/>
-          </p:cNvPicPr>
-          <p:nvPr/>
-        </p:nvPicPr>
-        <p:blipFill>
-          <a:blip r:embed="rId4">
-            <a:extLst>
-              <a:ext uri="{28A0092B-C50C-407E-A947-70E740481C1C}">
-                <a14:useLocalDpi xmlns:a14="http://schemas.microsoft.com/office/drawing/2010/main" val="0"/>
-              </a:ext>
-            </a:extLst>
-          </a:blip>
-          <a:srcRect/>
-          <a:stretch>
-            <a:fillRect/>
-          </a:stretch>
-        </p:blipFill>
-        <p:spPr bwMode="auto">
-          <a:xfrm>
-            <a:off x="4392613" y="-43437175"/>
-            <a:ext cx="10071100" cy="14249400"/>
-          </a:xfrm>
-          <a:prstGeom prst="rect">
-            <a:avLst/>
-          </a:prstGeom>
-          <a:noFill/>
-          <a:extLst>
-            <a:ext uri="{909E8E84-426E-40DD-AFC4-6F175D3DCCD1}">
-              <a14:hiddenFill xmlns:a14="http://schemas.microsoft.com/office/drawing/2010/main">
-                <a:solidFill>
-                  <a:srgbClr val="FFFFFF"/>
-                </a:solidFill>
-              </a14:hiddenFill>
-            </a:ext>
-          </a:extLst>
-        </p:spPr>
-      </p:pic>
-      <p:pic>
-        <p:nvPicPr>
-          <p:cNvPr id="1027" name="Picture 3">
-            <a:extLst>
-              <a:ext uri="{FF2B5EF4-FFF2-40B4-BE49-F238E27FC236}">
-                <a16:creationId xmlns:a16="http://schemas.microsoft.com/office/drawing/2014/main" id="{8CA57F56-8919-1FAE-D13C-DB1A0FC7CB45}"/>
-              </a:ext>
-            </a:extLst>
-          </p:cNvPr>
-          <p:cNvPicPr>
-            <a:picLocks noChangeAspect="1" noChangeArrowheads="1"/>
-          </p:cNvPicPr>
-          <p:nvPr/>
-        </p:nvPicPr>
-        <p:blipFill>
-          <a:blip r:embed="rId5">
-            <a:extLst>
-              <a:ext uri="{28A0092B-C50C-407E-A947-70E740481C1C}">
-                <a14:useLocalDpi xmlns:a14="http://schemas.microsoft.com/office/drawing/2010/main" val="0"/>
-              </a:ext>
-            </a:extLst>
-          </a:blip>
-          <a:srcRect/>
-          <a:stretch>
-            <a:fillRect/>
-          </a:stretch>
-        </p:blipFill>
-        <p:spPr bwMode="auto">
-          <a:xfrm>
-            <a:off x="17267238" y="-43437175"/>
-            <a:ext cx="10071100" cy="14249400"/>
-          </a:xfrm>
-          <a:prstGeom prst="rect">
-            <a:avLst/>
-          </a:prstGeom>
-          <a:noFill/>
-          <a:extLst>
-            <a:ext uri="{909E8E84-426E-40DD-AFC4-6F175D3DCCD1}">
-              <a14:hiddenFill xmlns:a14="http://schemas.microsoft.com/office/drawing/2010/main">
-                <a:solidFill>
-                  <a:srgbClr val="FFFFFF"/>
-                </a:solidFill>
-              </a14:hiddenFill>
-            </a:ext>
-          </a:extLst>
-        </p:spPr>
-      </p:pic>
-      <p:pic>
-        <p:nvPicPr>
-          <p:cNvPr id="1028" name="Picture 4" descr="Christian Sieg &#10;Maximilian Kastner &#10;Übungsblatt Sensorik 2 &#10;zum Abschnitt Durchflussrnesstechnik &#10;DHBW &#10;Baden-nürttemberg &#10;Hier steht Ihr Quellcode &#10;Konsole &#10;Abbildung 5.1 &#10;Die IDE nach dem ersten Start &#10;Das Ziel ist, eine zwei Signale zu korrelieren. Sie dürfen dafür die Bibliothek Scipy verwenden. Diese &#10;Aufgabe ist eher als Ihltorial zu verstehen und soll Ihnen die Möglichkeiten der Signalverarbeitung &#10;mit Python zeigen. &#10;Geben Sie Ihrem Programm einen Namen und speichern Sie Ihr Programm. Zunächst importieren &#10;Sie die für das Programm benötigten Bibliotheken Nurnpy (eine mächtige Mathematikbibliothek), &#10;Matplotlib (der defacto wissenschaftliche Standard für das Erstellen von Diagrammen/Plots aller &#10;Art) und Scipy (eine umfangreiche Bibliothek mit Methoden zur Datenverarbeitung). &#10;2 &#10;3 &#10;import numpy as np &#10;import matplotlib.pyplot as plt können Sie statt matpLotLib.pyplot einfach pLt schreiben &#10;from scipy import signal &#10;Wir wollen zunächst zwei Sinus-Signale korrelieren. Erstellen Sie dazu zwei Signale und y(t) &#10;mit einer Variablen für die Frequenz. Erstellen Sie Ihr t so, dass es den Zeitraum von O bis Pi &#10;abdeckt. &#10;x=np. sin (2*np. pi &#10;Die hmktion y soll nun um einen von Ihnen definierten Zeitversatz verschoben werden. &#10;Erstellen Sie anschließend ein leeres Array, dass dann Ihr Korrelationsergebnis aufnimmt und &#10;korrelieren Sie die Signale a; und y. &#10;2 &#10;z=np. array ( L] ) &#10;z=signal. correlate (x , y) &#10;Seite 3 von 5 ">
-            <a:extLst>
-              <a:ext uri="{FF2B5EF4-FFF2-40B4-BE49-F238E27FC236}">
-                <a16:creationId xmlns:a16="http://schemas.microsoft.com/office/drawing/2014/main" id="{D7AD0A0A-4BE5-108B-0033-F20DC73BE21D}"/>
-              </a:ext>
-            </a:extLst>
-          </p:cNvPr>
-          <p:cNvPicPr>
-            <a:picLocks noChangeAspect="1" noChangeArrowheads="1"/>
-          </p:cNvPicPr>
-          <p:nvPr/>
-        </p:nvPicPr>
-        <p:blipFill>
-          <a:blip r:embed="rId6">
-            <a:extLst>
-              <a:ext uri="{28A0092B-C50C-407E-A947-70E740481C1C}">
-                <a14:useLocalDpi xmlns:a14="http://schemas.microsoft.com/office/drawing/2010/main" val="0"/>
-              </a:ext>
-            </a:extLst>
-          </a:blip>
-          <a:srcRect/>
-          <a:stretch>
-            <a:fillRect/>
-          </a:stretch>
-        </p:blipFill>
-        <p:spPr bwMode="auto">
-          <a:xfrm>
-            <a:off x="4392613" y="-29767213"/>
-            <a:ext cx="10071100" cy="14249400"/>
-          </a:xfrm>
-          <a:prstGeom prst="rect">
-            <a:avLst/>
-          </a:prstGeom>
-          <a:noFill/>
-          <a:extLst>
-            <a:ext uri="{909E8E84-426E-40DD-AFC4-6F175D3DCCD1}">
-              <a14:hiddenFill xmlns:a14="http://schemas.microsoft.com/office/drawing/2010/main">
-                <a:solidFill>
-                  <a:srgbClr val="FFFFFF"/>
-                </a:solidFill>
-              </a14:hiddenFill>
-            </a:ext>
-          </a:extLst>
-        </p:spPr>
-      </p:pic>
-      <p:pic>
-        <p:nvPicPr>
-          <p:cNvPr id="1031" name="Picture 7" descr="Freihandzeichnungen&#13;&#10;Freihandzeichnungen&#13;&#10;Freihandzeichnungen&#13;&#10;Freihandzeichnungen&#13;&#10;Freihandzeichnungen&#13;&#10;Freihandzeichnungen&#13;&#10;Freihandzeichnungen&#13;&#10;Freihandzeichnungen&#13;&#10;Freihandzeichnungen&#13;&#10;Freihandzeichnungen&#13;&#10;Freihandzeichnungen&#13;&#10;Freihandzeichnungen&#13;&#10;Freihandzeichnungen&#13;&#10;Freihandzeichnungen&#13;&#10;Freihandzeichnungen&#13;&#10;Freihandzeichnungen&#13;&#10;Freihandzeichnungen&#13;&#10;Freihandzeichnungen&#13;&#10;Freihandzeichnungen&#13;&#10;Freihandzeichnungen&#13;&#10;Freihandzeichnungen&#13;&#10;Freihandzeichnungen&#13;&#10;Freihandzeichnungen&#13;&#10;Freihandzeichnungen&#13;&#10;Freihandzeichnungen&#13;&#10;Freihandzeichnungen&#13;&#10;Freihandzeichnungen&#13;&#10;Freihandzeichnungen&#13;&#10;Freihandzeichnungen&#13;&#10;Freihandzeichnungen&#13;&#10;Freihandzeichnungen&#13;&#10;Freihandzeichnungen&#13;&#10;Freihandzeichnungen&#13;&#10;Freihandzeichnungen&#13;&#10;Freihandzeichnungen&#13;&#10;Freihandzeichnungen&#13;&#10;Freihandzeichnungen&#13;&#10;Freihandzeichnungen&#13;&#10;Freihandzeichnungen&#13;&#10;Freihandzeichnungen&#13;&#10;Freihandzeichnungen&#13;&#10;Freihandzeichnungen&#13;&#10;Freihandzeichnungen&#13;&#10;Freihandzeichnungen&#13;&#10;Freihandzeichnungen&#13;&#10;Freihandzeichnungen&#13;&#10;Freihandzeichnungen&#13;&#10;Freihandzeichnungen&#13;&#10;Freihandzeichnungen&#13;&#10;Freihandzeichnungen&#13;&#10;Freihandzeichnungen&#13;&#10;Freihandzeichnungen&#13;&#10;Freihandzeichnungen&#13;&#10;Freihandzeichnungen&#13;&#10;Freihandzeichnungen&#13;&#10;Freihandzeichnungen&#13;&#10;Freihandzeichnungen&#13;&#10;Freihandzeichnungen&#13;&#10;Freihandzeichnungen&#13;&#10;Freihandzeichnungen&#13;&#10;Freihandzeichnungen&#13;&#10;Freihandzeichnungen&#13;&#10;Freihandzeichnungen&#13;&#10;Freihandzeichnungen&#13;&#10;Freihandzeichnungen&#13;&#10;Freihandzeichnungen&#13;&#10;Freihandzeichnungen&#13;&#10;Freihandzeichnungen&#13;&#10;Freihandzeichnungen&#13;&#10;Freihandzeichnungen&#13;&#10;Freihandzeichnungen&#13;&#10;Freihandzeichnungen&#13;&#10;Freihandzeichnungen&#13;&#10;Freihandzeichnungen&#13;&#10;Freihandzeichnungen&#13;&#10;Freihandzeichnungen&#13;&#10;Freihandzeichnungen&#13;&#10;Freihandzeichnungen&#13;&#10;Freihandzeichnungen&#13;&#10;Freihandzeichnungen&#13;&#10;Freihandzeichnungen&#13;&#10;Freihandzeichnungen&#13;&#10;Freihandzeichnungen&#13;&#10;Freihandzeichnungen&#13;&#10;Freihandzeichnungen&#13;&#10;Freihandzeichnungen&#13;&#10;Freihandzeichnungen&#13;&#10;Freihandzeichnungen&#13;&#10;Freihandzeichnungen&#13;&#10;Freihandzeichnungen&#13;&#10;Freihandzeichnungen&#13;&#10;Freihandzeichnungen&#13;&#10;Freihandzeichnungen&#13;&#10;Freihandzeichnungen&#13;&#10;Freihandzeichnungen&#13;&#10;Freihandzeichnungen&#13;&#10;Freihandzeichnungen&#13;&#10;Freihandzeichnungen&#13;&#10;Freihandzeichnungen&#13;&#10;Freihandzeichnungen&#13;&#10;Freihandzeichnungen&#13;&#10;Freihandzeichnungen&#13;&#10;Freihandzeichnungen&#13;&#10;Freihandzeichnungen&#13;&#10;Freihandzeichnungen&#13;&#10;Freihandzeichnungen&#13;&#10;Freihandzeichnungen&#13;&#10;Freihandzeichnungen&#13;&#10;Freihandzeichnungen&#13;&#10;Freihandzeichnungen&#13;&#10;Freihandzeichnungen&#13;&#10;Freihandzeichnungen&#13;&#10;Freihandzeichnungen&#13;&#10;Freihandzeichnungen&#13;&#10;Freihandzeichnungen&#13;&#10;Freihandzeichnungen&#13;&#10;Freihandzeichnungen&#13;&#10;Freihandzeichnungen&#13;&#10;Freihandzeichnungen&#13;&#10;Freihandzeichnungen&#13;&#10;Freihandzeichnungen&#13;&#10;Freihandzeichnungen&#13;&#10;Freihandzeichnungen&#13;&#10;Freihandzeichnungen&#13;&#10;Freihandzeichnungen&#13;&#10;Freihandzeichnungen&#13;&#10;Freihandzeichnungen&#13;&#10;Freihandzeichnungen&#13;&#10;Freihandzeichnungen&#13;&#10;Freihandzeichnungen&#13;&#10;Freihandzeichnungen&#13;&#10;Freihandzeichnungen&#13;&#10;Freihandzeichnungen&#13;&#10;Freihandzeichnungen&#13;&#10;Freihandzeichnungen&#13;&#10;Freihandzeichnungen&#13;&#10;Freihandzeichnungen&#13;&#10;Freihandzeichnungen&#13;&#10;Freihandzeichnungen&#13;&#10;Freihandzeichnungen&#13;&#10;Freihandzeichnungen&#13;&#10;Freihandzeichnungen&#13;&#10;Freihandzeichnungen&#13;&#10;Freihandzeichnungen&#13;&#10;Freihandzeichnungen&#13;&#10;Freihandzeichnungen&#13;&#10;Freihandzeichnungen&#13;&#10;Freihandzeichnungen&#13;&#10;Freihandzeichnungen&#13;&#10;Freihandzeichnungen&#13;&#10;Freihandzeichnungen&#13;&#10;Freihandzeichnungen&#13;&#10;Freihandzeichnungen&#13;&#10;Freihandzeichnungen&#13;&#10;Freihandzeichnungen&#13;&#10;Freihandzeichnungen&#13;&#10;Freihandzeichnungen&#13;&#10;Freihandzeichnungen&#13;&#10;Freihandzeichnungen&#13;&#10;Freihandzeichnungen&#13;&#10;Freihandzeichnungen&#13;&#10;Freihandzeichnungen&#13;&#10;Freihandzeichnungen&#13;&#10;Freihandzeichnungen&#13;&#10;Freihandzeichnungen&#13;&#10;Freihandzeichnungen&#13;&#10;Freihandzeichnungen&#13;&#10;Freihandzeichnungen&#13;&#10;Freihandzeichnungen&#13;&#10;Freihandzeichnungen&#13;&#10;Freihandzeichnungen&#13;&#10;Freihandzeichnungen&#13;&#10;Freihandzeichnungen&#13;&#10;Freihandzeichnungen&#13;&#10;Freihandzeichnungen&#13;&#10;Freihandzeichnungen&#13;&#10;Freihandzeichnungen&#13;&#10;Freihandzeichnungen&#13;&#10;Freihandzeichnungen&#13;&#10;Freihandzeichnungen&#13;&#10;Freihandzeichnungen&#13;&#10;Freihandzeichnungen&#13;&#10;Freihandzeichnungen&#13;&#10;Freihandzeichnungen&#13;&#10;Freihandzeichnungen&#13;&#10;Freihandzeichnungen&#13;&#10;Freihandzeichnungen&#13;&#10;Freihandzeichnungen&#13;&#10;Freihandzeichnungen&#13;&#10;Freihandzeichnungen&#13;&#10;Freihandzeichnungen&#13;&#10;Freihandzeichnungen&#13;&#10;Freihandzeichnungen&#13;&#10;Freihandzeichnungen&#13;&#10;Freihandzeichnungen&#13;&#10;Freihandzeichnungen&#13;&#10;Freihandzeichnungen&#13;&#10;Freihandzeichnungen&#13;&#10;Freihandzeichnungen&#13;&#10;Freihandzeichnungen&#13;&#10;Freihandzeichnungen&#13;&#10;Freihandzeichnungen&#13;&#10;Freihandzeichnungen&#13;&#10;Freihandzeichnungen&#13;&#10;Freihandzeichnungen&#13;&#10;Freihandzeichnungen&#13;&#10;Freihandzeichnungen&#13;&#10;Freihandzeichnungen&#13;&#10;Freihandzeichnungen&#13;&#10;Freihandzeichnungen&#13;&#10;Freihandzeichnungen&#13;&#10;Freihandzeichnungen&#13;&#10;Freihandzeichnungen&#13;&#10;Freihandzeichnungen&#13;&#10;Freihandzeichnungen&#13;&#10;Freihandzeichnungen&#13;&#10;Freihandzeichnungen&#13;&#10;Freihandzeichnungen&#13;&#10;Freihandzeichnungen&#13;&#10;Freihandzeichnungen&#13;&#10;Freihandzeichnungen&#13;&#10;Freihandzeichnungen&#13;&#10;Freihandzeichnungen&#13;&#10;Freihandzeichnungen&#13;&#10;Freihandzeichnungen&#13;&#10;Freihandzeichnungen&#13;&#10;Freihandzeichnungen&#13;&#10;Freihandzeichnungen&#13;&#10;Freihandzeichnungen&#13;&#10;Freihandzeichnungen&#13;&#10;Freihandzeichnungen&#13;&#10;Freihandzeichnungen&#13;&#10;Freihandzeichnungen&#13;&#10;Freihandzeichnungen&#13;&#10;Freihandzeichnungen&#13;&#10;Freihandzeichnungen&#13;&#10;Freihandzeichnungen&#13;&#10;Freihandzeichnungen&#13;&#10;Freihandzeichnungen&#13;&#10;Freihandzeichnungen&#13;&#10;Freihandzeichnungen&#13;&#10;Freihandzeichnungen&#13;&#10;Freihandzeichnungen&#13;&#10;Freihandzeichnungen&#13;&#10;Freihandzeichnungen&#13;&#10;Freihandzeichnungen&#13;&#10;Freihandzeichnungen&#13;&#10;Freihandzeichnungen&#13;&#10;Freihandzeichnungen&#13;&#10;Freihandzeichnungen&#13;&#10;Freihandzeichnungen&#13;&#10;Freihandzeichnungen&#13;&#10;Freihandzeichnungen&#13;&#10;Freihandzeichnungen&#13;&#10;Freihandzeichnungen&#13;&#10;Freihandzeichnungen&#13;&#10;Freihandzeichnungen&#13;&#10;Freihandzeichnungen&#13;&#10;Freihandzeichnungen&#13;&#10;Freihandzeichnungen&#13;&#10;Freihandzeichnungen&#13;&#10;Freihandzeichnungen&#13;&#10;Freihandzeichnungen&#13;&#10;Freihandzeichnungen&#13;&#10;Freihandzeichnungen&#13;&#10;Freihandzeichnungen&#13;&#10;Freihandzeichnungen&#13;&#10;Freihandzeichnungen&#13;&#10;Freihandzeichnungen&#13;&#10;Freihandzeichnungen&#13;&#10;Freihandzeichnungen&#13;&#10;Freihandzeichnungen&#13;&#10;Freihandzeichnungen&#13;&#10;Freihandzeichnungen&#13;&#10;Freihandzeichnungen&#13;&#10;Freihandzeichnungen&#13;&#10;Freihandzeichnungen&#13;&#10;Freihandzeichnungen&#13;&#10;Freihandzeichnungen&#13;&#10;Freihandzeichnungen&#13;&#10;Freihandzeichnungen&#13;&#10;Freihandzeichnungen&#13;&#10;Freihandzeichnungen&#13;&#10;Freihandzeichnungen&#13;&#10;Freihandzeichnungen&#13;&#10;Freihandzeichnungen&#13;&#10;Freihandzeichnungen&#13;&#10;Freihandzeichnungen&#13;&#10;Freihandzeichnungen&#13;&#10;Freihandzeichnungen&#13;&#10;Freihandzeichnungen&#13;&#10;Freihandzeichnungen&#13;&#10;Freihandzeichnungen&#13;&#10;Freihandzeichnungen&#13;&#10;Freihandzeichnungen&#13;&#10;Freihandzeichnungen&#13;&#10;Freihandzeichnungen&#13;&#10;Freihandzeichnungen&#13;&#10;Freihandzeichnungen&#13;&#10;Freihandzeichnungen&#13;&#10;Freihandzeichnungen&#13;&#10;Freihandzeichnungen&#13;&#10;Freihandzeichnungen&#13;&#10;Freihandzeichnungen&#13;&#10;Freihandzeichnungen&#13;&#10;Freihandzeichnungen&#13;&#10;Freihandzeichnungen&#13;&#10;Freihandzeichnungen&#13;&#10;Freihandzeichnungen&#13;&#10;Freihandzeichnungen&#13;&#10;Freihandzeichnungen&#13;&#10;Freihandzeichnungen&#13;&#10;Freihandzeichnungen&#13;&#10;Freihandzeichnungen&#13;&#10;Freihandzeichnungen&#13;&#10;Freihandzeichnungen&#13;&#10;Freihandzeichnungen&#13;&#10;Freihandzeichnungen&#13;&#10;Freihandzeichnungen&#13;&#10;Freihandzeichnungen&#13;&#10;Freihandzeichnungen&#13;&#10;Freihandzeichnungen&#13;&#10;Freihandzeichnungen&#13;&#10;Freihandzeichnungen&#13;&#10;Freihandzeichnungen&#13;&#10;Freihandzeichnungen&#13;&#10;Freihandzeichnungen&#13;&#10;Freihandzeichnungen&#13;&#10;Freihandzeichnungen&#13;&#10;Freihandzeichnungen&#13;&#10;Freihandzeichnungen&#13;&#10;Freihandzeichnungen&#13;&#10;Freihandzeichnungen&#13;&#10;Freihandzeichnungen&#13;&#10;Freihandzeichnungen&#13;&#10;Freihandzeichnungen&#13;&#10;Freihandzeichnungen&#13;&#10;Freihandzeichnungen&#13;&#10;Freihandzeichnungen&#13;&#10;Freihandzeichnungen&#13;&#10;Freihandzeichnungen&#13;&#10;Freihandzeichnungen&#13;&#10;Freihandzeichnungen&#13;&#10;Freihandzeichnungen&#13;&#10;Freihandzeichnungen&#13;&#10;Freihandzeichnungen&#13;&#10;Freihandzeichnungen&#13;&#10;Freihandzeichnungen&#13;&#10;Freihandzeichnungen&#13;&#10;Freihandzeichnungen&#13;&#10;Freihandzeichnungen&#13;&#10;Freihandzeichnungen&#13;&#10;Freihandzeichnungen&#13;&#10;Freihandzeichnungen&#13;&#10;Freihandzeichnungen&#13;&#10;Freihandzeichnungen&#13;&#10;Freihandzeichnungen&#13;&#10;Freihandzeichnungen&#13;&#10;Freihandzeichnungen&#13;&#10;Freihandzeichnungen&#13;&#10;Freihandzeichnungen&#13;&#10;Freihandzeichnungen&#13;&#10;Freihandzeichnungen&#13;&#10;Freihandzeichnungen&#13;&#10;Freihandzeichnungen&#13;&#10;Freihandzeichnungen&#13;&#10;Freihandzeichnungen&#13;&#10;Freihandzeichnungen&#13;&#10;Freihandzeichnungen&#13;&#10;Freihandzeichnungen&#13;&#10;Freihandzeichnungen&#13;&#10;Freihandzeichnungen&#13;&#10;Freihandzeichnungen&#13;&#10;Freihandzeichnungen&#13;&#10;Freihandzeichnungen&#13;&#10;Freihandzeichnungen&#13;&#10;Freihandzeichnungen&#13;&#10;Freihandzeichnungen&#13;&#10;Freihandzeichnungen&#13;&#10;Freihandzeichnungen&#13;&#10;Freihandzeichnungen&#13;&#10;Freihandzeichnungen&#13;&#10;Freihandzeichnungen&#13;&#10;Freihandzeichnungen&#13;&#10;Freihandzeichnungen&#13;&#10;Freihandzeichnungen&#13;&#10;Freihandzeichnungen&#13;&#10;Freihandzeichnungen&#13;&#10;Freihandzeichnungen&#13;&#10;Freihandzeichnungen&#13;&#10;Freihandzeichnungen&#13;&#10;Freihandzeichnungen&#13;&#10;Freihandzeichnungen&#13;&#10;Freihandzeichnungen&#13;&#10;Freihandzeichnungen&#13;&#10;Freihandzeichnungen&#13;&#10;Freihandzeichnungen&#13;&#10;Freihandzeichnungen&#13;&#10;Freihandzeichnungen&#13;&#10;Freihandzeichnungen&#13;&#10;Freihandzeichnungen&#13;&#10;Freihandzeichnungen&#13;&#10;Freihandzeichnungen&#13;&#10;Freihandzeichnungen&#13;&#10;Freihandzeichnungen&#13;&#10;Freihandzeichnungen&#13;&#10;Freihandzeichnungen&#13;&#10;Freihandzeichnungen&#13;&#10;Freihandzeichnungen&#13;&#10;Freihandzeichnungen&#13;&#10;Freihandzeichnungen&#13;&#10;Freihandzeichnungen&#13;&#10;Freihandzeichnungen&#13;&#10;Freihandzeichnungen&#13;&#10;Freihandzeichnungen&#13;&#10;Freihandzeichnungen&#13;&#10;Freihandzeichnungen&#13;&#10;Freihandzeichnungen&#13;&#10;Freihandzeichnungen&#13;&#10;Freihandzeichnungen&#13;&#10;Freihandzeichnungen&#13;&#10;Freihandzeichnungen&#13;&#10;Freihandzeichnungen&#13;&#10;Freihandzeichnungen&#13;&#10;Freihandzeichnungen&#13;&#10;Freihandzeichnungen&#13;&#10;Freihandzeichnungen&#13;&#10;Freihandzeichnungen&#13;&#10;Freihandzeichnungen&#13;&#10;Freihandzeichnungen&#13;&#10;Freihandzeichnungen&#13;&#10;Freihandzeichnungen&#13;&#10;Freihandzeichnungen&#13;&#10;Freihandzeichnungen&#13;&#10;Freihandzeichnungen&#13;&#10;Freihandzeichnungen&#13;&#10;Freihandzeichnungen&#13;&#10;Freihandzeichnungen&#13;&#10;Freihandzeichnungen&#13;&#10;Freihandzeichnungen&#13;&#10;Freihandzeichnungen&#13;&#10;Freihandzeichnungen&#13;&#10;Freihandzeichnungen&#13;&#10;Freihandzeichnungen&#13;&#10;Freihandzeichnungen&#13;&#10;Freihandzeichnungen&#13;&#10;Freihandzeichnungen&#13;&#10;Freihandzeichnungen&#13;&#10;Freihandzeichnungen&#13;&#10;Freihandzeichnungen&#13;&#10;Freihandzeichnungen&#13;&#10;Freihandzeichnungen&#13;&#10;Freihandzeichnungen&#13;&#10;Freihandzeichnungen&#13;&#10;Freihandzeichnungen&#13;&#10;Freihandzeichnungen&#13;&#10;Freihandzeichnungen&#13;&#10;Freihandzeichnungen&#13;&#10;Freihandzeichnungen&#13;&#10;Freihandzeichnungen&#13;&#10;Freihandzeichnungen&#13;&#10;Freihandzeichnungen&#13;&#10;Freihandzeichnungen&#13;&#10;Freihandzeichnungen&#13;&#10;Freihandzeichnungen&#13;&#10;Freihandzeichnungen&#13;&#10;Freihandzeichnungen&#13;&#10;Freihandzeichnungen&#13;&#10;Freihandzeichnungen&#13;&#10;Freihandzeichnungen&#13;&#10;Freihandzeichnungen&#13;&#10;Freihandzeichnungen&#13;&#10;Freihandzeichnungen&#13;&#10;Freihandzeichnungen&#13;&#10;Freihandzeichnungen&#13;&#10;Freihandzeichnungen&#13;&#10;Freihandzeichnungen&#13;&#10;Freihandzeichnungen&#13;&#10;Freihandzeichnungen&#13;&#10;Freihandzeichnungen&#13;&#10;Freihandzeichnungen&#13;&#10;Freihandzeichnungen&#13;&#10;Freihandzeichnungen&#13;&#10;Freihandzeichnungen&#13;&#10;Freihandzeichnungen&#13;&#10;Freihandzeichnungen&#13;&#10;Freihandzeichnungen&#13;&#10;Freihandzeichnungen&#13;&#10;Freihandzeichnungen&#13;&#10;Freihandzeichnungen&#13;&#10;Freihandzeichnungen&#13;&#10;Freihandzeichnungen&#13;&#10;Freihandzeichnungen&#13;&#10;Freihandzeichnungen&#13;&#10;Freihandzeichnungen&#13;&#10;Freihandzeichnungen&#13;&#10;Freihandzeichnungen&#13;&#10;Freihandzeichnungen&#13;&#10;Freihandzeichnungen&#13;&#10;Freihandzeichnungen&#13;&#10;Freihandzeichnungen&#13;&#10;Freihandzeichnungen&#13;&#10;Freihandzeichnungen&#13;&#10;Freihandzeichnungen&#13;&#10;Freihandzeichnungen&#13;&#10;Freihandzeichnungen&#13;&#10;Freihandzeichnungen&#13;&#10;Freihandzeichnungen&#13;&#10;Freihandzeichnungen&#13;&#10;Freihandzeichnungen&#13;&#10;Freihandzeichnungen&#13;&#10;Freihandzeichnungen&#13;&#10;Freihandzeichnungen&#13;&#10;Freihandzeichnungen&#13;&#10;Freihandzeichnungen&#13;&#10;Freihandzeichnungen&#13;&#10;Freihandzeichnungen&#13;&#10;Freihandzeichnungen&#13;&#10;Freihandzeichnungen&#13;&#10;Freihandzeichnungen&#13;&#10;Freihandzeichnungen&#13;&#10;Freihandzeichnungen&#13;&#10;Freihandzeichnungen&#13;&#10;Freihandzeichnungen&#13;&#10;Freihandzeichnungen&#13;&#10;Freihandzeichnungen&#13;&#10;Freihandzeichnungen&#13;&#10;Freihandzeichnungen&#13;&#10;Freihandzeichnungen&#13;&#10;Freihandzeichnungen&#13;&#10;Freihandzeichnungen&#13;&#10;Freihandzeichnungen&#13;&#10;Freihandzeichnungen&#13;&#10;Freihandzeichnungen&#13;&#10;Freihandzeichnungen&#13;&#10;Freihandzeichnungen&#13;&#10;Freihandzeichnungen&#13;&#10;Freihandzeichnungen&#13;&#10;Freihandzeichnungen&#13;&#10;Freihandzeichnungen&#13;&#10;Freihandzeichnungen&#13;&#10;Freihandzeichnungen&#13;&#10;Freihandzeichnungen&#13;&#10;Freihandzeichnungen&#13;&#10;Freihandzeichnungen&#13;&#10;Freihandzeichnungen&#13;&#10;Freihandzeichnungen&#13;&#10;Freihandzeichnungen&#13;&#10;Freihandzeichnungen&#13;&#10;Freihandzeichnungen&#13;&#10;Freihandzeichnungen&#13;&#10;Freihandzeichnungen&#13;&#10;Freihandzeichnungen&#13;&#10;Freihandzeichnungen&#13;&#10;Freihandzeichnungen&#13;&#10;Freihandzeichnungen&#13;&#10;Freihandzeichnungen&#13;&#10;Freihandzeichnungen&#13;&#10;Freihandzeichnungen&#13;&#10;Freihandzeichnungen&#13;&#10;Freihandzeichnungen&#13;&#10;Freihandzeichnungen&#13;&#10;Freihandzeichnungen&#13;&#10;Freihandzeichnungen&#13;&#10;Freihandzeichnungen&#13;&#10;Freihandzeichnungen&#13;&#10;Freihandzeichnungen&#13;&#10;Freihandzeichnungen&#13;&#10;Freihandzeichnungen&#13;&#10;Freihandzeichnungen&#13;&#10;Freihandzeichnungen&#13;&#10;Freihandzeichnungen&#13;&#10;Freihandzeichnungen&#13;&#10;Freihandzeichnungen&#13;&#10;Freihandzeichnungen&#13;&#10;Freihandzeichnungen&#13;&#10;Freihandzeichnungen&#13;&#10;Freihandzeichnungen&#13;&#10;Freihandzeichnungen&#13;&#10;Freihandzeichnungen&#13;&#10;Freihandzeichnungen&#13;&#10;Freihandzeichnungen&#13;&#10;Freihandzeichnungen&#13;&#10;Freihandzeichnungen&#13;&#10;Freihandzeichnungen&#13;&#10;Freihandzeichnungen&#13;&#10;Freihandzeichnungen&#13;&#10;Freihandzeichnungen&#13;&#10;Freihandzeichnungen&#13;&#10;Freihandzeichnungen&#13;&#10;Freihandzeichnungen&#13;&#10;Freihandzeichnungen&#13;&#10;Freihandzeichnungen&#13;&#10;Freihandzeichnungen&#13;&#10;Freihandzeichnungen&#13;&#10;Freihandzeichnungen&#13;&#10;Freihandzeichnungen&#13;&#10;Freihandzeichnungen&#13;&#10;Freihandzeichnungen&#13;&#10;Freihandzeichnungen&#13;&#10;Freihandzeichnungen&#13;&#10;Freihandzeichnungen&#13;&#10;Freihandzeichnungen&#13;&#10;Freihandzeichnungen&#13;&#10;Freihandzeichnungen&#13;&#10;Freihandzeichnungen&#13;&#10;Freihandzeichnungen&#13;&#10;Freihandzeichnungen&#13;&#10;Freihandzeichnungen&#13;&#10;Freihandzeichnungen&#13;&#10;Freihandzeichnungen&#13;&#10;Freihandzeichnungen&#13;&#10;Freihandzeichnungen&#13;&#10;Freihandzeichnungen&#13;&#10;Freihandzeichnungen&#13;&#10;Freihandzeichnungen&#13;&#10;Freihandzeichnungen&#13;&#10;Freihandzeichnungen&#13;&#10;Freihandzeichnungen&#13;&#10;Freihandzeichnungen&#13;&#10;Freihandzeichnungen&#13;&#10;Freihandzeichnungen&#13;&#10;Freihandzeichnungen&#13;&#10;Freihandzeichnungen&#13;&#10;Freihandzeichnungen&#13;&#10;Freihandzeichnungen&#13;&#10;Freihandzeichnungen&#13;&#10;Freihandzeichnungen&#13;&#10;Freihandzeichnungen&#13;&#10;Freihandzeichnungen&#13;&#10;Freihandzeichnungen&#13;&#10;Freihandzeichnungen&#13;&#10;Freihandzeichnungen&#13;&#10;Freihandzeichnungen&#13;&#10;Freihandzeichnungen&#13;&#10;Freihandzeichnungen&#13;&#10;Freihandzeichnungen&#13;&#10;Freihandzeichnungen&#13;&#10;Freihandzeichnungen&#13;&#10;Freihandzeichnungen&#13;&#10;Freihandzeichnungen&#13;&#10;Freihandzeichnungen&#13;&#10;Freihandzeichnungen&#13;&#10;Freihandzeichnungen&#13;&#10;Freihandzeichnungen&#13;&#10;Freihandzeichnungen&#13;&#10;Freihandzeichnungen&#13;&#10;Freihandzeichnungen&#13;&#10;Freihandzeichnungen&#13;&#10;Freihandzeichnungen&#13;&#10;Freihandzeichnungen&#13;&#10;Freihandzeichnungen&#13;&#10;Freihandzeichnungen&#13;&#10;Freihandzeichnungen&#13;&#10;Freihandzeichnungen&#13;&#10;Freihandzeichnungen&#13;&#10;Freihandzeichnungen&#13;&#10;Freihandzeichnungen&#13;&#10;Freihandzeichnungen&#13;&#10;Freihandzeichnungen&#13;&#10;Freihandzeichnungen&#13;&#10;Freihandzeichnungen&#13;&#10;Freihandzeichnungen&#13;&#10;Freihandzeichnungen&#13;&#10;Freihandzeichnungen&#13;&#10;Freihandzeichnungen&#13;&#10;Freihandzeichnungen&#13;&#10;Freihandzeichnungen&#13;&#10;Freihandzeichnungen&#13;&#10;Freihandzeichnungen&#13;&#10;Freihandzeichnungen&#13;&#10;Freihandzeichnungen&#13;&#10;Freihandzeichnungen&#13;&#10;Freihandzeichnungen&#13;&#10;Freihandzeichnungen&#13;&#10;Freihandzeichnungen&#13;&#10;Freihandzeichnungen&#13;&#10;Freihandzeichnungen&#13;&#10;Freihandzeichnungen&#13;&#10;Freihandzeichnungen&#13;&#10;Freihandzeichnungen&#13;&#10;Freihandzeichnungen&#13;&#10;Freihandzeichnungen&#13;&#10;Freihandzeichnungen&#13;&#10;Freihandzeichnungen&#13;&#10;Freihandzeichnungen&#13;&#10;Freihandzeichnungen&#13;&#10;Freihandzeichnungen&#13;&#10;Freihandzeichnungen&#13;&#10;Freihandzeichnungen&#13;&#10;Freihandzeichnungen&#13;&#10;Freihandzeichnungen&#13;&#10;Freihandzeichnungen&#13;&#10;Freihandzeichnungen&#13;&#10;Freihandzeichnungen&#13;&#10;Freihandzeichnungen&#13;&#10;Freihandzeichnungen&#13;&#10;Freihandzeichnungen&#13;&#10;Freihandzeichnungen&#13;&#10;Freihandzeichnungen&#13;&#10;Freihandzeichnungen&#13;&#10;Freihandzeichnungen&#13;&#10;Freihandzeichnungen&#13;&#10;Freihandzeichnungen&#13;&#10;Freihandzeichnungen&#13;&#10;Freihandzeichnungen&#13;&#10;Freihandzeichnungen&#13;&#10;Freihandzeichnungen&#13;&#10;Freihandzeichnungen&#13;&#10;Freihandzeichnungen&#13;&#10;Freihandzeichnungen&#13;&#10;Freihandzeichnungen&#13;&#10;Freihandzeichnungen&#13;&#10;Freihandzeichnungen&#13;&#10;Freihandzeichnungen&#13;&#10;Freihandzeichnungen&#13;&#10;Freihandzeichnungen&#13;&#10;Freihandzeichnungen&#13;&#10;Freihandzeichnungen&#13;&#10;Freihandzeichnungen&#13;&#10;Freihandzeichnungen&#13;&#10;Freihandzeichnungen&#13;&#10;Freihandzeichnungen&#13;&#10;Freihandzeichnungen&#13;&#10;Freihandzeichnungen&#13;&#10;Freihandzeichnungen&#13;&#10;Freihandzeichnungen&#13;&#10;Freihandzeichnungen&#13;&#10;Freihandzeichnungen&#13;&#10;Freihandzeichnungen&#13;&#10;Freihandzeichnungen&#13;&#10;Freihandzeichnungen&#13;&#10;Freihandzeichnungen&#13;&#10;Freihandzeichnungen&#13;&#10;Freihandzeichnungen&#13;&#10;Freihandzeichnungen&#13;&#10;Freihandzeichnungen&#13;&#10;Freihandzeichnungen&#13;&#10;Freihandzeichnungen&#13;&#10;Freihandzeichnungen&#13;&#10;Freihandzeichnungen&#13;&#10;Freihandzeichnungen&#13;&#10;Freihandzeichnungen&#13;&#10;Freihandzeichnungen&#13;&#10;Freihandzeichnungen&#13;&#10;Freihandzeichnungen&#13;&#10;Freihandzeichnungen&#13;&#10;Freihandzeichnungen&#13;&#10;Freihandzeichnungen&#13;&#10;Freihandzeichnungen&#13;&#10;Freihandzeichnungen&#13;&#10;Freihandzeichnungen&#13;&#10;Freihandzeichnungen&#13;&#10;Freihandzeichnungen&#13;&#10;Freihandzeichnungen&#13;&#10;Freihandzeichnungen&#13;&#10;Freihandzeichnungen&#13;&#10;Freihandzeichnungen&#13;&#10;Freihandzeichnungen&#13;&#10;Freihandzeichnungen&#13;&#10;Freihandzeichnungen&#13;&#10;Freihandzeichnungen&#13;&#10;Freihandzeichnungen&#13;&#10;Freihandzeichnungen&#13;&#10;Freihandzeichnungen&#13;&#10;Freihandzeichnungen&#13;&#10;Freihandzeichnungen&#13;&#10;Freihandzeichnungen&#13;&#10;Freihandzeichnungen&#13;&#10;Freihandzeichnungen&#13;&#10;Freihandzeichnungen&#13;&#10;Freihandzeichnungen&#13;&#10;Freihandzeichnungen&#13;&#10;Freihandzeichnungen&#13;&#10;Freihandzeichnungen&#13;&#10;Freihandzeichnungen&#13;&#10;Freihandzeichnungen&#13;&#10;Freihandzeichnungen&#13;&#10;Freihandzeichnungen&#13;&#10;Freihandzeichnungen&#13;&#10;Freihandzeichnungen&#13;&#10;Freihandzeichnungen&#13;&#10;Freihandzeichnungen&#13;&#10;Freihandzeichnungen&#13;&#10;Freihandzeichnungen&#13;&#10;Freihandzeichnungen&#13;&#10;Freihandzeichnungen&#13;&#10;Freihandzeichnungen&#13;&#10;Freihandzeichnungen&#13;&#10;Freihandzeichnungen&#13;&#10;Freihandzeichnungen&#13;&#10;Freihandzeichnungen&#13;&#10;Freihandzeichnungen&#13;&#10;Freihandzeichnungen&#13;&#10;Freihandzeichnungen&#13;&#10;Freihandzeichnungen&#13;&#10;Freihandzeichnungen&#13;&#10;Freihandzeichnungen&#13;&#10;Freihandzeichnungen&#13;&#10;Freihandzeichnungen&#13;&#10;Freihandzeichnungen&#13;&#10;Freihandzeichnungen&#13;&#10;Freihandzeichnungen&#13;&#10;Freihandzeichnungen&#13;&#10;Freihandzeichnungen&#13;&#10;Freihandzeichnungen&#13;&#10;Freihandzeichnungen&#13;&#10;Freihandzeichnungen&#13;&#10;Freihandzeichnungen&#13;&#10;Freihandzeichnungen&#13;&#10;Freihandzeichnungen&#13;&#10;Freihandzeichnungen&#13;&#10;Freihandzeichnungen&#13;&#10;Freihandzeichnungen&#13;&#10;Freihandzeichnungen&#13;&#10;Freihandzeichnungen&#13;&#10;Freihandzeichnungen&#13;&#10;Freihandzeichnungen&#13;&#10;Freihandzeichnungen&#13;&#10;Freihandzeichnungen&#13;&#10;Freihandzeichnungen&#13;&#10;Freihandzeichnungen&#13;&#10;Freihandzeichnungen&#13;&#10;Freihandzeichnungen&#13;&#10;Freihandzeichnungen&#13;&#10;Freihandzeichnungen&#13;&#10;Freihandzeichnungen&#13;&#10;Freihandzeichnungen&#13;&#10;Freihandzeichnungen&#13;&#10;Freihandzeichnungen&#13;&#10;Freihandzeichnungen&#13;&#10;Freihandzeichnungen&#13;&#10;Freihandzeichnungen&#13;&#10;Freihandzeichnungen&#13;&#10;Freihandzeichnungen&#13;&#10;Freihandzeichnungen&#13;&#10;Freihandzeichnungen&#13;&#10;Freihandzeichnungen&#13;&#10;Freihandzeichnungen&#13;&#10;Freihandzeichnungen&#13;&#10;Freihandzeichnungen&#13;&#10;Freihandzeichnungen&#13;&#10;Freihandzeichnungen&#13;&#10;Freihandzeichnungen&#13;&#10;Freihandzeichnungen&#13;&#10;Freihandzeichnungen&#13;&#10;Freihandzeichnungen&#13;&#10;Freihandzeichnungen&#13;&#10;Freihandzeichnungen&#13;&#10;Freihandzeichnungen&#13;&#10;Freihandzeichnungen&#13;&#10;Freihandzeichnungen&#13;&#10;Freihandzeichnungen&#13;&#10;Freihandzeichnungen&#13;&#10;Freihandzeichnungen&#13;&#10;Freihandzeichnungen&#13;&#10;Freihandzeichnungen&#13;&#10;Freihandzeichnungen&#13;&#10;Freihandzeichnungen&#13;&#10;Freihandzeichnungen&#13;&#10;Freihandzeichnungen&#13;&#10;Freihandzeichnungen&#13;&#10;Freihandzeichnungen&#13;&#10;Freihandzeichnungen&#13;&#10;Freihandzeichnungen&#13;&#10;Freihandzeichnungen&#13;&#10;Freihandzeichnungen&#13;&#10;Freihandzeichnungen&#13;&#10;Freihandzeichnungen&#13;&#10;Freihandzeichnungen&#13;&#10;Freihandzeichnungen&#13;&#10;Freihandzeichnungen&#13;&#10;Freihandzeichnungen&#13;&#10;Freihandzeichnungen&#13;&#10;Freihandzeichnungen&#13;&#10;Freihandzeichnungen&#13;&#10;Freihandzeichnungen&#13;&#10;Freihandzeichnungen&#13;&#10;Freihandzeichnungen&#13;&#10;Freihandzeichnungen&#13;&#10;Freihandzeichnungen&#13;&#10;Freihandzeichnungen&#13;&#10;Freihandzeichnungen&#13;&#10;Freihandzeichnungen&#13;&#10;Freihandzeichnungen&#13;&#10;Freihandzeichnungen&#13;&#10;Freihandzeichnungen&#13;&#10;Freihandzeichnungen&#13;&#10;Freihandzeichnungen&#13;&#10;Freihandzeichnungen&#13;&#10;Freihandzeichnungen&#13;&#10;Freihandzeichnungen&#13;&#10;Freihandzeichnungen&#13;&#10;Freihandzeichnungen&#13;&#10;Freihandzeichnungen&#13;&#10;Freihandzeichnungen&#13;&#10;Freihandzeichnungen&#13;&#10;Freihandzeichnungen&#13;&#10;Freihandzeichnungen&#13;&#10;Freihandzeichnungen&#13;&#10;Freihandzeichnungen&#13;&#10;Freihandzeichnungen&#13;&#10;Freihandzeichnungen&#13;&#10;Freihandzeichnungen&#13;&#10;Freihandzeichnungen&#13;&#10;Freihandzeichnungen&#13;&#10;Freihandzeichnungen&#13;&#10;Freihandzeichnungen&#13;&#10;Freihandzeichnungen&#13;&#10;Freihandzeichnungen&#13;&#10;Freihandzeichnungen&#13;&#10;Freihandzeichnungen&#13;&#10;Freihandzeichnungen&#13;&#10;Freihandzeichnungen&#13;&#10;Freihandzeichnungen&#13;&#10;Freihandzeichnungen&#13;&#10;Freihandzeichnungen&#13;&#10;Freihandzeichnungen&#13;&#10;Freihandzeichnungen&#13;&#10;Freihandzeichnungen&#13;&#10;Freihandzeichnungen&#13;&#10;">
-            <a:extLst>
-              <a:ext uri="{FF2B5EF4-FFF2-40B4-BE49-F238E27FC236}">
-                <a16:creationId xmlns:a16="http://schemas.microsoft.com/office/drawing/2014/main" id="{E5DE37EB-A942-D9CE-87CC-B67548F82152}"/>
-              </a:ext>
-            </a:extLst>
-          </p:cNvPr>
-          <p:cNvPicPr>
-            <a:picLocks noChangeAspect="1" noChangeArrowheads="1"/>
-          </p:cNvPicPr>
-          <p:nvPr/>
-        </p:nvPicPr>
-        <p:blipFill>
-          <a:blip r:embed="rId7">
-            <a:extLst>
-              <a:ext uri="{28A0092B-C50C-407E-A947-70E740481C1C}">
-                <a14:useLocalDpi xmlns:a14="http://schemas.microsoft.com/office/drawing/2010/main" val="0"/>
-              </a:ext>
-            </a:extLst>
-          </a:blip>
-          <a:srcRect/>
-          <a:stretch>
-            <a:fillRect/>
-          </a:stretch>
-        </p:blipFill>
-        <p:spPr bwMode="auto">
-          <a:xfrm>
-            <a:off x="4392613" y="11244263"/>
-            <a:ext cx="12814300" cy="12128500"/>
-          </a:xfrm>
-          <a:prstGeom prst="rect">
-            <a:avLst/>
-          </a:prstGeom>
-          <a:noFill/>
-          <a:extLst>
-            <a:ext uri="{909E8E84-426E-40DD-AFC4-6F175D3DCCD1}">
-              <a14:hiddenFill xmlns:a14="http://schemas.microsoft.com/office/drawing/2010/main">
-                <a:solidFill>
-                  <a:srgbClr val="FFFFFF"/>
-                </a:solidFill>
-              </a14:hiddenFill>
-            </a:ext>
-          </a:extLst>
-        </p:spPr>
-      </p:pic>
-      <p:pic>
-        <p:nvPicPr>
-          <p:cNvPr id="1032" name="Picture 8" descr="Freihandzeichnungen&#13;&#10;Freihandzeichnungen&#13;&#10;Freihandzeichnungen&#13;&#10;Freihandzeichnungen&#13;&#10;Freihandzeichnungen&#13;&#10;Freihandzeichnungen&#13;&#10;Freihandzeichnungen&#13;&#10;Freihandzeichnungen&#13;&#10;Freihandzeichnungen&#13;&#10;Freihandzeichnungen&#13;&#10;Freihandzeichnungen&#13;&#10;Freihandzeichnungen&#13;&#10;Freihandzeichnungen&#13;&#10;Freihandzeichnungen&#13;&#10;Freihandzeichnungen&#13;&#10;Freihandzeichnungen&#13;&#10;Freihandzeichnungen&#13;&#10;Freihandzeichnungen&#13;&#10;Freihandzeichnungen&#13;&#10;Freihandzeichnungen&#13;&#10;Freihandzeichnungen&#13;&#10;Freihandzeichnungen&#13;&#10;Freihandzeichnungen&#13;&#10;Freihandzeichnungen&#13;&#10;Freihandzeichnungen&#13;&#10;Freihandzeichnungen&#13;&#10;Freihandzeichnungen&#13;&#10;Freihandzeichnungen&#13;&#10;Freihandzeichnungen&#13;&#10;Freihandzeichnungen&#13;&#10;Freihandzeichnungen&#13;&#10;Freihandzeichnungen&#13;&#10;Freihandzeichnungen&#13;&#10;Freihandzeichnungen&#13;&#10;Freihandzeichnungen&#13;&#10;Freihandzeichnungen&#13;&#10;Freihandzeichnungen&#13;&#10;Freihandzeichnungen&#13;&#10;Freihandzeichnungen&#13;&#10;Freihandzeichnungen&#13;&#10;Freihandzeichnungen&#13;&#10;Freihandzeichnungen&#13;&#10;Freihandzeichnungen&#13;&#10;Freihandzeichnungen&#13;&#10;Freihandzeichnungen&#13;&#10;Freihandzeichnungen&#13;&#10;Freihandzeichnungen&#13;&#10;Freihandzeichnungen&#13;&#10;Freihandzeichnungen&#13;&#10;Freihandzeichnungen&#13;&#10;Freihandzeichnungen&#13;&#10;Freihandzeichnungen&#13;&#10;Freihandzeichnungen&#13;&#10;Freihandzeichnungen&#13;&#10;Freihandzeichnungen&#13;&#10;Freihandzeichnungen&#13;&#10;Freihandzeichnungen&#13;&#10;Freihandzeichnungen&#13;&#10;Freihandzeichnungen&#13;&#10;Freihandzeichnungen&#13;&#10;Freihandzeichnungen&#13;&#10;Freihandzeichnungen&#13;&#10;Freihandzeichnungen&#13;&#10;Freihandzeichnungen&#13;&#10;Freihandzeichnungen&#13;&#10;Freihandzeichnungen&#13;&#10;Freihandzeichnungen&#13;&#10;Freihandzeichnungen&#13;&#10;Freihandzeichnungen&#13;&#10;Freihandzeichnungen&#13;&#10;Freihandzeichnungen&#13;&#10;Freihandzeichnungen&#13;&#10;Freihandzeichnungen&#13;&#10;Freihandzeichnungen&#13;&#10;Freihandzeichnungen&#13;&#10;Freihandzeichnungen&#13;&#10;Freihandzeichnungen&#13;&#10;Freihandzeichnungen&#13;&#10;Freihandzeichnungen&#13;&#10;Freihandzeichnungen&#13;&#10;Freihandzeichnungen&#13;&#10;Freihandzeichnungen&#13;&#10;Freihandzeichnungen&#13;&#10;Freihandzeichnungen&#13;&#10;Freihandzeichnungen&#13;&#10;Freihandzeichnungen&#13;&#10;Freihandzeichnungen&#13;&#10;Freihandzeichnungen&#13;&#10;Freihandzeichnungen&#13;&#10;Freihandzeichnungen&#13;&#10;Freihandzeichnungen&#13;&#10;Freihandzeichnungen&#13;&#10;Freihandzeichnungen&#13;&#10;Freihandzeichnungen&#13;&#10;Freihandzeichnungen&#13;&#10;Freihandzeichnungen&#13;&#10;Freihandzeichnungen&#13;&#10;Freihandzeichnungen&#13;&#10;Freihandzeichnungen&#13;&#10;Freihandzeichnungen&#13;&#10;Freihandzeichnungen&#13;&#10;Freihandzeichnungen&#13;&#10;Freihandzeichnungen&#13;&#10;Freihandzeichnungen&#13;&#10;Freihandzeichnungen&#13;&#10;Freihandzeichnungen&#13;&#10;Freihandzeichnungen&#13;&#10;Freihandzeichnungen&#13;&#10;Freihandzeichnungen&#13;&#10;Freihandzeichnungen&#13;&#10;Freihandzeichnungen&#13;&#10;Freihandzeichnungen&#13;&#10;Freihandzeichnungen&#13;&#10;Freihandzeichnungen&#13;&#10;Freihandzeichnungen&#13;&#10;Freihandzeichnungen&#13;&#10;Freihandzeichnungen&#13;&#10;Freihandzeichnungen&#13;&#10;Freihandzeichnungen&#13;&#10;Freihandzeichnungen&#13;&#10;Freihandzeichnungen&#13;&#10;Freihandzeichnungen&#13;&#10;Freihandzeichnungen&#13;&#10;Freihandzeichnungen&#13;&#10;Freihandzeichnungen&#13;&#10;Freihandzeichnungen&#13;&#10;Freihandzeichnungen&#13;&#10;Freihandzeichnungen&#13;&#10;Freihandzeichnungen&#13;&#10;Freihandzeichnungen&#13;&#10;Freihandzeichnungen&#13;&#10;Freihandzeichnungen&#13;&#10;Freihandzeichnungen&#13;&#10;Freihandzeichnungen&#13;&#10;Freihandzeichnungen&#13;&#10;Freihandzeichnungen&#13;&#10;Freihandzeichnungen&#13;&#10;Freihandzeichnungen&#13;&#10;Freihandzeichnungen&#13;&#10;Freihandzeichnungen&#13;&#10;Freihandzeichnungen&#13;&#10;Freihandzeichnungen&#13;&#10;Freihandzeichnungen&#13;&#10;Freihandzeichnungen&#13;&#10;Freihandzeichnungen&#13;&#10;Freihandzeichnungen&#13;&#10;Freihandzeichnungen&#13;&#10;Freihandzeichnungen&#13;&#10;Freihandzeichnungen&#13;&#10;Freihandzeichnungen&#13;&#10;Freihandzeichnungen&#13;&#10;Freihandzeichnungen&#13;&#10;Freihandzeichnungen&#13;&#10;Freihandzeichnungen&#13;&#10;Freihandzeichnungen&#13;&#10;Freihandzeichnungen&#13;&#10;Freihandzeichnungen&#13;&#10;Freihandzeichnungen&#13;&#10;Freihandzeichnungen&#13;&#10;Freihandzeichnungen&#13;&#10;Freihandzeichnungen&#13;&#10;Freihandzeichnungen&#13;&#10;Freihandzeichnungen&#13;&#10;Freihandzeichnungen&#13;&#10;Freihandzeichnungen&#13;&#10;Freihandzeichnungen&#13;&#10;Freihandzeichnungen&#13;&#10;Freihandzeichnungen&#13;&#10;Freihandzeichnungen&#13;&#10;Freihandzeichnungen&#13;&#10;Freihandzeichnungen&#13;&#10;Freihandzeichnungen&#13;&#10;Freihandzeichnungen&#13;&#10;Freihandzeichnungen&#13;&#10;Freihandzeichnungen&#13;&#10;Freihandzeichnungen&#13;&#10;Freihandzeichnungen&#13;&#10;Freihandzeichnungen&#13;&#10;Freihandzeichnungen&#13;&#10;Freihandzeichnungen&#13;&#10;Freihandzeichnungen&#13;&#10;Freihandzeichnungen&#13;&#10;Freihandzeichnungen&#13;&#10;Freihandzeichnungen&#13;&#10;Freihandzeichnungen&#13;&#10;Freihandzeichnungen&#13;&#10;Freihandzeichnungen&#13;&#10;Freihandzeichnungen&#13;&#10;Freihandzeichnungen&#13;&#10;Freihandzeichnungen&#13;&#10;Freihandzeichnungen&#13;&#10;Freihandzeichnungen&#13;&#10;Freihandzeichnungen&#13;&#10;Freihandzeichnungen&#13;&#10;Freihandzeichnungen&#13;&#10;Freihandzeichnungen&#13;&#10;Freihandzeichnungen&#13;&#10;Freihandzeichnungen&#13;&#10;Freihandzeichnungen&#13;&#10;Freihandzeichnungen&#13;&#10;Freihandzeichnungen&#13;&#10;Freihandzeichnungen&#13;&#10;Freihandzeichnungen&#13;&#10;Freihandzeichnungen&#13;&#10;Freihandzeichnungen&#13;&#10;Freihandzeichnungen&#13;&#10;Freihandzeichnungen&#13;&#10;Freihandzeichnungen&#13;&#10;Freihandzeichnungen&#13;&#10;Freihandzeichnungen&#13;&#10;Freihandzeichnungen&#13;&#10;Freihandzeichnungen&#13;&#10;Freihandzeichnungen&#13;&#10;Freihandzeichnungen&#13;&#10;Freihandzeichnungen&#13;&#10;Freihandzeichnungen&#13;&#10;Freihandzeichnungen&#13;&#10;Freihandzeichnungen&#13;&#10;Freihandzeichnungen&#13;&#10;Freihandzeichnungen&#13;&#10;Freihandzeichnungen&#13;&#10;Freihandzeichnungen&#13;&#10;Freihandzeichnungen&#13;&#10;Freihandzeichnungen&#13;&#10;Freihandzeichnungen&#13;&#10;Freihandzeichnungen&#13;&#10;Freihandzeichnungen&#13;&#10;Freihandzeichnungen&#13;&#10;Freihandzeichnungen&#13;&#10;Freihandzeichnungen&#13;&#10;Freihandzeichnungen&#13;&#10;Freihandzeichnungen&#13;&#10;Freihandzeichnungen&#13;&#10;Freihandzeichnungen&#13;&#10;Freihandzeichnungen&#13;&#10;Freihandzeichnungen&#13;&#10;Freihandzeichnungen&#13;&#10;Freihandzeichnungen&#13;&#10;Freihandzeichnungen&#13;&#10;Freihandzeichnungen&#13;&#10;Freihandzeichnungen&#13;&#10;Freihandzeichnungen&#13;&#10;Freihandzeichnungen&#13;&#10;Freihandzeichnungen&#13;&#10;Freihandzeichnungen&#13;&#10;Freihandzeichnungen&#13;&#10;Freihandzeichnungen&#13;&#10;Freihandzeichnungen&#13;&#10;Freihandzeichnungen&#13;&#10;Freihandzeichnungen&#13;&#10;Freihandzeichnungen&#13;&#10;Freihandzeichnungen&#13;&#10;Freihandzeichnungen&#13;&#10;Freihandzeichnungen&#13;&#10;Freihandzeichnungen&#13;&#10;Freihandzeichnungen&#13;&#10;Freihandzeichnungen&#13;&#10;Freihandzeichnungen&#13;&#10;Freihandzeichnungen&#13;&#10;Freihandzeichnungen&#13;&#10;Freihandzeichnungen&#13;&#10;Freihandzeichnungen&#13;&#10;Freihandzeichnungen&#13;&#10;Freihandzeichnungen&#13;&#10;Freihandzeichnungen&#13;&#10;Freihandzeichnungen&#13;&#10;Freihandzeichnungen&#13;&#10;Freihandzeichnungen&#13;&#10;Freihandzeichnungen&#13;&#10;Freihandzeichnungen&#13;&#10;Freihandzeichnungen&#13;&#10;Freihandzeichnungen&#13;&#10;Freihandzeichnungen&#13;&#10;Freihandzeichnungen&#13;&#10;Freihandzeichnungen&#13;&#10;Freihandzeichnungen&#13;&#10;Freihandzeichnungen&#13;&#10;Freihandzeichnungen&#13;&#10;Freihandzeichnungen&#13;&#10;Freihandzeichnungen&#13;&#10;Freihandzeichnungen&#13;&#10;Freihandzeichnungen&#13;&#10;Freihandzeichnungen&#13;&#10;Freihandzeichnungen&#13;&#10;Freihandzeichnungen&#13;&#10;Freihandzeichnungen&#13;&#10;Freihandzeichnungen&#13;&#10;Freihandzeichnungen&#13;&#10;Freihandzeichnungen&#13;&#10;Freihandzeichnungen&#13;&#10;Freihandzeichnungen&#13;&#10;Freihandzeichnungen&#13;&#10;Freihandzeichnungen&#13;&#10;Freihandzeichnungen&#13;&#10;Freihandzeichnungen&#13;&#10;Freihandzeichnungen&#13;&#10;Freihandzeichnungen&#13;&#10;Freihandzeichnungen&#13;&#10;Freihandzeichnungen&#13;&#10;Freihandzeichnungen&#13;&#10;Freihandzeichnungen&#13;&#10;Freihandzeichnungen&#13;&#10;Freihandzeichnungen&#13;&#10;Freihandzeichnungen&#13;&#10;Freihandzeichnungen&#13;&#10;Freihandzeichnungen&#13;&#10;Freihandzeichnungen&#13;&#10;Freihandzeichnungen&#13;&#10;Freihandzeichnungen&#13;&#10;Freihandzeichnungen&#13;&#10;Freihandzeichnungen&#13;&#10;Freihandzeichnungen&#13;&#10;Freihandzeichnungen&#13;&#10;Freihandzeichnungen&#13;&#10;Freihandzeichnungen&#13;&#10;Freihandzeichnungen&#13;&#10;Freihandzeichnungen&#13;&#10;Freihandzeichnungen&#13;&#10;Freihandzeichnungen&#13;&#10;Freihandzeichnungen&#13;&#10;Freihandzeichnungen&#13;&#10;Freihandzeichnungen&#13;&#10;Freihandzeichnungen&#13;&#10;Freihandzeichnungen&#13;&#10;Freihandzeichnungen&#13;&#10;Freihandzeichnungen&#13;&#10;Freihandzeichnungen&#13;&#10;Freihandzeichnungen&#13;&#10;Freihandzeichnungen&#13;&#10;Freihandzeichnungen&#13;&#10;Freihandzeichnungen&#13;&#10;Freihandzeichnungen&#13;&#10;Freihandzeichnungen&#13;&#10;Freihandzeichnungen&#13;&#10;Freihandzeichnungen&#13;&#10;Freihandzeichnungen&#13;&#10;Freihandzeichnungen&#13;&#10;Freihandzeichnungen&#13;&#10;Freihandzeichnungen&#13;&#10;Freihandzeichnungen&#13;&#10;Freihandzeichnungen&#13;&#10;Freihandzeichnungen&#13;&#10;Freihandzeichnungen&#13;&#10;Freihandzeichnungen&#13;&#10;Freihandzeichnungen&#13;&#10;Freihandzeichnungen&#13;&#10;Freihandzeichnungen&#13;&#10;Freihandzeichnungen&#13;&#10;Freihandzeichnungen&#13;&#10;Freihandzeichnungen&#13;&#10;Freihandzeichnungen&#13;&#10;Freihandzeichnungen&#13;&#10;Freihandzeichnungen&#13;&#10;Freihandzeichnungen&#13;&#10;Freihandzeichnungen&#13;&#10;Freihandzeichnungen&#13;&#10;Freihandzeichnungen&#13;&#10;Freihandzeichnungen&#13;&#10;Freihandzeichnungen&#13;&#10;Freihandzeichnungen&#13;&#10;Freihandzeichnungen&#13;&#10;Freihandzeichnungen&#13;&#10;Freihandzeichnungen&#13;&#10;Freihandzeichnungen&#13;&#10;Freihandzeichnungen&#13;&#10;Freihandzeichnungen&#13;&#10;Freihandzeichnungen&#13;&#10;Freihandzeichnungen&#13;&#10;Freihandzeichnungen&#13;&#10;Freihandzeichnungen&#13;&#10;Freihandzeichnungen&#13;&#10;Freihandzeichnungen&#13;&#10;Freihandzeichnungen&#13;&#10;Freihandzeichnungen&#13;&#10;Freihandzeichnungen&#13;&#10;Freihandzeichnungen&#13;&#10;Freihandzeichnungen&#13;&#10;Freihandzeichnungen&#13;&#10;Freihandzeichnungen&#13;&#10;Freihandzeichnungen&#13;&#10;Freihandzeichnungen&#13;&#10;Freihandzeichnungen&#13;&#10;Freihandzeichnungen&#13;&#10;Freihandzeichnungen&#13;&#10;Freihandzeichnungen&#13;&#10;Freihandzeichnungen&#13;&#10;Freihandzeichnungen&#13;&#10;Freihandzeichnungen&#13;&#10;Freihandzeichnungen&#13;&#10;Freihandzeichnungen&#13;&#10;Freihandzeichnungen&#13;&#10;Freihandzeichnungen&#13;&#10;Freihandzeichnungen&#13;&#10;Freihandzeichnungen&#13;&#10;Freihandzeichnungen&#13;&#10;Freihandzeichnungen&#13;&#10;Freihandzeichnungen&#13;&#10;Freihandzeichnungen&#13;&#10;Freihandzeichnungen&#13;&#10;Freihandzeichnungen&#13;&#10;Freihandzeichnungen&#13;&#10;Freihandzeichnungen&#13;&#10;Freihandzeichnungen&#13;&#10;Freihandzeichnungen&#13;&#10;Freihandzeichnungen&#13;&#10;Freihandzeichnungen&#13;&#10;Freihandzeichnungen&#13;&#10;Freihandzeichnungen&#13;&#10;Freihandzeichnungen&#13;&#10;Freihandzeichnungen&#13;&#10;Freihandzeichnungen&#13;&#10;Freihandzeichnungen&#13;&#10;Freihandzeichnungen&#13;&#10;Freihandzeichnungen&#13;&#10;Freihandzeichnungen&#13;&#10;Freihandzeichnungen&#13;&#10;Freihandzeichnungen&#13;&#10;Freihandzeichnungen&#13;&#10;Freihandzeichnungen&#13;&#10;Freihandzeichnungen&#13;&#10;Freihandzeichnungen&#13;&#10;Freihandzeichnungen&#13;&#10;Freihandzeichnungen&#13;&#10;Freihandzeichnungen&#13;&#10;Freihandzeichnungen&#13;&#10;Freihandzeichnungen&#13;&#10;Freihandzeichnungen&#13;&#10;Freihandzeichnungen&#13;&#10;Freihandzeichnungen&#13;&#10;Freihandzeichnungen&#13;&#10;Freihandzeichnungen&#13;&#10;Freihandzeichnungen&#13;&#10;Freihandzeichnungen&#13;&#10;Freihandzeichnungen&#13;&#10;Freihandzeichnungen&#13;&#10;Freihandzeichnungen&#13;&#10;Freihandzeichnungen&#13;&#10;Freihandzeichnungen&#13;&#10;Freihandzeichnungen&#13;&#10;Freihandzeichnungen&#13;&#10;Freihandzeichnungen&#13;&#10;Freihandzeichnungen&#13;&#10;Freihandzeichnungen&#13;&#10;Freihandzeichnungen&#13;&#10;Freihandzeichnungen&#13;&#10;Freihandzeichnungen&#13;&#10;Freihandzeichnungen&#13;&#10;Freihandzeichnungen&#13;&#10;Freihandzeichnungen&#13;&#10;Freihandzeichnungen&#13;&#10;Freihandzeichnungen&#13;&#10;Freihandzeichnungen&#13;&#10;Freihandzeichnungen&#13;&#10;Freihandzeichnungen&#13;&#10;Freihandzeichnungen&#13;&#10;Freihandzeichnungen&#13;&#10;Freihandzeichnungen&#13;&#10;Freihandzeichnungen&#13;&#10;Freihandzeichnungen&#13;&#10;Freihandzeichnungen&#13;&#10;Freihandzeichnungen&#13;&#10;Freihandzeichnungen&#13;&#10;Freihandzeichnungen&#13;&#10;Freihandzeichnungen&#13;&#10;Freihandzeichnungen&#13;&#10;Freihandzeichnungen&#13;&#10;Freihandzeichnungen&#13;&#10;Freihandzeichnungen&#13;&#10;Freihandzeichnungen&#13;&#10;Freihandzeichnungen&#13;&#10;Freihandzeichnungen&#13;&#10;Freihandzeichnungen&#13;&#10;Freihandzeichnungen&#13;&#10;Freihandzeichnungen&#13;&#10;Freihandzeichnungen&#13;&#10;Freihandzeichnungen&#13;&#10;Freihandzeichnungen&#13;&#10;Freihandzeichnungen&#13;&#10;Freihandzeichnungen&#13;&#10;Freihandzeichnungen&#13;&#10;Freihandzeichnungen&#13;&#10;Freihandzeichnungen&#13;&#10;Freihandzeichnungen&#13;&#10;Freihandzeichnungen&#13;&#10;Freihandzeichnungen&#13;&#10;Freihandzeichnungen&#13;&#10;Freihandzeichnungen&#13;&#10;Freihandzeichnungen&#13;&#10;Freihandzeichnungen&#13;&#10;Freihandzeichnungen&#13;&#10;Freihandzeichnungen&#13;&#10;Freihandzeichnungen&#13;&#10;Freihandzeichnungen&#13;&#10;Freihandzeichnungen&#13;&#10;Freihandzeichnungen&#13;&#10;Freihandzeichnungen&#13;&#10;Freihandzeichnungen&#13;&#10;Freihandzeichnungen&#13;&#10;Freihandzeichnungen&#13;&#10;Freihandzeichnungen&#13;&#10;Freihandzeichnungen&#13;&#10;Freihandzeichnungen&#13;&#10;Freihandzeichnungen&#13;&#10;Freihandzeichnungen&#13;&#10;Freihandzeichnungen&#13;&#10;Freihandzeichnungen&#13;&#10;Freihandzeichnungen&#13;&#10;Freihandzeichnungen&#13;&#10;Freihandzeichnungen&#13;&#10;Freihandzeichnungen&#13;&#10;Freihandzeichnungen&#13;&#10;Freihandzeichnungen&#13;&#10;Freihandzeichnungen&#13;&#10;Freihandzeichnungen&#13;&#10;Freihandzeichnungen&#13;&#10;Freihandzeichnungen&#13;&#10;Freihandzeichnungen&#13;&#10;Freihandzeichnungen&#13;&#10;Freihandzeichnungen&#13;&#10;Freihandzeichnungen&#13;&#10;Freihandzeichnungen&#13;&#10;Freihandzeichnungen&#13;&#10;Freihandzeichnungen&#13;&#10;Freihandzeichnungen&#13;&#10;Freihandzeichnungen&#13;&#10;Freihandzeichnungen&#13;&#10;Freihandzeichnungen&#13;&#10;Freihandzeichnungen&#13;&#10;Freihandzeichnungen&#13;&#10;Freihandzeichnungen&#13;&#10;Freihandzeichnungen&#13;&#10;Freihandzeichnungen&#13;&#10;Freihandzeichnungen&#13;&#10;Freihandzeichnungen&#13;&#10;Freihandzeichnungen&#13;&#10;Freihandzeichnungen&#13;&#10;Freihandzeichnungen&#13;&#10;Freihandzeichnungen&#13;&#10;Freihandzeichnungen&#13;&#10;Freihandzeichnungen&#13;&#10;Freihandzeichnungen&#13;&#10;Freihandzeichnungen&#13;&#10;Freihandzeichnungen&#13;&#10;Freihandzeichnungen&#13;&#10;Freihandzeichnungen&#13;&#10;Freihandzeichnungen&#13;&#10;Freihandzeichnungen&#13;&#10;Freihandzeichnungen&#13;&#10;Freihandzeichnungen&#13;&#10;Freihandzeichnungen&#13;&#10;Freihandzeichnungen&#13;&#10;Freihandzeichnungen&#13;&#10;Freihandzeichnungen&#13;&#10;Freihandzeichnungen&#13;&#10;Freihandzeichnungen&#13;&#10;Freihandzeichnungen&#13;&#10;Freihandzeichnungen&#13;&#10;Freihandzeichnungen&#13;&#10;Freihandzeichnungen&#13;&#10;Freihandzeichnungen&#13;&#10;Freihandzeichnungen&#13;&#10;Freihandzeichnungen&#13;&#10;Freihandzeichnungen&#13;&#10;Freihandzeichnungen&#13;&#10;Freihandzeichnungen&#13;&#10;Freihandzeichnungen&#13;&#10;Freihandzeichnungen&#13;&#10;Freihandzeichnungen&#13;&#10;Freihandzeichnungen&#13;&#10;Freihandzeichnungen&#13;&#10;Freihandzeichnungen&#13;&#10;Freihandzeichnungen&#13;&#10;Freihandzeichnungen&#13;&#10;Freihandzeichnungen&#13;&#10;Freihandzeichnungen&#13;&#10;Freihandzeichnungen&#13;&#10;Freihandzeichnungen&#13;&#10;Freihandzeichnungen&#13;&#10;Freihandzeichnungen&#13;&#10;Freihandzeichnungen&#13;&#10;Freihandzeichnungen&#13;&#10;Freihandzeichnungen&#13;&#10;Freihandzeichnungen&#13;&#10;Freihandzeichnungen&#13;&#10;Freihandzeichnungen&#13;&#10;Freihandzeichnungen&#13;&#10;Freihandzeichnungen&#13;&#10;Freihandzeichnungen&#13;&#10;Freihandzeichnungen&#13;&#10;Freihandzeichnungen&#13;&#10;Freihandzeichnungen&#13;&#10;Freihandzeichnungen&#13;&#10;Freihandzeichnungen&#13;&#10;Freihandzeichnungen&#13;&#10;Freihandzeichnungen&#13;&#10;Freihandzeichnungen&#13;&#10;Freihandzeichnungen&#13;&#10;Freihandzeichnungen&#13;&#10;Freihandzeichnungen&#13;&#10;Freihandzeichnungen&#13;&#10;Freihandzeichnungen&#13;&#10;Freihandzeichnungen&#13;&#10;Freihandzeichnungen&#13;&#10;Freihandzeichnungen&#13;&#10;Freihandzeichnungen&#13;&#10;Freihandzeichnungen&#13;&#10;Freihandzeichnungen&#13;&#10;Freihandzeichnungen&#13;&#10;Freihandzeichnungen&#13;&#10;Freihandzeichnungen&#13;&#10;Freihandzeichnungen&#13;&#10;Freihandzeichnungen&#13;&#10;Freihandzeichnungen&#13;&#10;Freihandzeichnungen&#13;&#10;Freihandzeichnungen&#13;&#10;Freihandzeichnungen&#13;&#10;Freihandzeichnungen&#13;&#10;Freihandzeichnungen&#13;&#10;Freihandzeichnungen&#13;&#10;Freihandzeichnungen&#13;&#10;Freihandzeichnungen&#13;&#10;Freihandzeichnungen&#13;&#10;Freihandzeichnungen&#13;&#10;Freihandzeichnungen&#13;&#10;Freihandzeichnungen&#13;&#10;Freihandzeichnungen&#13;&#10;Freihandzeichnungen&#13;&#10;Freihandzeichnungen&#13;&#10;Freihandzeichnungen&#13;&#10;Freihandzeichnungen&#13;&#10;Freihandzeichnungen&#13;&#10;Freihandzeichnungen&#13;&#10;Freihandzeichnungen&#13;&#10;Freihandzeichnungen&#13;&#10;Freihandzeichnungen&#13;&#10;Freihandzeichnungen&#13;&#10;Freihandzeichnungen&#13;&#10;Freihandzeichnungen&#13;&#10;Freihandzeichnungen&#13;&#10;Freihandzeichnungen&#13;&#10;Freihandzeichnungen&#13;&#10;Freihandzeichnungen&#13;&#10;Freihandzeichnungen&#13;&#10;Freihandzeichnungen&#13;&#10;Freihandzeichnungen&#13;&#10;Freihandzeichnungen&#13;&#10;Freihandzeichnungen&#13;&#10;Freihandzeichnungen&#13;&#10;Freihandzeichnungen&#13;&#10;Freihandzeichnungen&#13;&#10;Freihandzeichnungen&#13;&#10;Freihandzeichnungen&#13;&#10;Freihandzeichnungen&#13;&#10;Freihandzeichnungen&#13;&#10;Freihandzeichnungen&#13;&#10;Freihandzeichnungen&#13;&#10;Freihandzeichnungen&#13;&#10;Freihandzeichnungen&#13;&#10;Freihandzeichnungen&#13;&#10;Freihandzeichnungen&#13;&#10;Freihandzeichnungen&#13;&#10;Freihandzeichnungen&#13;&#10;Freihandzeichnungen&#13;&#10;Freihandzeichnungen&#13;&#10;Freihandzeichnungen&#13;&#10;Freihandzeichnungen&#13;&#10;Freihandzeichnungen&#13;&#10;Freihandzeichnungen&#13;&#10;Freihandzeichnungen&#13;&#10;Freihandzeichnungen&#13;&#10;Freihandzeichnungen&#13;&#10;Freihandzeichnungen&#13;&#10;Freihandzeichnungen&#13;&#10;Freihandzeichnungen&#13;&#10;Freihandzeichnungen&#13;&#10;Freihandzeichnungen&#13;&#10;Freihandzeichnungen&#13;&#10;Freihandzeichnungen&#13;&#10;Freihandzeichnungen&#13;&#10;Freihandzeichnungen&#13;&#10;Freihandzeichnungen&#13;&#10;Freihandzeichnungen&#13;&#10;Freihandzeichnungen&#13;&#10;Freihandzeichnungen&#13;&#10;Freihandzeichnungen&#13;&#10;Freihandzeichnungen&#13;&#10;">
-            <a:extLst>
-              <a:ext uri="{FF2B5EF4-FFF2-40B4-BE49-F238E27FC236}">
-                <a16:creationId xmlns:a16="http://schemas.microsoft.com/office/drawing/2014/main" id="{09BD91C5-99E4-4986-117F-FC4C219DCD3E}"/>
-              </a:ext>
-            </a:extLst>
-          </p:cNvPr>
-          <p:cNvPicPr>
-            <a:picLocks noChangeAspect="1" noChangeArrowheads="1"/>
-          </p:cNvPicPr>
-          <p:nvPr/>
-        </p:nvPicPr>
-        <p:blipFill>
-          <a:blip r:embed="rId8">
-            <a:extLst>
-              <a:ext uri="{28A0092B-C50C-407E-A947-70E740481C1C}">
-                <a14:useLocalDpi xmlns:a14="http://schemas.microsoft.com/office/drawing/2010/main" val="0"/>
-              </a:ext>
-            </a:extLst>
-          </a:blip>
-          <a:srcRect/>
-          <a:stretch>
-            <a:fillRect/>
-          </a:stretch>
-        </p:blipFill>
-        <p:spPr bwMode="auto">
-          <a:xfrm>
-            <a:off x="4392613" y="22886988"/>
-            <a:ext cx="9982200" cy="9613900"/>
-          </a:xfrm>
-          <a:prstGeom prst="rect">
-            <a:avLst/>
-          </a:prstGeom>
-          <a:noFill/>
-          <a:extLst>
-            <a:ext uri="{909E8E84-426E-40DD-AFC4-6F175D3DCCD1}">
-              <a14:hiddenFill xmlns:a14="http://schemas.microsoft.com/office/drawing/2010/main">
-                <a:solidFill>
-                  <a:srgbClr val="FFFFFF"/>
-                </a:solidFill>
-              </a14:hiddenFill>
-            </a:ext>
-          </a:extLst>
-        </p:spPr>
-      </p:pic>
-      <p:pic>
-        <p:nvPicPr>
-          <p:cNvPr id="1033" name="Picture 9" descr="Freihandzeichnungen&#13;&#10;Freihandzeichnungen&#13;&#10;Freihandzeichnungen&#13;&#10;Freihandzeichnungen&#13;&#10;Freihandzeichnungen&#13;&#10;Freihandzeichnungen&#13;&#10;Freihandzeichnungen&#13;&#10;Freihandzeichnungen&#13;&#10;Freihandzeichnungen&#13;&#10;Freihandzeichnungen&#13;&#10;Freihandzeichnungen&#13;&#10;Freihandzeichnungen&#13;&#10;Freihandzeichnungen&#13;&#10;Freihandzeichnungen&#13;&#10;Freihandzeichnungen&#13;&#10;Freihandzeichnungen&#13;&#10;Freihandzeichnungen&#13;&#10;Freihandzeichnungen&#13;&#10;Freihandzeichnungen&#13;&#10;Freihandzeichnungen&#13;&#10;Freihandzeichnungen&#13;&#10;Freihandzeichnungen&#13;&#10;Freihandzeichnungen&#13;&#10;Freihandzeichnungen&#13;&#10;Freihandzeichnungen&#13;&#10;Freihandzeichnungen&#13;&#10;Freihandzeichnungen&#13;&#10;Freihandzeichnungen&#13;&#10;Freihandzeichnungen&#13;&#10;Freihandzeichnungen&#13;&#10;Freihandzeichnungen&#13;&#10;Freihandzeichnungen&#13;&#10;Freihandzeichnungen&#13;&#10;Freihandzeichnungen&#13;&#10;Freihandzeichnungen&#13;&#10;Freihandzeichnungen&#13;&#10;Freihandzeichnungen&#13;&#10;Freihandzeichnungen&#13;&#10;Freihandzeichnungen&#13;&#10;Freihandzeichnungen&#13;&#10;Freihandzeichnungen&#13;&#10;Freihandzeichnungen&#13;&#10;Freihandzeichnungen&#13;&#10;Freihandzeichnungen&#13;&#10;Freihandzeichnungen&#13;&#10;Freihandzeichnungen&#13;&#10;Freihandzeichnungen&#13;&#10;Freihandzeichnungen&#13;&#10;Freihandzeichnungen&#13;&#10;Freihandzeichnungen&#13;&#10;Freihandzeichnungen&#13;&#10;Freihandzeichnungen&#13;&#10;Freihandzeichnungen&#13;&#10;Freihandzeichnungen&#13;&#10;Freihandzeichnungen&#13;&#10;Freihandzeichnungen&#13;&#10;Freihandzeichnungen&#13;&#10;Freihandzeichnungen&#13;&#10;Freihandzeichnungen&#13;&#10;Freihandzeichnungen&#13;&#10;Freihandzeichnungen&#13;&#10;Freihandzeichnungen&#13;&#10;Freihandzeichnungen&#13;&#10;Freihandzeichnungen&#13;&#10;Freihandzeichnungen&#13;&#10;Freihandzeichnungen&#13;&#10;Freihandzeichnungen&#13;&#10;Freihandzeichnungen&#13;&#10;Freihandzeichnungen&#13;&#10;Freihandzeichnungen&#13;&#10;Freihandzeichnungen&#13;&#10;Freihandzeichnungen&#13;&#10;Freihandzeichnungen&#13;&#10;Freihandzeichnungen&#13;&#10;Freihandzeichnungen&#13;&#10;Freihandzeichnungen&#13;&#10;Freihandzeichnungen&#13;&#10;Freihandzeichnungen&#13;&#10;Freihandzeichnungen&#13;&#10;Freihandzeichnungen&#13;&#10;Freihandzeichnungen&#13;&#10;Freihandzeichnungen&#13;&#10;Freihandzeichnungen&#13;&#10;Freihandzeichnungen&#13;&#10;Freihandzeichnungen&#13;&#10;Freihandzeichnungen&#13;&#10;Freihandzeichnungen&#13;&#10;Freihandzeichnungen&#13;&#10;Freihandzeichnungen&#13;&#10;Freihandzeichnungen&#13;&#10;Freihandzeichnungen&#13;&#10;Freihandzeichnungen&#13;&#10;Freihandzeichnungen&#13;&#10;Freihandzeichnungen&#13;&#10;Freihandzeichnungen&#13;&#10;Freihandzeichnungen&#13;&#10;Freihandzeichnungen&#13;&#10;Freihandzeichnungen&#13;&#10;Freihandzeichnungen&#13;&#10;Freihandzeichnungen&#13;&#10;Freihandzeichnungen&#13;&#10;Freihandzeichnungen&#13;&#10;Freihandzeichnungen&#13;&#10;Freihandzeichnungen&#13;&#10;Freihandzeichnungen&#13;&#10;Freihandzeichnungen&#13;&#10;Freihandzeichnungen&#13;&#10;Freihandzeichnungen&#13;&#10;Freihandzeichnungen&#13;&#10;Freihandzeichnungen&#13;&#10;Freihandzeichnungen&#13;&#10;Freihandzeichnungen&#13;&#10;Freihandzeichnungen&#13;&#10;Freihandzeichnungen&#13;&#10;Freihandzeichnungen&#13;&#10;Freihandzeichnungen&#13;&#10;Freihandzeichnungen&#13;&#10;Freihandzeichnungen&#13;&#10;Freihandzeichnungen&#13;&#10;Freihandzeichnungen&#13;&#10;Freihandzeichnungen&#13;&#10;Freihandzeichnungen&#13;&#10;Freihandzeichnungen&#13;&#10;Freihandzeichnungen&#13;&#10;Freihandzeichnungen&#13;&#10;Freihandzeichnungen&#13;&#10;Freihandzeichnungen&#13;&#10;Freihandzeichnungen&#13;&#10;Freihandzeichnungen&#13;&#10;Freihandzeichnungen&#13;&#10;Freihandzeichnungen&#13;&#10;Freihandzeichnungen&#13;&#10;Freihandzeichnungen&#13;&#10;Freihandzeichnungen&#13;&#10;Freihandzeichnungen&#13;&#10;Freihandzeichnungen&#13;&#10;Freihandzeichnungen&#13;&#10;Freihandzeichnungen&#13;&#10;Freihandzeichnungen&#13;&#10;Freihandzeichnungen&#13;&#10;Freihandzeichnungen&#13;&#10;Freihandzeichnungen&#13;&#10;Freihandzeichnungen&#13;&#10;Freihandzeichnungen&#13;&#10;Freihandzeichnungen&#13;&#10;Freihandzeichnungen&#13;&#10;Freihandzeichnungen&#13;&#10;Freihandzeichnungen&#13;&#10;Freihandzeichnungen&#13;&#10;Freihandzeichnungen&#13;&#10;Freihandzeichnungen&#13;&#10;Freihandzeichnungen&#13;&#10;Freihandzeichnungen&#13;&#10;Freihandzeichnungen&#13;&#10;Freihandzeichnungen&#13;&#10;Freihandzeichnungen&#13;&#10;Freihandzeichnungen&#13;&#10;Freihandzeichnungen&#13;&#10;Freihandzeichnungen&#13;&#10;Freihandzeichnungen&#13;&#10;Freihandzeichnungen&#13;&#10;Freihandzeichnungen&#13;&#10;Freihandzeichnungen&#13;&#10;Freihandzeichnungen&#13;&#10;Freihandzeichnungen&#13;&#10;Freihandzeichnungen&#13;&#10;Freihandzeichnungen&#13;&#10;Freihandzeichnungen&#13;&#10;Freihandzeichnungen&#13;&#10;Freihandzeichnungen&#13;&#10;Freihandzeichnungen&#13;&#10;Freihandzeichnungen&#13;&#10;Freihandzeichnungen&#13;&#10;Freihandzeichnungen&#13;&#10;Freihandzeichnungen&#13;&#10;Freihandzeichnungen&#13;&#10;Freihandzeichnungen&#13;&#10;Freihandzeichnungen&#13;&#10;Freihandzeichnungen&#13;&#10;Freihandzeichnungen&#13;&#10;Freihandzeichnungen&#13;&#10;Freihandzeichnungen&#13;&#10;Freihandzeichnungen&#13;&#10;Freihandzeichnungen&#13;&#10;Freihandzeichnungen&#13;&#10;Freihandzeichnungen&#13;&#10;Freihandzeichnungen&#13;&#10;Freihandzeichnungen&#13;&#10;Freihandzeichnungen&#13;&#10;Freihandzeichnungen&#13;&#10;Freihandzeichnungen&#13;&#10;Freihandzeichnungen&#13;&#10;Freihandzeichnungen&#13;&#10;Freihandzeichnungen&#13;&#10;Freihandzeichnungen&#13;&#10;Freihandzeichnungen&#13;&#10;Freihandzeichnungen&#13;&#10;Freihandzeichnungen&#13;&#10;Freihandzeichnungen&#13;&#10;Freihandzeichnungen&#13;&#10;Freihandzeichnungen&#13;&#10;Freihandzeichnungen&#13;&#10;Freihandzeichnungen&#13;&#10;Freihandzeichnungen&#13;&#10;Freihandzeichnungen&#13;&#10;Freihandzeichnungen&#13;&#10;Freihandzeichnungen&#13;&#10;Freihandzeichnungen&#13;&#10;Freihandzeichnungen&#13;&#10;Freihandzeichnungen&#13;&#10;Freihandzeichnungen&#13;&#10;Freihandzeichnungen&#13;&#10;Freihandzeichnungen&#13;&#10;Freihandzeichnungen&#13;&#10;Freihandzeichnungen&#13;&#10;Freihandzeichnungen&#13;&#10;Freihandzeichnungen&#13;&#10;Freihandzeichnungen&#13;&#10;Freihandzeichnungen&#13;&#10;Freihandzeichnungen&#13;&#10;Freihandzeichnungen&#13;&#10;Freihandzeichnungen&#13;&#10;Freihandzeichnungen&#13;&#10;Freihandzeichnungen&#13;&#10;Freihandzeichnungen&#13;&#10;Freihandzeichnungen&#13;&#10;Freihandzeichnungen&#13;&#10;Freihandzeichnungen&#13;&#10;Freihandzeichnungen&#13;&#10;Freihandzeichnungen&#13;&#10;Freihandzeichnungen&#13;&#10;Freihandzeichnungen&#13;&#10;Freihandzeichnungen&#13;&#10;Freihandzeichnungen&#13;&#10;Freihandzeichnungen&#13;&#10;Freihandzeichnungen&#13;&#10;Freihandzeichnungen&#13;&#10;Freihandzeichnungen&#13;&#10;Freihandzeichnungen&#13;&#10;Freihandzeichnungen&#13;&#10;Freihandzeichnungen&#13;&#10;Freihandzeichnungen&#13;&#10;Freihandzeichnungen&#13;&#10;Freihandzeichnungen&#13;&#10;Freihandzeichnungen&#13;&#10;Freihandzeichnungen&#13;&#10;Freihandzeichnungen&#13;&#10;Freihandzeichnungen&#13;&#10;Freihandzeichnungen&#13;&#10;Freihandzeichnungen&#13;&#10;Freihandzeichnungen&#13;&#10;Freihandzeichnungen&#13;&#10;Freihandzeichnungen&#13;&#10;Freihandzeichnungen&#13;&#10;Freihandzeichnungen&#13;&#10;Freihandzeichnungen&#13;&#10;Freihandzeichnungen&#13;&#10;Freihandzeichnungen&#13;&#10;Freihandzeichnungen&#13;&#10;Freihandzeichnungen&#13;&#10;Freihandzeichnungen&#13;&#10;Freihandzeichnungen&#13;&#10;Freihandzeichnungen&#13;&#10;Freihandzeichnungen&#13;&#10;Freihandzeichnungen&#13;&#10;Freihandzeichnungen&#13;&#10;Freihandzeichnungen&#13;&#10;Freihandzeichnungen&#13;&#10;Freihandzeichnungen&#13;&#10;Freihandzeichnungen&#13;&#10;Freihandzeichnungen&#13;&#10;Freihandzeichnungen&#13;&#10;Freihandzeichnungen&#13;&#10;Freihandzeichnungen&#13;&#10;Freihandzeichnungen&#13;&#10;Freihandzeichnungen&#13;&#10;Freihandzeichnungen&#13;&#10;Freihandzeichnungen&#13;&#10;Freihandzeichnungen&#13;&#10;Freihandzeichnungen&#13;&#10;Freihandzeichnungen&#13;&#10;Freihandzeichnungen&#13;&#10;Freihandzeichnungen&#13;&#10;Freihandzeichnungen&#13;&#10;Freihandzeichnungen&#13;&#10;Freihandzeichnungen&#13;&#10;Freihandzeichnungen&#13;&#10;Freihandzeichnungen&#13;&#10;Freihandzeichnungen&#13;&#10;Freihandzeichnungen&#13;&#10;Freihandzeichnungen&#13;&#10;Freihandzeichnungen&#13;&#10;Freihandzeichnungen&#13;&#10;Freihandzeichnungen&#13;&#10;Freihandzeichnungen&#13;&#10;Freihandzeichnungen&#13;&#10;Freihandzeichnungen&#13;&#10;Freihandzeichnungen&#13;&#10;Freihandzeichnungen&#13;&#10;Freihandzeichnungen&#13;&#10;Freihandzeichnungen&#13;&#10;Freihandzeichnungen&#13;&#10;Freihandzeichnungen&#13;&#10;Freihandzeichnungen&#13;&#10;Freihandzeichnungen&#13;&#10;Freihandzeichnungen&#13;&#10;Freihandzeichnungen&#13;&#10;Freihandzeichnungen&#13;&#10;Freihandzeichnungen&#13;&#10;Freihandzeichnungen&#13;&#10;Freihandzeichnungen&#13;&#10;Freihandzeichnungen&#13;&#10;Freihandzeichnungen&#13;&#10;Freihandzeichnungen&#13;&#10;Freihandzeichnungen&#13;&#10;Freihandzeichnungen&#13;&#10;Freihandzeichnungen&#13;&#10;Freihandzeichnungen&#13;&#10;Freihandzeichnungen&#13;&#10;Freihandzeichnungen&#13;&#10;Freihandzeichnungen&#13;&#10;Freihandzeichnungen&#13;&#10;Freihandzeichnungen&#13;&#10;Freihandzeichnungen&#13;&#10;Freihandzeichnungen&#13;&#10;Freihandzeichnungen&#13;&#10;Freihandzeichnungen&#13;&#10;Freihandzeichnungen&#13;&#10;Freihandzeichnungen&#13;&#10;Freihandzeichnungen&#13;&#10;Freihandzeichnungen&#13;&#10;Freihandzeichnungen&#13;&#10;Freihandzeichnungen&#13;&#10;Freihandzeichnungen&#13;&#10;Freihandzeichnungen&#13;&#10;Freihandzeichnungen&#13;&#10;Freihandzeichnungen&#13;&#10;Freihandzeichnungen&#13;&#10;Freihandzeichnungen&#13;&#10;Freihandzeichnungen&#13;&#10;Freihandzeichnungen&#13;&#10;Freihandzeichnungen&#13;&#10;Freihandzeichnungen&#13;&#10;Freihandzeichnungen&#13;&#10;Freihandzeichnungen&#13;&#10;Freihandzeichnungen&#13;&#10;Freihandzeichnungen&#13;&#10;Freihandzeichnungen&#13;&#10;Freihandzeichnungen&#13;&#10;Freihandzeichnungen&#13;&#10;Freihandzeichnungen&#13;&#10;Freihandzeichnungen&#13;&#10;Freihandzeichnungen&#13;&#10;Freihandzeichnungen&#13;&#10;Freihandzeichnungen&#13;&#10;Freihandzeichnungen&#13;&#10;Freihandzeichnungen&#13;&#10;Freihandzeichnungen&#13;&#10;Freihandzeichnungen&#13;&#10;Freihandzeichnungen&#13;&#10;Freihandzeichnungen&#13;&#10;Freihandzeichnungen&#13;&#10;Freihandzeichnungen&#13;&#10;Freihandzeichnungen&#13;&#10;Freihandzeichnungen&#13;&#10;Freihandzeichnungen&#13;&#10;Freihandzeichnungen&#13;&#10;Freihandzeichnungen&#13;&#10;Freihandzeichnungen&#13;&#10;Freihandzeichnungen&#13;&#10;Freihandzeichnungen&#13;&#10;Freihandzeichnungen&#13;&#10;Freihandzeichnungen&#13;&#10;Freihandzeichnungen&#13;&#10;Freihandzeichnungen&#13;&#10;Freihandzeichnungen&#13;&#10;Freihandzeichnungen&#13;&#10;Freihandzeichnungen&#13;&#10;Freihandzeichnungen&#13;&#10;Freihandzeichnungen&#13;&#10;Freihandzeichnungen&#13;&#10;Freihandzeichnungen&#13;&#10;Freihandzeichnungen&#13;&#10;Freihandzeichnungen&#13;&#10;Freihandzeichnungen&#13;&#10;Freihandzeichnungen&#13;&#10;Freihandzeichnungen&#13;&#10;Freihandzeichnungen&#13;&#10;Freihandzeichnungen&#13;&#10;Freihandzeichnungen&#13;&#10;Freihandzeichnungen&#13;&#10;Freihandzeichnungen&#13;&#10;Freihandzeichnungen&#13;&#10;Freihandzeichnungen&#13;&#10;Freihandzeichnungen&#13;&#10;Freihandzeichnungen&#13;&#10;Freihandzeichnungen&#13;&#10;Freihandzeichnungen&#13;&#10;Freihandzeichnungen&#13;&#10;Freihandzeichnungen&#13;&#10;Freihandzeichnungen&#13;&#10;Freihandzeichnungen&#13;&#10;Freihandzeichnungen&#13;&#10;Freihandzeichnungen&#13;&#10;Freihandzeichnungen&#13;&#10;Freihandzeichnungen&#13;&#10;Freihandzeichnungen&#13;&#10;Freihandzeichnungen&#13;&#10;Freihandzeichnungen&#13;&#10;Freihandzeichnungen&#13;&#10;Freihandzeichnungen&#13;&#10;Freihandzeichnungen&#13;&#10;Freihandzeichnungen&#13;&#10;Freihandzeichnungen&#13;&#10;Freihandzeichnungen&#13;&#10;Freihandzeichnungen&#13;&#10;Freihandzeichnungen&#13;&#10;Freihandzeichnungen&#13;&#10;Freihandzeichnungen&#13;&#10;Freihandzeichnungen&#13;&#10;Freihandzeichnungen&#13;&#10;Freihandzeichnungen&#13;&#10;Freihandzeichnungen&#13;&#10;Freihandzeichnungen&#13;&#10;Freihandzeichnungen&#13;&#10;Freihandzeichnungen&#13;&#10;Freihandzeichnungen&#13;&#10;Freihandzeichnungen&#13;&#10;Freihandzeichnungen&#13;&#10;Freihandzeichnungen&#13;&#10;Freihandzeichnungen&#13;&#10;Freihandzeichnungen&#13;&#10;Freihandzeichnungen&#13;&#10;Freihandzeichnungen&#13;&#10;Freihandzeichnungen&#13;&#10;Freihandzeichnungen&#13;&#10;Freihandzeichnungen&#13;&#10;Freihandzeichnungen&#13;&#10;Freihandzeichnungen&#13;&#10;Freihandzeichnungen&#13;&#10;Freihandzeichnungen&#13;&#10;Freihandzeichnungen&#13;&#10;Freihandzeichnungen&#13;&#10;Freihandzeichnungen&#13;&#10;Freihandzeichnungen&#13;&#10;Freihandzeichnungen&#13;&#10;Freihandzeichnungen&#13;&#10;Freihandzeichnungen&#13;&#10;Freihandzeichnungen&#13;&#10;Freihandzeichnungen&#13;&#10;Freihandzeichnungen&#13;&#10;Freihandzeichnungen&#13;&#10;Freihandzeichnungen&#13;&#10;Freihandzeichnungen&#13;&#10;Freihandzeichnungen&#13;&#10;Freihandzeichnungen&#13;&#10;Freihandzeichnungen&#13;&#10;Freihandzeichnungen&#13;&#10;Freihandzeichnungen&#13;&#10;Freihandzeichnungen&#13;&#10;Freihandzeichnungen&#13;&#10;Freihandzeichnungen&#13;&#10;Freihandzeichnungen&#13;&#10;Freihandzeichnungen&#13;&#10;Freihandzeichnungen&#13;&#10;Freihandzeichnungen&#13;&#10;Freihandzeichnungen&#13;&#10;Freihandzeichnungen&#13;&#10;Freihandzeichnungen&#13;&#10;Freihandzeichnungen&#13;&#10;Freihandzeichnungen&#13;&#10;Freihandzeichnungen&#13;&#10;Freihandzeichnungen&#13;&#10;Freihandzeichnungen&#13;&#10;Freihandzeichnungen&#13;&#10;Freihandzeichnungen&#13;&#10;Freihandzeichnungen&#13;&#10;Freihandzeichnungen&#13;&#10;Freihandzeichnungen&#13;&#10;Freihandzeichnungen&#13;&#10;Freihandzeichnungen&#13;&#10;Freihandzeichnungen&#13;&#10;Freihandzeichnungen&#13;&#10;Freihandzeichnungen&#13;&#10;Freihandzeichnungen&#13;&#10;Freihandzeichnungen&#13;&#10;Freihandzeichnungen&#13;&#10;Freihandzeichnungen&#13;&#10;Freihandzeichnungen&#13;&#10;Freihandzeichnungen&#13;&#10;Freihandzeichnungen&#13;&#10;Freihandzeichnungen&#13;&#10;Freihandzeichnungen&#13;&#10;Freihandzeichnungen&#13;&#10;Freihandzeichnungen&#13;&#10;Freihandzeichnungen&#13;&#10;Freihandzeichnungen&#13;&#10;Freihandzeichnungen&#13;&#10;Freihandzeichnungen&#13;&#10;Freihandzeichnungen&#13;&#10;Freihandzeichnungen&#13;&#10;Freihandzeichnungen&#13;&#10;Freihandzeichnungen&#13;&#10;Freihandzeichnungen&#13;&#10;Freihandzeichnungen&#13;&#10;Freihandzeichnungen&#13;&#10;Freihandzeichnungen&#13;&#10;Freihandzeichnungen&#13;&#10;Freihandzeichnungen&#13;&#10;Freihandzeichnungen&#13;&#10;Freihandzeichnungen&#13;&#10;Freihandzeichnungen&#13;&#10;Freihandzeichnungen&#13;&#10;Freihandzeichnungen&#13;&#10;Freihandzeichnungen&#13;&#10;Freihandzeichnungen&#13;&#10;Freihandzeichnungen&#13;&#10;Freihandzeichnungen&#13;&#10;Freihandzeichnungen&#13;&#10;Freihandzeichnungen&#13;&#10;Freihandzeichnungen&#13;&#10;Freihandzeichnungen&#13;&#10;Freihandzeichnungen&#13;&#10;Freihandzeichnungen&#13;&#10;Freihandzeichnungen&#13;&#10;Freihandzeichnungen&#13;&#10;Freihandzeichnungen&#13;&#10;Freihandzeichnungen&#13;&#10;Freihandzeichnungen&#13;&#10;Freihandzeichnungen&#13;&#10;Freihandzeichnungen&#13;&#10;Freihandzeichnungen&#13;&#10;Freihandzeichnungen&#13;&#10;Freihandzeichnungen&#13;&#10;Freihandzeichnungen&#13;&#10;Freihandzeichnungen&#13;&#10;Freihandzeichnungen&#13;&#10;Freihandzeichnungen&#13;&#10;Freihandzeichnungen&#13;&#10;Freihandzeichnungen&#13;&#10;Freihandzeichnungen&#13;&#10;Freihandzeichnungen&#13;&#10;Freihandzeichnungen&#13;&#10;Freihandzeichnungen&#13;&#10;Freihandzeichnungen&#13;&#10;Freihandzeichnungen&#13;&#10;Freihandzeichnungen&#13;&#10;Freihandzeichnungen&#13;&#10;Freihandzeichnungen&#13;&#10;Freihandzeichnungen&#13;&#10;Freihandzeichnungen&#13;&#10;Freihandzeichnungen&#13;&#10;Freihandzeichnungen&#13;&#10;Freihandzeichnungen&#13;&#10;Freihandzeichnungen&#13;&#10;Freihandzeichnungen&#13;&#10;Freihandzeichnungen&#13;&#10;Freihandzeichnungen&#13;&#10;Freihandzeichnungen&#13;&#10;Freihandzeichnungen&#13;&#10;Freihandzeichnungen&#13;&#10;Freihandzeichnungen&#13;&#10;Freihandzeichnungen&#13;&#10;">
-            <a:extLst>
-              <a:ext uri="{FF2B5EF4-FFF2-40B4-BE49-F238E27FC236}">
-                <a16:creationId xmlns:a16="http://schemas.microsoft.com/office/drawing/2014/main" id="{3450C3DC-B4D1-51AD-E34F-21224D0925D5}"/>
-              </a:ext>
-            </a:extLst>
-          </p:cNvPr>
-          <p:cNvPicPr>
-            <a:picLocks noChangeAspect="1" noChangeArrowheads="1"/>
-          </p:cNvPicPr>
-          <p:nvPr/>
-        </p:nvPicPr>
-        <p:blipFill>
-          <a:blip r:embed="rId9">
-            <a:extLst>
-              <a:ext uri="{28A0092B-C50C-407E-A947-70E740481C1C}">
-                <a14:useLocalDpi xmlns:a14="http://schemas.microsoft.com/office/drawing/2010/main" val="0"/>
-              </a:ext>
-            </a:extLst>
-          </a:blip>
-          <a:srcRect/>
-          <a:stretch>
-            <a:fillRect/>
-          </a:stretch>
-        </p:blipFill>
-        <p:spPr bwMode="auto">
-          <a:xfrm>
-            <a:off x="4392613" y="32107188"/>
-            <a:ext cx="14935200" cy="10947400"/>
-          </a:xfrm>
-          <a:prstGeom prst="rect">
-            <a:avLst/>
-          </a:prstGeom>
-          <a:noFill/>
-          <a:extLst>
-            <a:ext uri="{909E8E84-426E-40DD-AFC4-6F175D3DCCD1}">
-              <a14:hiddenFill xmlns:a14="http://schemas.microsoft.com/office/drawing/2010/main">
-                <a:solidFill>
-                  <a:srgbClr val="FFFFFF"/>
-                </a:solidFill>
-              </a14:hiddenFill>
-            </a:ext>
-          </a:extLst>
-        </p:spPr>
-      </p:pic>
-      <p:pic>
-        <p:nvPicPr>
-          <p:cNvPr id="1034" name="Picture 10" descr="Freihandzeichnungen&#13;&#10;Freihandzeichnungen&#13;&#10;Freihandzeichnungen&#13;&#10;Freihandzeichnungen&#13;&#10;Freihandzeichnungen&#13;&#10;Freihandzeichnungen&#13;&#10;Freihandzeichnungen&#13;&#10;Freihandzeichnungen&#13;&#10;Freihandzeichnungen&#13;&#10;Freihandzeichnungen&#13;&#10;Freihandzeichnungen&#13;&#10;Freihandzeichnungen&#13;&#10;Freihandzeichnungen&#13;&#10;Freihandzeichnungen&#13;&#10;Freihandzeichnungen&#13;&#10;Freihandzeichnungen&#13;&#10;Freihandzeichnungen&#13;&#10;Freihandzeichnungen&#13;&#10;Freihandzeichnungen&#13;&#10;Freihandzeichnungen&#13;&#10;Freihandzeichnungen&#13;&#10;Freihandzeichnungen&#13;&#10;Freihandzeichnungen&#13;&#10;Freihandzeichnungen&#13;&#10;Freihandzeichnungen&#13;&#10;Freihandzeichnungen&#13;&#10;Freihandzeichnungen&#13;&#10;Freihandzeichnungen&#13;&#10;Freihandzeichnungen&#13;&#10;Freihandzeichnungen&#13;&#10;Freihandzeichnungen&#13;&#10;Freihandzeichnungen&#13;&#10;Freihandzeichnungen&#13;&#10;Freihandzeichnungen&#13;&#10;Freihandzeichnungen&#13;&#10;Freihandzeichnungen&#13;&#10;Freihandzeichnungen&#13;&#10;Freihandzeichnungen&#13;&#10;Freihandzeichnungen&#13;&#10;Freihandzeichnungen&#13;&#10;Freihandzeichnungen&#13;&#10;Freihandzeichnungen&#13;&#10;Freihandzeichnungen&#13;&#10;Freihandzeichnungen&#13;&#10;Freihandzeichnungen&#13;&#10;Freihandzeichnungen&#13;&#10;Freihandzeichnungen&#13;&#10;Freihandzeichnungen&#13;&#10;Freihandzeichnungen&#13;&#10;Freihandzeichnungen&#13;&#10;Freihandzeichnungen&#13;&#10;Freihandzeichnungen&#13;&#10;Freihandzeichnungen&#13;&#10;Freihandzeichnungen&#13;&#10;Freihandzeichnungen&#13;&#10;Freihandzeichnungen&#13;&#10;Freihandzeichnungen&#13;&#10;Freihandzeichnungen&#13;&#10;Freihandzeichnungen&#13;&#10;Freihandzeichnungen&#13;&#10;Freihandzeichnungen&#13;&#10;Freihandzeichnungen&#13;&#10;Freihandzeichnungen&#13;&#10;Freihandzeichnungen&#13;&#10;Freihandzeichnungen&#13;&#10;Freihandzeichnungen&#13;&#10;Freihandzeichnungen&#13;&#10;Freihandzeichnungen&#13;&#10;Freihandzeichnungen&#13;&#10;Freihandzeichnungen&#13;&#10;Freihandzeichnungen&#13;&#10;Freihandzeichnungen&#13;&#10;Freihandzeichnungen&#13;&#10;Freihandzeichnungen&#13;&#10;Freihandzeichnungen&#13;&#10;Freihandzeichnungen&#13;&#10;Freihandzeichnungen&#13;&#10;Freihandzeichnungen&#13;&#10;Freihandzeichnungen&#13;&#10;Freihandzeichnungen&#13;&#10;Freihandzeichnungen&#13;&#10;Freihandzeichnungen&#13;&#10;Freihandzeichnungen&#13;&#10;Freihandzeichnungen&#13;&#10;Freihandzeichnungen&#13;&#10;Freihandzeichnungen&#13;&#10;Freihandzeichnungen&#13;&#10;Freihandzeichnungen&#13;&#10;Freihandzeichnungen&#13;&#10;Freihandzeichnungen&#13;&#10;Freihandzeichnungen&#13;&#10;Freihandzeichnungen&#13;&#10;Freihandzeichnungen&#13;&#10;Freihandzeichnungen&#13;&#10;">
-            <a:extLst>
-              <a:ext uri="{FF2B5EF4-FFF2-40B4-BE49-F238E27FC236}">
-                <a16:creationId xmlns:a16="http://schemas.microsoft.com/office/drawing/2014/main" id="{A6FCDDF6-4041-C733-778F-632396A144DF}"/>
-              </a:ext>
-            </a:extLst>
-          </p:cNvPr>
-          <p:cNvPicPr>
-            <a:picLocks noChangeAspect="1" noChangeArrowheads="1"/>
-          </p:cNvPicPr>
-          <p:nvPr/>
-        </p:nvPicPr>
-        <p:blipFill>
-          <a:blip r:embed="rId10">
-            <a:extLst>
-              <a:ext uri="{28A0092B-C50C-407E-A947-70E740481C1C}">
-                <a14:useLocalDpi xmlns:a14="http://schemas.microsoft.com/office/drawing/2010/main" val="0"/>
-              </a:ext>
-            </a:extLst>
-          </a:blip>
-          <a:srcRect/>
-          <a:stretch>
-            <a:fillRect/>
-          </a:stretch>
-        </p:blipFill>
-        <p:spPr bwMode="auto">
-          <a:xfrm>
-            <a:off x="4392613" y="42606913"/>
-            <a:ext cx="6743700" cy="2514600"/>
-          </a:xfrm>
-          <a:prstGeom prst="rect">
-            <a:avLst/>
-          </a:prstGeom>
-          <a:noFill/>
-          <a:extLst>
-            <a:ext uri="{909E8E84-426E-40DD-AFC4-6F175D3DCCD1}">
-              <a14:hiddenFill xmlns:a14="http://schemas.microsoft.com/office/drawing/2010/main">
-                <a:solidFill>
-                  <a:srgbClr val="FFFFFF"/>
-                </a:solidFill>
-              </a14:hiddenFill>
-            </a:ext>
-          </a:extLst>
-        </p:spPr>
-      </p:pic>
       <mc:AlternateContent xmlns:mc="http://schemas.openxmlformats.org/markup-compatibility/2006">
         <mc:Choice xmlns:a14="http://schemas.microsoft.com/office/drawing/2010/main" Requires="a14">
           <p:sp>
@@ -3993,7 +3316,7 @@
             </p:nvSpPr>
             <p:spPr>
               <a:xfrm>
-                <a:off x="5052981" y="1316082"/>
+                <a:off x="7320542" y="2241742"/>
                 <a:ext cx="895273" cy="605790"/>
               </a:xfrm>
               <a:prstGeom prst="rect">
@@ -4034,14 +3357,14 @@
                       <m:sSub>
                         <m:sSubPr>
                           <m:ctrlPr>
-                            <a:rPr lang="x-none" sz="2400" b="1" i="1" smtClean="0">
+                            <a:rPr lang="x-none" sz="2400" b="1" i="1">
                               <a:latin typeface="Cambria Math" panose="02040503050406030204" pitchFamily="18" charset="0"/>
                             </a:rPr>
                           </m:ctrlPr>
                         </m:sSubPr>
                         <m:e>
                           <m:r>
-                            <a:rPr lang="x-none" sz="2400" b="1" i="1" smtClean="0">
+                            <a:rPr lang="x-none" sz="2400" b="1" i="1">
                               <a:latin typeface="Cambria Math" panose="02040503050406030204" pitchFamily="18" charset="0"/>
                             </a:rPr>
                             <m:t>𝑮</m:t>
@@ -4049,13 +3372,13 @@
                         </m:e>
                         <m:sub>
                           <m:r>
-                            <a:rPr lang="x-none" sz="2400" b="1" i="1" smtClean="0">
+                            <a:rPr lang="x-none" sz="2400" b="1" i="1">
                               <a:latin typeface="Cambria Math" panose="02040503050406030204" pitchFamily="18" charset="0"/>
                             </a:rPr>
                             <m:t>𝑹</m:t>
                           </m:r>
                           <m:r>
-                            <a:rPr lang="x-none" sz="2400" b="1" i="1" smtClean="0">
+                            <a:rPr lang="x-none" sz="2400" b="1" i="1">
                               <a:latin typeface="Cambria Math" panose="02040503050406030204" pitchFamily="18" charset="0"/>
                             </a:rPr>
                             <m:t>𝜴</m:t>
@@ -4089,14 +3412,14 @@
             </p:nvSpPr>
             <p:spPr>
               <a:xfrm>
-                <a:off x="5052981" y="1316082"/>
+                <a:off x="7320542" y="2241742"/>
                 <a:ext cx="895273" cy="605790"/>
               </a:xfrm>
               <a:prstGeom prst="rect">
                 <a:avLst/>
               </a:prstGeom>
               <a:blipFill>
-                <a:blip r:embed="rId11"/>
+                <a:blip r:embed="rId4"/>
                 <a:stretch>
                   <a:fillRect/>
                 </a:stretch>
@@ -4140,8 +3463,8 @@
         </p:nvCxnSpPr>
         <p:spPr>
           <a:xfrm>
-            <a:off x="4239209" y="1618977"/>
-            <a:ext cx="813772" cy="0"/>
+            <a:off x="6282124" y="2544637"/>
+            <a:ext cx="1038418" cy="0"/>
           </a:xfrm>
           <a:prstGeom prst="straightConnector1">
             <a:avLst/>
@@ -4186,8 +3509,8 @@
         </p:nvCxnSpPr>
         <p:spPr>
           <a:xfrm>
-            <a:off x="5948254" y="1618977"/>
-            <a:ext cx="813772" cy="0"/>
+            <a:off x="8215815" y="2544637"/>
+            <a:ext cx="589125" cy="1"/>
           </a:xfrm>
           <a:prstGeom prst="straightConnector1">
             <a:avLst/>
@@ -4228,7 +3551,7 @@
         </p:nvSpPr>
         <p:spPr>
           <a:xfrm>
-            <a:off x="6762026" y="1358930"/>
+            <a:off x="8804940" y="2284591"/>
             <a:ext cx="543862" cy="520093"/>
           </a:xfrm>
           <a:prstGeom prst="ellipse">
@@ -4262,9 +3585,6 @@
             <a:pPr algn="ctr"/>
             <a:r>
               <a:rPr lang="de-DE" sz="2400" b="1" i="1" dirty="0">
-                <a:solidFill>
-                  <a:schemeClr val="dk1"/>
-                </a:solidFill>
                 <a:latin typeface="Cambria Math" panose="02040503050406030204" pitchFamily="18" charset="0"/>
               </a:rPr>
               <a:t>M</a:t>
@@ -4286,7 +3606,7 @@
         </p:nvSpPr>
         <p:spPr>
           <a:xfrm rot="5400000">
-            <a:off x="7702674" y="1171340"/>
+            <a:off x="9745588" y="2097001"/>
             <a:ext cx="1031920" cy="895273"/>
           </a:xfrm>
           <a:prstGeom prst="triangle">
@@ -4319,9 +3639,6 @@
           <a:p>
             <a:pPr algn="ctr"/>
             <a:endParaRPr lang="de-DE" sz="2400" b="1" i="1" dirty="0">
-              <a:solidFill>
-                <a:schemeClr val="dk1"/>
-              </a:solidFill>
               <a:latin typeface="Cambria Math" panose="02040503050406030204" pitchFamily="18" charset="0"/>
             </a:endParaRPr>
           </a:p>
@@ -4345,7 +3662,7 @@
         </p:nvCxnSpPr>
         <p:spPr>
           <a:xfrm>
-            <a:off x="7305888" y="1618977"/>
+            <a:off x="9348802" y="2544637"/>
             <a:ext cx="465110" cy="0"/>
           </a:xfrm>
           <a:prstGeom prst="straightConnector1">
@@ -4389,7 +3706,7 @@
             </p:nvSpPr>
             <p:spPr>
               <a:xfrm>
-                <a:off x="7770996" y="1275758"/>
+                <a:off x="9813911" y="2201418"/>
                 <a:ext cx="458715" cy="694870"/>
               </a:xfrm>
               <a:prstGeom prst="rect">
@@ -4403,6 +3720,7 @@
               </a:bodyPr>
               <a:lstStyle/>
               <a:p>
+                <a:pPr/>
                 <a14:m>
                   <m:oMathPara xmlns:m="http://schemas.openxmlformats.org/officeDocument/2006/math">
                     <m:oMathParaPr>
@@ -4412,14 +3730,14 @@
                       <m:f>
                         <m:fPr>
                           <m:ctrlPr>
-                            <a:rPr lang="de-DE" b="1" i="1" smtClean="0">
+                            <a:rPr lang="de-DE" b="1" i="1">
                               <a:latin typeface="Cambria Math" panose="02040503050406030204" pitchFamily="18" charset="0"/>
                             </a:rPr>
                           </m:ctrlPr>
                         </m:fPr>
                         <m:num>
                           <m:r>
-                            <a:rPr lang="de-DE" b="1" i="1" smtClean="0">
+                            <a:rPr lang="de-DE" b="1" i="1">
                               <a:latin typeface="Cambria Math" panose="02040503050406030204" pitchFamily="18" charset="0"/>
                             </a:rPr>
                             <m:t>𝟏</m:t>
@@ -4429,14 +3747,14 @@
                           <m:sSub>
                             <m:sSubPr>
                               <m:ctrlPr>
-                                <a:rPr lang="de-DE" b="1" i="1" smtClean="0">
+                                <a:rPr lang="de-DE" b="1" i="1">
                                   <a:latin typeface="Cambria Math" panose="02040503050406030204" pitchFamily="18" charset="0"/>
                                 </a:rPr>
                               </m:ctrlPr>
                             </m:sSubPr>
                             <m:e>
                               <m:r>
-                                <a:rPr lang="de-DE" b="1" i="1" smtClean="0">
+                                <a:rPr lang="de-DE" b="1" i="1">
                                   <a:latin typeface="Cambria Math" panose="02040503050406030204" pitchFamily="18" charset="0"/>
                                 </a:rPr>
                                 <m:t>𝑱</m:t>
@@ -4444,7 +3762,7 @@
                             </m:e>
                             <m:sub>
                               <m:r>
-                                <a:rPr lang="de-DE" b="1" i="1" smtClean="0">
+                                <a:rPr lang="de-DE" b="1" i="1">
                                   <a:latin typeface="Cambria Math" panose="02040503050406030204" pitchFamily="18" charset="0"/>
                                 </a:rPr>
                                 <m:t>𝒈</m:t>
@@ -4478,8 +3796,1464 @@
             </p:nvSpPr>
             <p:spPr>
               <a:xfrm>
-                <a:off x="7770996" y="1275758"/>
+                <a:off x="9813911" y="2201418"/>
                 <a:ext cx="458715" cy="694870"/>
+              </a:xfrm>
+              <a:prstGeom prst="rect">
+                <a:avLst/>
+              </a:prstGeom>
+              <a:blipFill>
+                <a:blip r:embed="rId5"/>
+                <a:stretch>
+                  <a:fillRect/>
+                </a:stretch>
+              </a:blipFill>
+            </p:spPr>
+            <p:txBody>
+              <a:bodyPr/>
+              <a:lstStyle/>
+              <a:p>
+                <a:r>
+                  <a:rPr lang="de-DE">
+                    <a:noFill/>
+                  </a:rPr>
+                  <a:t> </a:t>
+                </a:r>
+              </a:p>
+            </p:txBody>
+          </p:sp>
+        </mc:Fallback>
+      </mc:AlternateContent>
+      <p:cxnSp>
+        <p:nvCxnSpPr>
+          <p:cNvPr id="22" name="Gerade Verbindung mit Pfeil 21">
+            <a:extLst>
+              <a:ext uri="{FF2B5EF4-FFF2-40B4-BE49-F238E27FC236}">
+                <a16:creationId xmlns:a16="http://schemas.microsoft.com/office/drawing/2014/main" id="{DE83B9E4-EB8B-6B28-0738-CACE6FC34EDA}"/>
+              </a:ext>
+            </a:extLst>
+          </p:cNvPr>
+          <p:cNvCxnSpPr>
+            <a:cxnSpLocks/>
+          </p:cNvCxnSpPr>
+          <p:nvPr/>
+        </p:nvCxnSpPr>
+        <p:spPr>
+          <a:xfrm>
+            <a:off x="10709185" y="2544637"/>
+            <a:ext cx="465110" cy="0"/>
+          </a:xfrm>
+          <a:prstGeom prst="straightConnector1">
+            <a:avLst/>
+          </a:prstGeom>
+          <a:ln w="28575">
+            <a:solidFill>
+              <a:schemeClr val="tx1"/>
+            </a:solidFill>
+            <a:tailEnd type="triangle"/>
+          </a:ln>
+        </p:spPr>
+        <p:style>
+          <a:lnRef idx="1">
+            <a:schemeClr val="accent1"/>
+          </a:lnRef>
+          <a:fillRef idx="0">
+            <a:schemeClr val="accent1"/>
+          </a:fillRef>
+          <a:effectRef idx="0">
+            <a:schemeClr val="accent1"/>
+          </a:effectRef>
+          <a:fontRef idx="minor">
+            <a:schemeClr val="tx1"/>
+          </a:fontRef>
+        </p:style>
+      </p:cxnSp>
+      <mc:AlternateContent xmlns:mc="http://schemas.openxmlformats.org/markup-compatibility/2006">
+        <mc:Choice xmlns:a14="http://schemas.microsoft.com/office/drawing/2010/main" Requires="a14">
+          <p:sp>
+            <p:nvSpPr>
+              <p:cNvPr id="24" name="Rechteck 23">
+                <a:extLst>
+                  <a:ext uri="{FF2B5EF4-FFF2-40B4-BE49-F238E27FC236}">
+                    <a16:creationId xmlns:a16="http://schemas.microsoft.com/office/drawing/2014/main" id="{EC1EDE07-C644-A9B9-7148-93B70D5E8EEF}"/>
+                  </a:ext>
+                </a:extLst>
+              </p:cNvPr>
+              <p:cNvSpPr/>
+              <p:nvPr/>
+            </p:nvSpPr>
+            <p:spPr>
+              <a:xfrm>
+                <a:off x="11145744" y="2241742"/>
+                <a:ext cx="895273" cy="605790"/>
+              </a:xfrm>
+              <a:prstGeom prst="rect">
+                <a:avLst/>
+              </a:prstGeom>
+              <a:noFill/>
+              <a:ln>
+                <a:solidFill>
+                  <a:schemeClr val="tx1"/>
+                </a:solidFill>
+              </a:ln>
+            </p:spPr>
+            <p:style>
+              <a:lnRef idx="2">
+                <a:schemeClr val="accent6"/>
+              </a:lnRef>
+              <a:fillRef idx="1">
+                <a:schemeClr val="lt1"/>
+              </a:fillRef>
+              <a:effectRef idx="0">
+                <a:schemeClr val="accent6"/>
+              </a:effectRef>
+              <a:fontRef idx="minor">
+                <a:schemeClr val="dk1"/>
+              </a:fontRef>
+            </p:style>
+            <p:txBody>
+              <a:bodyPr rtlCol="0" anchor="ctr"/>
+              <a:lstStyle/>
+              <a:p>
+                <a:pPr algn="ctr"/>
+                <a14:m>
+                  <m:oMathPara xmlns:m="http://schemas.openxmlformats.org/officeDocument/2006/math">
+                    <m:oMathParaPr>
+                      <m:jc m:val="centerGroup"/>
+                    </m:oMathParaPr>
+                    <m:oMath xmlns:m="http://schemas.openxmlformats.org/officeDocument/2006/math">
+                      <m:f>
+                        <m:fPr>
+                          <m:ctrlPr>
+                            <a:rPr lang="x-none" i="1"/>
+                          </m:ctrlPr>
+                        </m:fPr>
+                        <m:num>
+                          <m:r>
+                            <a:rPr lang="x-none"/>
+                            <m:t>1</m:t>
+                          </m:r>
+                        </m:num>
+                        <m:den>
+                          <m:r>
+                            <a:rPr lang="x-none"/>
+                            <m:t>𝑠</m:t>
+                          </m:r>
+                        </m:den>
+                      </m:f>
+                    </m:oMath>
+                  </m:oMathPara>
+                </a14:m>
+                <a:endParaRPr lang="x-none"/>
+              </a:p>
+            </p:txBody>
+          </p:sp>
+        </mc:Choice>
+        <mc:Fallback>
+          <p:sp>
+            <p:nvSpPr>
+              <p:cNvPr id="24" name="Rechteck 23">
+                <a:extLst>
+                  <a:ext uri="{FF2B5EF4-FFF2-40B4-BE49-F238E27FC236}">
+                    <a16:creationId xmlns:a16="http://schemas.microsoft.com/office/drawing/2014/main" id="{EC1EDE07-C644-A9B9-7148-93B70D5E8EEF}"/>
+                  </a:ext>
+                </a:extLst>
+              </p:cNvPr>
+              <p:cNvSpPr>
+                <a:spLocks noRot="1" noChangeAspect="1" noMove="1" noResize="1" noEditPoints="1" noAdjustHandles="1" noChangeArrowheads="1" noChangeShapeType="1" noTextEdit="1"/>
+              </p:cNvSpPr>
+              <p:nvPr/>
+            </p:nvSpPr>
+            <p:spPr>
+              <a:xfrm>
+                <a:off x="11145744" y="2241742"/>
+                <a:ext cx="895273" cy="605790"/>
+              </a:xfrm>
+              <a:prstGeom prst="rect">
+                <a:avLst/>
+              </a:prstGeom>
+              <a:blipFill>
+                <a:blip r:embed="rId6"/>
+                <a:stretch>
+                  <a:fillRect/>
+                </a:stretch>
+              </a:blipFill>
+              <a:ln>
+                <a:solidFill>
+                  <a:schemeClr val="tx1"/>
+                </a:solidFill>
+              </a:ln>
+            </p:spPr>
+            <p:txBody>
+              <a:bodyPr/>
+              <a:lstStyle/>
+              <a:p>
+                <a:r>
+                  <a:rPr lang="de-DE">
+                    <a:noFill/>
+                  </a:rPr>
+                  <a:t> </a:t>
+                </a:r>
+              </a:p>
+            </p:txBody>
+          </p:sp>
+        </mc:Fallback>
+      </mc:AlternateContent>
+      <mc:AlternateContent xmlns:mc="http://schemas.openxmlformats.org/markup-compatibility/2006">
+        <mc:Choice xmlns:a14="http://schemas.microsoft.com/office/drawing/2010/main" Requires="a14">
+          <p:sp>
+            <p:nvSpPr>
+              <p:cNvPr id="27" name="Rechteck 26">
+                <a:extLst>
+                  <a:ext uri="{FF2B5EF4-FFF2-40B4-BE49-F238E27FC236}">
+                    <a16:creationId xmlns:a16="http://schemas.microsoft.com/office/drawing/2014/main" id="{49F884DE-51D6-AC6D-31EE-9D77DEDBD6B8}"/>
+                  </a:ext>
+                </a:extLst>
+              </p:cNvPr>
+              <p:cNvSpPr/>
+              <p:nvPr/>
+            </p:nvSpPr>
+            <p:spPr>
+              <a:xfrm>
+                <a:off x="12506127" y="2241742"/>
+                <a:ext cx="895273" cy="605790"/>
+              </a:xfrm>
+              <a:prstGeom prst="rect">
+                <a:avLst/>
+              </a:prstGeom>
+              <a:noFill/>
+              <a:ln>
+                <a:solidFill>
+                  <a:schemeClr val="tx1"/>
+                </a:solidFill>
+              </a:ln>
+            </p:spPr>
+            <p:style>
+              <a:lnRef idx="2">
+                <a:schemeClr val="accent6"/>
+              </a:lnRef>
+              <a:fillRef idx="1">
+                <a:schemeClr val="lt1"/>
+              </a:fillRef>
+              <a:effectRef idx="0">
+                <a:schemeClr val="accent6"/>
+              </a:effectRef>
+              <a:fontRef idx="minor">
+                <a:schemeClr val="dk1"/>
+              </a:fontRef>
+            </p:style>
+            <p:txBody>
+              <a:bodyPr rtlCol="0" anchor="ctr"/>
+              <a:lstStyle/>
+              <a:p>
+                <a:pPr algn="ctr"/>
+                <a14:m>
+                  <m:oMathPara xmlns:m="http://schemas.openxmlformats.org/officeDocument/2006/math">
+                    <m:oMathParaPr>
+                      <m:jc m:val="centerGroup"/>
+                    </m:oMathParaPr>
+                    <m:oMath xmlns:m="http://schemas.openxmlformats.org/officeDocument/2006/math">
+                      <m:f>
+                        <m:fPr>
+                          <m:ctrlPr>
+                            <a:rPr lang="x-none" i="1"/>
+                          </m:ctrlPr>
+                        </m:fPr>
+                        <m:num>
+                          <m:r>
+                            <a:rPr lang="x-none"/>
+                            <m:t>1</m:t>
+                          </m:r>
+                        </m:num>
+                        <m:den>
+                          <m:r>
+                            <a:rPr lang="x-none"/>
+                            <m:t>𝑠</m:t>
+                          </m:r>
+                        </m:den>
+                      </m:f>
+                    </m:oMath>
+                  </m:oMathPara>
+                </a14:m>
+                <a:endParaRPr lang="x-none"/>
+              </a:p>
+            </p:txBody>
+          </p:sp>
+        </mc:Choice>
+        <mc:Fallback>
+          <p:sp>
+            <p:nvSpPr>
+              <p:cNvPr id="27" name="Rechteck 26">
+                <a:extLst>
+                  <a:ext uri="{FF2B5EF4-FFF2-40B4-BE49-F238E27FC236}">
+                    <a16:creationId xmlns:a16="http://schemas.microsoft.com/office/drawing/2014/main" id="{49F884DE-51D6-AC6D-31EE-9D77DEDBD6B8}"/>
+                  </a:ext>
+                </a:extLst>
+              </p:cNvPr>
+              <p:cNvSpPr>
+                <a:spLocks noRot="1" noChangeAspect="1" noMove="1" noResize="1" noEditPoints="1" noAdjustHandles="1" noChangeArrowheads="1" noChangeShapeType="1" noTextEdit="1"/>
+              </p:cNvSpPr>
+              <p:nvPr/>
+            </p:nvSpPr>
+            <p:spPr>
+              <a:xfrm>
+                <a:off x="12506127" y="2241742"/>
+                <a:ext cx="895273" cy="605790"/>
+              </a:xfrm>
+              <a:prstGeom prst="rect">
+                <a:avLst/>
+              </a:prstGeom>
+              <a:blipFill>
+                <a:blip r:embed="rId7"/>
+                <a:stretch>
+                  <a:fillRect/>
+                </a:stretch>
+              </a:blipFill>
+              <a:ln>
+                <a:solidFill>
+                  <a:schemeClr val="tx1"/>
+                </a:solidFill>
+              </a:ln>
+            </p:spPr>
+            <p:txBody>
+              <a:bodyPr/>
+              <a:lstStyle/>
+              <a:p>
+                <a:r>
+                  <a:rPr lang="de-DE">
+                    <a:noFill/>
+                  </a:rPr>
+                  <a:t> </a:t>
+                </a:r>
+              </a:p>
+            </p:txBody>
+          </p:sp>
+        </mc:Fallback>
+      </mc:AlternateContent>
+      <p:cxnSp>
+        <p:nvCxnSpPr>
+          <p:cNvPr id="28" name="Gerade Verbindung mit Pfeil 27">
+            <a:extLst>
+              <a:ext uri="{FF2B5EF4-FFF2-40B4-BE49-F238E27FC236}">
+                <a16:creationId xmlns:a16="http://schemas.microsoft.com/office/drawing/2014/main" id="{6FEE4817-E50A-7CCF-5B64-A5DC6BCC009C}"/>
+              </a:ext>
+            </a:extLst>
+          </p:cNvPr>
+          <p:cNvCxnSpPr>
+            <a:cxnSpLocks/>
+          </p:cNvCxnSpPr>
+          <p:nvPr/>
+        </p:nvCxnSpPr>
+        <p:spPr>
+          <a:xfrm>
+            <a:off x="12041017" y="2544637"/>
+            <a:ext cx="465110" cy="0"/>
+          </a:xfrm>
+          <a:prstGeom prst="straightConnector1">
+            <a:avLst/>
+          </a:prstGeom>
+          <a:ln w="28575">
+            <a:solidFill>
+              <a:schemeClr val="tx1"/>
+            </a:solidFill>
+            <a:tailEnd type="triangle"/>
+          </a:ln>
+        </p:spPr>
+        <p:style>
+          <a:lnRef idx="1">
+            <a:schemeClr val="accent1"/>
+          </a:lnRef>
+          <a:fillRef idx="0">
+            <a:schemeClr val="accent1"/>
+          </a:fillRef>
+          <a:effectRef idx="0">
+            <a:schemeClr val="accent1"/>
+          </a:effectRef>
+          <a:fontRef idx="minor">
+            <a:schemeClr val="tx1"/>
+          </a:fontRef>
+        </p:style>
+      </p:cxnSp>
+      <p:cxnSp>
+        <p:nvCxnSpPr>
+          <p:cNvPr id="29" name="Gerade Verbindung mit Pfeil 28">
+            <a:extLst>
+              <a:ext uri="{FF2B5EF4-FFF2-40B4-BE49-F238E27FC236}">
+                <a16:creationId xmlns:a16="http://schemas.microsoft.com/office/drawing/2014/main" id="{33AF4723-F589-2D46-BCD6-A5135202809F}"/>
+              </a:ext>
+            </a:extLst>
+          </p:cNvPr>
+          <p:cNvCxnSpPr>
+            <a:cxnSpLocks/>
+          </p:cNvCxnSpPr>
+          <p:nvPr/>
+        </p:nvCxnSpPr>
+        <p:spPr>
+          <a:xfrm>
+            <a:off x="13401400" y="2544637"/>
+            <a:ext cx="1292976" cy="0"/>
+          </a:xfrm>
+          <a:prstGeom prst="straightConnector1">
+            <a:avLst/>
+          </a:prstGeom>
+          <a:ln w="28575">
+            <a:solidFill>
+              <a:schemeClr val="tx1"/>
+            </a:solidFill>
+            <a:tailEnd type="triangle"/>
+          </a:ln>
+        </p:spPr>
+        <p:style>
+          <a:lnRef idx="1">
+            <a:schemeClr val="accent1"/>
+          </a:lnRef>
+          <a:fillRef idx="0">
+            <a:schemeClr val="accent1"/>
+          </a:fillRef>
+          <a:effectRef idx="0">
+            <a:schemeClr val="accent1"/>
+          </a:effectRef>
+          <a:fontRef idx="minor">
+            <a:schemeClr val="tx1"/>
+          </a:fontRef>
+        </p:style>
+      </p:cxnSp>
+      <p:sp>
+        <p:nvSpPr>
+          <p:cNvPr id="32" name="Dreieck 31">
+            <a:extLst>
+              <a:ext uri="{FF2B5EF4-FFF2-40B4-BE49-F238E27FC236}">
+                <a16:creationId xmlns:a16="http://schemas.microsoft.com/office/drawing/2014/main" id="{2BA2AB74-B454-B06E-CE4B-0429AADCCCEB}"/>
+              </a:ext>
+            </a:extLst>
+          </p:cNvPr>
+          <p:cNvSpPr/>
+          <p:nvPr/>
+        </p:nvSpPr>
+        <p:spPr>
+          <a:xfrm rot="16200000">
+            <a:off x="9518951" y="3509549"/>
+            <a:ext cx="1031920" cy="895273"/>
+          </a:xfrm>
+          <a:prstGeom prst="triangle">
+            <a:avLst/>
+          </a:prstGeom>
+          <a:noFill/>
+          <a:ln>
+            <a:solidFill>
+              <a:schemeClr val="tx1"/>
+            </a:solidFill>
+          </a:ln>
+        </p:spPr>
+        <p:style>
+          <a:lnRef idx="2">
+            <a:schemeClr val="accent6"/>
+          </a:lnRef>
+          <a:fillRef idx="1">
+            <a:schemeClr val="lt1"/>
+          </a:fillRef>
+          <a:effectRef idx="0">
+            <a:schemeClr val="accent6"/>
+          </a:effectRef>
+          <a:fontRef idx="minor">
+            <a:schemeClr val="dk1"/>
+          </a:fontRef>
+        </p:style>
+        <p:txBody>
+          <a:bodyPr rtlCol="0" anchor="ctr"/>
+          <a:lstStyle/>
+          <a:p>
+            <a:endParaRPr lang="x-none"/>
+          </a:p>
+        </p:txBody>
+      </p:sp>
+      <mc:AlternateContent xmlns:mc="http://schemas.openxmlformats.org/markup-compatibility/2006">
+        <mc:Choice xmlns:a14="http://schemas.microsoft.com/office/drawing/2010/main" Requires="a14">
+          <p:sp>
+            <p:nvSpPr>
+              <p:cNvPr id="13" name="Rechteck 12">
+                <a:extLst>
+                  <a:ext uri="{FF2B5EF4-FFF2-40B4-BE49-F238E27FC236}">
+                    <a16:creationId xmlns:a16="http://schemas.microsoft.com/office/drawing/2014/main" id="{2C4B7C31-1F53-9396-F33A-729342918B98}"/>
+                  </a:ext>
+                </a:extLst>
+              </p:cNvPr>
+              <p:cNvSpPr/>
+              <p:nvPr/>
+            </p:nvSpPr>
+            <p:spPr>
+              <a:xfrm>
+                <a:off x="18079733" y="4636091"/>
+                <a:ext cx="364202" cy="612796"/>
+              </a:xfrm>
+              <a:prstGeom prst="rect">
+                <a:avLst/>
+              </a:prstGeom>
+            </p:spPr>
+            <p:txBody>
+              <a:bodyPr wrap="none">
+                <a:spAutoFit/>
+              </a:bodyPr>
+              <a:lstStyle/>
+              <a:p>
+                <a14:m>
+                  <m:oMathPara xmlns:m="http://schemas.openxmlformats.org/officeDocument/2006/math">
+                    <m:oMathParaPr>
+                      <m:jc m:val="centerGroup"/>
+                    </m:oMathParaPr>
+                    <m:oMath xmlns:m="http://schemas.openxmlformats.org/officeDocument/2006/math">
+                      <m:f>
+                        <m:fPr>
+                          <m:ctrlPr>
+                            <a:rPr lang="x-none" i="1">
+                              <a:latin typeface="Cambria Math" panose="02040503050406030204" pitchFamily="18" charset="0"/>
+                            </a:rPr>
+                          </m:ctrlPr>
+                        </m:fPr>
+                        <m:num>
+                          <m:r>
+                            <a:rPr lang="x-none">
+                              <a:latin typeface="Cambria Math" panose="02040503050406030204" pitchFamily="18" charset="0"/>
+                            </a:rPr>
+                            <m:t>1</m:t>
+                          </m:r>
+                        </m:num>
+                        <m:den>
+                          <m:r>
+                            <a:rPr lang="x-none">
+                              <a:latin typeface="Cambria Math" panose="02040503050406030204" pitchFamily="18" charset="0"/>
+                            </a:rPr>
+                            <m:t>𝑠</m:t>
+                          </m:r>
+                        </m:den>
+                      </m:f>
+                    </m:oMath>
+                  </m:oMathPara>
+                </a14:m>
+                <a:endParaRPr lang="x-none">
+                  <a:latin typeface="Cambria Math" panose="02040503050406030204" pitchFamily="18" charset="0"/>
+                </a:endParaRPr>
+              </a:p>
+            </p:txBody>
+          </p:sp>
+        </mc:Choice>
+        <mc:Fallback>
+          <p:sp>
+            <p:nvSpPr>
+              <p:cNvPr id="13" name="Rechteck 12">
+                <a:extLst>
+                  <a:ext uri="{FF2B5EF4-FFF2-40B4-BE49-F238E27FC236}">
+                    <a16:creationId xmlns:a16="http://schemas.microsoft.com/office/drawing/2014/main" id="{2C4B7C31-1F53-9396-F33A-729342918B98}"/>
+                  </a:ext>
+                </a:extLst>
+              </p:cNvPr>
+              <p:cNvSpPr>
+                <a:spLocks noRot="1" noChangeAspect="1" noMove="1" noResize="1" noEditPoints="1" noAdjustHandles="1" noChangeArrowheads="1" noChangeShapeType="1" noTextEdit="1"/>
+              </p:cNvSpPr>
+              <p:nvPr/>
+            </p:nvSpPr>
+            <p:spPr>
+              <a:xfrm>
+                <a:off x="18079733" y="4636091"/>
+                <a:ext cx="364202" cy="612796"/>
+              </a:xfrm>
+              <a:prstGeom prst="rect">
+                <a:avLst/>
+              </a:prstGeom>
+              <a:blipFill>
+                <a:blip r:embed="rId8"/>
+                <a:stretch>
+                  <a:fillRect/>
+                </a:stretch>
+              </a:blipFill>
+            </p:spPr>
+            <p:txBody>
+              <a:bodyPr/>
+              <a:lstStyle/>
+              <a:p>
+                <a:r>
+                  <a:rPr lang="de-DE">
+                    <a:noFill/>
+                  </a:rPr>
+                  <a:t> </a:t>
+                </a:r>
+              </a:p>
+            </p:txBody>
+          </p:sp>
+        </mc:Fallback>
+      </mc:AlternateContent>
+      <mc:AlternateContent xmlns:mc="http://schemas.openxmlformats.org/markup-compatibility/2006">
+        <mc:Choice xmlns:a14="http://schemas.microsoft.com/office/drawing/2010/main" Requires="a14">
+          <p:sp>
+            <p:nvSpPr>
+              <p:cNvPr id="14" name="Textfeld 13">
+                <a:extLst>
+                  <a:ext uri="{FF2B5EF4-FFF2-40B4-BE49-F238E27FC236}">
+                    <a16:creationId xmlns:a16="http://schemas.microsoft.com/office/drawing/2014/main" id="{0BA2BAA6-57F8-4F18-82BC-8BEAE3CA0C2C}"/>
+                  </a:ext>
+                </a:extLst>
+              </p:cNvPr>
+              <p:cNvSpPr txBox="1"/>
+              <p:nvPr/>
+            </p:nvSpPr>
+            <p:spPr>
+              <a:xfrm>
+                <a:off x="9952024" y="3652831"/>
+                <a:ext cx="449162" cy="887935"/>
+              </a:xfrm>
+              <a:prstGeom prst="rect">
+                <a:avLst/>
+              </a:prstGeom>
+              <a:noFill/>
+            </p:spPr>
+            <p:txBody>
+              <a:bodyPr wrap="none" rtlCol="0">
+                <a:spAutoFit/>
+              </a:bodyPr>
+              <a:lstStyle/>
+              <a:p>
+                <a14:m>
+                  <m:oMathPara xmlns:m="http://schemas.openxmlformats.org/officeDocument/2006/math">
+                    <m:oMathParaPr>
+                      <m:jc m:val="centerGroup"/>
+                    </m:oMathParaPr>
+                    <m:oMath xmlns:m="http://schemas.openxmlformats.org/officeDocument/2006/math">
+                      <m:f>
+                        <m:fPr>
+                          <m:ctrlPr>
+                            <a:rPr lang="x-none" i="1" smtClean="0"/>
+                          </m:ctrlPr>
+                        </m:fPr>
+                        <m:num>
+                          <m:r>
+                            <a:rPr lang="x-none"/>
+                            <m:t>1</m:t>
+                          </m:r>
+                        </m:num>
+                        <m:den>
+                          <m:r>
+                            <a:rPr lang="de-DE" b="0" i="1" smtClean="0">
+                              <a:latin typeface="Cambria Math" panose="02040503050406030204" pitchFamily="18" charset="0"/>
+                            </a:rPr>
+                            <m:t>𝑖</m:t>
+                          </m:r>
+                        </m:den>
+                      </m:f>
+                    </m:oMath>
+                  </m:oMathPara>
+                </a14:m>
+                <a:endParaRPr lang="x-none"/>
+              </a:p>
+              <a:p>
+                <a:endParaRPr lang="de-DE" dirty="0"/>
+              </a:p>
+            </p:txBody>
+          </p:sp>
+        </mc:Choice>
+        <mc:Fallback>
+          <p:sp>
+            <p:nvSpPr>
+              <p:cNvPr id="14" name="Textfeld 13">
+                <a:extLst>
+                  <a:ext uri="{FF2B5EF4-FFF2-40B4-BE49-F238E27FC236}">
+                    <a16:creationId xmlns:a16="http://schemas.microsoft.com/office/drawing/2014/main" id="{0BA2BAA6-57F8-4F18-82BC-8BEAE3CA0C2C}"/>
+                  </a:ext>
+                </a:extLst>
+              </p:cNvPr>
+              <p:cNvSpPr txBox="1">
+                <a:spLocks noRot="1" noChangeAspect="1" noMove="1" noResize="1" noEditPoints="1" noAdjustHandles="1" noChangeArrowheads="1" noChangeShapeType="1" noTextEdit="1"/>
+              </p:cNvSpPr>
+              <p:nvPr/>
+            </p:nvSpPr>
+            <p:spPr>
+              <a:xfrm>
+                <a:off x="9952024" y="3652831"/>
+                <a:ext cx="449162" cy="887935"/>
+              </a:xfrm>
+              <a:prstGeom prst="rect">
+                <a:avLst/>
+              </a:prstGeom>
+              <a:blipFill>
+                <a:blip r:embed="rId9"/>
+                <a:stretch>
+                  <a:fillRect/>
+                </a:stretch>
+              </a:blipFill>
+            </p:spPr>
+            <p:txBody>
+              <a:bodyPr/>
+              <a:lstStyle/>
+              <a:p>
+                <a:r>
+                  <a:rPr lang="de-DE">
+                    <a:noFill/>
+                  </a:rPr>
+                  <a:t> </a:t>
+                </a:r>
+              </a:p>
+            </p:txBody>
+          </p:sp>
+        </mc:Fallback>
+      </mc:AlternateContent>
+      <p:sp>
+        <p:nvSpPr>
+          <p:cNvPr id="15" name="Oval 14">
+            <a:extLst>
+              <a:ext uri="{FF2B5EF4-FFF2-40B4-BE49-F238E27FC236}">
+                <a16:creationId xmlns:a16="http://schemas.microsoft.com/office/drawing/2014/main" id="{1B6E9B69-13FE-B59D-B3E6-19B3F8893274}"/>
+              </a:ext>
+            </a:extLst>
+          </p:cNvPr>
+          <p:cNvSpPr/>
+          <p:nvPr/>
+        </p:nvSpPr>
+        <p:spPr>
+          <a:xfrm>
+            <a:off x="13685143" y="2450541"/>
+            <a:ext cx="180000" cy="180000"/>
+          </a:xfrm>
+          <a:prstGeom prst="ellipse">
+            <a:avLst/>
+          </a:prstGeom>
+        </p:spPr>
+        <p:style>
+          <a:lnRef idx="2">
+            <a:schemeClr val="dk1">
+              <a:shade val="50000"/>
+            </a:schemeClr>
+          </a:lnRef>
+          <a:fillRef idx="1">
+            <a:schemeClr val="dk1"/>
+          </a:fillRef>
+          <a:effectRef idx="0">
+            <a:schemeClr val="dk1"/>
+          </a:effectRef>
+          <a:fontRef idx="minor">
+            <a:schemeClr val="lt1"/>
+          </a:fontRef>
+        </p:style>
+        <p:txBody>
+          <a:bodyPr rtlCol="0" anchor="ctr"/>
+          <a:lstStyle/>
+          <a:p>
+            <a:pPr algn="ctr"/>
+            <a:endParaRPr lang="de-DE"/>
+          </a:p>
+        </p:txBody>
+      </p:sp>
+      <p:cxnSp>
+        <p:nvCxnSpPr>
+          <p:cNvPr id="20" name="Gewinkelte Verbindung 19">
+            <a:extLst>
+              <a:ext uri="{FF2B5EF4-FFF2-40B4-BE49-F238E27FC236}">
+                <a16:creationId xmlns:a16="http://schemas.microsoft.com/office/drawing/2014/main" id="{98E7117C-E943-3C3E-282B-B22B342994F9}"/>
+              </a:ext>
+            </a:extLst>
+          </p:cNvPr>
+          <p:cNvCxnSpPr>
+            <a:cxnSpLocks/>
+            <a:stCxn id="15" idx="4"/>
+            <a:endCxn id="32" idx="3"/>
+          </p:cNvCxnSpPr>
+          <p:nvPr/>
+        </p:nvCxnSpPr>
+        <p:spPr>
+          <a:xfrm rot="5400000">
+            <a:off x="11465524" y="1647566"/>
+            <a:ext cx="1326645" cy="3292595"/>
+          </a:xfrm>
+          <a:prstGeom prst="bentConnector2">
+            <a:avLst/>
+          </a:prstGeom>
+          <a:ln w="28575">
+            <a:solidFill>
+              <a:schemeClr val="tx1"/>
+            </a:solidFill>
+            <a:tailEnd type="triangle"/>
+          </a:ln>
+        </p:spPr>
+        <p:style>
+          <a:lnRef idx="1">
+            <a:schemeClr val="accent1"/>
+          </a:lnRef>
+          <a:fillRef idx="0">
+            <a:schemeClr val="accent1"/>
+          </a:fillRef>
+          <a:effectRef idx="0">
+            <a:schemeClr val="accent1"/>
+          </a:effectRef>
+          <a:fontRef idx="minor">
+            <a:schemeClr val="tx1"/>
+          </a:fontRef>
+        </p:style>
+      </p:cxnSp>
+      <p:cxnSp>
+        <p:nvCxnSpPr>
+          <p:cNvPr id="42" name="Gewinkelte Verbindung 41">
+            <a:extLst>
+              <a:ext uri="{FF2B5EF4-FFF2-40B4-BE49-F238E27FC236}">
+                <a16:creationId xmlns:a16="http://schemas.microsoft.com/office/drawing/2014/main" id="{0A18F95D-89D1-6E73-DB52-184A133D5573}"/>
+              </a:ext>
+            </a:extLst>
+          </p:cNvPr>
+          <p:cNvCxnSpPr>
+            <a:cxnSpLocks/>
+            <a:endCxn id="45" idx="4"/>
+          </p:cNvCxnSpPr>
+          <p:nvPr/>
+        </p:nvCxnSpPr>
+        <p:spPr>
+          <a:xfrm rot="10800000">
+            <a:off x="4881964" y="2634638"/>
+            <a:ext cx="4729139" cy="1341077"/>
+          </a:xfrm>
+          <a:prstGeom prst="bentConnector2">
+            <a:avLst/>
+          </a:prstGeom>
+          <a:ln w="28575">
+            <a:solidFill>
+              <a:schemeClr val="tx1"/>
+            </a:solidFill>
+            <a:tailEnd type="triangle"/>
+          </a:ln>
+        </p:spPr>
+        <p:style>
+          <a:lnRef idx="1">
+            <a:schemeClr val="accent1"/>
+          </a:lnRef>
+          <a:fillRef idx="0">
+            <a:schemeClr val="accent1"/>
+          </a:fillRef>
+          <a:effectRef idx="0">
+            <a:schemeClr val="accent1"/>
+          </a:effectRef>
+          <a:fontRef idx="minor">
+            <a:schemeClr val="tx1"/>
+          </a:fontRef>
+        </p:style>
+      </p:cxnSp>
+      <p:sp>
+        <p:nvSpPr>
+          <p:cNvPr id="45" name="Oval 44">
+            <a:extLst>
+              <a:ext uri="{FF2B5EF4-FFF2-40B4-BE49-F238E27FC236}">
+                <a16:creationId xmlns:a16="http://schemas.microsoft.com/office/drawing/2014/main" id="{1B1642ED-1949-427D-046A-B1128F71CAFE}"/>
+              </a:ext>
+            </a:extLst>
+          </p:cNvPr>
+          <p:cNvSpPr/>
+          <p:nvPr/>
+        </p:nvSpPr>
+        <p:spPr>
+          <a:xfrm>
+            <a:off x="4791963" y="2454637"/>
+            <a:ext cx="180000" cy="180000"/>
+          </a:xfrm>
+          <a:prstGeom prst="ellipse">
+            <a:avLst/>
+          </a:prstGeom>
+          <a:solidFill>
+            <a:schemeClr val="bg1"/>
+          </a:solidFill>
+          <a:ln w="28575">
+            <a:solidFill>
+              <a:schemeClr val="tx1"/>
+            </a:solidFill>
+          </a:ln>
+        </p:spPr>
+        <p:style>
+          <a:lnRef idx="2">
+            <a:schemeClr val="dk1">
+              <a:shade val="50000"/>
+            </a:schemeClr>
+          </a:lnRef>
+          <a:fillRef idx="1">
+            <a:schemeClr val="dk1"/>
+          </a:fillRef>
+          <a:effectRef idx="0">
+            <a:schemeClr val="dk1"/>
+          </a:effectRef>
+          <a:fontRef idx="minor">
+            <a:schemeClr val="lt1"/>
+          </a:fontRef>
+        </p:style>
+        <p:txBody>
+          <a:bodyPr rtlCol="0" anchor="ctr"/>
+          <a:lstStyle/>
+          <a:p>
+            <a:pPr algn="ctr"/>
+            <a:endParaRPr lang="de-DE"/>
+          </a:p>
+        </p:txBody>
+      </p:sp>
+      <p:sp>
+        <p:nvSpPr>
+          <p:cNvPr id="48" name="Oval 47">
+            <a:extLst>
+              <a:ext uri="{FF2B5EF4-FFF2-40B4-BE49-F238E27FC236}">
+                <a16:creationId xmlns:a16="http://schemas.microsoft.com/office/drawing/2014/main" id="{748C22AB-AFEF-DFE8-1B79-469534715068}"/>
+              </a:ext>
+            </a:extLst>
+          </p:cNvPr>
+          <p:cNvSpPr/>
+          <p:nvPr/>
+        </p:nvSpPr>
+        <p:spPr>
+          <a:xfrm>
+            <a:off x="6886975" y="2454637"/>
+            <a:ext cx="180000" cy="180000"/>
+          </a:xfrm>
+          <a:prstGeom prst="ellipse">
+            <a:avLst/>
+          </a:prstGeom>
+          <a:solidFill>
+            <a:schemeClr val="bg1"/>
+          </a:solidFill>
+          <a:ln w="28575">
+            <a:solidFill>
+              <a:schemeClr val="tx1"/>
+            </a:solidFill>
+          </a:ln>
+        </p:spPr>
+        <p:style>
+          <a:lnRef idx="2">
+            <a:schemeClr val="dk1">
+              <a:shade val="50000"/>
+            </a:schemeClr>
+          </a:lnRef>
+          <a:fillRef idx="1">
+            <a:schemeClr val="dk1"/>
+          </a:fillRef>
+          <a:effectRef idx="0">
+            <a:schemeClr val="dk1"/>
+          </a:effectRef>
+          <a:fontRef idx="minor">
+            <a:schemeClr val="lt1"/>
+          </a:fontRef>
+        </p:style>
+        <p:txBody>
+          <a:bodyPr rtlCol="0" anchor="ctr"/>
+          <a:lstStyle/>
+          <a:p>
+            <a:pPr algn="ctr"/>
+            <a:endParaRPr lang="de-DE"/>
+          </a:p>
+        </p:txBody>
+      </p:sp>
+      <p:cxnSp>
+        <p:nvCxnSpPr>
+          <p:cNvPr id="49" name="Gerade Verbindung mit Pfeil 48">
+            <a:extLst>
+              <a:ext uri="{FF2B5EF4-FFF2-40B4-BE49-F238E27FC236}">
+                <a16:creationId xmlns:a16="http://schemas.microsoft.com/office/drawing/2014/main" id="{2B05B00A-85CE-7CC9-DFED-EABD11EE8764}"/>
+              </a:ext>
+            </a:extLst>
+          </p:cNvPr>
+          <p:cNvCxnSpPr>
+            <a:cxnSpLocks/>
+            <a:endCxn id="48" idx="4"/>
+          </p:cNvCxnSpPr>
+          <p:nvPr/>
+        </p:nvCxnSpPr>
+        <p:spPr>
+          <a:xfrm flipH="1" flipV="1">
+            <a:off x="6976975" y="2634637"/>
+            <a:ext cx="2946" cy="1364097"/>
+          </a:xfrm>
+          <a:prstGeom prst="straightConnector1">
+            <a:avLst/>
+          </a:prstGeom>
+          <a:ln w="28575">
+            <a:solidFill>
+              <a:schemeClr val="tx1"/>
+            </a:solidFill>
+            <a:tailEnd type="triangle"/>
+          </a:ln>
+        </p:spPr>
+        <p:style>
+          <a:lnRef idx="1">
+            <a:schemeClr val="accent1"/>
+          </a:lnRef>
+          <a:fillRef idx="0">
+            <a:schemeClr val="accent1"/>
+          </a:fillRef>
+          <a:effectRef idx="0">
+            <a:schemeClr val="accent1"/>
+          </a:effectRef>
+          <a:fontRef idx="minor">
+            <a:schemeClr val="tx1"/>
+          </a:fontRef>
+        </p:style>
+      </p:cxnSp>
+      <mc:AlternateContent xmlns:mc="http://schemas.openxmlformats.org/markup-compatibility/2006">
+        <mc:Choice xmlns:a14="http://schemas.microsoft.com/office/drawing/2010/main" Requires="a14">
+          <p:sp>
+            <p:nvSpPr>
+              <p:cNvPr id="53" name="Rechteck 52">
+                <a:extLst>
+                  <a:ext uri="{FF2B5EF4-FFF2-40B4-BE49-F238E27FC236}">
+                    <a16:creationId xmlns:a16="http://schemas.microsoft.com/office/drawing/2014/main" id="{F02A5882-9A19-674A-30CA-BA4D5402C39B}"/>
+                  </a:ext>
+                </a:extLst>
+              </p:cNvPr>
+              <p:cNvSpPr/>
+              <p:nvPr/>
+            </p:nvSpPr>
+            <p:spPr>
+              <a:xfrm>
+                <a:off x="6552034" y="3130726"/>
+                <a:ext cx="895273" cy="605790"/>
+              </a:xfrm>
+              <a:prstGeom prst="rect">
+                <a:avLst/>
+              </a:prstGeom>
+              <a:solidFill>
+                <a:schemeClr val="bg1"/>
+              </a:solidFill>
+              <a:ln>
+                <a:solidFill>
+                  <a:schemeClr val="tx1"/>
+                </a:solidFill>
+              </a:ln>
+            </p:spPr>
+            <p:style>
+              <a:lnRef idx="2">
+                <a:schemeClr val="accent6"/>
+              </a:lnRef>
+              <a:fillRef idx="1">
+                <a:schemeClr val="lt1"/>
+              </a:fillRef>
+              <a:effectRef idx="0">
+                <a:schemeClr val="accent6"/>
+              </a:effectRef>
+              <a:fontRef idx="minor">
+                <a:schemeClr val="dk1"/>
+              </a:fontRef>
+            </p:style>
+            <p:txBody>
+              <a:bodyPr rtlCol="0" anchor="ctr"/>
+              <a:lstStyle/>
+              <a:p>
+                <a:pPr algn="ctr"/>
+                <a14:m>
+                  <m:oMathPara xmlns:m="http://schemas.openxmlformats.org/officeDocument/2006/math">
+                    <m:oMathParaPr>
+                      <m:jc m:val="centerGroup"/>
+                    </m:oMathParaPr>
+                    <m:oMath xmlns:m="http://schemas.openxmlformats.org/officeDocument/2006/math">
+                      <m:r>
+                        <a:rPr lang="de-DE" b="0" i="1" smtClean="0">
+                          <a:latin typeface="Cambria Math" panose="02040503050406030204" pitchFamily="18" charset="0"/>
+                        </a:rPr>
+                        <m:t>𝑠</m:t>
+                      </m:r>
+                    </m:oMath>
+                  </m:oMathPara>
+                </a14:m>
+                <a:endParaRPr lang="x-none"/>
+              </a:p>
+            </p:txBody>
+          </p:sp>
+        </mc:Choice>
+        <mc:Fallback>
+          <p:sp>
+            <p:nvSpPr>
+              <p:cNvPr id="53" name="Rechteck 52">
+                <a:extLst>
+                  <a:ext uri="{FF2B5EF4-FFF2-40B4-BE49-F238E27FC236}">
+                    <a16:creationId xmlns:a16="http://schemas.microsoft.com/office/drawing/2014/main" id="{F02A5882-9A19-674A-30CA-BA4D5402C39B}"/>
+                  </a:ext>
+                </a:extLst>
+              </p:cNvPr>
+              <p:cNvSpPr>
+                <a:spLocks noRot="1" noChangeAspect="1" noMove="1" noResize="1" noEditPoints="1" noAdjustHandles="1" noChangeArrowheads="1" noChangeShapeType="1" noTextEdit="1"/>
+              </p:cNvSpPr>
+              <p:nvPr/>
+            </p:nvSpPr>
+            <p:spPr>
+              <a:xfrm>
+                <a:off x="6552034" y="3130726"/>
+                <a:ext cx="895273" cy="605790"/>
+              </a:xfrm>
+              <a:prstGeom prst="rect">
+                <a:avLst/>
+              </a:prstGeom>
+              <a:blipFill>
+                <a:blip r:embed="rId10"/>
+                <a:stretch>
+                  <a:fillRect/>
+                </a:stretch>
+              </a:blipFill>
+              <a:ln>
+                <a:solidFill>
+                  <a:schemeClr val="tx1"/>
+                </a:solidFill>
+              </a:ln>
+            </p:spPr>
+            <p:txBody>
+              <a:bodyPr/>
+              <a:lstStyle/>
+              <a:p>
+                <a:r>
+                  <a:rPr lang="de-DE">
+                    <a:noFill/>
+                  </a:rPr>
+                  <a:t> </a:t>
+                </a:r>
+              </a:p>
+            </p:txBody>
+          </p:sp>
+        </mc:Fallback>
+      </mc:AlternateContent>
+      <p:cxnSp>
+        <p:nvCxnSpPr>
+          <p:cNvPr id="54" name="Gerade Verbindung mit Pfeil 53">
+            <a:extLst>
+              <a:ext uri="{FF2B5EF4-FFF2-40B4-BE49-F238E27FC236}">
+                <a16:creationId xmlns:a16="http://schemas.microsoft.com/office/drawing/2014/main" id="{DBFDAA40-29F8-D7EA-3D2E-702404517FD4}"/>
+              </a:ext>
+            </a:extLst>
+          </p:cNvPr>
+          <p:cNvCxnSpPr>
+            <a:cxnSpLocks/>
+          </p:cNvCxnSpPr>
+          <p:nvPr/>
+        </p:nvCxnSpPr>
+        <p:spPr>
+          <a:xfrm flipV="1">
+            <a:off x="2312276" y="2564524"/>
+            <a:ext cx="1214673" cy="685"/>
+          </a:xfrm>
+          <a:prstGeom prst="straightConnector1">
+            <a:avLst/>
+          </a:prstGeom>
+          <a:ln w="28575">
+            <a:solidFill>
+              <a:schemeClr val="tx1"/>
+            </a:solidFill>
+            <a:tailEnd type="triangle"/>
+          </a:ln>
+        </p:spPr>
+        <p:style>
+          <a:lnRef idx="1">
+            <a:schemeClr val="accent1"/>
+          </a:lnRef>
+          <a:fillRef idx="0">
+            <a:schemeClr val="accent1"/>
+          </a:fillRef>
+          <a:effectRef idx="0">
+            <a:schemeClr val="accent1"/>
+          </a:effectRef>
+          <a:fontRef idx="minor">
+            <a:schemeClr val="tx1"/>
+          </a:fontRef>
+        </p:style>
+      </p:cxnSp>
+      <p:sp>
+        <p:nvSpPr>
+          <p:cNvPr id="56" name="Oval 55">
+            <a:extLst>
+              <a:ext uri="{FF2B5EF4-FFF2-40B4-BE49-F238E27FC236}">
+                <a16:creationId xmlns:a16="http://schemas.microsoft.com/office/drawing/2014/main" id="{69A590A6-AE44-0C51-6152-615D6DF00380}"/>
+              </a:ext>
+            </a:extLst>
+          </p:cNvPr>
+          <p:cNvSpPr/>
+          <p:nvPr/>
+        </p:nvSpPr>
+        <p:spPr>
+          <a:xfrm>
+            <a:off x="2973470" y="2475209"/>
+            <a:ext cx="180000" cy="180000"/>
+          </a:xfrm>
+          <a:prstGeom prst="ellipse">
+            <a:avLst/>
+          </a:prstGeom>
+          <a:solidFill>
+            <a:schemeClr val="bg1"/>
+          </a:solidFill>
+          <a:ln w="28575">
+            <a:solidFill>
+              <a:schemeClr val="tx1"/>
+            </a:solidFill>
+          </a:ln>
+        </p:spPr>
+        <p:style>
+          <a:lnRef idx="2">
+            <a:schemeClr val="dk1">
+              <a:shade val="50000"/>
+            </a:schemeClr>
+          </a:lnRef>
+          <a:fillRef idx="1">
+            <a:schemeClr val="dk1"/>
+          </a:fillRef>
+          <a:effectRef idx="0">
+            <a:schemeClr val="dk1"/>
+          </a:effectRef>
+          <a:fontRef idx="minor">
+            <a:schemeClr val="lt1"/>
+          </a:fontRef>
+        </p:style>
+        <p:txBody>
+          <a:bodyPr rtlCol="0" anchor="ctr"/>
+          <a:lstStyle/>
+          <a:p>
+            <a:pPr algn="ctr"/>
+            <a:endParaRPr lang="de-DE"/>
+          </a:p>
+        </p:txBody>
+      </p:sp>
+      <p:cxnSp>
+        <p:nvCxnSpPr>
+          <p:cNvPr id="57" name="Gerade Verbindung mit Pfeil 56">
+            <a:extLst>
+              <a:ext uri="{FF2B5EF4-FFF2-40B4-BE49-F238E27FC236}">
+                <a16:creationId xmlns:a16="http://schemas.microsoft.com/office/drawing/2014/main" id="{36F1A15B-CB3D-D64E-C1B9-D3AE2C023D7B}"/>
+              </a:ext>
+            </a:extLst>
+          </p:cNvPr>
+          <p:cNvCxnSpPr>
+            <a:cxnSpLocks/>
+            <a:endCxn id="56" idx="4"/>
+          </p:cNvCxnSpPr>
+          <p:nvPr/>
+        </p:nvCxnSpPr>
+        <p:spPr>
+          <a:xfrm flipV="1">
+            <a:off x="3059563" y="2655209"/>
+            <a:ext cx="3907" cy="1222789"/>
+          </a:xfrm>
+          <a:prstGeom prst="straightConnector1">
+            <a:avLst/>
+          </a:prstGeom>
+          <a:ln w="28575">
+            <a:solidFill>
+              <a:schemeClr val="tx1"/>
+            </a:solidFill>
+            <a:tailEnd type="triangle"/>
+          </a:ln>
+        </p:spPr>
+        <p:style>
+          <a:lnRef idx="1">
+            <a:schemeClr val="accent1"/>
+          </a:lnRef>
+          <a:fillRef idx="0">
+            <a:schemeClr val="accent1"/>
+          </a:fillRef>
+          <a:effectRef idx="0">
+            <a:schemeClr val="accent1"/>
+          </a:effectRef>
+          <a:fontRef idx="minor">
+            <a:schemeClr val="tx1"/>
+          </a:fontRef>
+        </p:style>
+      </p:cxnSp>
+      <mc:AlternateContent xmlns:mc="http://schemas.openxmlformats.org/markup-compatibility/2006">
+        <mc:Choice xmlns:a14="http://schemas.microsoft.com/office/drawing/2010/main" Requires="a14">
+          <p:sp>
+            <p:nvSpPr>
+              <p:cNvPr id="44" name="Rechteck 43">
+                <a:extLst>
+                  <a:ext uri="{FF2B5EF4-FFF2-40B4-BE49-F238E27FC236}">
+                    <a16:creationId xmlns:a16="http://schemas.microsoft.com/office/drawing/2014/main" id="{8C0E7AF0-E03A-9474-8CD9-7E8C1927A560}"/>
+                  </a:ext>
+                </a:extLst>
+              </p:cNvPr>
+              <p:cNvSpPr/>
+              <p:nvPr/>
+            </p:nvSpPr>
+            <p:spPr>
+              <a:xfrm>
+                <a:off x="2216378" y="2185770"/>
+                <a:ext cx="689997" cy="369332"/>
+              </a:xfrm>
+              <a:prstGeom prst="rect">
+                <a:avLst/>
+              </a:prstGeom>
+            </p:spPr>
+            <p:txBody>
+              <a:bodyPr wrap="none">
+                <a:spAutoFit/>
+              </a:bodyPr>
+              <a:lstStyle/>
+              <a:p>
+                <a:pPr/>
+                <a14:m>
+                  <m:oMathPara xmlns:m="http://schemas.openxmlformats.org/officeDocument/2006/math">
+                    <m:oMathParaPr>
+                      <m:jc m:val="centerGroup"/>
+                    </m:oMathParaPr>
+                    <m:oMath xmlns:m="http://schemas.openxmlformats.org/officeDocument/2006/math">
+                      <m:sSub>
+                        <m:sSubPr>
+                          <m:ctrlPr>
+                            <a:rPr lang="x-none" i="1">
+                              <a:latin typeface="Cambria Math" panose="02040503050406030204" pitchFamily="18" charset="0"/>
+                            </a:rPr>
+                          </m:ctrlPr>
+                        </m:sSubPr>
+                        <m:e>
+                          <m:r>
+                            <a:rPr lang="x-none">
+                              <a:latin typeface="Cambria Math" panose="02040503050406030204" pitchFamily="18" charset="0"/>
+                            </a:rPr>
+                            <m:t>𝑋</m:t>
+                          </m:r>
+                        </m:e>
+                        <m:sub>
+                          <m:r>
+                            <a:rPr lang="x-none">
+                              <a:latin typeface="Cambria Math" panose="02040503050406030204" pitchFamily="18" charset="0"/>
+                            </a:rPr>
+                            <m:t>𝑠𝑜𝑙𝑙</m:t>
+                          </m:r>
+                        </m:sub>
+                      </m:sSub>
+                    </m:oMath>
+                  </m:oMathPara>
+                </a14:m>
+                <a:endParaRPr lang="x-none">
+                  <a:latin typeface="Cambria Math" panose="02040503050406030204" pitchFamily="18" charset="0"/>
+                </a:endParaRPr>
+              </a:p>
+            </p:txBody>
+          </p:sp>
+        </mc:Choice>
+        <mc:Fallback>
+          <p:sp>
+            <p:nvSpPr>
+              <p:cNvPr id="44" name="Rechteck 43">
+                <a:extLst>
+                  <a:ext uri="{FF2B5EF4-FFF2-40B4-BE49-F238E27FC236}">
+                    <a16:creationId xmlns:a16="http://schemas.microsoft.com/office/drawing/2014/main" id="{8C0E7AF0-E03A-9474-8CD9-7E8C1927A560}"/>
+                  </a:ext>
+                </a:extLst>
+              </p:cNvPr>
+              <p:cNvSpPr>
+                <a:spLocks noRot="1" noChangeAspect="1" noMove="1" noResize="1" noEditPoints="1" noAdjustHandles="1" noChangeArrowheads="1" noChangeShapeType="1" noTextEdit="1"/>
+              </p:cNvSpPr>
+              <p:nvPr/>
+            </p:nvSpPr>
+            <p:spPr>
+              <a:xfrm>
+                <a:off x="2216378" y="2185770"/>
+                <a:ext cx="689997" cy="369332"/>
+              </a:xfrm>
+              <a:prstGeom prst="rect">
+                <a:avLst/>
+              </a:prstGeom>
+              <a:blipFill>
+                <a:blip r:embed="rId11"/>
+                <a:stretch>
+                  <a:fillRect/>
+                </a:stretch>
+              </a:blipFill>
+            </p:spPr>
+            <p:txBody>
+              <a:bodyPr/>
+              <a:lstStyle/>
+              <a:p>
+                <a:r>
+                  <a:rPr lang="de-DE">
+                    <a:noFill/>
+                  </a:rPr>
+                  <a:t> </a:t>
+                </a:r>
+              </a:p>
+            </p:txBody>
+          </p:sp>
+        </mc:Fallback>
+      </mc:AlternateContent>
+      <mc:AlternateContent xmlns:mc="http://schemas.openxmlformats.org/markup-compatibility/2006">
+        <mc:Choice xmlns:a14="http://schemas.microsoft.com/office/drawing/2010/main" Requires="a14">
+          <p:sp>
+            <p:nvSpPr>
+              <p:cNvPr id="46" name="Rechteck 45">
+                <a:extLst>
+                  <a:ext uri="{FF2B5EF4-FFF2-40B4-BE49-F238E27FC236}">
+                    <a16:creationId xmlns:a16="http://schemas.microsoft.com/office/drawing/2014/main" id="{40AF9B18-9199-5FE5-B79F-44F0AED96F4F}"/>
+                  </a:ext>
+                </a:extLst>
+              </p:cNvPr>
+              <p:cNvSpPr/>
+              <p:nvPr/>
+            </p:nvSpPr>
+            <p:spPr>
+              <a:xfrm>
+                <a:off x="3031328" y="3098826"/>
+                <a:ext cx="603755" cy="369332"/>
+              </a:xfrm>
+              <a:prstGeom prst="rect">
+                <a:avLst/>
+              </a:prstGeom>
+            </p:spPr>
+            <p:txBody>
+              <a:bodyPr wrap="none">
+                <a:spAutoFit/>
+              </a:bodyPr>
+              <a:lstStyle/>
+              <a:p>
+                <a:pPr/>
+                <a14:m>
+                  <m:oMathPara xmlns:m="http://schemas.openxmlformats.org/officeDocument/2006/math">
+                    <m:oMathParaPr>
+                      <m:jc m:val="centerGroup"/>
+                    </m:oMathParaPr>
+                    <m:oMath xmlns:m="http://schemas.openxmlformats.org/officeDocument/2006/math">
+                      <m:sSub>
+                        <m:sSubPr>
+                          <m:ctrlPr>
+                            <a:rPr lang="x-none" i="1">
+                              <a:latin typeface="Cambria Math" panose="02040503050406030204" pitchFamily="18" charset="0"/>
+                            </a:rPr>
+                          </m:ctrlPr>
+                        </m:sSubPr>
+                        <m:e>
+                          <m:r>
+                            <a:rPr lang="x-none">
+                              <a:latin typeface="Cambria Math" panose="02040503050406030204" pitchFamily="18" charset="0"/>
+                            </a:rPr>
+                            <m:t>𝑋</m:t>
+                          </m:r>
+                        </m:e>
+                        <m:sub>
+                          <m:r>
+                            <a:rPr lang="x-none">
+                              <a:latin typeface="Cambria Math" panose="02040503050406030204" pitchFamily="18" charset="0"/>
+                            </a:rPr>
+                            <m:t>𝑖𝑠𝑡</m:t>
+                          </m:r>
+                        </m:sub>
+                      </m:sSub>
+                    </m:oMath>
+                  </m:oMathPara>
+                </a14:m>
+                <a:endParaRPr lang="x-none">
+                  <a:latin typeface="Cambria Math" panose="02040503050406030204" pitchFamily="18" charset="0"/>
+                </a:endParaRPr>
+              </a:p>
+            </p:txBody>
+          </p:sp>
+        </mc:Choice>
+        <mc:Fallback>
+          <p:sp>
+            <p:nvSpPr>
+              <p:cNvPr id="46" name="Rechteck 45">
+                <a:extLst>
+                  <a:ext uri="{FF2B5EF4-FFF2-40B4-BE49-F238E27FC236}">
+                    <a16:creationId xmlns:a16="http://schemas.microsoft.com/office/drawing/2014/main" id="{40AF9B18-9199-5FE5-B79F-44F0AED96F4F}"/>
+                  </a:ext>
+                </a:extLst>
+              </p:cNvPr>
+              <p:cNvSpPr>
+                <a:spLocks noRot="1" noChangeAspect="1" noMove="1" noResize="1" noEditPoints="1" noAdjustHandles="1" noChangeArrowheads="1" noChangeShapeType="1" noTextEdit="1"/>
+              </p:cNvSpPr>
+              <p:nvPr/>
+            </p:nvSpPr>
+            <p:spPr>
+              <a:xfrm>
+                <a:off x="3031328" y="3098826"/>
+                <a:ext cx="603755" cy="369332"/>
               </a:xfrm>
               <a:prstGeom prst="rect">
                 <a:avLst/>
@@ -4488,6 +5262,1473 @@
                 <a:blip r:embed="rId12"/>
                 <a:stretch>
                   <a:fillRect/>
+                </a:stretch>
+              </a:blipFill>
+            </p:spPr>
+            <p:txBody>
+              <a:bodyPr/>
+              <a:lstStyle/>
+              <a:p>
+                <a:r>
+                  <a:rPr lang="de-DE">
+                    <a:noFill/>
+                  </a:rPr>
+                  <a:t> </a:t>
+                </a:r>
+              </a:p>
+            </p:txBody>
+          </p:sp>
+        </mc:Fallback>
+      </mc:AlternateContent>
+      <mc:AlternateContent xmlns:mc="http://schemas.openxmlformats.org/markup-compatibility/2006">
+        <mc:Choice xmlns:a14="http://schemas.microsoft.com/office/drawing/2010/main" Requires="a14">
+          <p:sp>
+            <p:nvSpPr>
+              <p:cNvPr id="47" name="Rechteck 46">
+                <a:extLst>
+                  <a:ext uri="{FF2B5EF4-FFF2-40B4-BE49-F238E27FC236}">
+                    <a16:creationId xmlns:a16="http://schemas.microsoft.com/office/drawing/2014/main" id="{3249CA51-D49B-7CFC-9179-10470784D52C}"/>
+                  </a:ext>
+                </a:extLst>
+              </p:cNvPr>
+              <p:cNvSpPr/>
+              <p:nvPr/>
+            </p:nvSpPr>
+            <p:spPr>
+              <a:xfrm>
+                <a:off x="4318686" y="2108677"/>
+                <a:ext cx="709745" cy="369332"/>
+              </a:xfrm>
+              <a:prstGeom prst="rect">
+                <a:avLst/>
+              </a:prstGeom>
+            </p:spPr>
+            <p:txBody>
+              <a:bodyPr wrap="none">
+                <a:spAutoFit/>
+              </a:bodyPr>
+              <a:lstStyle/>
+              <a:p>
+                <a14:m>
+                  <m:oMathPara xmlns:m="http://schemas.openxmlformats.org/officeDocument/2006/math">
+                    <m:oMathParaPr>
+                      <m:jc m:val="centerGroup"/>
+                    </m:oMathParaPr>
+                    <m:oMath xmlns:m="http://schemas.openxmlformats.org/officeDocument/2006/math">
+                      <m:sSub>
+                        <m:sSubPr>
+                          <m:ctrlPr>
+                            <a:rPr lang="de-DE" i="1">
+                              <a:latin typeface="Cambria Math" panose="02040503050406030204" pitchFamily="18" charset="0"/>
+                            </a:rPr>
+                          </m:ctrlPr>
+                        </m:sSubPr>
+                        <m:e>
+                          <m:r>
+                            <a:rPr lang="de-DE">
+                              <a:latin typeface="Cambria Math" panose="02040503050406030204" pitchFamily="18" charset="0"/>
+                            </a:rPr>
+                            <m:t>𝜙</m:t>
+                          </m:r>
+                        </m:e>
+                        <m:sub>
+                          <m:r>
+                            <a:rPr lang="de-DE">
+                              <a:latin typeface="Cambria Math" panose="02040503050406030204" pitchFamily="18" charset="0"/>
+                            </a:rPr>
+                            <m:t>𝑠𝑜𝑙𝑙</m:t>
+                          </m:r>
+                        </m:sub>
+                      </m:sSub>
+                    </m:oMath>
+                  </m:oMathPara>
+                </a14:m>
+                <a:endParaRPr lang="de-DE" dirty="0"/>
+              </a:p>
+            </p:txBody>
+          </p:sp>
+        </mc:Choice>
+        <mc:Fallback>
+          <p:sp>
+            <p:nvSpPr>
+              <p:cNvPr id="47" name="Rechteck 46">
+                <a:extLst>
+                  <a:ext uri="{FF2B5EF4-FFF2-40B4-BE49-F238E27FC236}">
+                    <a16:creationId xmlns:a16="http://schemas.microsoft.com/office/drawing/2014/main" id="{3249CA51-D49B-7CFC-9179-10470784D52C}"/>
+                  </a:ext>
+                </a:extLst>
+              </p:cNvPr>
+              <p:cNvSpPr>
+                <a:spLocks noRot="1" noChangeAspect="1" noMove="1" noResize="1" noEditPoints="1" noAdjustHandles="1" noChangeArrowheads="1" noChangeShapeType="1" noTextEdit="1"/>
+              </p:cNvSpPr>
+              <p:nvPr/>
+            </p:nvSpPr>
+            <p:spPr>
+              <a:xfrm>
+                <a:off x="4318686" y="2108677"/>
+                <a:ext cx="709745" cy="369332"/>
+              </a:xfrm>
+              <a:prstGeom prst="rect">
+                <a:avLst/>
+              </a:prstGeom>
+              <a:blipFill>
+                <a:blip r:embed="rId13"/>
+                <a:stretch>
+                  <a:fillRect b="-13793"/>
+                </a:stretch>
+              </a:blipFill>
+            </p:spPr>
+            <p:txBody>
+              <a:bodyPr/>
+              <a:lstStyle/>
+              <a:p>
+                <a:r>
+                  <a:rPr lang="de-DE">
+                    <a:noFill/>
+                  </a:rPr>
+                  <a:t> </a:t>
+                </a:r>
+              </a:p>
+            </p:txBody>
+          </p:sp>
+        </mc:Fallback>
+      </mc:AlternateContent>
+      <p:sp>
+        <p:nvSpPr>
+          <p:cNvPr id="50" name="Textfeld 49">
+            <a:extLst>
+              <a:ext uri="{FF2B5EF4-FFF2-40B4-BE49-F238E27FC236}">
+                <a16:creationId xmlns:a16="http://schemas.microsoft.com/office/drawing/2014/main" id="{AB7CC803-01D5-541D-30A7-2BE0FECA2B48}"/>
+              </a:ext>
+            </a:extLst>
+          </p:cNvPr>
+          <p:cNvSpPr txBox="1"/>
+          <p:nvPr/>
+        </p:nvSpPr>
+        <p:spPr>
+          <a:xfrm>
+            <a:off x="4569993" y="2454637"/>
+            <a:ext cx="255198" cy="369332"/>
+          </a:xfrm>
+          <a:prstGeom prst="rect">
+            <a:avLst/>
+          </a:prstGeom>
+          <a:noFill/>
+        </p:spPr>
+        <p:txBody>
+          <a:bodyPr wrap="none" rtlCol="0">
+            <a:spAutoFit/>
+          </a:bodyPr>
+          <a:lstStyle/>
+          <a:p>
+            <a:r>
+              <a:rPr lang="de-DE" dirty="0"/>
+              <a:t>-</a:t>
+            </a:r>
+          </a:p>
+        </p:txBody>
+      </p:sp>
+      <p:sp>
+        <p:nvSpPr>
+          <p:cNvPr id="63" name="Textfeld 62">
+            <a:extLst>
+              <a:ext uri="{FF2B5EF4-FFF2-40B4-BE49-F238E27FC236}">
+                <a16:creationId xmlns:a16="http://schemas.microsoft.com/office/drawing/2014/main" id="{6B3141C6-2AFA-2100-3504-C5A80F51B23F}"/>
+              </a:ext>
+            </a:extLst>
+          </p:cNvPr>
+          <p:cNvSpPr txBox="1"/>
+          <p:nvPr/>
+        </p:nvSpPr>
+        <p:spPr>
+          <a:xfrm>
+            <a:off x="2783778" y="2507685"/>
+            <a:ext cx="255198" cy="369332"/>
+          </a:xfrm>
+          <a:prstGeom prst="rect">
+            <a:avLst/>
+          </a:prstGeom>
+          <a:noFill/>
+        </p:spPr>
+        <p:txBody>
+          <a:bodyPr wrap="none" rtlCol="0">
+            <a:spAutoFit/>
+          </a:bodyPr>
+          <a:lstStyle/>
+          <a:p>
+            <a:r>
+              <a:rPr lang="de-DE" dirty="0"/>
+              <a:t>-</a:t>
+            </a:r>
+          </a:p>
+        </p:txBody>
+      </p:sp>
+      <p:sp>
+        <p:nvSpPr>
+          <p:cNvPr id="64" name="Textfeld 63">
+            <a:extLst>
+              <a:ext uri="{FF2B5EF4-FFF2-40B4-BE49-F238E27FC236}">
+                <a16:creationId xmlns:a16="http://schemas.microsoft.com/office/drawing/2014/main" id="{4B37A860-529A-323E-AA0F-05DA9B048070}"/>
+              </a:ext>
+            </a:extLst>
+          </p:cNvPr>
+          <p:cNvSpPr txBox="1"/>
+          <p:nvPr/>
+        </p:nvSpPr>
+        <p:spPr>
+          <a:xfrm>
+            <a:off x="6608980" y="2442619"/>
+            <a:ext cx="255198" cy="369332"/>
+          </a:xfrm>
+          <a:prstGeom prst="rect">
+            <a:avLst/>
+          </a:prstGeom>
+          <a:noFill/>
+        </p:spPr>
+        <p:txBody>
+          <a:bodyPr wrap="none" rtlCol="0">
+            <a:spAutoFit/>
+          </a:bodyPr>
+          <a:lstStyle/>
+          <a:p>
+            <a:r>
+              <a:rPr lang="de-DE" dirty="0"/>
+              <a:t>-</a:t>
+            </a:r>
+          </a:p>
+        </p:txBody>
+      </p:sp>
+      <mc:AlternateContent xmlns:mc="http://schemas.openxmlformats.org/markup-compatibility/2006">
+        <mc:Choice xmlns:a14="http://schemas.microsoft.com/office/drawing/2010/main" Requires="a14">
+          <p:sp>
+            <p:nvSpPr>
+              <p:cNvPr id="61" name="Rechteck 60">
+                <a:extLst>
+                  <a:ext uri="{FF2B5EF4-FFF2-40B4-BE49-F238E27FC236}">
+                    <a16:creationId xmlns:a16="http://schemas.microsoft.com/office/drawing/2014/main" id="{A5B99042-F584-01F7-2960-1286A7F4E6BB}"/>
+                  </a:ext>
+                </a:extLst>
+              </p:cNvPr>
+              <p:cNvSpPr/>
+              <p:nvPr/>
+            </p:nvSpPr>
+            <p:spPr>
+              <a:xfrm>
+                <a:off x="6047758" y="2138353"/>
+                <a:ext cx="1046506" cy="369332"/>
+              </a:xfrm>
+              <a:prstGeom prst="rect">
+                <a:avLst/>
+              </a:prstGeom>
+            </p:spPr>
+            <p:txBody>
+              <a:bodyPr wrap="square">
+                <a:spAutoFit/>
+              </a:bodyPr>
+              <a:lstStyle/>
+              <a:p>
+                <a:pPr/>
+                <a14:m>
+                  <m:oMathPara xmlns:m="http://schemas.openxmlformats.org/officeDocument/2006/math">
+                    <m:oMathParaPr>
+                      <m:jc m:val="centerGroup"/>
+                    </m:oMathParaPr>
+                    <m:oMath xmlns:m="http://schemas.openxmlformats.org/officeDocument/2006/math">
+                      <m:sSub>
+                        <m:sSubPr>
+                          <m:ctrlPr>
+                            <a:rPr lang="de-DE" i="1">
+                              <a:latin typeface="Cambria Math" panose="02040503050406030204" pitchFamily="18" charset="0"/>
+                            </a:rPr>
+                          </m:ctrlPr>
+                        </m:sSubPr>
+                        <m:e>
+                          <m:r>
+                            <m:rPr>
+                              <m:sty m:val="p"/>
+                            </m:rPr>
+                            <a:rPr lang="de-DE">
+                              <a:latin typeface="Cambria Math" panose="02040503050406030204" pitchFamily="18" charset="0"/>
+                            </a:rPr>
+                            <m:t>Ω</m:t>
+                          </m:r>
+                        </m:e>
+                        <m:sub>
+                          <m:r>
+                            <a:rPr lang="de-DE">
+                              <a:latin typeface="Cambria Math" panose="02040503050406030204" pitchFamily="18" charset="0"/>
+                            </a:rPr>
+                            <m:t>𝑠𝑜𝑙𝑙</m:t>
+                          </m:r>
+                        </m:sub>
+                      </m:sSub>
+                    </m:oMath>
+                  </m:oMathPara>
+                </a14:m>
+                <a:endParaRPr lang="de-DE" dirty="0">
+                  <a:latin typeface="Calibri" panose="020F0502020204030204" pitchFamily="34" charset="0"/>
+                </a:endParaRPr>
+              </a:p>
+            </p:txBody>
+          </p:sp>
+        </mc:Choice>
+        <mc:Fallback>
+          <p:sp>
+            <p:nvSpPr>
+              <p:cNvPr id="61" name="Rechteck 60">
+                <a:extLst>
+                  <a:ext uri="{FF2B5EF4-FFF2-40B4-BE49-F238E27FC236}">
+                    <a16:creationId xmlns:a16="http://schemas.microsoft.com/office/drawing/2014/main" id="{A5B99042-F584-01F7-2960-1286A7F4E6BB}"/>
+                  </a:ext>
+                </a:extLst>
+              </p:cNvPr>
+              <p:cNvSpPr>
+                <a:spLocks noRot="1" noChangeAspect="1" noMove="1" noResize="1" noEditPoints="1" noAdjustHandles="1" noChangeArrowheads="1" noChangeShapeType="1" noTextEdit="1"/>
+              </p:cNvSpPr>
+              <p:nvPr/>
+            </p:nvSpPr>
+            <p:spPr>
+              <a:xfrm>
+                <a:off x="6047758" y="2138353"/>
+                <a:ext cx="1046506" cy="369332"/>
+              </a:xfrm>
+              <a:prstGeom prst="rect">
+                <a:avLst/>
+              </a:prstGeom>
+              <a:blipFill>
+                <a:blip r:embed="rId14"/>
+                <a:stretch>
+                  <a:fillRect/>
+                </a:stretch>
+              </a:blipFill>
+            </p:spPr>
+            <p:txBody>
+              <a:bodyPr/>
+              <a:lstStyle/>
+              <a:p>
+                <a:r>
+                  <a:rPr lang="de-DE">
+                    <a:noFill/>
+                  </a:rPr>
+                  <a:t> </a:t>
+                </a:r>
+              </a:p>
+            </p:txBody>
+          </p:sp>
+        </mc:Fallback>
+      </mc:AlternateContent>
+      <mc:AlternateContent xmlns:mc="http://schemas.openxmlformats.org/markup-compatibility/2006">
+        <mc:Choice xmlns:a14="http://schemas.microsoft.com/office/drawing/2010/main" Requires="a14">
+          <p:sp>
+            <p:nvSpPr>
+              <p:cNvPr id="71" name="Rechteck 70">
+                <a:extLst>
+                  <a:ext uri="{FF2B5EF4-FFF2-40B4-BE49-F238E27FC236}">
+                    <a16:creationId xmlns:a16="http://schemas.microsoft.com/office/drawing/2014/main" id="{086A335B-F1B4-47E1-BA5D-243BF84760C7}"/>
+                  </a:ext>
+                </a:extLst>
+              </p:cNvPr>
+              <p:cNvSpPr/>
+              <p:nvPr/>
+            </p:nvSpPr>
+            <p:spPr>
+              <a:xfrm>
+                <a:off x="6208164" y="2701516"/>
+                <a:ext cx="1046506" cy="369332"/>
+              </a:xfrm>
+              <a:prstGeom prst="rect">
+                <a:avLst/>
+              </a:prstGeom>
+            </p:spPr>
+            <p:txBody>
+              <a:bodyPr wrap="square">
+                <a:spAutoFit/>
+              </a:bodyPr>
+              <a:lstStyle/>
+              <a:p>
+                <a:pPr/>
+                <a14:m>
+                  <m:oMathPara xmlns:m="http://schemas.openxmlformats.org/officeDocument/2006/math">
+                    <m:oMathParaPr>
+                      <m:jc m:val="centerGroup"/>
+                    </m:oMathParaPr>
+                    <m:oMath xmlns:m="http://schemas.openxmlformats.org/officeDocument/2006/math">
+                      <m:sSub>
+                        <m:sSubPr>
+                          <m:ctrlPr>
+                            <a:rPr lang="de-DE" i="1" smtClean="0">
+                              <a:latin typeface="Cambria Math" panose="02040503050406030204" pitchFamily="18" charset="0"/>
+                            </a:rPr>
+                          </m:ctrlPr>
+                        </m:sSubPr>
+                        <m:e>
+                          <m:r>
+                            <m:rPr>
+                              <m:sty m:val="p"/>
+                            </m:rPr>
+                            <a:rPr lang="de-DE">
+                              <a:latin typeface="Cambria Math" panose="02040503050406030204" pitchFamily="18" charset="0"/>
+                            </a:rPr>
+                            <m:t>Ω</m:t>
+                          </m:r>
+                        </m:e>
+                        <m:sub>
+                          <m:r>
+                            <m:rPr>
+                              <m:sty m:val="p"/>
+                            </m:rPr>
+                            <a:rPr lang="de-DE" b="0" i="0" smtClean="0">
+                              <a:latin typeface="Cambria Math" panose="02040503050406030204" pitchFamily="18" charset="0"/>
+                            </a:rPr>
+                            <m:t>ist</m:t>
+                          </m:r>
+                        </m:sub>
+                      </m:sSub>
+                    </m:oMath>
+                  </m:oMathPara>
+                </a14:m>
+                <a:endParaRPr lang="de-DE" dirty="0">
+                  <a:latin typeface="Calibri" panose="020F0502020204030204" pitchFamily="34" charset="0"/>
+                </a:endParaRPr>
+              </a:p>
+            </p:txBody>
+          </p:sp>
+        </mc:Choice>
+        <mc:Fallback>
+          <p:sp>
+            <p:nvSpPr>
+              <p:cNvPr id="71" name="Rechteck 70">
+                <a:extLst>
+                  <a:ext uri="{FF2B5EF4-FFF2-40B4-BE49-F238E27FC236}">
+                    <a16:creationId xmlns:a16="http://schemas.microsoft.com/office/drawing/2014/main" id="{086A335B-F1B4-47E1-BA5D-243BF84760C7}"/>
+                  </a:ext>
+                </a:extLst>
+              </p:cNvPr>
+              <p:cNvSpPr>
+                <a:spLocks noRot="1" noChangeAspect="1" noMove="1" noResize="1" noEditPoints="1" noAdjustHandles="1" noChangeArrowheads="1" noChangeShapeType="1" noTextEdit="1"/>
+              </p:cNvSpPr>
+              <p:nvPr/>
+            </p:nvSpPr>
+            <p:spPr>
+              <a:xfrm>
+                <a:off x="6208164" y="2701516"/>
+                <a:ext cx="1046506" cy="369332"/>
+              </a:xfrm>
+              <a:prstGeom prst="rect">
+                <a:avLst/>
+              </a:prstGeom>
+              <a:blipFill>
+                <a:blip r:embed="rId15"/>
+                <a:stretch>
+                  <a:fillRect/>
+                </a:stretch>
+              </a:blipFill>
+            </p:spPr>
+            <p:txBody>
+              <a:bodyPr/>
+              <a:lstStyle/>
+              <a:p>
+                <a:r>
+                  <a:rPr lang="de-DE">
+                    <a:noFill/>
+                  </a:rPr>
+                  <a:t> </a:t>
+                </a:r>
+              </a:p>
+            </p:txBody>
+          </p:sp>
+        </mc:Fallback>
+      </mc:AlternateContent>
+      <mc:AlternateContent xmlns:mc="http://schemas.openxmlformats.org/markup-compatibility/2006">
+        <mc:Choice xmlns:a14="http://schemas.microsoft.com/office/drawing/2010/main" Requires="a14">
+          <p:sp>
+            <p:nvSpPr>
+              <p:cNvPr id="75" name="Rechteck 74">
+                <a:extLst>
+                  <a:ext uri="{FF2B5EF4-FFF2-40B4-BE49-F238E27FC236}">
+                    <a16:creationId xmlns:a16="http://schemas.microsoft.com/office/drawing/2014/main" id="{B13F4605-EB24-F69A-723B-B5537B1DDAED}"/>
+                  </a:ext>
+                </a:extLst>
+              </p:cNvPr>
+              <p:cNvSpPr/>
+              <p:nvPr/>
+            </p:nvSpPr>
+            <p:spPr>
+              <a:xfrm>
+                <a:off x="4365400" y="2773016"/>
+                <a:ext cx="560282" cy="338554"/>
+              </a:xfrm>
+              <a:prstGeom prst="rect">
+                <a:avLst/>
+              </a:prstGeom>
+            </p:spPr>
+            <p:txBody>
+              <a:bodyPr wrap="none">
+                <a:spAutoFit/>
+              </a:bodyPr>
+              <a:lstStyle/>
+              <a:p>
+                <a14:m>
+                  <m:oMathPara xmlns:m="http://schemas.openxmlformats.org/officeDocument/2006/math">
+                    <m:oMathParaPr>
+                      <m:jc m:val="centerGroup"/>
+                    </m:oMathParaPr>
+                    <m:oMath xmlns:m="http://schemas.openxmlformats.org/officeDocument/2006/math">
+                      <m:sSub>
+                        <m:sSubPr>
+                          <m:ctrlPr>
+                            <a:rPr lang="de-DE" sz="1600" i="1" smtClean="0">
+                              <a:latin typeface="Cambria Math" panose="02040503050406030204" pitchFamily="18" charset="0"/>
+                            </a:rPr>
+                          </m:ctrlPr>
+                        </m:sSubPr>
+                        <m:e>
+                          <m:r>
+                            <a:rPr lang="de-DE" sz="1600">
+                              <a:latin typeface="Cambria Math" panose="02040503050406030204" pitchFamily="18" charset="0"/>
+                            </a:rPr>
+                            <m:t>𝜙</m:t>
+                          </m:r>
+                        </m:e>
+                        <m:sub>
+                          <m:r>
+                            <m:rPr>
+                              <m:sty m:val="p"/>
+                            </m:rPr>
+                            <a:rPr lang="de-DE" sz="1600" b="0" i="0" smtClean="0">
+                              <a:latin typeface="Cambria Math" panose="02040503050406030204" pitchFamily="18" charset="0"/>
+                            </a:rPr>
+                            <m:t>ist</m:t>
+                          </m:r>
+                        </m:sub>
+                      </m:sSub>
+                    </m:oMath>
+                  </m:oMathPara>
+                </a14:m>
+                <a:endParaRPr lang="de-DE" sz="1600" dirty="0"/>
+              </a:p>
+            </p:txBody>
+          </p:sp>
+        </mc:Choice>
+        <mc:Fallback>
+          <p:sp>
+            <p:nvSpPr>
+              <p:cNvPr id="75" name="Rechteck 74">
+                <a:extLst>
+                  <a:ext uri="{FF2B5EF4-FFF2-40B4-BE49-F238E27FC236}">
+                    <a16:creationId xmlns:a16="http://schemas.microsoft.com/office/drawing/2014/main" id="{B13F4605-EB24-F69A-723B-B5537B1DDAED}"/>
+                  </a:ext>
+                </a:extLst>
+              </p:cNvPr>
+              <p:cNvSpPr>
+                <a:spLocks noRot="1" noChangeAspect="1" noMove="1" noResize="1" noEditPoints="1" noAdjustHandles="1" noChangeArrowheads="1" noChangeShapeType="1" noTextEdit="1"/>
+              </p:cNvSpPr>
+              <p:nvPr/>
+            </p:nvSpPr>
+            <p:spPr>
+              <a:xfrm>
+                <a:off x="4365400" y="2773016"/>
+                <a:ext cx="560282" cy="338554"/>
+              </a:xfrm>
+              <a:prstGeom prst="rect">
+                <a:avLst/>
+              </a:prstGeom>
+              <a:blipFill>
+                <a:blip r:embed="rId16"/>
+                <a:stretch>
+                  <a:fillRect b="-11111"/>
+                </a:stretch>
+              </a:blipFill>
+            </p:spPr>
+            <p:txBody>
+              <a:bodyPr/>
+              <a:lstStyle/>
+              <a:p>
+                <a:r>
+                  <a:rPr lang="de-DE">
+                    <a:noFill/>
+                  </a:rPr>
+                  <a:t> </a:t>
+                </a:r>
+              </a:p>
+            </p:txBody>
+          </p:sp>
+        </mc:Fallback>
+      </mc:AlternateContent>
+      <mc:AlternateContent xmlns:mc="http://schemas.openxmlformats.org/markup-compatibility/2006">
+        <mc:Choice xmlns:a14="http://schemas.microsoft.com/office/drawing/2010/main" Requires="a14">
+          <p:sp>
+            <p:nvSpPr>
+              <p:cNvPr id="67" name="Rechteck 66">
+                <a:extLst>
+                  <a:ext uri="{FF2B5EF4-FFF2-40B4-BE49-F238E27FC236}">
+                    <a16:creationId xmlns:a16="http://schemas.microsoft.com/office/drawing/2014/main" id="{EEDB7E9F-08F4-EDF0-607A-A8C0E694CBB6}"/>
+                  </a:ext>
+                </a:extLst>
+              </p:cNvPr>
+              <p:cNvSpPr/>
+              <p:nvPr/>
+            </p:nvSpPr>
+            <p:spPr>
+              <a:xfrm>
+                <a:off x="8266670" y="2161061"/>
+                <a:ext cx="399147" cy="369332"/>
+              </a:xfrm>
+              <a:prstGeom prst="rect">
+                <a:avLst/>
+              </a:prstGeom>
+            </p:spPr>
+            <p:txBody>
+              <a:bodyPr wrap="none">
+                <a:spAutoFit/>
+              </a:bodyPr>
+              <a:lstStyle/>
+              <a:p>
+                <a:pPr/>
+                <a14:m>
+                  <m:oMathPara xmlns:m="http://schemas.openxmlformats.org/officeDocument/2006/math">
+                    <m:oMathParaPr>
+                      <m:jc m:val="centerGroup"/>
+                    </m:oMathParaPr>
+                    <m:oMath xmlns:m="http://schemas.openxmlformats.org/officeDocument/2006/math">
+                      <m:r>
+                        <a:rPr lang="de-DE" b="0" i="1" smtClean="0">
+                          <a:latin typeface="Cambria Math" panose="02040503050406030204" pitchFamily="18" charset="0"/>
+                        </a:rPr>
+                        <m:t>𝑈</m:t>
+                      </m:r>
+                    </m:oMath>
+                  </m:oMathPara>
+                </a14:m>
+                <a:endParaRPr lang="x-none">
+                  <a:latin typeface="Cambria Math" panose="02040503050406030204" pitchFamily="18" charset="0"/>
+                </a:endParaRPr>
+              </a:p>
+            </p:txBody>
+          </p:sp>
+        </mc:Choice>
+        <mc:Fallback>
+          <p:sp>
+            <p:nvSpPr>
+              <p:cNvPr id="67" name="Rechteck 66">
+                <a:extLst>
+                  <a:ext uri="{FF2B5EF4-FFF2-40B4-BE49-F238E27FC236}">
+                    <a16:creationId xmlns:a16="http://schemas.microsoft.com/office/drawing/2014/main" id="{EEDB7E9F-08F4-EDF0-607A-A8C0E694CBB6}"/>
+                  </a:ext>
+                </a:extLst>
+              </p:cNvPr>
+              <p:cNvSpPr>
+                <a:spLocks noRot="1" noChangeAspect="1" noMove="1" noResize="1" noEditPoints="1" noAdjustHandles="1" noChangeArrowheads="1" noChangeShapeType="1" noTextEdit="1"/>
+              </p:cNvSpPr>
+              <p:nvPr/>
+            </p:nvSpPr>
+            <p:spPr>
+              <a:xfrm>
+                <a:off x="8266670" y="2161061"/>
+                <a:ext cx="399147" cy="369332"/>
+              </a:xfrm>
+              <a:prstGeom prst="rect">
+                <a:avLst/>
+              </a:prstGeom>
+              <a:blipFill>
+                <a:blip r:embed="rId17"/>
+                <a:stretch>
+                  <a:fillRect/>
+                </a:stretch>
+              </a:blipFill>
+            </p:spPr>
+            <p:txBody>
+              <a:bodyPr/>
+              <a:lstStyle/>
+              <a:p>
+                <a:r>
+                  <a:rPr lang="de-DE">
+                    <a:noFill/>
+                  </a:rPr>
+                  <a:t> </a:t>
+                </a:r>
+              </a:p>
+            </p:txBody>
+          </p:sp>
+        </mc:Fallback>
+      </mc:AlternateContent>
+      <mc:AlternateContent xmlns:mc="http://schemas.openxmlformats.org/markup-compatibility/2006">
+        <mc:Choice xmlns:a14="http://schemas.microsoft.com/office/drawing/2010/main" Requires="a14">
+          <p:sp>
+            <p:nvSpPr>
+              <p:cNvPr id="68" name="Textfeld 67">
+                <a:extLst>
+                  <a:ext uri="{FF2B5EF4-FFF2-40B4-BE49-F238E27FC236}">
+                    <a16:creationId xmlns:a16="http://schemas.microsoft.com/office/drawing/2014/main" id="{699849B5-90BE-B03F-0217-04812CA529AC}"/>
+                  </a:ext>
+                </a:extLst>
+              </p:cNvPr>
+              <p:cNvSpPr txBox="1"/>
+              <p:nvPr/>
+            </p:nvSpPr>
+            <p:spPr>
+              <a:xfrm>
+                <a:off x="9344099" y="2124372"/>
+                <a:ext cx="440377" cy="369332"/>
+              </a:xfrm>
+              <a:prstGeom prst="rect">
+                <a:avLst/>
+              </a:prstGeom>
+              <a:noFill/>
+            </p:spPr>
+            <p:txBody>
+              <a:bodyPr wrap="none" rtlCol="0">
+                <a:spAutoFit/>
+              </a:bodyPr>
+              <a:lstStyle/>
+              <a:p>
+                <a14:m>
+                  <m:oMathPara xmlns:m="http://schemas.openxmlformats.org/officeDocument/2006/math">
+                    <m:oMathParaPr>
+                      <m:jc m:val="centerGroup"/>
+                    </m:oMathParaPr>
+                    <m:oMath xmlns:m="http://schemas.openxmlformats.org/officeDocument/2006/math">
+                      <m:r>
+                        <a:rPr lang="x-none">
+                          <a:latin typeface="Cambria Math" panose="02040503050406030204" pitchFamily="18" charset="0"/>
+                        </a:rPr>
+                        <m:t>𝑀</m:t>
+                      </m:r>
+                    </m:oMath>
+                  </m:oMathPara>
+                </a14:m>
+                <a:endParaRPr lang="de-DE" dirty="0"/>
+              </a:p>
+            </p:txBody>
+          </p:sp>
+        </mc:Choice>
+        <mc:Fallback>
+          <p:sp>
+            <p:nvSpPr>
+              <p:cNvPr id="68" name="Textfeld 67">
+                <a:extLst>
+                  <a:ext uri="{FF2B5EF4-FFF2-40B4-BE49-F238E27FC236}">
+                    <a16:creationId xmlns:a16="http://schemas.microsoft.com/office/drawing/2014/main" id="{699849B5-90BE-B03F-0217-04812CA529AC}"/>
+                  </a:ext>
+                </a:extLst>
+              </p:cNvPr>
+              <p:cNvSpPr txBox="1">
+                <a:spLocks noRot="1" noChangeAspect="1" noMove="1" noResize="1" noEditPoints="1" noAdjustHandles="1" noChangeArrowheads="1" noChangeShapeType="1" noTextEdit="1"/>
+              </p:cNvSpPr>
+              <p:nvPr/>
+            </p:nvSpPr>
+            <p:spPr>
+              <a:xfrm>
+                <a:off x="9344099" y="2124372"/>
+                <a:ext cx="440377" cy="369332"/>
+              </a:xfrm>
+              <a:prstGeom prst="rect">
+                <a:avLst/>
+              </a:prstGeom>
+              <a:blipFill>
+                <a:blip r:embed="rId18"/>
+                <a:stretch>
+                  <a:fillRect/>
+                </a:stretch>
+              </a:blipFill>
+            </p:spPr>
+            <p:txBody>
+              <a:bodyPr/>
+              <a:lstStyle/>
+              <a:p>
+                <a:r>
+                  <a:rPr lang="de-DE">
+                    <a:noFill/>
+                  </a:rPr>
+                  <a:t> </a:t>
+                </a:r>
+              </a:p>
+            </p:txBody>
+          </p:sp>
+        </mc:Fallback>
+      </mc:AlternateContent>
+      <mc:AlternateContent xmlns:mc="http://schemas.openxmlformats.org/markup-compatibility/2006">
+        <mc:Choice xmlns:a14="http://schemas.microsoft.com/office/drawing/2010/main" Requires="a14">
+          <p:sp>
+            <p:nvSpPr>
+              <p:cNvPr id="69" name="Rechteck 68">
+                <a:extLst>
+                  <a:ext uri="{FF2B5EF4-FFF2-40B4-BE49-F238E27FC236}">
+                    <a16:creationId xmlns:a16="http://schemas.microsoft.com/office/drawing/2014/main" id="{87940341-068D-5338-BD93-728324D6D9CA}"/>
+                  </a:ext>
+                </a:extLst>
+              </p:cNvPr>
+              <p:cNvSpPr/>
+              <p:nvPr/>
+            </p:nvSpPr>
+            <p:spPr>
+              <a:xfrm>
+                <a:off x="10722785" y="2144943"/>
+                <a:ext cx="380809" cy="369332"/>
+              </a:xfrm>
+              <a:prstGeom prst="rect">
+                <a:avLst/>
+              </a:prstGeom>
+            </p:spPr>
+            <p:txBody>
+              <a:bodyPr wrap="none">
+                <a:spAutoFit/>
+              </a:bodyPr>
+              <a:lstStyle/>
+              <a:p>
+                <a:pPr/>
+                <a14:m>
+                  <m:oMathPara xmlns:m="http://schemas.openxmlformats.org/officeDocument/2006/math">
+                    <m:oMathParaPr>
+                      <m:jc m:val="centerGroup"/>
+                    </m:oMathParaPr>
+                    <m:oMath xmlns:m="http://schemas.openxmlformats.org/officeDocument/2006/math">
+                      <m:r>
+                        <a:rPr lang="x-none">
+                          <a:latin typeface="Cambria Math" panose="02040503050406030204" pitchFamily="18" charset="0"/>
+                        </a:rPr>
+                        <m:t>𝛼</m:t>
+                      </m:r>
+                    </m:oMath>
+                  </m:oMathPara>
+                </a14:m>
+                <a:endParaRPr lang="x-none">
+                  <a:latin typeface="Cambria Math" panose="02040503050406030204" pitchFamily="18" charset="0"/>
+                </a:endParaRPr>
+              </a:p>
+            </p:txBody>
+          </p:sp>
+        </mc:Choice>
+        <mc:Fallback>
+          <p:sp>
+            <p:nvSpPr>
+              <p:cNvPr id="69" name="Rechteck 68">
+                <a:extLst>
+                  <a:ext uri="{FF2B5EF4-FFF2-40B4-BE49-F238E27FC236}">
+                    <a16:creationId xmlns:a16="http://schemas.microsoft.com/office/drawing/2014/main" id="{87940341-068D-5338-BD93-728324D6D9CA}"/>
+                  </a:ext>
+                </a:extLst>
+              </p:cNvPr>
+              <p:cNvSpPr>
+                <a:spLocks noRot="1" noChangeAspect="1" noMove="1" noResize="1" noEditPoints="1" noAdjustHandles="1" noChangeArrowheads="1" noChangeShapeType="1" noTextEdit="1"/>
+              </p:cNvSpPr>
+              <p:nvPr/>
+            </p:nvSpPr>
+            <p:spPr>
+              <a:xfrm>
+                <a:off x="10722785" y="2144943"/>
+                <a:ext cx="380809" cy="369332"/>
+              </a:xfrm>
+              <a:prstGeom prst="rect">
+                <a:avLst/>
+              </a:prstGeom>
+              <a:blipFill>
+                <a:blip r:embed="rId19"/>
+                <a:stretch>
+                  <a:fillRect/>
+                </a:stretch>
+              </a:blipFill>
+            </p:spPr>
+            <p:txBody>
+              <a:bodyPr/>
+              <a:lstStyle/>
+              <a:p>
+                <a:r>
+                  <a:rPr lang="de-DE">
+                    <a:noFill/>
+                  </a:rPr>
+                  <a:t> </a:t>
+                </a:r>
+              </a:p>
+            </p:txBody>
+          </p:sp>
+        </mc:Fallback>
+      </mc:AlternateContent>
+      <mc:AlternateContent xmlns:mc="http://schemas.openxmlformats.org/markup-compatibility/2006">
+        <mc:Choice xmlns:a14="http://schemas.microsoft.com/office/drawing/2010/main" Requires="a14">
+          <p:sp>
+            <p:nvSpPr>
+              <p:cNvPr id="70" name="Rechteck 69">
+                <a:extLst>
+                  <a:ext uri="{FF2B5EF4-FFF2-40B4-BE49-F238E27FC236}">
+                    <a16:creationId xmlns:a16="http://schemas.microsoft.com/office/drawing/2014/main" id="{87F09A8E-8B28-6E51-E521-7478D12B84D7}"/>
+                  </a:ext>
+                </a:extLst>
+              </p:cNvPr>
+              <p:cNvSpPr/>
+              <p:nvPr/>
+            </p:nvSpPr>
+            <p:spPr>
+              <a:xfrm>
+                <a:off x="12025856" y="2185770"/>
+                <a:ext cx="393056" cy="369332"/>
+              </a:xfrm>
+              <a:prstGeom prst="rect">
+                <a:avLst/>
+              </a:prstGeom>
+            </p:spPr>
+            <p:txBody>
+              <a:bodyPr wrap="none">
+                <a:spAutoFit/>
+              </a:bodyPr>
+              <a:lstStyle/>
+              <a:p>
+                <a:pPr/>
+                <a14:m>
+                  <m:oMathPara xmlns:m="http://schemas.openxmlformats.org/officeDocument/2006/math">
+                    <m:oMathParaPr>
+                      <m:jc m:val="centerGroup"/>
+                    </m:oMathParaPr>
+                    <m:oMath xmlns:m="http://schemas.openxmlformats.org/officeDocument/2006/math">
+                      <m:r>
+                        <m:rPr>
+                          <m:sty m:val="p"/>
+                        </m:rPr>
+                        <a:rPr lang="x-none">
+                          <a:latin typeface="Cambria Math" panose="02040503050406030204" pitchFamily="18" charset="0"/>
+                        </a:rPr>
+                        <m:t>Ω</m:t>
+                      </m:r>
+                    </m:oMath>
+                  </m:oMathPara>
+                </a14:m>
+                <a:endParaRPr lang="x-none">
+                  <a:latin typeface="Cambria Math" panose="02040503050406030204" pitchFamily="18" charset="0"/>
+                </a:endParaRPr>
+              </a:p>
+            </p:txBody>
+          </p:sp>
+        </mc:Choice>
+        <mc:Fallback>
+          <p:sp>
+            <p:nvSpPr>
+              <p:cNvPr id="70" name="Rechteck 69">
+                <a:extLst>
+                  <a:ext uri="{FF2B5EF4-FFF2-40B4-BE49-F238E27FC236}">
+                    <a16:creationId xmlns:a16="http://schemas.microsoft.com/office/drawing/2014/main" id="{87F09A8E-8B28-6E51-E521-7478D12B84D7}"/>
+                  </a:ext>
+                </a:extLst>
+              </p:cNvPr>
+              <p:cNvSpPr>
+                <a:spLocks noRot="1" noChangeAspect="1" noMove="1" noResize="1" noEditPoints="1" noAdjustHandles="1" noChangeArrowheads="1" noChangeShapeType="1" noTextEdit="1"/>
+              </p:cNvSpPr>
+              <p:nvPr/>
+            </p:nvSpPr>
+            <p:spPr>
+              <a:xfrm>
+                <a:off x="12025856" y="2185770"/>
+                <a:ext cx="393056" cy="369332"/>
+              </a:xfrm>
+              <a:prstGeom prst="rect">
+                <a:avLst/>
+              </a:prstGeom>
+              <a:blipFill>
+                <a:blip r:embed="rId20"/>
+                <a:stretch>
+                  <a:fillRect/>
+                </a:stretch>
+              </a:blipFill>
+            </p:spPr>
+            <p:txBody>
+              <a:bodyPr/>
+              <a:lstStyle/>
+              <a:p>
+                <a:r>
+                  <a:rPr lang="de-DE">
+                    <a:noFill/>
+                  </a:rPr>
+                  <a:t> </a:t>
+                </a:r>
+              </a:p>
+            </p:txBody>
+          </p:sp>
+        </mc:Fallback>
+      </mc:AlternateContent>
+      <mc:AlternateContent xmlns:mc="http://schemas.openxmlformats.org/markup-compatibility/2006">
+        <mc:Choice xmlns:a14="http://schemas.microsoft.com/office/drawing/2010/main" Requires="a14">
+          <p:sp>
+            <p:nvSpPr>
+              <p:cNvPr id="72" name="Rechteck 71">
+                <a:extLst>
+                  <a:ext uri="{FF2B5EF4-FFF2-40B4-BE49-F238E27FC236}">
+                    <a16:creationId xmlns:a16="http://schemas.microsoft.com/office/drawing/2014/main" id="{AB08504E-D4A8-DCB7-9306-15F20B7C85CD}"/>
+                  </a:ext>
+                </a:extLst>
+              </p:cNvPr>
+              <p:cNvSpPr/>
+              <p:nvPr/>
+            </p:nvSpPr>
+            <p:spPr>
+              <a:xfrm>
+                <a:off x="14100144" y="2161061"/>
+                <a:ext cx="397993" cy="369332"/>
+              </a:xfrm>
+              <a:prstGeom prst="rect">
+                <a:avLst/>
+              </a:prstGeom>
+            </p:spPr>
+            <p:txBody>
+              <a:bodyPr wrap="none">
+                <a:spAutoFit/>
+              </a:bodyPr>
+              <a:lstStyle/>
+              <a:p>
+                <a:pPr/>
+                <a14:m>
+                  <m:oMathPara xmlns:m="http://schemas.openxmlformats.org/officeDocument/2006/math">
+                    <m:oMathParaPr>
+                      <m:jc m:val="centerGroup"/>
+                    </m:oMathParaPr>
+                    <m:oMath xmlns:m="http://schemas.openxmlformats.org/officeDocument/2006/math">
+                      <m:r>
+                        <a:rPr lang="x-none">
+                          <a:latin typeface="Cambria Math" panose="02040503050406030204" pitchFamily="18" charset="0"/>
+                        </a:rPr>
+                        <m:t>𝜙</m:t>
+                      </m:r>
+                    </m:oMath>
+                  </m:oMathPara>
+                </a14:m>
+                <a:endParaRPr lang="x-none">
+                  <a:latin typeface="Cambria Math" panose="02040503050406030204" pitchFamily="18" charset="0"/>
+                </a:endParaRPr>
+              </a:p>
+            </p:txBody>
+          </p:sp>
+        </mc:Choice>
+        <mc:Fallback>
+          <p:sp>
+            <p:nvSpPr>
+              <p:cNvPr id="72" name="Rechteck 71">
+                <a:extLst>
+                  <a:ext uri="{FF2B5EF4-FFF2-40B4-BE49-F238E27FC236}">
+                    <a16:creationId xmlns:a16="http://schemas.microsoft.com/office/drawing/2014/main" id="{AB08504E-D4A8-DCB7-9306-15F20B7C85CD}"/>
+                  </a:ext>
+                </a:extLst>
+              </p:cNvPr>
+              <p:cNvSpPr>
+                <a:spLocks noRot="1" noChangeAspect="1" noMove="1" noResize="1" noEditPoints="1" noAdjustHandles="1" noChangeArrowheads="1" noChangeShapeType="1" noTextEdit="1"/>
+              </p:cNvSpPr>
+              <p:nvPr/>
+            </p:nvSpPr>
+            <p:spPr>
+              <a:xfrm>
+                <a:off x="14100144" y="2161061"/>
+                <a:ext cx="397993" cy="369332"/>
+              </a:xfrm>
+              <a:prstGeom prst="rect">
+                <a:avLst/>
+              </a:prstGeom>
+              <a:blipFill>
+                <a:blip r:embed="rId21"/>
+                <a:stretch>
+                  <a:fillRect b="-13333"/>
+                </a:stretch>
+              </a:blipFill>
+            </p:spPr>
+            <p:txBody>
+              <a:bodyPr/>
+              <a:lstStyle/>
+              <a:p>
+                <a:r>
+                  <a:rPr lang="de-DE">
+                    <a:noFill/>
+                  </a:rPr>
+                  <a:t> </a:t>
+                </a:r>
+              </a:p>
+            </p:txBody>
+          </p:sp>
+        </mc:Fallback>
+      </mc:AlternateContent>
+      <mc:AlternateContent xmlns:mc="http://schemas.openxmlformats.org/markup-compatibility/2006">
+        <mc:Choice xmlns:a14="http://schemas.microsoft.com/office/drawing/2010/main" Requires="a14">
+          <p:sp>
+            <p:nvSpPr>
+              <p:cNvPr id="76" name="Rechteck 75">
+                <a:extLst>
+                  <a:ext uri="{FF2B5EF4-FFF2-40B4-BE49-F238E27FC236}">
+                    <a16:creationId xmlns:a16="http://schemas.microsoft.com/office/drawing/2014/main" id="{B82A7E4A-B80A-C322-387A-FC73CACA1278}"/>
+                  </a:ext>
+                </a:extLst>
+              </p:cNvPr>
+              <p:cNvSpPr/>
+              <p:nvPr/>
+            </p:nvSpPr>
+            <p:spPr>
+              <a:xfrm>
+                <a:off x="8318753" y="3541142"/>
+                <a:ext cx="1191224" cy="390748"/>
+              </a:xfrm>
+              <a:prstGeom prst="rect">
+                <a:avLst/>
+              </a:prstGeom>
+            </p:spPr>
+            <p:txBody>
+              <a:bodyPr wrap="none">
+                <a:spAutoFit/>
+              </a:bodyPr>
+              <a:lstStyle/>
+              <a:p>
+                <a14:m>
+                  <m:oMathPara xmlns:m="http://schemas.openxmlformats.org/officeDocument/2006/math">
+                    <m:oMathParaPr>
+                      <m:jc m:val="centerGroup"/>
+                    </m:oMathParaPr>
+                    <m:oMath xmlns:m="http://schemas.openxmlformats.org/officeDocument/2006/math">
+                      <m:sSub>
+                        <m:sSubPr>
+                          <m:ctrlPr>
+                            <a:rPr lang="de-DE" i="1" smtClean="0">
+                              <a:latin typeface="Cambria Math" panose="02040503050406030204" pitchFamily="18" charset="0"/>
+                            </a:rPr>
+                          </m:ctrlPr>
+                        </m:sSubPr>
+                        <m:e>
+                          <m:r>
+                            <a:rPr lang="de-DE">
+                              <a:latin typeface="Cambria Math" panose="02040503050406030204" pitchFamily="18" charset="0"/>
+                            </a:rPr>
+                            <m:t>𝜙</m:t>
+                          </m:r>
+                        </m:e>
+                        <m:sub>
+                          <m:r>
+                            <a:rPr lang="de-DE">
+                              <a:latin typeface="Cambria Math" panose="02040503050406030204" pitchFamily="18" charset="0"/>
+                            </a:rPr>
+                            <m:t>𝑊𝑖𝑝𝑝𝑒</m:t>
+                          </m:r>
+                          <m:r>
+                            <a:rPr lang="de-DE" b="0" i="1" smtClean="0">
+                              <a:latin typeface="Cambria Math" panose="02040503050406030204" pitchFamily="18" charset="0"/>
+                            </a:rPr>
+                            <m:t>,</m:t>
+                          </m:r>
+                          <m:r>
+                            <a:rPr lang="de-DE" b="0" i="1" smtClean="0">
+                              <a:latin typeface="Cambria Math" panose="02040503050406030204" pitchFamily="18" charset="0"/>
+                            </a:rPr>
+                            <m:t>𝑖𝑠𝑡</m:t>
+                          </m:r>
+                        </m:sub>
+                      </m:sSub>
+                    </m:oMath>
+                  </m:oMathPara>
+                </a14:m>
+                <a:endParaRPr lang="de-DE" dirty="0"/>
+              </a:p>
+            </p:txBody>
+          </p:sp>
+        </mc:Choice>
+        <mc:Fallback>
+          <p:sp>
+            <p:nvSpPr>
+              <p:cNvPr id="76" name="Rechteck 75">
+                <a:extLst>
+                  <a:ext uri="{FF2B5EF4-FFF2-40B4-BE49-F238E27FC236}">
+                    <a16:creationId xmlns:a16="http://schemas.microsoft.com/office/drawing/2014/main" id="{B82A7E4A-B80A-C322-387A-FC73CACA1278}"/>
+                  </a:ext>
+                </a:extLst>
+              </p:cNvPr>
+              <p:cNvSpPr>
+                <a:spLocks noRot="1" noChangeAspect="1" noMove="1" noResize="1" noEditPoints="1" noAdjustHandles="1" noChangeArrowheads="1" noChangeShapeType="1" noTextEdit="1"/>
+              </p:cNvSpPr>
+              <p:nvPr/>
+            </p:nvSpPr>
+            <p:spPr>
+              <a:xfrm>
+                <a:off x="8318753" y="3541142"/>
+                <a:ext cx="1191224" cy="390748"/>
+              </a:xfrm>
+              <a:prstGeom prst="rect">
+                <a:avLst/>
+              </a:prstGeom>
+              <a:blipFill>
+                <a:blip r:embed="rId22"/>
+                <a:stretch>
+                  <a:fillRect b="-9375"/>
+                </a:stretch>
+              </a:blipFill>
+            </p:spPr>
+            <p:txBody>
+              <a:bodyPr/>
+              <a:lstStyle/>
+              <a:p>
+                <a:r>
+                  <a:rPr lang="de-DE">
+                    <a:noFill/>
+                  </a:rPr>
+                  <a:t> </a:t>
+                </a:r>
+              </a:p>
+            </p:txBody>
+          </p:sp>
+        </mc:Fallback>
+      </mc:AlternateContent>
+      <mc:AlternateContent xmlns:mc="http://schemas.openxmlformats.org/markup-compatibility/2006">
+        <mc:Choice xmlns:a14="http://schemas.microsoft.com/office/drawing/2010/main" Requires="a14">
+          <p:sp>
+            <p:nvSpPr>
+              <p:cNvPr id="78" name="Rechteck 77">
+                <a:extLst>
+                  <a:ext uri="{FF2B5EF4-FFF2-40B4-BE49-F238E27FC236}">
+                    <a16:creationId xmlns:a16="http://schemas.microsoft.com/office/drawing/2014/main" id="{07479E3C-7A0B-A6FF-0E88-4E9E199506DC}"/>
+                  </a:ext>
+                </a:extLst>
+              </p:cNvPr>
+              <p:cNvSpPr/>
+              <p:nvPr/>
+            </p:nvSpPr>
+            <p:spPr>
+              <a:xfrm>
+                <a:off x="9961322" y="3255954"/>
+                <a:ext cx="2622619" cy="658514"/>
+              </a:xfrm>
+              <a:prstGeom prst="rect">
+                <a:avLst/>
+              </a:prstGeom>
+            </p:spPr>
+            <p:txBody>
+              <a:bodyPr wrap="square">
+                <a:spAutoFit/>
+              </a:bodyPr>
+              <a:lstStyle/>
+              <a:p>
+                <a:pPr/>
+                <a:br>
+                  <a:rPr lang="de-DE" dirty="0">
+                    <a:latin typeface="Calibri" panose="020F0502020204030204" pitchFamily="34" charset="0"/>
+                  </a:rPr>
+                </a:br>
+                <a14:m>
+                  <m:oMathPara xmlns:m="http://schemas.openxmlformats.org/officeDocument/2006/math">
+                    <m:oMathParaPr>
+                      <m:jc m:val="centerGroup"/>
+                    </m:oMathParaPr>
+                    <m:oMath xmlns:m="http://schemas.openxmlformats.org/officeDocument/2006/math">
+                      <m:sSub>
+                        <m:sSubPr>
+                          <m:ctrlPr>
+                            <a:rPr lang="de-DE" i="1">
+                              <a:latin typeface="Cambria Math" panose="02040503050406030204" pitchFamily="18" charset="0"/>
+                            </a:rPr>
+                          </m:ctrlPr>
+                        </m:sSubPr>
+                        <m:e>
+                          <m:r>
+                            <a:rPr lang="de-DE">
+                              <a:latin typeface="Cambria Math" panose="02040503050406030204" pitchFamily="18" charset="0"/>
+                            </a:rPr>
+                            <m:t>𝜙</m:t>
+                          </m:r>
+                        </m:e>
+                        <m:sub>
+                          <m:r>
+                            <a:rPr lang="de-DE">
+                              <a:latin typeface="Cambria Math" panose="02040503050406030204" pitchFamily="18" charset="0"/>
+                            </a:rPr>
+                            <m:t>𝑀𝑜𝑡𝑜𝑟</m:t>
+                          </m:r>
+                          <m:r>
+                            <a:rPr lang="de-DE">
+                              <a:latin typeface="Cambria Math" panose="02040503050406030204" pitchFamily="18" charset="0"/>
+                            </a:rPr>
+                            <m:t>,</m:t>
+                          </m:r>
+                          <m:r>
+                            <a:rPr lang="de-DE">
+                              <a:latin typeface="Cambria Math" panose="02040503050406030204" pitchFamily="18" charset="0"/>
+                            </a:rPr>
+                            <m:t>𝑖𝑠𝑡</m:t>
+                          </m:r>
+                        </m:sub>
+                      </m:sSub>
+                    </m:oMath>
+                  </m:oMathPara>
+                </a14:m>
+                <a:endParaRPr lang="de-DE" dirty="0">
+                  <a:latin typeface="Calibri" panose="020F0502020204030204" pitchFamily="34" charset="0"/>
+                </a:endParaRPr>
+              </a:p>
+            </p:txBody>
+          </p:sp>
+        </mc:Choice>
+        <mc:Fallback>
+          <p:sp>
+            <p:nvSpPr>
+              <p:cNvPr id="78" name="Rechteck 77">
+                <a:extLst>
+                  <a:ext uri="{FF2B5EF4-FFF2-40B4-BE49-F238E27FC236}">
+                    <a16:creationId xmlns:a16="http://schemas.microsoft.com/office/drawing/2014/main" id="{07479E3C-7A0B-A6FF-0E88-4E9E199506DC}"/>
+                  </a:ext>
+                </a:extLst>
+              </p:cNvPr>
+              <p:cNvSpPr>
+                <a:spLocks noRot="1" noChangeAspect="1" noMove="1" noResize="1" noEditPoints="1" noAdjustHandles="1" noChangeArrowheads="1" noChangeShapeType="1" noTextEdit="1"/>
+              </p:cNvSpPr>
+              <p:nvPr/>
+            </p:nvSpPr>
+            <p:spPr>
+              <a:xfrm>
+                <a:off x="9961322" y="3255954"/>
+                <a:ext cx="2622619" cy="658514"/>
+              </a:xfrm>
+              <a:prstGeom prst="rect">
+                <a:avLst/>
+              </a:prstGeom>
+              <a:blipFill>
+                <a:blip r:embed="rId23"/>
+                <a:stretch>
+                  <a:fillRect b="-5660"/>
+                </a:stretch>
+              </a:blipFill>
+            </p:spPr>
+            <p:txBody>
+              <a:bodyPr/>
+              <a:lstStyle/>
+              <a:p>
+                <a:r>
+                  <a:rPr lang="de-DE">
+                    <a:noFill/>
+                  </a:rPr>
+                  <a:t> </a:t>
+                </a:r>
+              </a:p>
+            </p:txBody>
+          </p:sp>
+        </mc:Fallback>
+      </mc:AlternateContent>
+      <p:sp>
+        <p:nvSpPr>
+          <p:cNvPr id="81" name="Rechteck 80">
+            <a:extLst>
+              <a:ext uri="{FF2B5EF4-FFF2-40B4-BE49-F238E27FC236}">
+                <a16:creationId xmlns:a16="http://schemas.microsoft.com/office/drawing/2014/main" id="{923F9B17-3327-856E-21F5-301140DE92EE}"/>
+              </a:ext>
+            </a:extLst>
+          </p:cNvPr>
+          <p:cNvSpPr/>
+          <p:nvPr/>
+        </p:nvSpPr>
+        <p:spPr>
+          <a:xfrm>
+            <a:off x="8661153" y="1727654"/>
+            <a:ext cx="4933992" cy="1505280"/>
+          </a:xfrm>
+          <a:prstGeom prst="rect">
+            <a:avLst/>
+          </a:prstGeom>
+          <a:noFill/>
+          <a:ln w="19050">
+            <a:solidFill>
+              <a:schemeClr val="tx1"/>
+            </a:solidFill>
+            <a:prstDash val="dash"/>
+          </a:ln>
+        </p:spPr>
+        <p:style>
+          <a:lnRef idx="2">
+            <a:schemeClr val="accent1">
+              <a:shade val="50000"/>
+            </a:schemeClr>
+          </a:lnRef>
+          <a:fillRef idx="1">
+            <a:schemeClr val="accent1"/>
+          </a:fillRef>
+          <a:effectRef idx="0">
+            <a:schemeClr val="accent1"/>
+          </a:effectRef>
+          <a:fontRef idx="minor">
+            <a:schemeClr val="lt1"/>
+          </a:fontRef>
+        </p:style>
+        <p:txBody>
+          <a:bodyPr rtlCol="0" anchor="ctr"/>
+          <a:lstStyle/>
+          <a:p>
+            <a:pPr algn="ctr"/>
+            <a:endParaRPr lang="de-DE"/>
+          </a:p>
+        </p:txBody>
+      </p:sp>
+      <mc:AlternateContent xmlns:mc="http://schemas.openxmlformats.org/markup-compatibility/2006">
+        <mc:Choice xmlns:a14="http://schemas.microsoft.com/office/drawing/2010/main" Requires="a14">
+          <p:sp>
+            <p:nvSpPr>
+              <p:cNvPr id="83" name="Textfeld 82">
+                <a:extLst>
+                  <a:ext uri="{FF2B5EF4-FFF2-40B4-BE49-F238E27FC236}">
+                    <a16:creationId xmlns:a16="http://schemas.microsoft.com/office/drawing/2014/main" id="{45075F84-FFA9-A55B-1CDE-66369CFF496A}"/>
+                  </a:ext>
+                </a:extLst>
+              </p:cNvPr>
+              <p:cNvSpPr txBox="1"/>
+              <p:nvPr/>
+            </p:nvSpPr>
+            <p:spPr>
+              <a:xfrm>
+                <a:off x="11103594" y="1437707"/>
+                <a:ext cx="840230" cy="276999"/>
+              </a:xfrm>
+              <a:prstGeom prst="rect">
+                <a:avLst/>
+              </a:prstGeom>
+              <a:noFill/>
+            </p:spPr>
+            <p:txBody>
+              <a:bodyPr wrap="none" lIns="0" tIns="0" rIns="0" bIns="0" rtlCol="0">
+                <a:spAutoFit/>
+              </a:bodyPr>
+              <a:lstStyle/>
+              <a:p>
+                <a14:m>
+                  <m:oMathPara xmlns:m="http://schemas.openxmlformats.org/officeDocument/2006/math">
+                    <m:oMathParaPr>
+                      <m:jc m:val="centerGroup"/>
+                    </m:oMathParaPr>
+                    <m:oMath xmlns:m="http://schemas.openxmlformats.org/officeDocument/2006/math">
+                      <m:r>
+                        <a:rPr lang="de-DE" b="0" i="1" smtClean="0">
+                          <a:latin typeface="Cambria Math" panose="02040503050406030204" pitchFamily="18" charset="0"/>
+                        </a:rPr>
+                        <m:t>𝑆𝑡𝑟𝑒𝑐𝑘𝑒</m:t>
+                      </m:r>
+                    </m:oMath>
+                  </m:oMathPara>
+                </a14:m>
+                <a:endParaRPr lang="de-DE" dirty="0"/>
+              </a:p>
+            </p:txBody>
+          </p:sp>
+        </mc:Choice>
+        <mc:Fallback>
+          <p:sp>
+            <p:nvSpPr>
+              <p:cNvPr id="83" name="Textfeld 82">
+                <a:extLst>
+                  <a:ext uri="{FF2B5EF4-FFF2-40B4-BE49-F238E27FC236}">
+                    <a16:creationId xmlns:a16="http://schemas.microsoft.com/office/drawing/2014/main" id="{45075F84-FFA9-A55B-1CDE-66369CFF496A}"/>
+                  </a:ext>
+                </a:extLst>
+              </p:cNvPr>
+              <p:cNvSpPr txBox="1">
+                <a:spLocks noRot="1" noChangeAspect="1" noMove="1" noResize="1" noEditPoints="1" noAdjustHandles="1" noChangeArrowheads="1" noChangeShapeType="1" noTextEdit="1"/>
+              </p:cNvSpPr>
+              <p:nvPr/>
+            </p:nvSpPr>
+            <p:spPr>
+              <a:xfrm>
+                <a:off x="11103594" y="1437707"/>
+                <a:ext cx="840230" cy="276999"/>
+              </a:xfrm>
+              <a:prstGeom prst="rect">
+                <a:avLst/>
+              </a:prstGeom>
+              <a:blipFill>
+                <a:blip r:embed="rId24"/>
+                <a:stretch>
+                  <a:fillRect l="-7463" r="-5970" b="-9091"/>
                 </a:stretch>
               </a:blipFill>
             </p:spPr>
@@ -4595,23 +6836,6 @@
         <a:font script="Viet" typeface="Times New Roman"/>
         <a:font script="Uigh" typeface="Microsoft Uighur"/>
         <a:font script="Geor" typeface="Sylfaen"/>
-        <a:font script="Armn" typeface="Arial"/>
-        <a:font script="Bugi" typeface="Leelawadee UI"/>
-        <a:font script="Bopo" typeface="Microsoft JhengHei"/>
-        <a:font script="Java" typeface="Javanese Text"/>
-        <a:font script="Lisu" typeface="Segoe UI"/>
-        <a:font script="Mymr" typeface="Myanmar Text"/>
-        <a:font script="Nkoo" typeface="Ebrima"/>
-        <a:font script="Olck" typeface="Nirmala UI"/>
-        <a:font script="Osma" typeface="Ebrima"/>
-        <a:font script="Phag" typeface="Phagspa"/>
-        <a:font script="Syrn" typeface="Estrangelo Edessa"/>
-        <a:font script="Syrj" typeface="Estrangelo Edessa"/>
-        <a:font script="Syre" typeface="Estrangelo Edessa"/>
-        <a:font script="Sora" typeface="Nirmala UI"/>
-        <a:font script="Tale" typeface="Microsoft Tai Le"/>
-        <a:font script="Talu" typeface="Microsoft New Tai Lue"/>
-        <a:font script="Tfng" typeface="Ebrima"/>
       </a:majorFont>
       <a:minorFont>
         <a:latin typeface="Calibri" panose="020F0502020204030204"/>
@@ -4647,23 +6871,6 @@
         <a:font script="Viet" typeface="Arial"/>
         <a:font script="Uigh" typeface="Microsoft Uighur"/>
         <a:font script="Geor" typeface="Sylfaen"/>
-        <a:font script="Armn" typeface="Arial"/>
-        <a:font script="Bugi" typeface="Leelawadee UI"/>
-        <a:font script="Bopo" typeface="Microsoft JhengHei"/>
-        <a:font script="Java" typeface="Javanese Text"/>
-        <a:font script="Lisu" typeface="Segoe UI"/>
-        <a:font script="Mymr" typeface="Myanmar Text"/>
-        <a:font script="Nkoo" typeface="Ebrima"/>
-        <a:font script="Olck" typeface="Nirmala UI"/>
-        <a:font script="Osma" typeface="Ebrima"/>
-        <a:font script="Phag" typeface="Phagspa"/>
-        <a:font script="Syrn" typeface="Estrangelo Edessa"/>
-        <a:font script="Syrj" typeface="Estrangelo Edessa"/>
-        <a:font script="Syre" typeface="Estrangelo Edessa"/>
-        <a:font script="Sora" typeface="Nirmala UI"/>
-        <a:font script="Tale" typeface="Microsoft Tai Le"/>
-        <a:font script="Talu" typeface="Microsoft New Tai Lue"/>
-        <a:font script="Tfng" typeface="Ebrima"/>
       </a:minorFont>
     </a:fontScheme>
     <a:fmtScheme name="Office">

--- a/doku/externalFiles/regelkreis.pptx
+++ b/doku/externalFiles/regelkreis.pptx
@@ -6,6 +6,7 @@
   </p:sldMasterIdLst>
   <p:sldIdLst>
     <p:sldId id="256" r:id="rId2"/>
+    <p:sldId id="257" r:id="rId3"/>
   </p:sldIdLst>
   <p:sldSz cx="35999738" cy="6858000"/>
   <p:notesSz cx="6858000" cy="9144000"/>
@@ -243,7 +244,7 @@
           <a:p>
             <a:fld id="{7D531F7E-848A-264C-AF7A-6E4BD2FF4B92}" type="datetimeFigureOut">
               <a:rPr lang="de-DE" smtClean="0"/>
-              <a:t>29.06.22</a:t>
+              <a:t>29.06.2022</a:t>
             </a:fld>
             <a:endParaRPr lang="de-DE"/>
           </a:p>
@@ -413,7 +414,7 @@
           <a:p>
             <a:fld id="{7D531F7E-848A-264C-AF7A-6E4BD2FF4B92}" type="datetimeFigureOut">
               <a:rPr lang="de-DE" smtClean="0"/>
-              <a:t>29.06.22</a:t>
+              <a:t>29.06.2022</a:t>
             </a:fld>
             <a:endParaRPr lang="de-DE"/>
           </a:p>
@@ -593,7 +594,7 @@
           <a:p>
             <a:fld id="{7D531F7E-848A-264C-AF7A-6E4BD2FF4B92}" type="datetimeFigureOut">
               <a:rPr lang="de-DE" smtClean="0"/>
-              <a:t>29.06.22</a:t>
+              <a:t>29.06.2022</a:t>
             </a:fld>
             <a:endParaRPr lang="de-DE"/>
           </a:p>
@@ -763,7 +764,7 @@
           <a:p>
             <a:fld id="{7D531F7E-848A-264C-AF7A-6E4BD2FF4B92}" type="datetimeFigureOut">
               <a:rPr lang="de-DE" smtClean="0"/>
-              <a:t>29.06.22</a:t>
+              <a:t>29.06.2022</a:t>
             </a:fld>
             <a:endParaRPr lang="de-DE"/>
           </a:p>
@@ -1009,7 +1010,7 @@
           <a:p>
             <a:fld id="{7D531F7E-848A-264C-AF7A-6E4BD2FF4B92}" type="datetimeFigureOut">
               <a:rPr lang="de-DE" smtClean="0"/>
-              <a:t>29.06.22</a:t>
+              <a:t>29.06.2022</a:t>
             </a:fld>
             <a:endParaRPr lang="de-DE"/>
           </a:p>
@@ -1241,7 +1242,7 @@
           <a:p>
             <a:fld id="{7D531F7E-848A-264C-AF7A-6E4BD2FF4B92}" type="datetimeFigureOut">
               <a:rPr lang="de-DE" smtClean="0"/>
-              <a:t>29.06.22</a:t>
+              <a:t>29.06.2022</a:t>
             </a:fld>
             <a:endParaRPr lang="de-DE"/>
           </a:p>
@@ -1608,7 +1609,7 @@
           <a:p>
             <a:fld id="{7D531F7E-848A-264C-AF7A-6E4BD2FF4B92}" type="datetimeFigureOut">
               <a:rPr lang="de-DE" smtClean="0"/>
-              <a:t>29.06.22</a:t>
+              <a:t>29.06.2022</a:t>
             </a:fld>
             <a:endParaRPr lang="de-DE"/>
           </a:p>
@@ -1726,7 +1727,7 @@
           <a:p>
             <a:fld id="{7D531F7E-848A-264C-AF7A-6E4BD2FF4B92}" type="datetimeFigureOut">
               <a:rPr lang="de-DE" smtClean="0"/>
-              <a:t>29.06.22</a:t>
+              <a:t>29.06.2022</a:t>
             </a:fld>
             <a:endParaRPr lang="de-DE"/>
           </a:p>
@@ -1821,7 +1822,7 @@
           <a:p>
             <a:fld id="{7D531F7E-848A-264C-AF7A-6E4BD2FF4B92}" type="datetimeFigureOut">
               <a:rPr lang="de-DE" smtClean="0"/>
-              <a:t>29.06.22</a:t>
+              <a:t>29.06.2022</a:t>
             </a:fld>
             <a:endParaRPr lang="de-DE"/>
           </a:p>
@@ -2098,7 +2099,7 @@
           <a:p>
             <a:fld id="{7D531F7E-848A-264C-AF7A-6E4BD2FF4B92}" type="datetimeFigureOut">
               <a:rPr lang="de-DE" smtClean="0"/>
-              <a:t>29.06.22</a:t>
+              <a:t>29.06.2022</a:t>
             </a:fld>
             <a:endParaRPr lang="de-DE"/>
           </a:p>
@@ -2355,7 +2356,7 @@
           <a:p>
             <a:fld id="{7D531F7E-848A-264C-AF7A-6E4BD2FF4B92}" type="datetimeFigureOut">
               <a:rPr lang="de-DE" smtClean="0"/>
-              <a:t>29.06.22</a:t>
+              <a:t>29.06.2022</a:t>
             </a:fld>
             <a:endParaRPr lang="de-DE"/>
           </a:p>
@@ -2568,7 +2569,7 @@
           <a:p>
             <a:fld id="{7D531F7E-848A-264C-AF7A-6E4BD2FF4B92}" type="datetimeFigureOut">
               <a:rPr lang="de-DE" smtClean="0"/>
-              <a:t>29.06.22</a:t>
+              <a:t>29.06.2022</a:t>
             </a:fld>
             <a:endParaRPr lang="de-DE"/>
           </a:p>
@@ -2973,8 +2974,8 @@
           <a:chExt cx="0" cy="0"/>
         </a:xfrm>
       </p:grpSpPr>
-      <mc:AlternateContent xmlns:mc="http://schemas.openxmlformats.org/markup-compatibility/2006">
-        <mc:Choice xmlns:a14="http://schemas.microsoft.com/office/drawing/2010/main" Requires="a14">
+      <mc:AlternateContent xmlns:mc="http://schemas.openxmlformats.org/markup-compatibility/2006" xmlns:a14="http://schemas.microsoft.com/office/drawing/2010/main">
+        <mc:Choice Requires="a14">
           <p:sp>
             <p:nvSpPr>
               <p:cNvPr id="4" name="Rechteck 3">
@@ -3060,7 +3061,7 @@
             </p:txBody>
           </p:sp>
         </mc:Choice>
-        <mc:Fallback>
+        <mc:Fallback xmlns="">
           <p:sp>
             <p:nvSpPr>
               <p:cNvPr id="4" name="Rechteck 3">
@@ -3110,8 +3111,8 @@
           </p:sp>
         </mc:Fallback>
       </mc:AlternateContent>
-      <mc:AlternateContent xmlns:mc="http://schemas.openxmlformats.org/markup-compatibility/2006">
-        <mc:Choice xmlns:a14="http://schemas.microsoft.com/office/drawing/2010/main" Requires="a14">
+      <mc:AlternateContent xmlns:mc="http://schemas.openxmlformats.org/markup-compatibility/2006" xmlns:a14="http://schemas.microsoft.com/office/drawing/2010/main">
+        <mc:Choice Requires="a14">
           <p:sp>
             <p:nvSpPr>
               <p:cNvPr id="6" name="Rechteck 5">
@@ -3205,7 +3206,7 @@
             </p:txBody>
           </p:sp>
         </mc:Choice>
-        <mc:Fallback>
+        <mc:Fallback xmlns="">
           <p:sp>
             <p:nvSpPr>
               <p:cNvPr id="6" name="Rechteck 5">
@@ -3300,8 +3301,8 @@
           </a:fontRef>
         </p:style>
       </p:cxnSp>
-      <mc:AlternateContent xmlns:mc="http://schemas.openxmlformats.org/markup-compatibility/2006">
-        <mc:Choice xmlns:a14="http://schemas.microsoft.com/office/drawing/2010/main" Requires="a14">
+      <mc:AlternateContent xmlns:mc="http://schemas.openxmlformats.org/markup-compatibility/2006" xmlns:a14="http://schemas.microsoft.com/office/drawing/2010/main">
+        <mc:Choice Requires="a14">
           <p:sp>
             <p:nvSpPr>
               <p:cNvPr id="33" name="Rechteck 32">
@@ -3395,7 +3396,7 @@
             </p:txBody>
           </p:sp>
         </mc:Choice>
-        <mc:Fallback>
+        <mc:Fallback xmlns="">
           <p:sp>
             <p:nvSpPr>
               <p:cNvPr id="33" name="Rechteck 32">
@@ -3690,8 +3691,8 @@
           </a:fontRef>
         </p:style>
       </p:cxnSp>
-      <mc:AlternateContent xmlns:mc="http://schemas.openxmlformats.org/markup-compatibility/2006">
-        <mc:Choice xmlns:a14="http://schemas.microsoft.com/office/drawing/2010/main" Requires="a14">
+      <mc:AlternateContent xmlns:mc="http://schemas.openxmlformats.org/markup-compatibility/2006" xmlns:a14="http://schemas.microsoft.com/office/drawing/2010/main">
+        <mc:Choice Requires="a14">
           <p:sp>
             <p:nvSpPr>
               <p:cNvPr id="25" name="Textfeld 24">
@@ -3779,7 +3780,7 @@
             </p:txBody>
           </p:sp>
         </mc:Choice>
-        <mc:Fallback>
+        <mc:Fallback xmlns="">
           <p:sp>
             <p:nvSpPr>
               <p:cNvPr id="25" name="Textfeld 24">
@@ -3868,8 +3869,8 @@
           </a:fontRef>
         </p:style>
       </p:cxnSp>
-      <mc:AlternateContent xmlns:mc="http://schemas.openxmlformats.org/markup-compatibility/2006">
-        <mc:Choice xmlns:a14="http://schemas.microsoft.com/office/drawing/2010/main" Requires="a14">
+      <mc:AlternateContent xmlns:mc="http://schemas.openxmlformats.org/markup-compatibility/2006" xmlns:a14="http://schemas.microsoft.com/office/drawing/2010/main">
+        <mc:Choice Requires="a14">
           <p:sp>
             <p:nvSpPr>
               <p:cNvPr id="24" name="Rechteck 23">
@@ -3925,18 +3926,24 @@
                       <m:f>
                         <m:fPr>
                           <m:ctrlPr>
-                            <a:rPr lang="x-none" i="1"/>
+                            <a:rPr lang="x-none" i="1">
+                              <a:latin typeface="Cambria Math" panose="02040503050406030204" pitchFamily="18" charset="0"/>
+                            </a:rPr>
                           </m:ctrlPr>
                         </m:fPr>
                         <m:num>
                           <m:r>
-                            <a:rPr lang="x-none"/>
+                            <a:rPr lang="x-none">
+                              <a:latin typeface="Cambria Math" panose="02040503050406030204" pitchFamily="18" charset="0"/>
+                            </a:rPr>
                             <m:t>1</m:t>
                           </m:r>
                         </m:num>
                         <m:den>
                           <m:r>
-                            <a:rPr lang="x-none"/>
+                            <a:rPr lang="x-none">
+                              <a:latin typeface="Cambria Math" panose="02040503050406030204" pitchFamily="18" charset="0"/>
+                            </a:rPr>
                             <m:t>𝑠</m:t>
                           </m:r>
                         </m:den>
@@ -3949,7 +3956,7 @@
             </p:txBody>
           </p:sp>
         </mc:Choice>
-        <mc:Fallback>
+        <mc:Fallback xmlns="">
           <p:sp>
             <p:nvSpPr>
               <p:cNvPr id="24" name="Rechteck 23">
@@ -3999,8 +4006,8 @@
           </p:sp>
         </mc:Fallback>
       </mc:AlternateContent>
-      <mc:AlternateContent xmlns:mc="http://schemas.openxmlformats.org/markup-compatibility/2006">
-        <mc:Choice xmlns:a14="http://schemas.microsoft.com/office/drawing/2010/main" Requires="a14">
+      <mc:AlternateContent xmlns:mc="http://schemas.openxmlformats.org/markup-compatibility/2006" xmlns:a14="http://schemas.microsoft.com/office/drawing/2010/main">
+        <mc:Choice Requires="a14">
           <p:sp>
             <p:nvSpPr>
               <p:cNvPr id="27" name="Rechteck 26">
@@ -4056,18 +4063,24 @@
                       <m:f>
                         <m:fPr>
                           <m:ctrlPr>
-                            <a:rPr lang="x-none" i="1"/>
+                            <a:rPr lang="x-none" i="1">
+                              <a:latin typeface="Cambria Math" panose="02040503050406030204" pitchFamily="18" charset="0"/>
+                            </a:rPr>
                           </m:ctrlPr>
                         </m:fPr>
                         <m:num>
                           <m:r>
-                            <a:rPr lang="x-none"/>
+                            <a:rPr lang="x-none">
+                              <a:latin typeface="Cambria Math" panose="02040503050406030204" pitchFamily="18" charset="0"/>
+                            </a:rPr>
                             <m:t>1</m:t>
                           </m:r>
                         </m:num>
                         <m:den>
                           <m:r>
-                            <a:rPr lang="x-none"/>
+                            <a:rPr lang="x-none">
+                              <a:latin typeface="Cambria Math" panose="02040503050406030204" pitchFamily="18" charset="0"/>
+                            </a:rPr>
                             <m:t>𝑠</m:t>
                           </m:r>
                         </m:den>
@@ -4080,7 +4093,7 @@
             </p:txBody>
           </p:sp>
         </mc:Choice>
-        <mc:Fallback>
+        <mc:Fallback xmlns="">
           <p:sp>
             <p:nvSpPr>
               <p:cNvPr id="27" name="Rechteck 26">
@@ -4267,8 +4280,8 @@
           </a:p>
         </p:txBody>
       </p:sp>
-      <mc:AlternateContent xmlns:mc="http://schemas.openxmlformats.org/markup-compatibility/2006">
-        <mc:Choice xmlns:a14="http://schemas.microsoft.com/office/drawing/2010/main" Requires="a14">
+      <mc:AlternateContent xmlns:mc="http://schemas.openxmlformats.org/markup-compatibility/2006" xmlns:a14="http://schemas.microsoft.com/office/drawing/2010/main">
+        <mc:Choice Requires="a14">
           <p:sp>
             <p:nvSpPr>
               <p:cNvPr id="13" name="Rechteck 12">
@@ -4296,6 +4309,7 @@
               </a:bodyPr>
               <a:lstStyle/>
               <a:p>
+                <a:pPr/>
                 <a14:m>
                   <m:oMathPara xmlns:m="http://schemas.openxmlformats.org/officeDocument/2006/math">
                     <m:oMathParaPr>
@@ -4337,7 +4351,7 @@
             </p:txBody>
           </p:sp>
         </mc:Choice>
-        <mc:Fallback>
+        <mc:Fallback xmlns="">
           <p:sp>
             <p:nvSpPr>
               <p:cNvPr id="13" name="Rechteck 12">
@@ -4382,8 +4396,8 @@
           </p:sp>
         </mc:Fallback>
       </mc:AlternateContent>
-      <mc:AlternateContent xmlns:mc="http://schemas.openxmlformats.org/markup-compatibility/2006">
-        <mc:Choice xmlns:a14="http://schemas.microsoft.com/office/drawing/2010/main" Requires="a14">
+      <mc:AlternateContent xmlns:mc="http://schemas.openxmlformats.org/markup-compatibility/2006" xmlns:a14="http://schemas.microsoft.com/office/drawing/2010/main">
+        <mc:Choice Requires="a14">
           <p:sp>
             <p:nvSpPr>
               <p:cNvPr id="14" name="Textfeld 13">
@@ -4412,6 +4426,7 @@
               </a:bodyPr>
               <a:lstStyle/>
               <a:p>
+                <a:pPr/>
                 <a14:m>
                   <m:oMathPara xmlns:m="http://schemas.openxmlformats.org/officeDocument/2006/math">
                     <m:oMathParaPr>
@@ -4421,12 +4436,16 @@
                       <m:f>
                         <m:fPr>
                           <m:ctrlPr>
-                            <a:rPr lang="x-none" i="1" smtClean="0"/>
+                            <a:rPr lang="x-none" i="1" smtClean="0">
+                              <a:latin typeface="Cambria Math" panose="02040503050406030204" pitchFamily="18" charset="0"/>
+                            </a:rPr>
                           </m:ctrlPr>
                         </m:fPr>
                         <m:num>
                           <m:r>
-                            <a:rPr lang="x-none"/>
+                            <a:rPr lang="x-none">
+                              <a:latin typeface="Cambria Math" panose="02040503050406030204" pitchFamily="18" charset="0"/>
+                            </a:rPr>
                             <m:t>1</m:t>
                           </m:r>
                         </m:num>
@@ -4450,7 +4469,7 @@
             </p:txBody>
           </p:sp>
         </mc:Choice>
-        <mc:Fallback>
+        <mc:Fallback xmlns="">
           <p:sp>
             <p:nvSpPr>
               <p:cNvPr id="14" name="Textfeld 13">
@@ -4785,8 +4804,8 @@
           </a:fontRef>
         </p:style>
       </p:cxnSp>
-      <mc:AlternateContent xmlns:mc="http://schemas.openxmlformats.org/markup-compatibility/2006">
-        <mc:Choice xmlns:a14="http://schemas.microsoft.com/office/drawing/2010/main" Requires="a14">
+      <mc:AlternateContent xmlns:mc="http://schemas.openxmlformats.org/markup-compatibility/2006" xmlns:a14="http://schemas.microsoft.com/office/drawing/2010/main">
+        <mc:Choice Requires="a14">
           <p:sp>
             <p:nvSpPr>
               <p:cNvPr id="53" name="Rechteck 52">
@@ -4855,7 +4874,7 @@
             </p:txBody>
           </p:sp>
         </mc:Choice>
-        <mc:Fallback>
+        <mc:Fallback xmlns="">
           <p:sp>
             <p:nvSpPr>
               <p:cNvPr id="53" name="Rechteck 52">
@@ -5048,8 +5067,8 @@
           </a:fontRef>
         </p:style>
       </p:cxnSp>
-      <mc:AlternateContent xmlns:mc="http://schemas.openxmlformats.org/markup-compatibility/2006">
-        <mc:Choice xmlns:a14="http://schemas.microsoft.com/office/drawing/2010/main" Requires="a14">
+      <mc:AlternateContent xmlns:mc="http://schemas.openxmlformats.org/markup-compatibility/2006" xmlns:a14="http://schemas.microsoft.com/office/drawing/2010/main">
+        <mc:Choice Requires="a14">
           <p:sp>
             <p:nvSpPr>
               <p:cNvPr id="44" name="Rechteck 43">
@@ -5119,7 +5138,7 @@
             </p:txBody>
           </p:sp>
         </mc:Choice>
-        <mc:Fallback>
+        <mc:Fallback xmlns="">
           <p:sp>
             <p:nvSpPr>
               <p:cNvPr id="44" name="Rechteck 43">
@@ -5164,8 +5183,8 @@
           </p:sp>
         </mc:Fallback>
       </mc:AlternateContent>
-      <mc:AlternateContent xmlns:mc="http://schemas.openxmlformats.org/markup-compatibility/2006">
-        <mc:Choice xmlns:a14="http://schemas.microsoft.com/office/drawing/2010/main" Requires="a14">
+      <mc:AlternateContent xmlns:mc="http://schemas.openxmlformats.org/markup-compatibility/2006" xmlns:a14="http://schemas.microsoft.com/office/drawing/2010/main">
+        <mc:Choice Requires="a14">
           <p:sp>
             <p:nvSpPr>
               <p:cNvPr id="46" name="Rechteck 45">
@@ -5235,7 +5254,7 @@
             </p:txBody>
           </p:sp>
         </mc:Choice>
-        <mc:Fallback>
+        <mc:Fallback xmlns="">
           <p:sp>
             <p:nvSpPr>
               <p:cNvPr id="46" name="Rechteck 45">
@@ -5280,8 +5299,8 @@
           </p:sp>
         </mc:Fallback>
       </mc:AlternateContent>
-      <mc:AlternateContent xmlns:mc="http://schemas.openxmlformats.org/markup-compatibility/2006">
-        <mc:Choice xmlns:a14="http://schemas.microsoft.com/office/drawing/2010/main" Requires="a14">
+      <mc:AlternateContent xmlns:mc="http://schemas.openxmlformats.org/markup-compatibility/2006" xmlns:a14="http://schemas.microsoft.com/office/drawing/2010/main">
+        <mc:Choice Requires="a14">
           <p:sp>
             <p:nvSpPr>
               <p:cNvPr id="47" name="Rechteck 46">
@@ -5309,6 +5328,7 @@
               </a:bodyPr>
               <a:lstStyle/>
               <a:p>
+                <a:pPr/>
                 <a14:m>
                   <m:oMathPara xmlns:m="http://schemas.openxmlformats.org/officeDocument/2006/math">
                     <m:oMathParaPr>
@@ -5348,7 +5368,7 @@
             </p:txBody>
           </p:sp>
         </mc:Choice>
-        <mc:Fallback>
+        <mc:Fallback xmlns="">
           <p:sp>
             <p:nvSpPr>
               <p:cNvPr id="47" name="Rechteck 46">
@@ -5498,8 +5518,8 @@
           </a:p>
         </p:txBody>
       </p:sp>
-      <mc:AlternateContent xmlns:mc="http://schemas.openxmlformats.org/markup-compatibility/2006">
-        <mc:Choice xmlns:a14="http://schemas.microsoft.com/office/drawing/2010/main" Requires="a14">
+      <mc:AlternateContent xmlns:mc="http://schemas.openxmlformats.org/markup-compatibility/2006" xmlns:a14="http://schemas.microsoft.com/office/drawing/2010/main">
+        <mc:Choice Requires="a14">
           <p:sp>
             <p:nvSpPr>
               <p:cNvPr id="61" name="Rechteck 60">
@@ -5572,7 +5592,7 @@
             </p:txBody>
           </p:sp>
         </mc:Choice>
-        <mc:Fallback>
+        <mc:Fallback xmlns="">
           <p:sp>
             <p:nvSpPr>
               <p:cNvPr id="61" name="Rechteck 60">
@@ -5617,8 +5637,8 @@
           </p:sp>
         </mc:Fallback>
       </mc:AlternateContent>
-      <mc:AlternateContent xmlns:mc="http://schemas.openxmlformats.org/markup-compatibility/2006">
-        <mc:Choice xmlns:a14="http://schemas.microsoft.com/office/drawing/2010/main" Requires="a14">
+      <mc:AlternateContent xmlns:mc="http://schemas.openxmlformats.org/markup-compatibility/2006" xmlns:a14="http://schemas.microsoft.com/office/drawing/2010/main">
+        <mc:Choice Requires="a14">
           <p:sp>
             <p:nvSpPr>
               <p:cNvPr id="71" name="Rechteck 70">
@@ -5694,7 +5714,7 @@
             </p:txBody>
           </p:sp>
         </mc:Choice>
-        <mc:Fallback>
+        <mc:Fallback xmlns="">
           <p:sp>
             <p:nvSpPr>
               <p:cNvPr id="71" name="Rechteck 70">
@@ -5739,8 +5759,8 @@
           </p:sp>
         </mc:Fallback>
       </mc:AlternateContent>
-      <mc:AlternateContent xmlns:mc="http://schemas.openxmlformats.org/markup-compatibility/2006">
-        <mc:Choice xmlns:a14="http://schemas.microsoft.com/office/drawing/2010/main" Requires="a14">
+      <mc:AlternateContent xmlns:mc="http://schemas.openxmlformats.org/markup-compatibility/2006" xmlns:a14="http://schemas.microsoft.com/office/drawing/2010/main">
+        <mc:Choice Requires="a14">
           <p:sp>
             <p:nvSpPr>
               <p:cNvPr id="75" name="Rechteck 74">
@@ -5768,6 +5788,7 @@
               </a:bodyPr>
               <a:lstStyle/>
               <a:p>
+                <a:pPr/>
                 <a14:m>
                   <m:oMathPara xmlns:m="http://schemas.openxmlformats.org/officeDocument/2006/math">
                     <m:oMathParaPr>
@@ -5810,7 +5831,7 @@
             </p:txBody>
           </p:sp>
         </mc:Choice>
-        <mc:Fallback>
+        <mc:Fallback xmlns="">
           <p:sp>
             <p:nvSpPr>
               <p:cNvPr id="75" name="Rechteck 74">
@@ -5855,8 +5876,8 @@
           </p:sp>
         </mc:Fallback>
       </mc:AlternateContent>
-      <mc:AlternateContent xmlns:mc="http://schemas.openxmlformats.org/markup-compatibility/2006">
-        <mc:Choice xmlns:a14="http://schemas.microsoft.com/office/drawing/2010/main" Requires="a14">
+      <mc:AlternateContent xmlns:mc="http://schemas.openxmlformats.org/markup-compatibility/2006" xmlns:a14="http://schemas.microsoft.com/office/drawing/2010/main">
+        <mc:Choice Requires="a14">
           <p:sp>
             <p:nvSpPr>
               <p:cNvPr id="67" name="Rechteck 66">
@@ -5907,7 +5928,7 @@
             </p:txBody>
           </p:sp>
         </mc:Choice>
-        <mc:Fallback>
+        <mc:Fallback xmlns="">
           <p:sp>
             <p:nvSpPr>
               <p:cNvPr id="67" name="Rechteck 66">
@@ -5952,8 +5973,8 @@
           </p:sp>
         </mc:Fallback>
       </mc:AlternateContent>
-      <mc:AlternateContent xmlns:mc="http://schemas.openxmlformats.org/markup-compatibility/2006">
-        <mc:Choice xmlns:a14="http://schemas.microsoft.com/office/drawing/2010/main" Requires="a14">
+      <mc:AlternateContent xmlns:mc="http://schemas.openxmlformats.org/markup-compatibility/2006" xmlns:a14="http://schemas.microsoft.com/office/drawing/2010/main">
+        <mc:Choice Requires="a14">
           <p:sp>
             <p:nvSpPr>
               <p:cNvPr id="68" name="Textfeld 67">
@@ -5982,6 +6003,7 @@
               </a:bodyPr>
               <a:lstStyle/>
               <a:p>
+                <a:pPr/>
                 <a14:m>
                   <m:oMathPara xmlns:m="http://schemas.openxmlformats.org/officeDocument/2006/math">
                     <m:oMathParaPr>
@@ -6002,7 +6024,7 @@
             </p:txBody>
           </p:sp>
         </mc:Choice>
-        <mc:Fallback>
+        <mc:Fallback xmlns="">
           <p:sp>
             <p:nvSpPr>
               <p:cNvPr id="68" name="Textfeld 67">
@@ -6047,8 +6069,8 @@
           </p:sp>
         </mc:Fallback>
       </mc:AlternateContent>
-      <mc:AlternateContent xmlns:mc="http://schemas.openxmlformats.org/markup-compatibility/2006">
-        <mc:Choice xmlns:a14="http://schemas.microsoft.com/office/drawing/2010/main" Requires="a14">
+      <mc:AlternateContent xmlns:mc="http://schemas.openxmlformats.org/markup-compatibility/2006" xmlns:a14="http://schemas.microsoft.com/office/drawing/2010/main">
+        <mc:Choice Requires="a14">
           <p:sp>
             <p:nvSpPr>
               <p:cNvPr id="69" name="Rechteck 68">
@@ -6099,7 +6121,7 @@
             </p:txBody>
           </p:sp>
         </mc:Choice>
-        <mc:Fallback>
+        <mc:Fallback xmlns="">
           <p:sp>
             <p:nvSpPr>
               <p:cNvPr id="69" name="Rechteck 68">
@@ -6144,8 +6166,8 @@
           </p:sp>
         </mc:Fallback>
       </mc:AlternateContent>
-      <mc:AlternateContent xmlns:mc="http://schemas.openxmlformats.org/markup-compatibility/2006">
-        <mc:Choice xmlns:a14="http://schemas.microsoft.com/office/drawing/2010/main" Requires="a14">
+      <mc:AlternateContent xmlns:mc="http://schemas.openxmlformats.org/markup-compatibility/2006" xmlns:a14="http://schemas.microsoft.com/office/drawing/2010/main">
+        <mc:Choice Requires="a14">
           <p:sp>
             <p:nvSpPr>
               <p:cNvPr id="70" name="Rechteck 69">
@@ -6199,7 +6221,7 @@
             </p:txBody>
           </p:sp>
         </mc:Choice>
-        <mc:Fallback>
+        <mc:Fallback xmlns="">
           <p:sp>
             <p:nvSpPr>
               <p:cNvPr id="70" name="Rechteck 69">
@@ -6244,8 +6266,8 @@
           </p:sp>
         </mc:Fallback>
       </mc:AlternateContent>
-      <mc:AlternateContent xmlns:mc="http://schemas.openxmlformats.org/markup-compatibility/2006">
-        <mc:Choice xmlns:a14="http://schemas.microsoft.com/office/drawing/2010/main" Requires="a14">
+      <mc:AlternateContent xmlns:mc="http://schemas.openxmlformats.org/markup-compatibility/2006" xmlns:a14="http://schemas.microsoft.com/office/drawing/2010/main">
+        <mc:Choice Requires="a14">
           <p:sp>
             <p:nvSpPr>
               <p:cNvPr id="72" name="Rechteck 71">
@@ -6296,7 +6318,7 @@
             </p:txBody>
           </p:sp>
         </mc:Choice>
-        <mc:Fallback>
+        <mc:Fallback xmlns="">
           <p:sp>
             <p:nvSpPr>
               <p:cNvPr id="72" name="Rechteck 71">
@@ -6341,8 +6363,8 @@
           </p:sp>
         </mc:Fallback>
       </mc:AlternateContent>
-      <mc:AlternateContent xmlns:mc="http://schemas.openxmlformats.org/markup-compatibility/2006">
-        <mc:Choice xmlns:a14="http://schemas.microsoft.com/office/drawing/2010/main" Requires="a14">
+      <mc:AlternateContent xmlns:mc="http://schemas.openxmlformats.org/markup-compatibility/2006" xmlns:a14="http://schemas.microsoft.com/office/drawing/2010/main">
+        <mc:Choice Requires="a14">
           <p:sp>
             <p:nvSpPr>
               <p:cNvPr id="76" name="Rechteck 75">
@@ -6370,6 +6392,7 @@
               </a:bodyPr>
               <a:lstStyle/>
               <a:p>
+                <a:pPr/>
                 <a14:m>
                   <m:oMathPara xmlns:m="http://schemas.openxmlformats.org/officeDocument/2006/math">
                     <m:oMathParaPr>
@@ -6421,7 +6444,7 @@
             </p:txBody>
           </p:sp>
         </mc:Choice>
-        <mc:Fallback>
+        <mc:Fallback xmlns="">
           <p:sp>
             <p:nvSpPr>
               <p:cNvPr id="76" name="Rechteck 75">
@@ -6466,8 +6489,8 @@
           </p:sp>
         </mc:Fallback>
       </mc:AlternateContent>
-      <mc:AlternateContent xmlns:mc="http://schemas.openxmlformats.org/markup-compatibility/2006">
-        <mc:Choice xmlns:a14="http://schemas.microsoft.com/office/drawing/2010/main" Requires="a14">
+      <mc:AlternateContent xmlns:mc="http://schemas.openxmlformats.org/markup-compatibility/2006" xmlns:a14="http://schemas.microsoft.com/office/drawing/2010/main">
+        <mc:Choice Requires="a14">
           <p:sp>
             <p:nvSpPr>
               <p:cNvPr id="78" name="Rechteck 77">
@@ -6554,7 +6577,7 @@
             </p:txBody>
           </p:sp>
         </mc:Choice>
-        <mc:Fallback>
+        <mc:Fallback xmlns="">
           <p:sp>
             <p:nvSpPr>
               <p:cNvPr id="78" name="Rechteck 77">
@@ -6652,8 +6675,8 @@
           </a:p>
         </p:txBody>
       </p:sp>
-      <mc:AlternateContent xmlns:mc="http://schemas.openxmlformats.org/markup-compatibility/2006">
-        <mc:Choice xmlns:a14="http://schemas.microsoft.com/office/drawing/2010/main" Requires="a14">
+      <mc:AlternateContent xmlns:mc="http://schemas.openxmlformats.org/markup-compatibility/2006" xmlns:a14="http://schemas.microsoft.com/office/drawing/2010/main">
+        <mc:Choice Requires="a14">
           <p:sp>
             <p:nvSpPr>
               <p:cNvPr id="83" name="Textfeld 82">
@@ -6682,6 +6705,7 @@
               </a:bodyPr>
               <a:lstStyle/>
               <a:p>
+                <a:pPr/>
                 <a14:m>
                   <m:oMathPara xmlns:m="http://schemas.openxmlformats.org/officeDocument/2006/math">
                     <m:oMathParaPr>
@@ -6702,7 +6726,7 @@
             </p:txBody>
           </p:sp>
         </mc:Choice>
-        <mc:Fallback>
+        <mc:Fallback xmlns="">
           <p:sp>
             <p:nvSpPr>
               <p:cNvPr id="83" name="Textfeld 82">
@@ -6751,6 +6775,1791 @@
     <p:extLst>
       <p:ext uri="{BB962C8B-B14F-4D97-AF65-F5344CB8AC3E}">
         <p14:creationId xmlns:p14="http://schemas.microsoft.com/office/powerpoint/2010/main" val="2098831608"/>
+      </p:ext>
+    </p:extLst>
+  </p:cSld>
+  <p:clrMapOvr>
+    <a:masterClrMapping/>
+  </p:clrMapOvr>
+</p:sld>
+</file>
+
+<file path=ppt/slides/slide2.xml><?xml version="1.0" encoding="utf-8"?>
+<p:sld xmlns:a="http://schemas.openxmlformats.org/drawingml/2006/main" xmlns:r="http://schemas.openxmlformats.org/officeDocument/2006/relationships" xmlns:p="http://schemas.openxmlformats.org/presentationml/2006/main">
+  <p:cSld>
+    <p:spTree>
+      <p:nvGrpSpPr>
+        <p:cNvPr id="1" name=""/>
+        <p:cNvGrpSpPr/>
+        <p:nvPr/>
+      </p:nvGrpSpPr>
+      <p:grpSpPr>
+        <a:xfrm>
+          <a:off x="0" y="0"/>
+          <a:ext cx="0" cy="0"/>
+          <a:chOff x="0" y="0"/>
+          <a:chExt cx="0" cy="0"/>
+        </a:xfrm>
+      </p:grpSpPr>
+      <mc:AlternateContent xmlns:mc="http://schemas.openxmlformats.org/markup-compatibility/2006">
+        <mc:Choice xmlns:a14="http://schemas.microsoft.com/office/drawing/2010/main" Requires="a14">
+          <p:sp>
+            <p:nvSpPr>
+              <p:cNvPr id="2" name="Rechteck 1">
+                <a:extLst>
+                  <a:ext uri="{FF2B5EF4-FFF2-40B4-BE49-F238E27FC236}">
+                    <a16:creationId xmlns:a16="http://schemas.microsoft.com/office/drawing/2014/main" id="{1298DB47-FE17-488F-85BF-12230FAF277F}"/>
+                  </a:ext>
+                </a:extLst>
+              </p:cNvPr>
+              <p:cNvSpPr/>
+              <p:nvPr/>
+            </p:nvSpPr>
+            <p:spPr>
+              <a:xfrm>
+                <a:off x="3526949" y="2241742"/>
+                <a:ext cx="895273" cy="605790"/>
+              </a:xfrm>
+              <a:prstGeom prst="rect">
+                <a:avLst/>
+              </a:prstGeom>
+              <a:noFill/>
+              <a:ln>
+                <a:solidFill>
+                  <a:schemeClr val="tx1"/>
+                </a:solidFill>
+              </a:ln>
+            </p:spPr>
+            <p:style>
+              <a:lnRef idx="2">
+                <a:schemeClr val="accent6"/>
+              </a:lnRef>
+              <a:fillRef idx="1">
+                <a:schemeClr val="lt1"/>
+              </a:fillRef>
+              <a:effectRef idx="0">
+                <a:schemeClr val="accent6"/>
+              </a:effectRef>
+              <a:fontRef idx="minor">
+                <a:schemeClr val="dk1"/>
+              </a:fontRef>
+            </p:style>
+            <p:txBody>
+              <a:bodyPr rtlCol="0" anchor="ctr"/>
+              <a:lstStyle/>
+              <a:p>
+                <a:pPr algn="ctr"/>
+                <a14:m>
+                  <m:oMathPara xmlns:m="http://schemas.openxmlformats.org/officeDocument/2006/math">
+                    <m:oMathParaPr>
+                      <m:jc m:val="centerGroup"/>
+                    </m:oMathParaPr>
+                    <m:oMath xmlns:m="http://schemas.openxmlformats.org/officeDocument/2006/math">
+                      <m:sSub>
+                        <m:sSubPr>
+                          <m:ctrlPr>
+                            <a:rPr lang="de-DE" sz="2400" b="1" i="1">
+                              <a:latin typeface="Cambria Math" panose="02040503050406030204" pitchFamily="18" charset="0"/>
+                            </a:rPr>
+                          </m:ctrlPr>
+                        </m:sSubPr>
+                        <m:e>
+                          <m:r>
+                            <a:rPr lang="de-DE" sz="2400" b="1" i="1">
+                              <a:latin typeface="Cambria Math" panose="02040503050406030204" pitchFamily="18" charset="0"/>
+                            </a:rPr>
+                            <m:t>𝑮</m:t>
+                          </m:r>
+                        </m:e>
+                        <m:sub>
+                          <m:r>
+                            <a:rPr lang="de-DE" sz="2400" b="1" i="1">
+                              <a:latin typeface="Cambria Math" panose="02040503050406030204" pitchFamily="18" charset="0"/>
+                            </a:rPr>
+                            <m:t>𝑹𝒙</m:t>
+                          </m:r>
+                        </m:sub>
+                      </m:sSub>
+                    </m:oMath>
+                  </m:oMathPara>
+                </a14:m>
+                <a:endParaRPr lang="de-DE" sz="2400" b="1" dirty="0"/>
+              </a:p>
+            </p:txBody>
+          </p:sp>
+        </mc:Choice>
+        <mc:Fallback>
+          <p:sp>
+            <p:nvSpPr>
+              <p:cNvPr id="2" name="Rechteck 1">
+                <a:extLst>
+                  <a:ext uri="{FF2B5EF4-FFF2-40B4-BE49-F238E27FC236}">
+                    <a16:creationId xmlns:a16="http://schemas.microsoft.com/office/drawing/2014/main" id="{1298DB47-FE17-488F-85BF-12230FAF277F}"/>
+                  </a:ext>
+                </a:extLst>
+              </p:cNvPr>
+              <p:cNvSpPr>
+                <a:spLocks noRot="1" noChangeAspect="1" noMove="1" noResize="1" noEditPoints="1" noAdjustHandles="1" noChangeArrowheads="1" noChangeShapeType="1" noTextEdit="1"/>
+              </p:cNvSpPr>
+              <p:nvPr/>
+            </p:nvSpPr>
+            <p:spPr>
+              <a:xfrm>
+                <a:off x="3526949" y="2241742"/>
+                <a:ext cx="895273" cy="605790"/>
+              </a:xfrm>
+              <a:prstGeom prst="rect">
+                <a:avLst/>
+              </a:prstGeom>
+              <a:blipFill>
+                <a:blip r:embed="rId2"/>
+                <a:stretch>
+                  <a:fillRect/>
+                </a:stretch>
+              </a:blipFill>
+              <a:ln>
+                <a:solidFill>
+                  <a:schemeClr val="tx1"/>
+                </a:solidFill>
+              </a:ln>
+            </p:spPr>
+            <p:txBody>
+              <a:bodyPr/>
+              <a:lstStyle/>
+              <a:p>
+                <a:r>
+                  <a:rPr lang="de-DE">
+                    <a:noFill/>
+                  </a:rPr>
+                  <a:t> </a:t>
+                </a:r>
+              </a:p>
+            </p:txBody>
+          </p:sp>
+        </mc:Fallback>
+      </mc:AlternateContent>
+      <p:cxnSp>
+        <p:nvCxnSpPr>
+          <p:cNvPr id="4" name="Gerade Verbindung mit Pfeil 3">
+            <a:extLst>
+              <a:ext uri="{FF2B5EF4-FFF2-40B4-BE49-F238E27FC236}">
+                <a16:creationId xmlns:a16="http://schemas.microsoft.com/office/drawing/2014/main" id="{461F4140-541C-5B1F-AD6D-75F64C8FD10F}"/>
+              </a:ext>
+            </a:extLst>
+          </p:cNvPr>
+          <p:cNvCxnSpPr>
+            <a:cxnSpLocks/>
+            <a:stCxn id="2" idx="3"/>
+            <a:endCxn id="48" idx="1"/>
+          </p:cNvCxnSpPr>
+          <p:nvPr/>
+        </p:nvCxnSpPr>
+        <p:spPr>
+          <a:xfrm>
+            <a:off x="4422222" y="2544637"/>
+            <a:ext cx="2255977" cy="12690"/>
+          </a:xfrm>
+          <a:prstGeom prst="straightConnector1">
+            <a:avLst/>
+          </a:prstGeom>
+          <a:ln w="28575">
+            <a:solidFill>
+              <a:schemeClr val="tx1"/>
+            </a:solidFill>
+            <a:tailEnd type="triangle"/>
+          </a:ln>
+        </p:spPr>
+        <p:style>
+          <a:lnRef idx="1">
+            <a:schemeClr val="accent1"/>
+          </a:lnRef>
+          <a:fillRef idx="0">
+            <a:schemeClr val="accent1"/>
+          </a:fillRef>
+          <a:effectRef idx="0">
+            <a:schemeClr val="accent1"/>
+          </a:effectRef>
+          <a:fontRef idx="minor">
+            <a:schemeClr val="tx1"/>
+          </a:fontRef>
+        </p:style>
+      </p:cxnSp>
+      <p:cxnSp>
+        <p:nvCxnSpPr>
+          <p:cNvPr id="16" name="Gerade Verbindung mit Pfeil 15">
+            <a:extLst>
+              <a:ext uri="{FF2B5EF4-FFF2-40B4-BE49-F238E27FC236}">
+                <a16:creationId xmlns:a16="http://schemas.microsoft.com/office/drawing/2014/main" id="{207C56D2-3FB7-6C00-172D-B317A7CFA335}"/>
+              </a:ext>
+            </a:extLst>
+          </p:cNvPr>
+          <p:cNvCxnSpPr>
+            <a:cxnSpLocks/>
+            <a:stCxn id="48" idx="3"/>
+          </p:cNvCxnSpPr>
+          <p:nvPr/>
+        </p:nvCxnSpPr>
+        <p:spPr>
+          <a:xfrm>
+            <a:off x="7573472" y="2557327"/>
+            <a:ext cx="2102963" cy="0"/>
+          </a:xfrm>
+          <a:prstGeom prst="straightConnector1">
+            <a:avLst/>
+          </a:prstGeom>
+          <a:ln w="28575">
+            <a:solidFill>
+              <a:schemeClr val="tx1"/>
+            </a:solidFill>
+            <a:tailEnd type="triangle"/>
+          </a:ln>
+        </p:spPr>
+        <p:style>
+          <a:lnRef idx="1">
+            <a:schemeClr val="accent1"/>
+          </a:lnRef>
+          <a:fillRef idx="0">
+            <a:schemeClr val="accent1"/>
+          </a:fillRef>
+          <a:effectRef idx="0">
+            <a:schemeClr val="accent1"/>
+          </a:effectRef>
+          <a:fontRef idx="minor">
+            <a:schemeClr val="tx1"/>
+          </a:fontRef>
+        </p:style>
+      </p:cxnSp>
+      <p:sp>
+        <p:nvSpPr>
+          <p:cNvPr id="17" name="Dreieck 31">
+            <a:extLst>
+              <a:ext uri="{FF2B5EF4-FFF2-40B4-BE49-F238E27FC236}">
+                <a16:creationId xmlns:a16="http://schemas.microsoft.com/office/drawing/2014/main" id="{0A49FFC3-D005-A489-6196-1AC5CC2B0262}"/>
+              </a:ext>
+            </a:extLst>
+          </p:cNvPr>
+          <p:cNvSpPr/>
+          <p:nvPr/>
+        </p:nvSpPr>
+        <p:spPr>
+          <a:xfrm rot="16200000">
+            <a:off x="6438577" y="3536483"/>
+            <a:ext cx="1031920" cy="895273"/>
+          </a:xfrm>
+          <a:prstGeom prst="triangle">
+            <a:avLst/>
+          </a:prstGeom>
+          <a:noFill/>
+          <a:ln>
+            <a:solidFill>
+              <a:schemeClr val="tx1"/>
+            </a:solidFill>
+          </a:ln>
+        </p:spPr>
+        <p:style>
+          <a:lnRef idx="2">
+            <a:schemeClr val="accent6"/>
+          </a:lnRef>
+          <a:fillRef idx="1">
+            <a:schemeClr val="lt1"/>
+          </a:fillRef>
+          <a:effectRef idx="0">
+            <a:schemeClr val="accent6"/>
+          </a:effectRef>
+          <a:fontRef idx="minor">
+            <a:schemeClr val="dk1"/>
+          </a:fontRef>
+        </p:style>
+        <p:txBody>
+          <a:bodyPr rtlCol="0" anchor="ctr"/>
+          <a:lstStyle/>
+          <a:p>
+            <a:endParaRPr lang="x-none"/>
+          </a:p>
+        </p:txBody>
+      </p:sp>
+      <mc:AlternateContent xmlns:mc="http://schemas.openxmlformats.org/markup-compatibility/2006">
+        <mc:Choice xmlns:a14="http://schemas.microsoft.com/office/drawing/2010/main" Requires="a14">
+          <p:sp>
+            <p:nvSpPr>
+              <p:cNvPr id="18" name="Textfeld 17">
+                <a:extLst>
+                  <a:ext uri="{FF2B5EF4-FFF2-40B4-BE49-F238E27FC236}">
+                    <a16:creationId xmlns:a16="http://schemas.microsoft.com/office/drawing/2014/main" id="{2A1EB4A6-24C0-0B16-FC99-0CC79B816759}"/>
+                  </a:ext>
+                </a:extLst>
+              </p:cNvPr>
+              <p:cNvSpPr txBox="1"/>
+              <p:nvPr/>
+            </p:nvSpPr>
+            <p:spPr>
+              <a:xfrm>
+                <a:off x="6976354" y="3685686"/>
+                <a:ext cx="449162" cy="887935"/>
+              </a:xfrm>
+              <a:prstGeom prst="rect">
+                <a:avLst/>
+              </a:prstGeom>
+              <a:noFill/>
+            </p:spPr>
+            <p:txBody>
+              <a:bodyPr wrap="none" rtlCol="0">
+                <a:spAutoFit/>
+              </a:bodyPr>
+              <a:lstStyle/>
+              <a:p>
+                <a:pPr/>
+                <a14:m>
+                  <m:oMathPara xmlns:m="http://schemas.openxmlformats.org/officeDocument/2006/math">
+                    <m:oMathParaPr>
+                      <m:jc m:val="centerGroup"/>
+                    </m:oMathParaPr>
+                    <m:oMath xmlns:m="http://schemas.openxmlformats.org/officeDocument/2006/math">
+                      <m:f>
+                        <m:fPr>
+                          <m:ctrlPr>
+                            <a:rPr lang="x-none" i="1" smtClean="0">
+                              <a:latin typeface="Cambria Math" panose="02040503050406030204" pitchFamily="18" charset="0"/>
+                            </a:rPr>
+                          </m:ctrlPr>
+                        </m:fPr>
+                        <m:num>
+                          <m:r>
+                            <a:rPr lang="x-none">
+                              <a:latin typeface="Cambria Math" panose="02040503050406030204" pitchFamily="18" charset="0"/>
+                            </a:rPr>
+                            <m:t>1</m:t>
+                          </m:r>
+                        </m:num>
+                        <m:den>
+                          <m:r>
+                            <a:rPr lang="de-DE" b="0" i="1" smtClean="0">
+                              <a:latin typeface="Cambria Math" panose="02040503050406030204" pitchFamily="18" charset="0"/>
+                            </a:rPr>
+                            <m:t>𝑖</m:t>
+                          </m:r>
+                        </m:den>
+                      </m:f>
+                    </m:oMath>
+                  </m:oMathPara>
+                </a14:m>
+                <a:endParaRPr lang="x-none" dirty="0"/>
+              </a:p>
+              <a:p>
+                <a:endParaRPr lang="de-DE" dirty="0"/>
+              </a:p>
+            </p:txBody>
+          </p:sp>
+        </mc:Choice>
+        <mc:Fallback>
+          <p:sp>
+            <p:nvSpPr>
+              <p:cNvPr id="18" name="Textfeld 17">
+                <a:extLst>
+                  <a:ext uri="{FF2B5EF4-FFF2-40B4-BE49-F238E27FC236}">
+                    <a16:creationId xmlns:a16="http://schemas.microsoft.com/office/drawing/2014/main" id="{2A1EB4A6-24C0-0B16-FC99-0CC79B816759}"/>
+                  </a:ext>
+                </a:extLst>
+              </p:cNvPr>
+              <p:cNvSpPr txBox="1">
+                <a:spLocks noRot="1" noChangeAspect="1" noMove="1" noResize="1" noEditPoints="1" noAdjustHandles="1" noChangeArrowheads="1" noChangeShapeType="1" noTextEdit="1"/>
+              </p:cNvSpPr>
+              <p:nvPr/>
+            </p:nvSpPr>
+            <p:spPr>
+              <a:xfrm>
+                <a:off x="6976354" y="3685686"/>
+                <a:ext cx="449162" cy="887935"/>
+              </a:xfrm>
+              <a:prstGeom prst="rect">
+                <a:avLst/>
+              </a:prstGeom>
+              <a:blipFill>
+                <a:blip r:embed="rId3"/>
+                <a:stretch>
+                  <a:fillRect/>
+                </a:stretch>
+              </a:blipFill>
+            </p:spPr>
+            <p:txBody>
+              <a:bodyPr/>
+              <a:lstStyle/>
+              <a:p>
+                <a:r>
+                  <a:rPr lang="de-DE">
+                    <a:noFill/>
+                  </a:rPr>
+                  <a:t> </a:t>
+                </a:r>
+              </a:p>
+            </p:txBody>
+          </p:sp>
+        </mc:Fallback>
+      </mc:AlternateContent>
+      <p:sp>
+        <p:nvSpPr>
+          <p:cNvPr id="19" name="Oval 14">
+            <a:extLst>
+              <a:ext uri="{FF2B5EF4-FFF2-40B4-BE49-F238E27FC236}">
+                <a16:creationId xmlns:a16="http://schemas.microsoft.com/office/drawing/2014/main" id="{ED8417F8-FA84-E1E5-49D8-52A3A93D802A}"/>
+              </a:ext>
+            </a:extLst>
+          </p:cNvPr>
+          <p:cNvSpPr/>
+          <p:nvPr/>
+        </p:nvSpPr>
+        <p:spPr>
+          <a:xfrm>
+            <a:off x="8776208" y="2477475"/>
+            <a:ext cx="180000" cy="180000"/>
+          </a:xfrm>
+          <a:prstGeom prst="ellipse">
+            <a:avLst/>
+          </a:prstGeom>
+        </p:spPr>
+        <p:style>
+          <a:lnRef idx="2">
+            <a:schemeClr val="dk1">
+              <a:shade val="50000"/>
+            </a:schemeClr>
+          </a:lnRef>
+          <a:fillRef idx="1">
+            <a:schemeClr val="dk1"/>
+          </a:fillRef>
+          <a:effectRef idx="0">
+            <a:schemeClr val="dk1"/>
+          </a:effectRef>
+          <a:fontRef idx="minor">
+            <a:schemeClr val="lt1"/>
+          </a:fontRef>
+        </p:style>
+        <p:txBody>
+          <a:bodyPr rtlCol="0" anchor="ctr"/>
+          <a:lstStyle/>
+          <a:p>
+            <a:pPr algn="ctr"/>
+            <a:endParaRPr lang="de-DE"/>
+          </a:p>
+        </p:txBody>
+      </p:sp>
+      <p:cxnSp>
+        <p:nvCxnSpPr>
+          <p:cNvPr id="20" name="Gewinkelte Verbindung 19">
+            <a:extLst>
+              <a:ext uri="{FF2B5EF4-FFF2-40B4-BE49-F238E27FC236}">
+                <a16:creationId xmlns:a16="http://schemas.microsoft.com/office/drawing/2014/main" id="{8FDD7819-F3CF-470C-B621-020A671B2BBE}"/>
+              </a:ext>
+            </a:extLst>
+          </p:cNvPr>
+          <p:cNvCxnSpPr>
+            <a:cxnSpLocks/>
+          </p:cNvCxnSpPr>
+          <p:nvPr/>
+        </p:nvCxnSpPr>
+        <p:spPr>
+          <a:xfrm rot="10800000" flipV="1">
+            <a:off x="7396938" y="2544636"/>
+            <a:ext cx="1469270" cy="1439621"/>
+          </a:xfrm>
+          <a:prstGeom prst="bentConnector3">
+            <a:avLst>
+              <a:gd name="adj1" fmla="val -418"/>
+            </a:avLst>
+          </a:prstGeom>
+          <a:ln w="28575">
+            <a:solidFill>
+              <a:schemeClr val="tx1"/>
+            </a:solidFill>
+            <a:tailEnd type="triangle"/>
+          </a:ln>
+        </p:spPr>
+        <p:style>
+          <a:lnRef idx="1">
+            <a:schemeClr val="accent1"/>
+          </a:lnRef>
+          <a:fillRef idx="0">
+            <a:schemeClr val="accent1"/>
+          </a:fillRef>
+          <a:effectRef idx="0">
+            <a:schemeClr val="accent1"/>
+          </a:effectRef>
+          <a:fontRef idx="minor">
+            <a:schemeClr val="tx1"/>
+          </a:fontRef>
+        </p:style>
+      </p:cxnSp>
+      <p:cxnSp>
+        <p:nvCxnSpPr>
+          <p:cNvPr id="21" name="Gewinkelte Verbindung 41">
+            <a:extLst>
+              <a:ext uri="{FF2B5EF4-FFF2-40B4-BE49-F238E27FC236}">
+                <a16:creationId xmlns:a16="http://schemas.microsoft.com/office/drawing/2014/main" id="{57A7748F-A7DB-09E2-A160-2E9E3529F7D7}"/>
+              </a:ext>
+            </a:extLst>
+          </p:cNvPr>
+          <p:cNvCxnSpPr>
+            <a:cxnSpLocks/>
+            <a:endCxn id="22" idx="4"/>
+          </p:cNvCxnSpPr>
+          <p:nvPr/>
+        </p:nvCxnSpPr>
+        <p:spPr>
+          <a:xfrm rot="10800000">
+            <a:off x="4881963" y="2634638"/>
+            <a:ext cx="1634584" cy="1341079"/>
+          </a:xfrm>
+          <a:prstGeom prst="bentConnector2">
+            <a:avLst/>
+          </a:prstGeom>
+          <a:ln w="28575">
+            <a:solidFill>
+              <a:schemeClr val="tx1"/>
+            </a:solidFill>
+            <a:tailEnd type="triangle"/>
+          </a:ln>
+        </p:spPr>
+        <p:style>
+          <a:lnRef idx="1">
+            <a:schemeClr val="accent1"/>
+          </a:lnRef>
+          <a:fillRef idx="0">
+            <a:schemeClr val="accent1"/>
+          </a:fillRef>
+          <a:effectRef idx="0">
+            <a:schemeClr val="accent1"/>
+          </a:effectRef>
+          <a:fontRef idx="minor">
+            <a:schemeClr val="tx1"/>
+          </a:fontRef>
+        </p:style>
+      </p:cxnSp>
+      <p:sp>
+        <p:nvSpPr>
+          <p:cNvPr id="22" name="Oval 44">
+            <a:extLst>
+              <a:ext uri="{FF2B5EF4-FFF2-40B4-BE49-F238E27FC236}">
+                <a16:creationId xmlns:a16="http://schemas.microsoft.com/office/drawing/2014/main" id="{441C0C23-10CD-6A2C-30A1-6B29D6D6BD86}"/>
+              </a:ext>
+            </a:extLst>
+          </p:cNvPr>
+          <p:cNvSpPr/>
+          <p:nvPr/>
+        </p:nvSpPr>
+        <p:spPr>
+          <a:xfrm>
+            <a:off x="4791963" y="2454637"/>
+            <a:ext cx="180000" cy="180000"/>
+          </a:xfrm>
+          <a:prstGeom prst="ellipse">
+            <a:avLst/>
+          </a:prstGeom>
+          <a:solidFill>
+            <a:schemeClr val="bg1"/>
+          </a:solidFill>
+          <a:ln w="28575">
+            <a:solidFill>
+              <a:schemeClr val="tx1"/>
+            </a:solidFill>
+          </a:ln>
+        </p:spPr>
+        <p:style>
+          <a:lnRef idx="2">
+            <a:schemeClr val="dk1">
+              <a:shade val="50000"/>
+            </a:schemeClr>
+          </a:lnRef>
+          <a:fillRef idx="1">
+            <a:schemeClr val="dk1"/>
+          </a:fillRef>
+          <a:effectRef idx="0">
+            <a:schemeClr val="dk1"/>
+          </a:effectRef>
+          <a:fontRef idx="minor">
+            <a:schemeClr val="lt1"/>
+          </a:fontRef>
+        </p:style>
+        <p:txBody>
+          <a:bodyPr rtlCol="0" anchor="ctr"/>
+          <a:lstStyle/>
+          <a:p>
+            <a:pPr algn="ctr"/>
+            <a:endParaRPr lang="de-DE"/>
+          </a:p>
+        </p:txBody>
+      </p:sp>
+      <p:cxnSp>
+        <p:nvCxnSpPr>
+          <p:cNvPr id="26" name="Gerade Verbindung mit Pfeil 25">
+            <a:extLst>
+              <a:ext uri="{FF2B5EF4-FFF2-40B4-BE49-F238E27FC236}">
+                <a16:creationId xmlns:a16="http://schemas.microsoft.com/office/drawing/2014/main" id="{5C47B621-CB8F-BB8C-0CC8-5197FDDEFC4E}"/>
+              </a:ext>
+            </a:extLst>
+          </p:cNvPr>
+          <p:cNvCxnSpPr>
+            <a:cxnSpLocks/>
+          </p:cNvCxnSpPr>
+          <p:nvPr/>
+        </p:nvCxnSpPr>
+        <p:spPr>
+          <a:xfrm flipV="1">
+            <a:off x="2312276" y="2564524"/>
+            <a:ext cx="1214673" cy="685"/>
+          </a:xfrm>
+          <a:prstGeom prst="straightConnector1">
+            <a:avLst/>
+          </a:prstGeom>
+          <a:ln w="28575">
+            <a:solidFill>
+              <a:schemeClr val="tx1"/>
+            </a:solidFill>
+            <a:tailEnd type="triangle"/>
+          </a:ln>
+        </p:spPr>
+        <p:style>
+          <a:lnRef idx="1">
+            <a:schemeClr val="accent1"/>
+          </a:lnRef>
+          <a:fillRef idx="0">
+            <a:schemeClr val="accent1"/>
+          </a:fillRef>
+          <a:effectRef idx="0">
+            <a:schemeClr val="accent1"/>
+          </a:effectRef>
+          <a:fontRef idx="minor">
+            <a:schemeClr val="tx1"/>
+          </a:fontRef>
+        </p:style>
+      </p:cxnSp>
+      <p:sp>
+        <p:nvSpPr>
+          <p:cNvPr id="27" name="Oval 55">
+            <a:extLst>
+              <a:ext uri="{FF2B5EF4-FFF2-40B4-BE49-F238E27FC236}">
+                <a16:creationId xmlns:a16="http://schemas.microsoft.com/office/drawing/2014/main" id="{E251D32A-7216-9872-5952-00BBE74777C5}"/>
+              </a:ext>
+            </a:extLst>
+          </p:cNvPr>
+          <p:cNvSpPr/>
+          <p:nvPr/>
+        </p:nvSpPr>
+        <p:spPr>
+          <a:xfrm>
+            <a:off x="2973470" y="2475209"/>
+            <a:ext cx="180000" cy="180000"/>
+          </a:xfrm>
+          <a:prstGeom prst="ellipse">
+            <a:avLst/>
+          </a:prstGeom>
+          <a:solidFill>
+            <a:schemeClr val="bg1"/>
+          </a:solidFill>
+          <a:ln w="28575">
+            <a:solidFill>
+              <a:schemeClr val="tx1"/>
+            </a:solidFill>
+          </a:ln>
+        </p:spPr>
+        <p:style>
+          <a:lnRef idx="2">
+            <a:schemeClr val="dk1">
+              <a:shade val="50000"/>
+            </a:schemeClr>
+          </a:lnRef>
+          <a:fillRef idx="1">
+            <a:schemeClr val="dk1"/>
+          </a:fillRef>
+          <a:effectRef idx="0">
+            <a:schemeClr val="dk1"/>
+          </a:effectRef>
+          <a:fontRef idx="minor">
+            <a:schemeClr val="lt1"/>
+          </a:fontRef>
+        </p:style>
+        <p:txBody>
+          <a:bodyPr rtlCol="0" anchor="ctr"/>
+          <a:lstStyle/>
+          <a:p>
+            <a:pPr algn="ctr"/>
+            <a:endParaRPr lang="de-DE"/>
+          </a:p>
+        </p:txBody>
+      </p:sp>
+      <p:cxnSp>
+        <p:nvCxnSpPr>
+          <p:cNvPr id="28" name="Gerade Verbindung mit Pfeil 27">
+            <a:extLst>
+              <a:ext uri="{FF2B5EF4-FFF2-40B4-BE49-F238E27FC236}">
+                <a16:creationId xmlns:a16="http://schemas.microsoft.com/office/drawing/2014/main" id="{9B1A603F-8581-47BD-C6D7-52D4F46EA24F}"/>
+              </a:ext>
+            </a:extLst>
+          </p:cNvPr>
+          <p:cNvCxnSpPr>
+            <a:cxnSpLocks/>
+            <a:endCxn id="27" idx="4"/>
+          </p:cNvCxnSpPr>
+          <p:nvPr/>
+        </p:nvCxnSpPr>
+        <p:spPr>
+          <a:xfrm flipV="1">
+            <a:off x="3059563" y="2655209"/>
+            <a:ext cx="3907" cy="1222789"/>
+          </a:xfrm>
+          <a:prstGeom prst="straightConnector1">
+            <a:avLst/>
+          </a:prstGeom>
+          <a:ln w="28575">
+            <a:solidFill>
+              <a:schemeClr val="tx1"/>
+            </a:solidFill>
+            <a:tailEnd type="triangle"/>
+          </a:ln>
+        </p:spPr>
+        <p:style>
+          <a:lnRef idx="1">
+            <a:schemeClr val="accent1"/>
+          </a:lnRef>
+          <a:fillRef idx="0">
+            <a:schemeClr val="accent1"/>
+          </a:fillRef>
+          <a:effectRef idx="0">
+            <a:schemeClr val="accent1"/>
+          </a:effectRef>
+          <a:fontRef idx="minor">
+            <a:schemeClr val="tx1"/>
+          </a:fontRef>
+        </p:style>
+      </p:cxnSp>
+      <mc:AlternateContent xmlns:mc="http://schemas.openxmlformats.org/markup-compatibility/2006">
+        <mc:Choice xmlns:a14="http://schemas.microsoft.com/office/drawing/2010/main" Requires="a14">
+          <p:sp>
+            <p:nvSpPr>
+              <p:cNvPr id="29" name="Rechteck 28">
+                <a:extLst>
+                  <a:ext uri="{FF2B5EF4-FFF2-40B4-BE49-F238E27FC236}">
+                    <a16:creationId xmlns:a16="http://schemas.microsoft.com/office/drawing/2014/main" id="{88D8B004-CC7A-3BF0-2136-08AB35E085A5}"/>
+                  </a:ext>
+                </a:extLst>
+              </p:cNvPr>
+              <p:cNvSpPr/>
+              <p:nvPr/>
+            </p:nvSpPr>
+            <p:spPr>
+              <a:xfrm>
+                <a:off x="2216378" y="2185770"/>
+                <a:ext cx="689997" cy="369332"/>
+              </a:xfrm>
+              <a:prstGeom prst="rect">
+                <a:avLst/>
+              </a:prstGeom>
+            </p:spPr>
+            <p:txBody>
+              <a:bodyPr wrap="none">
+                <a:spAutoFit/>
+              </a:bodyPr>
+              <a:lstStyle/>
+              <a:p>
+                <a:pPr/>
+                <a14:m>
+                  <m:oMathPara xmlns:m="http://schemas.openxmlformats.org/officeDocument/2006/math">
+                    <m:oMathParaPr>
+                      <m:jc m:val="centerGroup"/>
+                    </m:oMathParaPr>
+                    <m:oMath xmlns:m="http://schemas.openxmlformats.org/officeDocument/2006/math">
+                      <m:sSub>
+                        <m:sSubPr>
+                          <m:ctrlPr>
+                            <a:rPr lang="x-none" i="1">
+                              <a:latin typeface="Cambria Math" panose="02040503050406030204" pitchFamily="18" charset="0"/>
+                            </a:rPr>
+                          </m:ctrlPr>
+                        </m:sSubPr>
+                        <m:e>
+                          <m:r>
+                            <a:rPr lang="x-none">
+                              <a:latin typeface="Cambria Math" panose="02040503050406030204" pitchFamily="18" charset="0"/>
+                            </a:rPr>
+                            <m:t>𝑋</m:t>
+                          </m:r>
+                        </m:e>
+                        <m:sub>
+                          <m:r>
+                            <a:rPr lang="x-none">
+                              <a:latin typeface="Cambria Math" panose="02040503050406030204" pitchFamily="18" charset="0"/>
+                            </a:rPr>
+                            <m:t>𝑠𝑜𝑙𝑙</m:t>
+                          </m:r>
+                        </m:sub>
+                      </m:sSub>
+                    </m:oMath>
+                  </m:oMathPara>
+                </a14:m>
+                <a:endParaRPr lang="x-none">
+                  <a:latin typeface="Cambria Math" panose="02040503050406030204" pitchFamily="18" charset="0"/>
+                </a:endParaRPr>
+              </a:p>
+            </p:txBody>
+          </p:sp>
+        </mc:Choice>
+        <mc:Fallback>
+          <p:sp>
+            <p:nvSpPr>
+              <p:cNvPr id="29" name="Rechteck 28">
+                <a:extLst>
+                  <a:ext uri="{FF2B5EF4-FFF2-40B4-BE49-F238E27FC236}">
+                    <a16:creationId xmlns:a16="http://schemas.microsoft.com/office/drawing/2014/main" id="{88D8B004-CC7A-3BF0-2136-08AB35E085A5}"/>
+                  </a:ext>
+                </a:extLst>
+              </p:cNvPr>
+              <p:cNvSpPr>
+                <a:spLocks noRot="1" noChangeAspect="1" noMove="1" noResize="1" noEditPoints="1" noAdjustHandles="1" noChangeArrowheads="1" noChangeShapeType="1" noTextEdit="1"/>
+              </p:cNvSpPr>
+              <p:nvPr/>
+            </p:nvSpPr>
+            <p:spPr>
+              <a:xfrm>
+                <a:off x="2216378" y="2185770"/>
+                <a:ext cx="689997" cy="369332"/>
+              </a:xfrm>
+              <a:prstGeom prst="rect">
+                <a:avLst/>
+              </a:prstGeom>
+              <a:blipFill>
+                <a:blip r:embed="rId4"/>
+                <a:stretch>
+                  <a:fillRect b="-1667"/>
+                </a:stretch>
+              </a:blipFill>
+            </p:spPr>
+            <p:txBody>
+              <a:bodyPr/>
+              <a:lstStyle/>
+              <a:p>
+                <a:r>
+                  <a:rPr lang="de-DE">
+                    <a:noFill/>
+                  </a:rPr>
+                  <a:t> </a:t>
+                </a:r>
+              </a:p>
+            </p:txBody>
+          </p:sp>
+        </mc:Fallback>
+      </mc:AlternateContent>
+      <mc:AlternateContent xmlns:mc="http://schemas.openxmlformats.org/markup-compatibility/2006">
+        <mc:Choice xmlns:a14="http://schemas.microsoft.com/office/drawing/2010/main" Requires="a14">
+          <p:sp>
+            <p:nvSpPr>
+              <p:cNvPr id="30" name="Rechteck 29">
+                <a:extLst>
+                  <a:ext uri="{FF2B5EF4-FFF2-40B4-BE49-F238E27FC236}">
+                    <a16:creationId xmlns:a16="http://schemas.microsoft.com/office/drawing/2014/main" id="{FE73F7E8-DC30-07BE-E980-14AC90C68A3E}"/>
+                  </a:ext>
+                </a:extLst>
+              </p:cNvPr>
+              <p:cNvSpPr/>
+              <p:nvPr/>
+            </p:nvSpPr>
+            <p:spPr>
+              <a:xfrm>
+                <a:off x="3031328" y="3098826"/>
+                <a:ext cx="603755" cy="369332"/>
+              </a:xfrm>
+              <a:prstGeom prst="rect">
+                <a:avLst/>
+              </a:prstGeom>
+            </p:spPr>
+            <p:txBody>
+              <a:bodyPr wrap="none">
+                <a:spAutoFit/>
+              </a:bodyPr>
+              <a:lstStyle/>
+              <a:p>
+                <a:pPr/>
+                <a14:m>
+                  <m:oMathPara xmlns:m="http://schemas.openxmlformats.org/officeDocument/2006/math">
+                    <m:oMathParaPr>
+                      <m:jc m:val="centerGroup"/>
+                    </m:oMathParaPr>
+                    <m:oMath xmlns:m="http://schemas.openxmlformats.org/officeDocument/2006/math">
+                      <m:sSub>
+                        <m:sSubPr>
+                          <m:ctrlPr>
+                            <a:rPr lang="x-none" i="1">
+                              <a:latin typeface="Cambria Math" panose="02040503050406030204" pitchFamily="18" charset="0"/>
+                            </a:rPr>
+                          </m:ctrlPr>
+                        </m:sSubPr>
+                        <m:e>
+                          <m:r>
+                            <a:rPr lang="x-none">
+                              <a:latin typeface="Cambria Math" panose="02040503050406030204" pitchFamily="18" charset="0"/>
+                            </a:rPr>
+                            <m:t>𝑋</m:t>
+                          </m:r>
+                        </m:e>
+                        <m:sub>
+                          <m:r>
+                            <a:rPr lang="x-none">
+                              <a:latin typeface="Cambria Math" panose="02040503050406030204" pitchFamily="18" charset="0"/>
+                            </a:rPr>
+                            <m:t>𝑖𝑠𝑡</m:t>
+                          </m:r>
+                        </m:sub>
+                      </m:sSub>
+                    </m:oMath>
+                  </m:oMathPara>
+                </a14:m>
+                <a:endParaRPr lang="x-none">
+                  <a:latin typeface="Cambria Math" panose="02040503050406030204" pitchFamily="18" charset="0"/>
+                </a:endParaRPr>
+              </a:p>
+            </p:txBody>
+          </p:sp>
+        </mc:Choice>
+        <mc:Fallback>
+          <p:sp>
+            <p:nvSpPr>
+              <p:cNvPr id="30" name="Rechteck 29">
+                <a:extLst>
+                  <a:ext uri="{FF2B5EF4-FFF2-40B4-BE49-F238E27FC236}">
+                    <a16:creationId xmlns:a16="http://schemas.microsoft.com/office/drawing/2014/main" id="{FE73F7E8-DC30-07BE-E980-14AC90C68A3E}"/>
+                  </a:ext>
+                </a:extLst>
+              </p:cNvPr>
+              <p:cNvSpPr>
+                <a:spLocks noRot="1" noChangeAspect="1" noMove="1" noResize="1" noEditPoints="1" noAdjustHandles="1" noChangeArrowheads="1" noChangeShapeType="1" noTextEdit="1"/>
+              </p:cNvSpPr>
+              <p:nvPr/>
+            </p:nvSpPr>
+            <p:spPr>
+              <a:xfrm>
+                <a:off x="3031328" y="3098826"/>
+                <a:ext cx="603755" cy="369332"/>
+              </a:xfrm>
+              <a:prstGeom prst="rect">
+                <a:avLst/>
+              </a:prstGeom>
+              <a:blipFill>
+                <a:blip r:embed="rId5"/>
+                <a:stretch>
+                  <a:fillRect b="-1639"/>
+                </a:stretch>
+              </a:blipFill>
+            </p:spPr>
+            <p:txBody>
+              <a:bodyPr/>
+              <a:lstStyle/>
+              <a:p>
+                <a:r>
+                  <a:rPr lang="de-DE">
+                    <a:noFill/>
+                  </a:rPr>
+                  <a:t> </a:t>
+                </a:r>
+              </a:p>
+            </p:txBody>
+          </p:sp>
+        </mc:Fallback>
+      </mc:AlternateContent>
+      <mc:AlternateContent xmlns:mc="http://schemas.openxmlformats.org/markup-compatibility/2006">
+        <mc:Choice xmlns:a14="http://schemas.microsoft.com/office/drawing/2010/main" Requires="a14">
+          <p:sp>
+            <p:nvSpPr>
+              <p:cNvPr id="31" name="Rechteck 30">
+                <a:extLst>
+                  <a:ext uri="{FF2B5EF4-FFF2-40B4-BE49-F238E27FC236}">
+                    <a16:creationId xmlns:a16="http://schemas.microsoft.com/office/drawing/2014/main" id="{7457B839-F3DD-2CDE-5631-E8EEC8226E08}"/>
+                  </a:ext>
+                </a:extLst>
+              </p:cNvPr>
+              <p:cNvSpPr/>
+              <p:nvPr/>
+            </p:nvSpPr>
+            <p:spPr>
+              <a:xfrm>
+                <a:off x="4318686" y="2108677"/>
+                <a:ext cx="709745" cy="369332"/>
+              </a:xfrm>
+              <a:prstGeom prst="rect">
+                <a:avLst/>
+              </a:prstGeom>
+            </p:spPr>
+            <p:txBody>
+              <a:bodyPr wrap="none">
+                <a:spAutoFit/>
+              </a:bodyPr>
+              <a:lstStyle/>
+              <a:p>
+                <a:pPr/>
+                <a14:m>
+                  <m:oMathPara xmlns:m="http://schemas.openxmlformats.org/officeDocument/2006/math">
+                    <m:oMathParaPr>
+                      <m:jc m:val="centerGroup"/>
+                    </m:oMathParaPr>
+                    <m:oMath xmlns:m="http://schemas.openxmlformats.org/officeDocument/2006/math">
+                      <m:sSub>
+                        <m:sSubPr>
+                          <m:ctrlPr>
+                            <a:rPr lang="de-DE" i="1">
+                              <a:latin typeface="Cambria Math" panose="02040503050406030204" pitchFamily="18" charset="0"/>
+                            </a:rPr>
+                          </m:ctrlPr>
+                        </m:sSubPr>
+                        <m:e>
+                          <m:r>
+                            <a:rPr lang="de-DE">
+                              <a:latin typeface="Cambria Math" panose="02040503050406030204" pitchFamily="18" charset="0"/>
+                            </a:rPr>
+                            <m:t>𝜙</m:t>
+                          </m:r>
+                        </m:e>
+                        <m:sub>
+                          <m:r>
+                            <a:rPr lang="de-DE">
+                              <a:latin typeface="Cambria Math" panose="02040503050406030204" pitchFamily="18" charset="0"/>
+                            </a:rPr>
+                            <m:t>𝑠𝑜𝑙𝑙</m:t>
+                          </m:r>
+                        </m:sub>
+                      </m:sSub>
+                    </m:oMath>
+                  </m:oMathPara>
+                </a14:m>
+                <a:endParaRPr lang="de-DE" dirty="0"/>
+              </a:p>
+            </p:txBody>
+          </p:sp>
+        </mc:Choice>
+        <mc:Fallback>
+          <p:sp>
+            <p:nvSpPr>
+              <p:cNvPr id="31" name="Rechteck 30">
+                <a:extLst>
+                  <a:ext uri="{FF2B5EF4-FFF2-40B4-BE49-F238E27FC236}">
+                    <a16:creationId xmlns:a16="http://schemas.microsoft.com/office/drawing/2014/main" id="{7457B839-F3DD-2CDE-5631-E8EEC8226E08}"/>
+                  </a:ext>
+                </a:extLst>
+              </p:cNvPr>
+              <p:cNvSpPr>
+                <a:spLocks noRot="1" noChangeAspect="1" noMove="1" noResize="1" noEditPoints="1" noAdjustHandles="1" noChangeArrowheads="1" noChangeShapeType="1" noTextEdit="1"/>
+              </p:cNvSpPr>
+              <p:nvPr/>
+            </p:nvSpPr>
+            <p:spPr>
+              <a:xfrm>
+                <a:off x="4318686" y="2108677"/>
+                <a:ext cx="709745" cy="369332"/>
+              </a:xfrm>
+              <a:prstGeom prst="rect">
+                <a:avLst/>
+              </a:prstGeom>
+              <a:blipFill>
+                <a:blip r:embed="rId6"/>
+                <a:stretch>
+                  <a:fillRect b="-13333"/>
+                </a:stretch>
+              </a:blipFill>
+            </p:spPr>
+            <p:txBody>
+              <a:bodyPr/>
+              <a:lstStyle/>
+              <a:p>
+                <a:r>
+                  <a:rPr lang="de-DE">
+                    <a:noFill/>
+                  </a:rPr>
+                  <a:t> </a:t>
+                </a:r>
+              </a:p>
+            </p:txBody>
+          </p:sp>
+        </mc:Fallback>
+      </mc:AlternateContent>
+      <p:sp>
+        <p:nvSpPr>
+          <p:cNvPr id="32" name="Textfeld 31">
+            <a:extLst>
+              <a:ext uri="{FF2B5EF4-FFF2-40B4-BE49-F238E27FC236}">
+                <a16:creationId xmlns:a16="http://schemas.microsoft.com/office/drawing/2014/main" id="{3D3E50A2-AA9C-4259-0A4C-C552D07230BD}"/>
+              </a:ext>
+            </a:extLst>
+          </p:cNvPr>
+          <p:cNvSpPr txBox="1"/>
+          <p:nvPr/>
+        </p:nvSpPr>
+        <p:spPr>
+          <a:xfrm>
+            <a:off x="4569993" y="2454637"/>
+            <a:ext cx="255198" cy="369332"/>
+          </a:xfrm>
+          <a:prstGeom prst="rect">
+            <a:avLst/>
+          </a:prstGeom>
+          <a:noFill/>
+        </p:spPr>
+        <p:txBody>
+          <a:bodyPr wrap="none" rtlCol="0">
+            <a:spAutoFit/>
+          </a:bodyPr>
+          <a:lstStyle/>
+          <a:p>
+            <a:r>
+              <a:rPr lang="de-DE" dirty="0"/>
+              <a:t>-</a:t>
+            </a:r>
+          </a:p>
+        </p:txBody>
+      </p:sp>
+      <p:sp>
+        <p:nvSpPr>
+          <p:cNvPr id="33" name="Textfeld 32">
+            <a:extLst>
+              <a:ext uri="{FF2B5EF4-FFF2-40B4-BE49-F238E27FC236}">
+                <a16:creationId xmlns:a16="http://schemas.microsoft.com/office/drawing/2014/main" id="{6B7C4A26-0788-1300-E0B4-3E3BEDFD5A65}"/>
+              </a:ext>
+            </a:extLst>
+          </p:cNvPr>
+          <p:cNvSpPr txBox="1"/>
+          <p:nvPr/>
+        </p:nvSpPr>
+        <p:spPr>
+          <a:xfrm>
+            <a:off x="2783778" y="2507685"/>
+            <a:ext cx="255198" cy="369332"/>
+          </a:xfrm>
+          <a:prstGeom prst="rect">
+            <a:avLst/>
+          </a:prstGeom>
+          <a:noFill/>
+        </p:spPr>
+        <p:txBody>
+          <a:bodyPr wrap="none" rtlCol="0">
+            <a:spAutoFit/>
+          </a:bodyPr>
+          <a:lstStyle/>
+          <a:p>
+            <a:r>
+              <a:rPr lang="de-DE" dirty="0"/>
+              <a:t>-</a:t>
+            </a:r>
+          </a:p>
+        </p:txBody>
+      </p:sp>
+      <mc:AlternateContent xmlns:mc="http://schemas.openxmlformats.org/markup-compatibility/2006">
+        <mc:Choice xmlns:a14="http://schemas.microsoft.com/office/drawing/2010/main" Requires="a14">
+          <p:sp>
+            <p:nvSpPr>
+              <p:cNvPr id="37" name="Rechteck 36">
+                <a:extLst>
+                  <a:ext uri="{FF2B5EF4-FFF2-40B4-BE49-F238E27FC236}">
+                    <a16:creationId xmlns:a16="http://schemas.microsoft.com/office/drawing/2014/main" id="{660A8E19-1957-3F35-79C5-95DC3E1FF5F3}"/>
+                  </a:ext>
+                </a:extLst>
+              </p:cNvPr>
+              <p:cNvSpPr/>
+              <p:nvPr/>
+            </p:nvSpPr>
+            <p:spPr>
+              <a:xfrm>
+                <a:off x="4365400" y="2773016"/>
+                <a:ext cx="560282" cy="338554"/>
+              </a:xfrm>
+              <a:prstGeom prst="rect">
+                <a:avLst/>
+              </a:prstGeom>
+            </p:spPr>
+            <p:txBody>
+              <a:bodyPr wrap="none">
+                <a:spAutoFit/>
+              </a:bodyPr>
+              <a:lstStyle/>
+              <a:p>
+                <a:pPr/>
+                <a14:m>
+                  <m:oMathPara xmlns:m="http://schemas.openxmlformats.org/officeDocument/2006/math">
+                    <m:oMathParaPr>
+                      <m:jc m:val="centerGroup"/>
+                    </m:oMathParaPr>
+                    <m:oMath xmlns:m="http://schemas.openxmlformats.org/officeDocument/2006/math">
+                      <m:sSub>
+                        <m:sSubPr>
+                          <m:ctrlPr>
+                            <a:rPr lang="de-DE" sz="1600" i="1" smtClean="0">
+                              <a:latin typeface="Cambria Math" panose="02040503050406030204" pitchFamily="18" charset="0"/>
+                            </a:rPr>
+                          </m:ctrlPr>
+                        </m:sSubPr>
+                        <m:e>
+                          <m:r>
+                            <a:rPr lang="de-DE" sz="1600">
+                              <a:latin typeface="Cambria Math" panose="02040503050406030204" pitchFamily="18" charset="0"/>
+                            </a:rPr>
+                            <m:t>𝜙</m:t>
+                          </m:r>
+                        </m:e>
+                        <m:sub>
+                          <m:r>
+                            <m:rPr>
+                              <m:sty m:val="p"/>
+                            </m:rPr>
+                            <a:rPr lang="de-DE" sz="1600" b="0" i="0" smtClean="0">
+                              <a:latin typeface="Cambria Math" panose="02040503050406030204" pitchFamily="18" charset="0"/>
+                            </a:rPr>
+                            <m:t>ist</m:t>
+                          </m:r>
+                        </m:sub>
+                      </m:sSub>
+                    </m:oMath>
+                  </m:oMathPara>
+                </a14:m>
+                <a:endParaRPr lang="de-DE" sz="1600" dirty="0"/>
+              </a:p>
+            </p:txBody>
+          </p:sp>
+        </mc:Choice>
+        <mc:Fallback>
+          <p:sp>
+            <p:nvSpPr>
+              <p:cNvPr id="37" name="Rechteck 36">
+                <a:extLst>
+                  <a:ext uri="{FF2B5EF4-FFF2-40B4-BE49-F238E27FC236}">
+                    <a16:creationId xmlns:a16="http://schemas.microsoft.com/office/drawing/2014/main" id="{660A8E19-1957-3F35-79C5-95DC3E1FF5F3}"/>
+                  </a:ext>
+                </a:extLst>
+              </p:cNvPr>
+              <p:cNvSpPr>
+                <a:spLocks noRot="1" noChangeAspect="1" noMove="1" noResize="1" noEditPoints="1" noAdjustHandles="1" noChangeArrowheads="1" noChangeShapeType="1" noTextEdit="1"/>
+              </p:cNvSpPr>
+              <p:nvPr/>
+            </p:nvSpPr>
+            <p:spPr>
+              <a:xfrm>
+                <a:off x="4365400" y="2773016"/>
+                <a:ext cx="560282" cy="338554"/>
+              </a:xfrm>
+              <a:prstGeom prst="rect">
+                <a:avLst/>
+              </a:prstGeom>
+              <a:blipFill>
+                <a:blip r:embed="rId7"/>
+                <a:stretch>
+                  <a:fillRect b="-10909"/>
+                </a:stretch>
+              </a:blipFill>
+            </p:spPr>
+            <p:txBody>
+              <a:bodyPr/>
+              <a:lstStyle/>
+              <a:p>
+                <a:r>
+                  <a:rPr lang="de-DE">
+                    <a:noFill/>
+                  </a:rPr>
+                  <a:t> </a:t>
+                </a:r>
+              </a:p>
+            </p:txBody>
+          </p:sp>
+        </mc:Fallback>
+      </mc:AlternateContent>
+      <mc:AlternateContent xmlns:mc="http://schemas.openxmlformats.org/markup-compatibility/2006">
+        <mc:Choice xmlns:a14="http://schemas.microsoft.com/office/drawing/2010/main" Requires="a14">
+          <p:sp>
+            <p:nvSpPr>
+              <p:cNvPr id="42" name="Rechteck 41">
+                <a:extLst>
+                  <a:ext uri="{FF2B5EF4-FFF2-40B4-BE49-F238E27FC236}">
+                    <a16:creationId xmlns:a16="http://schemas.microsoft.com/office/drawing/2014/main" id="{7F8BCF3C-89FB-F557-BDF5-4A15B3B7A20A}"/>
+                  </a:ext>
+                </a:extLst>
+              </p:cNvPr>
+              <p:cNvSpPr/>
+              <p:nvPr/>
+            </p:nvSpPr>
+            <p:spPr>
+              <a:xfrm>
+                <a:off x="8984205" y="2164110"/>
+                <a:ext cx="397993" cy="369332"/>
+              </a:xfrm>
+              <a:prstGeom prst="rect">
+                <a:avLst/>
+              </a:prstGeom>
+            </p:spPr>
+            <p:txBody>
+              <a:bodyPr wrap="none">
+                <a:spAutoFit/>
+              </a:bodyPr>
+              <a:lstStyle/>
+              <a:p>
+                <a:pPr/>
+                <a14:m>
+                  <m:oMathPara xmlns:m="http://schemas.openxmlformats.org/officeDocument/2006/math">
+                    <m:oMathParaPr>
+                      <m:jc m:val="centerGroup"/>
+                    </m:oMathParaPr>
+                    <m:oMath xmlns:m="http://schemas.openxmlformats.org/officeDocument/2006/math">
+                      <m:r>
+                        <a:rPr lang="x-none">
+                          <a:latin typeface="Cambria Math" panose="02040503050406030204" pitchFamily="18" charset="0"/>
+                        </a:rPr>
+                        <m:t>𝜙</m:t>
+                      </m:r>
+                    </m:oMath>
+                  </m:oMathPara>
+                </a14:m>
+                <a:endParaRPr lang="x-none" dirty="0">
+                  <a:latin typeface="Cambria Math" panose="02040503050406030204" pitchFamily="18" charset="0"/>
+                </a:endParaRPr>
+              </a:p>
+            </p:txBody>
+          </p:sp>
+        </mc:Choice>
+        <mc:Fallback>
+          <p:sp>
+            <p:nvSpPr>
+              <p:cNvPr id="42" name="Rechteck 41">
+                <a:extLst>
+                  <a:ext uri="{FF2B5EF4-FFF2-40B4-BE49-F238E27FC236}">
+                    <a16:creationId xmlns:a16="http://schemas.microsoft.com/office/drawing/2014/main" id="{7F8BCF3C-89FB-F557-BDF5-4A15B3B7A20A}"/>
+                  </a:ext>
+                </a:extLst>
+              </p:cNvPr>
+              <p:cNvSpPr>
+                <a:spLocks noRot="1" noChangeAspect="1" noMove="1" noResize="1" noEditPoints="1" noAdjustHandles="1" noChangeArrowheads="1" noChangeShapeType="1" noTextEdit="1"/>
+              </p:cNvSpPr>
+              <p:nvPr/>
+            </p:nvSpPr>
+            <p:spPr>
+              <a:xfrm>
+                <a:off x="8984205" y="2164110"/>
+                <a:ext cx="397993" cy="369332"/>
+              </a:xfrm>
+              <a:prstGeom prst="rect">
+                <a:avLst/>
+              </a:prstGeom>
+              <a:blipFill>
+                <a:blip r:embed="rId8"/>
+                <a:stretch>
+                  <a:fillRect b="-13115"/>
+                </a:stretch>
+              </a:blipFill>
+            </p:spPr>
+            <p:txBody>
+              <a:bodyPr/>
+              <a:lstStyle/>
+              <a:p>
+                <a:r>
+                  <a:rPr lang="de-DE">
+                    <a:noFill/>
+                  </a:rPr>
+                  <a:t> </a:t>
+                </a:r>
+              </a:p>
+            </p:txBody>
+          </p:sp>
+        </mc:Fallback>
+      </mc:AlternateContent>
+      <mc:AlternateContent xmlns:mc="http://schemas.openxmlformats.org/markup-compatibility/2006">
+        <mc:Choice xmlns:a14="http://schemas.microsoft.com/office/drawing/2010/main" Requires="a14">
+          <p:sp>
+            <p:nvSpPr>
+              <p:cNvPr id="43" name="Rechteck 42">
+                <a:extLst>
+                  <a:ext uri="{FF2B5EF4-FFF2-40B4-BE49-F238E27FC236}">
+                    <a16:creationId xmlns:a16="http://schemas.microsoft.com/office/drawing/2014/main" id="{BEAFB768-17AF-74B2-C36B-47AA2B5E89F7}"/>
+                  </a:ext>
+                </a:extLst>
+              </p:cNvPr>
+              <p:cNvSpPr/>
+              <p:nvPr/>
+            </p:nvSpPr>
+            <p:spPr>
+              <a:xfrm>
+                <a:off x="5238379" y="3568076"/>
+                <a:ext cx="1191224" cy="390748"/>
+              </a:xfrm>
+              <a:prstGeom prst="rect">
+                <a:avLst/>
+              </a:prstGeom>
+            </p:spPr>
+            <p:txBody>
+              <a:bodyPr wrap="none">
+                <a:spAutoFit/>
+              </a:bodyPr>
+              <a:lstStyle/>
+              <a:p>
+                <a:pPr/>
+                <a14:m>
+                  <m:oMathPara xmlns:m="http://schemas.openxmlformats.org/officeDocument/2006/math">
+                    <m:oMathParaPr>
+                      <m:jc m:val="centerGroup"/>
+                    </m:oMathParaPr>
+                    <m:oMath xmlns:m="http://schemas.openxmlformats.org/officeDocument/2006/math">
+                      <m:sSub>
+                        <m:sSubPr>
+                          <m:ctrlPr>
+                            <a:rPr lang="de-DE" i="1" smtClean="0">
+                              <a:latin typeface="Cambria Math" panose="02040503050406030204" pitchFamily="18" charset="0"/>
+                            </a:rPr>
+                          </m:ctrlPr>
+                        </m:sSubPr>
+                        <m:e>
+                          <m:r>
+                            <a:rPr lang="de-DE">
+                              <a:latin typeface="Cambria Math" panose="02040503050406030204" pitchFamily="18" charset="0"/>
+                            </a:rPr>
+                            <m:t>𝜙</m:t>
+                          </m:r>
+                        </m:e>
+                        <m:sub>
+                          <m:r>
+                            <a:rPr lang="de-DE">
+                              <a:latin typeface="Cambria Math" panose="02040503050406030204" pitchFamily="18" charset="0"/>
+                            </a:rPr>
+                            <m:t>𝑊𝑖𝑝𝑝𝑒</m:t>
+                          </m:r>
+                          <m:r>
+                            <a:rPr lang="de-DE" b="0" i="1" smtClean="0">
+                              <a:latin typeface="Cambria Math" panose="02040503050406030204" pitchFamily="18" charset="0"/>
+                            </a:rPr>
+                            <m:t>,</m:t>
+                          </m:r>
+                          <m:r>
+                            <a:rPr lang="de-DE" b="0" i="1" smtClean="0">
+                              <a:latin typeface="Cambria Math" panose="02040503050406030204" pitchFamily="18" charset="0"/>
+                            </a:rPr>
+                            <m:t>𝑖𝑠𝑡</m:t>
+                          </m:r>
+                        </m:sub>
+                      </m:sSub>
+                    </m:oMath>
+                  </m:oMathPara>
+                </a14:m>
+                <a:endParaRPr lang="de-DE" dirty="0"/>
+              </a:p>
+            </p:txBody>
+          </p:sp>
+        </mc:Choice>
+        <mc:Fallback>
+          <p:sp>
+            <p:nvSpPr>
+              <p:cNvPr id="43" name="Rechteck 42">
+                <a:extLst>
+                  <a:ext uri="{FF2B5EF4-FFF2-40B4-BE49-F238E27FC236}">
+                    <a16:creationId xmlns:a16="http://schemas.microsoft.com/office/drawing/2014/main" id="{BEAFB768-17AF-74B2-C36B-47AA2B5E89F7}"/>
+                  </a:ext>
+                </a:extLst>
+              </p:cNvPr>
+              <p:cNvSpPr>
+                <a:spLocks noRot="1" noChangeAspect="1" noMove="1" noResize="1" noEditPoints="1" noAdjustHandles="1" noChangeArrowheads="1" noChangeShapeType="1" noTextEdit="1"/>
+              </p:cNvSpPr>
+              <p:nvPr/>
+            </p:nvSpPr>
+            <p:spPr>
+              <a:xfrm>
+                <a:off x="5238379" y="3568076"/>
+                <a:ext cx="1191224" cy="390748"/>
+              </a:xfrm>
+              <a:prstGeom prst="rect">
+                <a:avLst/>
+              </a:prstGeom>
+              <a:blipFill>
+                <a:blip r:embed="rId9"/>
+                <a:stretch>
+                  <a:fillRect b="-9375"/>
+                </a:stretch>
+              </a:blipFill>
+            </p:spPr>
+            <p:txBody>
+              <a:bodyPr/>
+              <a:lstStyle/>
+              <a:p>
+                <a:r>
+                  <a:rPr lang="de-DE">
+                    <a:noFill/>
+                  </a:rPr>
+                  <a:t> </a:t>
+                </a:r>
+              </a:p>
+            </p:txBody>
+          </p:sp>
+        </mc:Fallback>
+      </mc:AlternateContent>
+      <mc:AlternateContent xmlns:mc="http://schemas.openxmlformats.org/markup-compatibility/2006">
+        <mc:Choice xmlns:a14="http://schemas.microsoft.com/office/drawing/2010/main" Requires="a14">
+          <p:sp>
+            <p:nvSpPr>
+              <p:cNvPr id="44" name="Rechteck 43">
+                <a:extLst>
+                  <a:ext uri="{FF2B5EF4-FFF2-40B4-BE49-F238E27FC236}">
+                    <a16:creationId xmlns:a16="http://schemas.microsoft.com/office/drawing/2014/main" id="{29EE8B88-AA02-05F6-B8B1-1968C135A2D9}"/>
+                  </a:ext>
+                </a:extLst>
+              </p:cNvPr>
+              <p:cNvSpPr/>
+              <p:nvPr/>
+            </p:nvSpPr>
+            <p:spPr>
+              <a:xfrm>
+                <a:off x="6880948" y="3282888"/>
+                <a:ext cx="2622619" cy="658514"/>
+              </a:xfrm>
+              <a:prstGeom prst="rect">
+                <a:avLst/>
+              </a:prstGeom>
+            </p:spPr>
+            <p:txBody>
+              <a:bodyPr wrap="square">
+                <a:spAutoFit/>
+              </a:bodyPr>
+              <a:lstStyle/>
+              <a:p>
+                <a:pPr/>
+                <a:br>
+                  <a:rPr lang="de-DE" dirty="0">
+                    <a:latin typeface="Calibri" panose="020F0502020204030204" pitchFamily="34" charset="0"/>
+                  </a:rPr>
+                </a:br>
+                <a14:m>
+                  <m:oMathPara xmlns:m="http://schemas.openxmlformats.org/officeDocument/2006/math">
+                    <m:oMathParaPr>
+                      <m:jc m:val="centerGroup"/>
+                    </m:oMathParaPr>
+                    <m:oMath xmlns:m="http://schemas.openxmlformats.org/officeDocument/2006/math">
+                      <m:sSub>
+                        <m:sSubPr>
+                          <m:ctrlPr>
+                            <a:rPr lang="de-DE" i="1">
+                              <a:latin typeface="Cambria Math" panose="02040503050406030204" pitchFamily="18" charset="0"/>
+                            </a:rPr>
+                          </m:ctrlPr>
+                        </m:sSubPr>
+                        <m:e>
+                          <m:r>
+                            <a:rPr lang="de-DE">
+                              <a:latin typeface="Cambria Math" panose="02040503050406030204" pitchFamily="18" charset="0"/>
+                            </a:rPr>
+                            <m:t>𝜙</m:t>
+                          </m:r>
+                        </m:e>
+                        <m:sub>
+                          <m:r>
+                            <a:rPr lang="de-DE">
+                              <a:latin typeface="Cambria Math" panose="02040503050406030204" pitchFamily="18" charset="0"/>
+                            </a:rPr>
+                            <m:t>𝑀𝑜𝑡𝑜𝑟</m:t>
+                          </m:r>
+                          <m:r>
+                            <a:rPr lang="de-DE">
+                              <a:latin typeface="Cambria Math" panose="02040503050406030204" pitchFamily="18" charset="0"/>
+                            </a:rPr>
+                            <m:t>,</m:t>
+                          </m:r>
+                          <m:r>
+                            <a:rPr lang="de-DE">
+                              <a:latin typeface="Cambria Math" panose="02040503050406030204" pitchFamily="18" charset="0"/>
+                            </a:rPr>
+                            <m:t>𝑖𝑠𝑡</m:t>
+                          </m:r>
+                        </m:sub>
+                      </m:sSub>
+                    </m:oMath>
+                  </m:oMathPara>
+                </a14:m>
+                <a:endParaRPr lang="de-DE" dirty="0">
+                  <a:latin typeface="Calibri" panose="020F0502020204030204" pitchFamily="34" charset="0"/>
+                </a:endParaRPr>
+              </a:p>
+            </p:txBody>
+          </p:sp>
+        </mc:Choice>
+        <mc:Fallback>
+          <p:sp>
+            <p:nvSpPr>
+              <p:cNvPr id="44" name="Rechteck 43">
+                <a:extLst>
+                  <a:ext uri="{FF2B5EF4-FFF2-40B4-BE49-F238E27FC236}">
+                    <a16:creationId xmlns:a16="http://schemas.microsoft.com/office/drawing/2014/main" id="{29EE8B88-AA02-05F6-B8B1-1968C135A2D9}"/>
+                  </a:ext>
+                </a:extLst>
+              </p:cNvPr>
+              <p:cNvSpPr>
+                <a:spLocks noRot="1" noChangeAspect="1" noMove="1" noResize="1" noEditPoints="1" noAdjustHandles="1" noChangeArrowheads="1" noChangeShapeType="1" noTextEdit="1"/>
+              </p:cNvSpPr>
+              <p:nvPr/>
+            </p:nvSpPr>
+            <p:spPr>
+              <a:xfrm>
+                <a:off x="6880948" y="3282888"/>
+                <a:ext cx="2622619" cy="658514"/>
+              </a:xfrm>
+              <a:prstGeom prst="rect">
+                <a:avLst/>
+              </a:prstGeom>
+              <a:blipFill>
+                <a:blip r:embed="rId10"/>
+                <a:stretch>
+                  <a:fillRect b="-5556"/>
+                </a:stretch>
+              </a:blipFill>
+            </p:spPr>
+            <p:txBody>
+              <a:bodyPr/>
+              <a:lstStyle/>
+              <a:p>
+                <a:r>
+                  <a:rPr lang="de-DE">
+                    <a:noFill/>
+                  </a:rPr>
+                  <a:t> </a:t>
+                </a:r>
+              </a:p>
+            </p:txBody>
+          </p:sp>
+        </mc:Fallback>
+      </mc:AlternateContent>
+      <mc:AlternateContent xmlns:mc="http://schemas.openxmlformats.org/markup-compatibility/2006">
+        <mc:Choice xmlns:a14="http://schemas.microsoft.com/office/drawing/2010/main" Requires="a14">
+          <p:sp>
+            <p:nvSpPr>
+              <p:cNvPr id="48" name="Rechteck 47">
+                <a:extLst>
+                  <a:ext uri="{FF2B5EF4-FFF2-40B4-BE49-F238E27FC236}">
+                    <a16:creationId xmlns:a16="http://schemas.microsoft.com/office/drawing/2014/main" id="{2BDD8FB2-8A92-6779-6E1E-D4084D9E3CD1}"/>
+                  </a:ext>
+                </a:extLst>
+              </p:cNvPr>
+              <p:cNvSpPr/>
+              <p:nvPr/>
+            </p:nvSpPr>
+            <p:spPr>
+              <a:xfrm>
+                <a:off x="6678199" y="2254432"/>
+                <a:ext cx="895273" cy="605790"/>
+              </a:xfrm>
+              <a:prstGeom prst="rect">
+                <a:avLst/>
+              </a:prstGeom>
+              <a:noFill/>
+              <a:ln>
+                <a:solidFill>
+                  <a:schemeClr val="tx1"/>
+                </a:solidFill>
+              </a:ln>
+            </p:spPr>
+            <p:style>
+              <a:lnRef idx="2">
+                <a:schemeClr val="accent6"/>
+              </a:lnRef>
+              <a:fillRef idx="1">
+                <a:schemeClr val="lt1"/>
+              </a:fillRef>
+              <a:effectRef idx="0">
+                <a:schemeClr val="accent6"/>
+              </a:effectRef>
+              <a:fontRef idx="minor">
+                <a:schemeClr val="dk1"/>
+              </a:fontRef>
+            </p:style>
+            <p:txBody>
+              <a:bodyPr rtlCol="0" anchor="ctr"/>
+              <a:lstStyle/>
+              <a:p>
+                <a:pPr algn="ctr"/>
+                <a14:m>
+                  <m:oMathPara xmlns:m="http://schemas.openxmlformats.org/officeDocument/2006/math">
+                    <m:oMathParaPr>
+                      <m:jc m:val="centerGroup"/>
+                    </m:oMathParaPr>
+                    <m:oMath xmlns:m="http://schemas.openxmlformats.org/officeDocument/2006/math">
+                      <m:sSub>
+                        <m:sSubPr>
+                          <m:ctrlPr>
+                            <a:rPr lang="de-DE" sz="2400" b="1" i="1" smtClean="0">
+                              <a:latin typeface="Cambria Math" panose="02040503050406030204" pitchFamily="18" charset="0"/>
+                            </a:rPr>
+                          </m:ctrlPr>
+                        </m:sSubPr>
+                        <m:e>
+                          <m:r>
+                            <a:rPr lang="de-DE" sz="2400" b="1" i="1">
+                              <a:latin typeface="Cambria Math" panose="02040503050406030204" pitchFamily="18" charset="0"/>
+                            </a:rPr>
+                            <m:t>𝑮</m:t>
+                          </m:r>
+                        </m:e>
+                        <m:sub>
+                          <m:r>
+                            <a:rPr lang="de-DE" sz="2400" b="1" i="1" smtClean="0">
+                              <a:latin typeface="Cambria Math" panose="02040503050406030204" pitchFamily="18" charset="0"/>
+                            </a:rPr>
+                            <m:t>𝑺𝒈𝒆𝒔</m:t>
+                          </m:r>
+                        </m:sub>
+                      </m:sSub>
+                    </m:oMath>
+                  </m:oMathPara>
+                </a14:m>
+                <a:endParaRPr lang="de-DE" sz="2400" b="1" dirty="0"/>
+              </a:p>
+            </p:txBody>
+          </p:sp>
+        </mc:Choice>
+        <mc:Fallback>
+          <p:sp>
+            <p:nvSpPr>
+              <p:cNvPr id="48" name="Rechteck 47">
+                <a:extLst>
+                  <a:ext uri="{FF2B5EF4-FFF2-40B4-BE49-F238E27FC236}">
+                    <a16:creationId xmlns:a16="http://schemas.microsoft.com/office/drawing/2014/main" id="{2BDD8FB2-8A92-6779-6E1E-D4084D9E3CD1}"/>
+                  </a:ext>
+                </a:extLst>
+              </p:cNvPr>
+              <p:cNvSpPr>
+                <a:spLocks noRot="1" noChangeAspect="1" noMove="1" noResize="1" noEditPoints="1" noAdjustHandles="1" noChangeArrowheads="1" noChangeShapeType="1" noTextEdit="1"/>
+              </p:cNvSpPr>
+              <p:nvPr/>
+            </p:nvSpPr>
+            <p:spPr>
+              <a:xfrm>
+                <a:off x="6678199" y="2254432"/>
+                <a:ext cx="895273" cy="605790"/>
+              </a:xfrm>
+              <a:prstGeom prst="rect">
+                <a:avLst/>
+              </a:prstGeom>
+              <a:blipFill>
+                <a:blip r:embed="rId11"/>
+                <a:stretch>
+                  <a:fillRect l="-6081"/>
+                </a:stretch>
+              </a:blipFill>
+              <a:ln>
+                <a:solidFill>
+                  <a:schemeClr val="tx1"/>
+                </a:solidFill>
+              </a:ln>
+            </p:spPr>
+            <p:txBody>
+              <a:bodyPr/>
+              <a:lstStyle/>
+              <a:p>
+                <a:r>
+                  <a:rPr lang="de-DE">
+                    <a:noFill/>
+                  </a:rPr>
+                  <a:t> </a:t>
+                </a:r>
+              </a:p>
+            </p:txBody>
+          </p:sp>
+        </mc:Fallback>
+      </mc:AlternateContent>
+    </p:spTree>
+    <p:extLst>
+      <p:ext uri="{BB962C8B-B14F-4D97-AF65-F5344CB8AC3E}">
+        <p14:creationId xmlns:p14="http://schemas.microsoft.com/office/powerpoint/2010/main" val="2547185501"/>
       </p:ext>
     </p:extLst>
   </p:cSld>

--- a/doku/externalFiles/regelkreis.pptx
+++ b/doku/externalFiles/regelkreis.pptx
@@ -6801,8 +6801,8 @@
           <a:chExt cx="0" cy="0"/>
         </a:xfrm>
       </p:grpSpPr>
-      <mc:AlternateContent xmlns:mc="http://schemas.openxmlformats.org/markup-compatibility/2006">
-        <mc:Choice xmlns:a14="http://schemas.microsoft.com/office/drawing/2010/main" Requires="a14">
+      <mc:AlternateContent xmlns:mc="http://schemas.openxmlformats.org/markup-compatibility/2006" xmlns:a14="http://schemas.microsoft.com/office/drawing/2010/main">
+        <mc:Choice Requires="a14">
           <p:sp>
             <p:nvSpPr>
               <p:cNvPr id="2" name="Rechteck 1">
@@ -6888,7 +6888,7 @@
             </p:txBody>
           </p:sp>
         </mc:Choice>
-        <mc:Fallback>
+        <mc:Fallback xmlns="">
           <p:sp>
             <p:nvSpPr>
               <p:cNvPr id="2" name="Rechteck 1">
@@ -6957,7 +6957,7 @@
         <p:spPr>
           <a:xfrm>
             <a:off x="4422222" y="2544637"/>
-            <a:ext cx="2255977" cy="12690"/>
+            <a:ext cx="938082" cy="12690"/>
           </a:xfrm>
           <a:prstGeom prst="straightConnector1">
             <a:avLst/>
@@ -7000,9 +7000,9 @@
           <p:nvPr/>
         </p:nvCxnSpPr>
         <p:spPr>
-          <a:xfrm>
-            <a:off x="7573472" y="2557327"/>
-            <a:ext cx="2102963" cy="0"/>
+          <a:xfrm flipV="1">
+            <a:off x="6255577" y="2555102"/>
+            <a:ext cx="1293303" cy="2225"/>
           </a:xfrm>
           <a:prstGeom prst="straightConnector1">
             <a:avLst/>
@@ -7029,364 +7029,6 @@
           </a:fontRef>
         </p:style>
       </p:cxnSp>
-      <p:sp>
-        <p:nvSpPr>
-          <p:cNvPr id="17" name="Dreieck 31">
-            <a:extLst>
-              <a:ext uri="{FF2B5EF4-FFF2-40B4-BE49-F238E27FC236}">
-                <a16:creationId xmlns:a16="http://schemas.microsoft.com/office/drawing/2014/main" id="{0A49FFC3-D005-A489-6196-1AC5CC2B0262}"/>
-              </a:ext>
-            </a:extLst>
-          </p:cNvPr>
-          <p:cNvSpPr/>
-          <p:nvPr/>
-        </p:nvSpPr>
-        <p:spPr>
-          <a:xfrm rot="16200000">
-            <a:off x="6438577" y="3536483"/>
-            <a:ext cx="1031920" cy="895273"/>
-          </a:xfrm>
-          <a:prstGeom prst="triangle">
-            <a:avLst/>
-          </a:prstGeom>
-          <a:noFill/>
-          <a:ln>
-            <a:solidFill>
-              <a:schemeClr val="tx1"/>
-            </a:solidFill>
-          </a:ln>
-        </p:spPr>
-        <p:style>
-          <a:lnRef idx="2">
-            <a:schemeClr val="accent6"/>
-          </a:lnRef>
-          <a:fillRef idx="1">
-            <a:schemeClr val="lt1"/>
-          </a:fillRef>
-          <a:effectRef idx="0">
-            <a:schemeClr val="accent6"/>
-          </a:effectRef>
-          <a:fontRef idx="minor">
-            <a:schemeClr val="dk1"/>
-          </a:fontRef>
-        </p:style>
-        <p:txBody>
-          <a:bodyPr rtlCol="0" anchor="ctr"/>
-          <a:lstStyle/>
-          <a:p>
-            <a:endParaRPr lang="x-none"/>
-          </a:p>
-        </p:txBody>
-      </p:sp>
-      <mc:AlternateContent xmlns:mc="http://schemas.openxmlformats.org/markup-compatibility/2006">
-        <mc:Choice xmlns:a14="http://schemas.microsoft.com/office/drawing/2010/main" Requires="a14">
-          <p:sp>
-            <p:nvSpPr>
-              <p:cNvPr id="18" name="Textfeld 17">
-                <a:extLst>
-                  <a:ext uri="{FF2B5EF4-FFF2-40B4-BE49-F238E27FC236}">
-                    <a16:creationId xmlns:a16="http://schemas.microsoft.com/office/drawing/2014/main" id="{2A1EB4A6-24C0-0B16-FC99-0CC79B816759}"/>
-                  </a:ext>
-                </a:extLst>
-              </p:cNvPr>
-              <p:cNvSpPr txBox="1"/>
-              <p:nvPr/>
-            </p:nvSpPr>
-            <p:spPr>
-              <a:xfrm>
-                <a:off x="6976354" y="3685686"/>
-                <a:ext cx="449162" cy="887935"/>
-              </a:xfrm>
-              <a:prstGeom prst="rect">
-                <a:avLst/>
-              </a:prstGeom>
-              <a:noFill/>
-            </p:spPr>
-            <p:txBody>
-              <a:bodyPr wrap="none" rtlCol="0">
-                <a:spAutoFit/>
-              </a:bodyPr>
-              <a:lstStyle/>
-              <a:p>
-                <a:pPr/>
-                <a14:m>
-                  <m:oMathPara xmlns:m="http://schemas.openxmlformats.org/officeDocument/2006/math">
-                    <m:oMathParaPr>
-                      <m:jc m:val="centerGroup"/>
-                    </m:oMathParaPr>
-                    <m:oMath xmlns:m="http://schemas.openxmlformats.org/officeDocument/2006/math">
-                      <m:f>
-                        <m:fPr>
-                          <m:ctrlPr>
-                            <a:rPr lang="x-none" i="1" smtClean="0">
-                              <a:latin typeface="Cambria Math" panose="02040503050406030204" pitchFamily="18" charset="0"/>
-                            </a:rPr>
-                          </m:ctrlPr>
-                        </m:fPr>
-                        <m:num>
-                          <m:r>
-                            <a:rPr lang="x-none">
-                              <a:latin typeface="Cambria Math" panose="02040503050406030204" pitchFamily="18" charset="0"/>
-                            </a:rPr>
-                            <m:t>1</m:t>
-                          </m:r>
-                        </m:num>
-                        <m:den>
-                          <m:r>
-                            <a:rPr lang="de-DE" b="0" i="1" smtClean="0">
-                              <a:latin typeface="Cambria Math" panose="02040503050406030204" pitchFamily="18" charset="0"/>
-                            </a:rPr>
-                            <m:t>𝑖</m:t>
-                          </m:r>
-                        </m:den>
-                      </m:f>
-                    </m:oMath>
-                  </m:oMathPara>
-                </a14:m>
-                <a:endParaRPr lang="x-none" dirty="0"/>
-              </a:p>
-              <a:p>
-                <a:endParaRPr lang="de-DE" dirty="0"/>
-              </a:p>
-            </p:txBody>
-          </p:sp>
-        </mc:Choice>
-        <mc:Fallback>
-          <p:sp>
-            <p:nvSpPr>
-              <p:cNvPr id="18" name="Textfeld 17">
-                <a:extLst>
-                  <a:ext uri="{FF2B5EF4-FFF2-40B4-BE49-F238E27FC236}">
-                    <a16:creationId xmlns:a16="http://schemas.microsoft.com/office/drawing/2014/main" id="{2A1EB4A6-24C0-0B16-FC99-0CC79B816759}"/>
-                  </a:ext>
-                </a:extLst>
-              </p:cNvPr>
-              <p:cNvSpPr txBox="1">
-                <a:spLocks noRot="1" noChangeAspect="1" noMove="1" noResize="1" noEditPoints="1" noAdjustHandles="1" noChangeArrowheads="1" noChangeShapeType="1" noTextEdit="1"/>
-              </p:cNvSpPr>
-              <p:nvPr/>
-            </p:nvSpPr>
-            <p:spPr>
-              <a:xfrm>
-                <a:off x="6976354" y="3685686"/>
-                <a:ext cx="449162" cy="887935"/>
-              </a:xfrm>
-              <a:prstGeom prst="rect">
-                <a:avLst/>
-              </a:prstGeom>
-              <a:blipFill>
-                <a:blip r:embed="rId3"/>
-                <a:stretch>
-                  <a:fillRect/>
-                </a:stretch>
-              </a:blipFill>
-            </p:spPr>
-            <p:txBody>
-              <a:bodyPr/>
-              <a:lstStyle/>
-              <a:p>
-                <a:r>
-                  <a:rPr lang="de-DE">
-                    <a:noFill/>
-                  </a:rPr>
-                  <a:t> </a:t>
-                </a:r>
-              </a:p>
-            </p:txBody>
-          </p:sp>
-        </mc:Fallback>
-      </mc:AlternateContent>
-      <p:sp>
-        <p:nvSpPr>
-          <p:cNvPr id="19" name="Oval 14">
-            <a:extLst>
-              <a:ext uri="{FF2B5EF4-FFF2-40B4-BE49-F238E27FC236}">
-                <a16:creationId xmlns:a16="http://schemas.microsoft.com/office/drawing/2014/main" id="{ED8417F8-FA84-E1E5-49D8-52A3A93D802A}"/>
-              </a:ext>
-            </a:extLst>
-          </p:cNvPr>
-          <p:cNvSpPr/>
-          <p:nvPr/>
-        </p:nvSpPr>
-        <p:spPr>
-          <a:xfrm>
-            <a:off x="8776208" y="2477475"/>
-            <a:ext cx="180000" cy="180000"/>
-          </a:xfrm>
-          <a:prstGeom prst="ellipse">
-            <a:avLst/>
-          </a:prstGeom>
-        </p:spPr>
-        <p:style>
-          <a:lnRef idx="2">
-            <a:schemeClr val="dk1">
-              <a:shade val="50000"/>
-            </a:schemeClr>
-          </a:lnRef>
-          <a:fillRef idx="1">
-            <a:schemeClr val="dk1"/>
-          </a:fillRef>
-          <a:effectRef idx="0">
-            <a:schemeClr val="dk1"/>
-          </a:effectRef>
-          <a:fontRef idx="minor">
-            <a:schemeClr val="lt1"/>
-          </a:fontRef>
-        </p:style>
-        <p:txBody>
-          <a:bodyPr rtlCol="0" anchor="ctr"/>
-          <a:lstStyle/>
-          <a:p>
-            <a:pPr algn="ctr"/>
-            <a:endParaRPr lang="de-DE"/>
-          </a:p>
-        </p:txBody>
-      </p:sp>
-      <p:cxnSp>
-        <p:nvCxnSpPr>
-          <p:cNvPr id="20" name="Gewinkelte Verbindung 19">
-            <a:extLst>
-              <a:ext uri="{FF2B5EF4-FFF2-40B4-BE49-F238E27FC236}">
-                <a16:creationId xmlns:a16="http://schemas.microsoft.com/office/drawing/2014/main" id="{8FDD7819-F3CF-470C-B621-020A671B2BBE}"/>
-              </a:ext>
-            </a:extLst>
-          </p:cNvPr>
-          <p:cNvCxnSpPr>
-            <a:cxnSpLocks/>
-          </p:cNvCxnSpPr>
-          <p:nvPr/>
-        </p:nvCxnSpPr>
-        <p:spPr>
-          <a:xfrm rot="10800000" flipV="1">
-            <a:off x="7396938" y="2544636"/>
-            <a:ext cx="1469270" cy="1439621"/>
-          </a:xfrm>
-          <a:prstGeom prst="bentConnector3">
-            <a:avLst>
-              <a:gd name="adj1" fmla="val -418"/>
-            </a:avLst>
-          </a:prstGeom>
-          <a:ln w="28575">
-            <a:solidFill>
-              <a:schemeClr val="tx1"/>
-            </a:solidFill>
-            <a:tailEnd type="triangle"/>
-          </a:ln>
-        </p:spPr>
-        <p:style>
-          <a:lnRef idx="1">
-            <a:schemeClr val="accent1"/>
-          </a:lnRef>
-          <a:fillRef idx="0">
-            <a:schemeClr val="accent1"/>
-          </a:fillRef>
-          <a:effectRef idx="0">
-            <a:schemeClr val="accent1"/>
-          </a:effectRef>
-          <a:fontRef idx="minor">
-            <a:schemeClr val="tx1"/>
-          </a:fontRef>
-        </p:style>
-      </p:cxnSp>
-      <p:cxnSp>
-        <p:nvCxnSpPr>
-          <p:cNvPr id="21" name="Gewinkelte Verbindung 41">
-            <a:extLst>
-              <a:ext uri="{FF2B5EF4-FFF2-40B4-BE49-F238E27FC236}">
-                <a16:creationId xmlns:a16="http://schemas.microsoft.com/office/drawing/2014/main" id="{57A7748F-A7DB-09E2-A160-2E9E3529F7D7}"/>
-              </a:ext>
-            </a:extLst>
-          </p:cNvPr>
-          <p:cNvCxnSpPr>
-            <a:cxnSpLocks/>
-            <a:endCxn id="22" idx="4"/>
-          </p:cNvCxnSpPr>
-          <p:nvPr/>
-        </p:nvCxnSpPr>
-        <p:spPr>
-          <a:xfrm rot="10800000">
-            <a:off x="4881963" y="2634638"/>
-            <a:ext cx="1634584" cy="1341079"/>
-          </a:xfrm>
-          <a:prstGeom prst="bentConnector2">
-            <a:avLst/>
-          </a:prstGeom>
-          <a:ln w="28575">
-            <a:solidFill>
-              <a:schemeClr val="tx1"/>
-            </a:solidFill>
-            <a:tailEnd type="triangle"/>
-          </a:ln>
-        </p:spPr>
-        <p:style>
-          <a:lnRef idx="1">
-            <a:schemeClr val="accent1"/>
-          </a:lnRef>
-          <a:fillRef idx="0">
-            <a:schemeClr val="accent1"/>
-          </a:fillRef>
-          <a:effectRef idx="0">
-            <a:schemeClr val="accent1"/>
-          </a:effectRef>
-          <a:fontRef idx="minor">
-            <a:schemeClr val="tx1"/>
-          </a:fontRef>
-        </p:style>
-      </p:cxnSp>
-      <p:sp>
-        <p:nvSpPr>
-          <p:cNvPr id="22" name="Oval 44">
-            <a:extLst>
-              <a:ext uri="{FF2B5EF4-FFF2-40B4-BE49-F238E27FC236}">
-                <a16:creationId xmlns:a16="http://schemas.microsoft.com/office/drawing/2014/main" id="{441C0C23-10CD-6A2C-30A1-6B29D6D6BD86}"/>
-              </a:ext>
-            </a:extLst>
-          </p:cNvPr>
-          <p:cNvSpPr/>
-          <p:nvPr/>
-        </p:nvSpPr>
-        <p:spPr>
-          <a:xfrm>
-            <a:off x="4791963" y="2454637"/>
-            <a:ext cx="180000" cy="180000"/>
-          </a:xfrm>
-          <a:prstGeom prst="ellipse">
-            <a:avLst/>
-          </a:prstGeom>
-          <a:solidFill>
-            <a:schemeClr val="bg1"/>
-          </a:solidFill>
-          <a:ln w="28575">
-            <a:solidFill>
-              <a:schemeClr val="tx1"/>
-            </a:solidFill>
-          </a:ln>
-        </p:spPr>
-        <p:style>
-          <a:lnRef idx="2">
-            <a:schemeClr val="dk1">
-              <a:shade val="50000"/>
-            </a:schemeClr>
-          </a:lnRef>
-          <a:fillRef idx="1">
-            <a:schemeClr val="dk1"/>
-          </a:fillRef>
-          <a:effectRef idx="0">
-            <a:schemeClr val="dk1"/>
-          </a:effectRef>
-          <a:fontRef idx="minor">
-            <a:schemeClr val="lt1"/>
-          </a:fontRef>
-        </p:style>
-        <p:txBody>
-          <a:bodyPr rtlCol="0" anchor="ctr"/>
-          <a:lstStyle/>
-          <a:p>
-            <a:pPr algn="ctr"/>
-            <a:endParaRPr lang="de-DE"/>
-          </a:p>
-        </p:txBody>
-      </p:sp>
       <p:cxnSp>
         <p:nvCxnSpPr>
           <p:cNvPr id="26" name="Gerade Verbindung mit Pfeil 25">
@@ -7530,8 +7172,8 @@
           </a:fontRef>
         </p:style>
       </p:cxnSp>
-      <mc:AlternateContent xmlns:mc="http://schemas.openxmlformats.org/markup-compatibility/2006">
-        <mc:Choice xmlns:a14="http://schemas.microsoft.com/office/drawing/2010/main" Requires="a14">
+      <mc:AlternateContent xmlns:mc="http://schemas.openxmlformats.org/markup-compatibility/2006" xmlns:a14="http://schemas.microsoft.com/office/drawing/2010/main">
+        <mc:Choice Requires="a14">
           <p:sp>
             <p:nvSpPr>
               <p:cNvPr id="29" name="Rechteck 28">
@@ -7601,7 +7243,7 @@
             </p:txBody>
           </p:sp>
         </mc:Choice>
-        <mc:Fallback>
+        <mc:Fallback xmlns="">
           <p:sp>
             <p:nvSpPr>
               <p:cNvPr id="29" name="Rechteck 28">
@@ -7646,8 +7288,8 @@
           </p:sp>
         </mc:Fallback>
       </mc:AlternateContent>
-      <mc:AlternateContent xmlns:mc="http://schemas.openxmlformats.org/markup-compatibility/2006">
-        <mc:Choice xmlns:a14="http://schemas.microsoft.com/office/drawing/2010/main" Requires="a14">
+      <mc:AlternateContent xmlns:mc="http://schemas.openxmlformats.org/markup-compatibility/2006" xmlns:a14="http://schemas.microsoft.com/office/drawing/2010/main">
+        <mc:Choice Requires="a14">
           <p:sp>
             <p:nvSpPr>
               <p:cNvPr id="30" name="Rechteck 29">
@@ -7717,7 +7359,7 @@
             </p:txBody>
           </p:sp>
         </mc:Choice>
-        <mc:Fallback>
+        <mc:Fallback xmlns="">
           <p:sp>
             <p:nvSpPr>
               <p:cNvPr id="30" name="Rechteck 29">
@@ -7762,8 +7404,8 @@
           </p:sp>
         </mc:Fallback>
       </mc:AlternateContent>
-      <mc:AlternateContent xmlns:mc="http://schemas.openxmlformats.org/markup-compatibility/2006">
-        <mc:Choice xmlns:a14="http://schemas.microsoft.com/office/drawing/2010/main" Requires="a14">
+      <mc:AlternateContent xmlns:mc="http://schemas.openxmlformats.org/markup-compatibility/2006" xmlns:a14="http://schemas.microsoft.com/office/drawing/2010/main">
+        <mc:Choice Requires="a14">
           <p:sp>
             <p:nvSpPr>
               <p:cNvPr id="31" name="Rechteck 30">
@@ -7831,7 +7473,7 @@
             </p:txBody>
           </p:sp>
         </mc:Choice>
-        <mc:Fallback>
+        <mc:Fallback xmlns="">
           <p:sp>
             <p:nvSpPr>
               <p:cNvPr id="31" name="Rechteck 30">
@@ -7878,41 +7520,6 @@
       </mc:AlternateContent>
       <p:sp>
         <p:nvSpPr>
-          <p:cNvPr id="32" name="Textfeld 31">
-            <a:extLst>
-              <a:ext uri="{FF2B5EF4-FFF2-40B4-BE49-F238E27FC236}">
-                <a16:creationId xmlns:a16="http://schemas.microsoft.com/office/drawing/2014/main" id="{3D3E50A2-AA9C-4259-0A4C-C552D07230BD}"/>
-              </a:ext>
-            </a:extLst>
-          </p:cNvPr>
-          <p:cNvSpPr txBox="1"/>
-          <p:nvPr/>
-        </p:nvSpPr>
-        <p:spPr>
-          <a:xfrm>
-            <a:off x="4569993" y="2454637"/>
-            <a:ext cx="255198" cy="369332"/>
-          </a:xfrm>
-          <a:prstGeom prst="rect">
-            <a:avLst/>
-          </a:prstGeom>
-          <a:noFill/>
-        </p:spPr>
-        <p:txBody>
-          <a:bodyPr wrap="none" rtlCol="0">
-            <a:spAutoFit/>
-          </a:bodyPr>
-          <a:lstStyle/>
-          <a:p>
-            <a:r>
-              <a:rPr lang="de-DE" dirty="0"/>
-              <a:t>-</a:t>
-            </a:r>
-          </a:p>
-        </p:txBody>
-      </p:sp>
-      <p:sp>
-        <p:nvSpPr>
           <p:cNvPr id="33" name="Textfeld 32">
             <a:extLst>
               <a:ext uri="{FF2B5EF4-FFF2-40B4-BE49-F238E27FC236}">
@@ -7950,123 +7557,6 @@
         <mc:Choice xmlns:a14="http://schemas.microsoft.com/office/drawing/2010/main" Requires="a14">
           <p:sp>
             <p:nvSpPr>
-              <p:cNvPr id="37" name="Rechteck 36">
-                <a:extLst>
-                  <a:ext uri="{FF2B5EF4-FFF2-40B4-BE49-F238E27FC236}">
-                    <a16:creationId xmlns:a16="http://schemas.microsoft.com/office/drawing/2014/main" id="{660A8E19-1957-3F35-79C5-95DC3E1FF5F3}"/>
-                  </a:ext>
-                </a:extLst>
-              </p:cNvPr>
-              <p:cNvSpPr/>
-              <p:nvPr/>
-            </p:nvSpPr>
-            <p:spPr>
-              <a:xfrm>
-                <a:off x="4365400" y="2773016"/>
-                <a:ext cx="560282" cy="338554"/>
-              </a:xfrm>
-              <a:prstGeom prst="rect">
-                <a:avLst/>
-              </a:prstGeom>
-            </p:spPr>
-            <p:txBody>
-              <a:bodyPr wrap="none">
-                <a:spAutoFit/>
-              </a:bodyPr>
-              <a:lstStyle/>
-              <a:p>
-                <a:pPr/>
-                <a14:m>
-                  <m:oMathPara xmlns:m="http://schemas.openxmlformats.org/officeDocument/2006/math">
-                    <m:oMathParaPr>
-                      <m:jc m:val="centerGroup"/>
-                    </m:oMathParaPr>
-                    <m:oMath xmlns:m="http://schemas.openxmlformats.org/officeDocument/2006/math">
-                      <m:sSub>
-                        <m:sSubPr>
-                          <m:ctrlPr>
-                            <a:rPr lang="de-DE" sz="1600" i="1" smtClean="0">
-                              <a:latin typeface="Cambria Math" panose="02040503050406030204" pitchFamily="18" charset="0"/>
-                            </a:rPr>
-                          </m:ctrlPr>
-                        </m:sSubPr>
-                        <m:e>
-                          <m:r>
-                            <a:rPr lang="de-DE" sz="1600">
-                              <a:latin typeface="Cambria Math" panose="02040503050406030204" pitchFamily="18" charset="0"/>
-                            </a:rPr>
-                            <m:t>𝜙</m:t>
-                          </m:r>
-                        </m:e>
-                        <m:sub>
-                          <m:r>
-                            <m:rPr>
-                              <m:sty m:val="p"/>
-                            </m:rPr>
-                            <a:rPr lang="de-DE" sz="1600" b="0" i="0" smtClean="0">
-                              <a:latin typeface="Cambria Math" panose="02040503050406030204" pitchFamily="18" charset="0"/>
-                            </a:rPr>
-                            <m:t>ist</m:t>
-                          </m:r>
-                        </m:sub>
-                      </m:sSub>
-                    </m:oMath>
-                  </m:oMathPara>
-                </a14:m>
-                <a:endParaRPr lang="de-DE" sz="1600" dirty="0"/>
-              </a:p>
-            </p:txBody>
-          </p:sp>
-        </mc:Choice>
-        <mc:Fallback>
-          <p:sp>
-            <p:nvSpPr>
-              <p:cNvPr id="37" name="Rechteck 36">
-                <a:extLst>
-                  <a:ext uri="{FF2B5EF4-FFF2-40B4-BE49-F238E27FC236}">
-                    <a16:creationId xmlns:a16="http://schemas.microsoft.com/office/drawing/2014/main" id="{660A8E19-1957-3F35-79C5-95DC3E1FF5F3}"/>
-                  </a:ext>
-                </a:extLst>
-              </p:cNvPr>
-              <p:cNvSpPr>
-                <a:spLocks noRot="1" noChangeAspect="1" noMove="1" noResize="1" noEditPoints="1" noAdjustHandles="1" noChangeArrowheads="1" noChangeShapeType="1" noTextEdit="1"/>
-              </p:cNvSpPr>
-              <p:nvPr/>
-            </p:nvSpPr>
-            <p:spPr>
-              <a:xfrm>
-                <a:off x="4365400" y="2773016"/>
-                <a:ext cx="560282" cy="338554"/>
-              </a:xfrm>
-              <a:prstGeom prst="rect">
-                <a:avLst/>
-              </a:prstGeom>
-              <a:blipFill>
-                <a:blip r:embed="rId7"/>
-                <a:stretch>
-                  <a:fillRect b="-10909"/>
-                </a:stretch>
-              </a:blipFill>
-            </p:spPr>
-            <p:txBody>
-              <a:bodyPr/>
-              <a:lstStyle/>
-              <a:p>
-                <a:r>
-                  <a:rPr lang="de-DE">
-                    <a:noFill/>
-                  </a:rPr>
-                  <a:t> </a:t>
-                </a:r>
-              </a:p>
-            </p:txBody>
-          </p:sp>
-        </mc:Fallback>
-      </mc:AlternateContent>
-      <mc:AlternateContent xmlns:mc="http://schemas.openxmlformats.org/markup-compatibility/2006">
-        <mc:Choice xmlns:a14="http://schemas.microsoft.com/office/drawing/2010/main" Requires="a14">
-          <p:sp>
-            <p:nvSpPr>
               <p:cNvPr id="42" name="Rechteck 41">
                 <a:extLst>
                   <a:ext uri="{FF2B5EF4-FFF2-40B4-BE49-F238E27FC236}">
@@ -8079,15 +7569,15 @@
             </p:nvSpPr>
             <p:spPr>
               <a:xfrm>
-                <a:off x="8984205" y="2164110"/>
-                <a:ext cx="397993" cy="369332"/>
+                <a:off x="6850510" y="2138353"/>
+                <a:ext cx="474755" cy="369332"/>
               </a:xfrm>
               <a:prstGeom prst="rect">
                 <a:avLst/>
               </a:prstGeom>
             </p:spPr>
             <p:txBody>
-              <a:bodyPr wrap="none">
+              <a:bodyPr wrap="square">
                 <a:spAutoFit/>
               </a:bodyPr>
               <a:lstStyle/>
@@ -8132,275 +7622,16 @@
             </p:nvSpPr>
             <p:spPr>
               <a:xfrm>
-                <a:off x="8984205" y="2164110"/>
-                <a:ext cx="397993" cy="369332"/>
+                <a:off x="6850510" y="2138353"/>
+                <a:ext cx="474755" cy="369332"/>
               </a:xfrm>
               <a:prstGeom prst="rect">
                 <a:avLst/>
               </a:prstGeom>
               <a:blipFill>
-                <a:blip r:embed="rId8"/>
+                <a:blip r:embed="rId7"/>
                 <a:stretch>
-                  <a:fillRect b="-13115"/>
-                </a:stretch>
-              </a:blipFill>
-            </p:spPr>
-            <p:txBody>
-              <a:bodyPr/>
-              <a:lstStyle/>
-              <a:p>
-                <a:r>
-                  <a:rPr lang="de-DE">
-                    <a:noFill/>
-                  </a:rPr>
-                  <a:t> </a:t>
-                </a:r>
-              </a:p>
-            </p:txBody>
-          </p:sp>
-        </mc:Fallback>
-      </mc:AlternateContent>
-      <mc:AlternateContent xmlns:mc="http://schemas.openxmlformats.org/markup-compatibility/2006">
-        <mc:Choice xmlns:a14="http://schemas.microsoft.com/office/drawing/2010/main" Requires="a14">
-          <p:sp>
-            <p:nvSpPr>
-              <p:cNvPr id="43" name="Rechteck 42">
-                <a:extLst>
-                  <a:ext uri="{FF2B5EF4-FFF2-40B4-BE49-F238E27FC236}">
-                    <a16:creationId xmlns:a16="http://schemas.microsoft.com/office/drawing/2014/main" id="{BEAFB768-17AF-74B2-C36B-47AA2B5E89F7}"/>
-                  </a:ext>
-                </a:extLst>
-              </p:cNvPr>
-              <p:cNvSpPr/>
-              <p:nvPr/>
-            </p:nvSpPr>
-            <p:spPr>
-              <a:xfrm>
-                <a:off x="5238379" y="3568076"/>
-                <a:ext cx="1191224" cy="390748"/>
-              </a:xfrm>
-              <a:prstGeom prst="rect">
-                <a:avLst/>
-              </a:prstGeom>
-            </p:spPr>
-            <p:txBody>
-              <a:bodyPr wrap="none">
-                <a:spAutoFit/>
-              </a:bodyPr>
-              <a:lstStyle/>
-              <a:p>
-                <a:pPr/>
-                <a14:m>
-                  <m:oMathPara xmlns:m="http://schemas.openxmlformats.org/officeDocument/2006/math">
-                    <m:oMathParaPr>
-                      <m:jc m:val="centerGroup"/>
-                    </m:oMathParaPr>
-                    <m:oMath xmlns:m="http://schemas.openxmlformats.org/officeDocument/2006/math">
-                      <m:sSub>
-                        <m:sSubPr>
-                          <m:ctrlPr>
-                            <a:rPr lang="de-DE" i="1" smtClean="0">
-                              <a:latin typeface="Cambria Math" panose="02040503050406030204" pitchFamily="18" charset="0"/>
-                            </a:rPr>
-                          </m:ctrlPr>
-                        </m:sSubPr>
-                        <m:e>
-                          <m:r>
-                            <a:rPr lang="de-DE">
-                              <a:latin typeface="Cambria Math" panose="02040503050406030204" pitchFamily="18" charset="0"/>
-                            </a:rPr>
-                            <m:t>𝜙</m:t>
-                          </m:r>
-                        </m:e>
-                        <m:sub>
-                          <m:r>
-                            <a:rPr lang="de-DE">
-                              <a:latin typeface="Cambria Math" panose="02040503050406030204" pitchFamily="18" charset="0"/>
-                            </a:rPr>
-                            <m:t>𝑊𝑖𝑝𝑝𝑒</m:t>
-                          </m:r>
-                          <m:r>
-                            <a:rPr lang="de-DE" b="0" i="1" smtClean="0">
-                              <a:latin typeface="Cambria Math" panose="02040503050406030204" pitchFamily="18" charset="0"/>
-                            </a:rPr>
-                            <m:t>,</m:t>
-                          </m:r>
-                          <m:r>
-                            <a:rPr lang="de-DE" b="0" i="1" smtClean="0">
-                              <a:latin typeface="Cambria Math" panose="02040503050406030204" pitchFamily="18" charset="0"/>
-                            </a:rPr>
-                            <m:t>𝑖𝑠𝑡</m:t>
-                          </m:r>
-                        </m:sub>
-                      </m:sSub>
-                    </m:oMath>
-                  </m:oMathPara>
-                </a14:m>
-                <a:endParaRPr lang="de-DE" dirty="0"/>
-              </a:p>
-            </p:txBody>
-          </p:sp>
-        </mc:Choice>
-        <mc:Fallback>
-          <p:sp>
-            <p:nvSpPr>
-              <p:cNvPr id="43" name="Rechteck 42">
-                <a:extLst>
-                  <a:ext uri="{FF2B5EF4-FFF2-40B4-BE49-F238E27FC236}">
-                    <a16:creationId xmlns:a16="http://schemas.microsoft.com/office/drawing/2014/main" id="{BEAFB768-17AF-74B2-C36B-47AA2B5E89F7}"/>
-                  </a:ext>
-                </a:extLst>
-              </p:cNvPr>
-              <p:cNvSpPr>
-                <a:spLocks noRot="1" noChangeAspect="1" noMove="1" noResize="1" noEditPoints="1" noAdjustHandles="1" noChangeArrowheads="1" noChangeShapeType="1" noTextEdit="1"/>
-              </p:cNvSpPr>
-              <p:nvPr/>
-            </p:nvSpPr>
-            <p:spPr>
-              <a:xfrm>
-                <a:off x="5238379" y="3568076"/>
-                <a:ext cx="1191224" cy="390748"/>
-              </a:xfrm>
-              <a:prstGeom prst="rect">
-                <a:avLst/>
-              </a:prstGeom>
-              <a:blipFill>
-                <a:blip r:embed="rId9"/>
-                <a:stretch>
-                  <a:fillRect b="-9375"/>
-                </a:stretch>
-              </a:blipFill>
-            </p:spPr>
-            <p:txBody>
-              <a:bodyPr/>
-              <a:lstStyle/>
-              <a:p>
-                <a:r>
-                  <a:rPr lang="de-DE">
-                    <a:noFill/>
-                  </a:rPr>
-                  <a:t> </a:t>
-                </a:r>
-              </a:p>
-            </p:txBody>
-          </p:sp>
-        </mc:Fallback>
-      </mc:AlternateContent>
-      <mc:AlternateContent xmlns:mc="http://schemas.openxmlformats.org/markup-compatibility/2006">
-        <mc:Choice xmlns:a14="http://schemas.microsoft.com/office/drawing/2010/main" Requires="a14">
-          <p:sp>
-            <p:nvSpPr>
-              <p:cNvPr id="44" name="Rechteck 43">
-                <a:extLst>
-                  <a:ext uri="{FF2B5EF4-FFF2-40B4-BE49-F238E27FC236}">
-                    <a16:creationId xmlns:a16="http://schemas.microsoft.com/office/drawing/2014/main" id="{29EE8B88-AA02-05F6-B8B1-1968C135A2D9}"/>
-                  </a:ext>
-                </a:extLst>
-              </p:cNvPr>
-              <p:cNvSpPr/>
-              <p:nvPr/>
-            </p:nvSpPr>
-            <p:spPr>
-              <a:xfrm>
-                <a:off x="6880948" y="3282888"/>
-                <a:ext cx="2622619" cy="658514"/>
-              </a:xfrm>
-              <a:prstGeom prst="rect">
-                <a:avLst/>
-              </a:prstGeom>
-            </p:spPr>
-            <p:txBody>
-              <a:bodyPr wrap="square">
-                <a:spAutoFit/>
-              </a:bodyPr>
-              <a:lstStyle/>
-              <a:p>
-                <a:pPr/>
-                <a:br>
-                  <a:rPr lang="de-DE" dirty="0">
-                    <a:latin typeface="Calibri" panose="020F0502020204030204" pitchFamily="34" charset="0"/>
-                  </a:rPr>
-                </a:br>
-                <a14:m>
-                  <m:oMathPara xmlns:m="http://schemas.openxmlformats.org/officeDocument/2006/math">
-                    <m:oMathParaPr>
-                      <m:jc m:val="centerGroup"/>
-                    </m:oMathParaPr>
-                    <m:oMath xmlns:m="http://schemas.openxmlformats.org/officeDocument/2006/math">
-                      <m:sSub>
-                        <m:sSubPr>
-                          <m:ctrlPr>
-                            <a:rPr lang="de-DE" i="1">
-                              <a:latin typeface="Cambria Math" panose="02040503050406030204" pitchFamily="18" charset="0"/>
-                            </a:rPr>
-                          </m:ctrlPr>
-                        </m:sSubPr>
-                        <m:e>
-                          <m:r>
-                            <a:rPr lang="de-DE">
-                              <a:latin typeface="Cambria Math" panose="02040503050406030204" pitchFamily="18" charset="0"/>
-                            </a:rPr>
-                            <m:t>𝜙</m:t>
-                          </m:r>
-                        </m:e>
-                        <m:sub>
-                          <m:r>
-                            <a:rPr lang="de-DE">
-                              <a:latin typeface="Cambria Math" panose="02040503050406030204" pitchFamily="18" charset="0"/>
-                            </a:rPr>
-                            <m:t>𝑀𝑜𝑡𝑜𝑟</m:t>
-                          </m:r>
-                          <m:r>
-                            <a:rPr lang="de-DE">
-                              <a:latin typeface="Cambria Math" panose="02040503050406030204" pitchFamily="18" charset="0"/>
-                            </a:rPr>
-                            <m:t>,</m:t>
-                          </m:r>
-                          <m:r>
-                            <a:rPr lang="de-DE">
-                              <a:latin typeface="Cambria Math" panose="02040503050406030204" pitchFamily="18" charset="0"/>
-                            </a:rPr>
-                            <m:t>𝑖𝑠𝑡</m:t>
-                          </m:r>
-                        </m:sub>
-                      </m:sSub>
-                    </m:oMath>
-                  </m:oMathPara>
-                </a14:m>
-                <a:endParaRPr lang="de-DE" dirty="0">
-                  <a:latin typeface="Calibri" panose="020F0502020204030204" pitchFamily="34" charset="0"/>
-                </a:endParaRPr>
-              </a:p>
-            </p:txBody>
-          </p:sp>
-        </mc:Choice>
-        <mc:Fallback>
-          <p:sp>
-            <p:nvSpPr>
-              <p:cNvPr id="44" name="Rechteck 43">
-                <a:extLst>
-                  <a:ext uri="{FF2B5EF4-FFF2-40B4-BE49-F238E27FC236}">
-                    <a16:creationId xmlns:a16="http://schemas.microsoft.com/office/drawing/2014/main" id="{29EE8B88-AA02-05F6-B8B1-1968C135A2D9}"/>
-                  </a:ext>
-                </a:extLst>
-              </p:cNvPr>
-              <p:cNvSpPr>
-                <a:spLocks noRot="1" noChangeAspect="1" noMove="1" noResize="1" noEditPoints="1" noAdjustHandles="1" noChangeArrowheads="1" noChangeShapeType="1" noTextEdit="1"/>
-              </p:cNvSpPr>
-              <p:nvPr/>
-            </p:nvSpPr>
-            <p:spPr>
-              <a:xfrm>
-                <a:off x="6880948" y="3282888"/>
-                <a:ext cx="2622619" cy="658514"/>
-              </a:xfrm>
-              <a:prstGeom prst="rect">
-                <a:avLst/>
-              </a:prstGeom>
-              <a:blipFill>
-                <a:blip r:embed="rId10"/>
-                <a:stretch>
-                  <a:fillRect b="-5556"/>
+                  <a:fillRect b="-15000"/>
                 </a:stretch>
               </a:blipFill>
             </p:spPr>
@@ -8435,7 +7666,7 @@
             </p:nvSpPr>
             <p:spPr>
               <a:xfrm>
-                <a:off x="6678199" y="2254432"/>
+                <a:off x="5360304" y="2254432"/>
                 <a:ext cx="895273" cy="605790"/>
               </a:xfrm>
               <a:prstGeom prst="rect">
@@ -8523,16 +7754,16 @@
             </p:nvSpPr>
             <p:spPr>
               <a:xfrm>
-                <a:off x="6678199" y="2254432"/>
+                <a:off x="5360304" y="2254432"/>
                 <a:ext cx="895273" cy="605790"/>
               </a:xfrm>
               <a:prstGeom prst="rect">
                 <a:avLst/>
               </a:prstGeom>
               <a:blipFill>
-                <a:blip r:embed="rId11"/>
+                <a:blip r:embed="rId8"/>
                 <a:stretch>
-                  <a:fillRect l="-6081"/>
+                  <a:fillRect l="-5369"/>
                 </a:stretch>
               </a:blipFill>
               <a:ln>
